--- a/Présentation Oral.pptx
+++ b/Présentation Oral.pptx
@@ -126,7 +126,7 @@
   </p:defaultTextStyle>
   <p:extLst>
     <p:ext uri="{EFAFB233-063F-42B5-8137-9DF3F51BA10A}">
-      <p15:sldGuideLst xmlns:p15="http://schemas.microsoft.com/office/powerpoint/2012/main" xmlns="">
+      <p15:sldGuideLst xmlns:p15="http://schemas.microsoft.com/office/powerpoint/2012/main">
         <p15:guide id="1" orient="horz" pos="2160">
           <p15:clr>
             <a:srgbClr val="A4A3A4"/>
@@ -144,7 +144,7 @@
 </file>
 
 <file path=ppt/charts/chart1.xml><?xml version="1.0" encoding="utf-8"?>
-<c:chartSpace xmlns:c="http://schemas.openxmlformats.org/drawingml/2006/chart" xmlns:a="http://schemas.openxmlformats.org/drawingml/2006/main" xmlns:r="http://schemas.openxmlformats.org/officeDocument/2006/relationships">
+<c:chartSpace xmlns:c="http://schemas.openxmlformats.org/drawingml/2006/chart" xmlns:a="http://schemas.openxmlformats.org/drawingml/2006/main" xmlns:r="http://schemas.openxmlformats.org/officeDocument/2006/relationships" xmlns:c16r2="http://schemas.microsoft.com/office/drawing/2015/06/chart">
   <c:date1904 val="0"/>
   <c:lang val="fr-FR"/>
   <c:roundedCorners val="0"/>
@@ -191,7 +191,6 @@
           </a:p>
         </c:rich>
       </c:tx>
-      <c:layout/>
       <c:overlay val="0"/>
       <c:spPr>
         <a:noFill/>
@@ -243,10 +242,10 @@
                   <c:formatCode>General</c:formatCode>
                   <c:ptCount val="3"/>
                   <c:pt idx="0">
-                    <c:v>280.468699080567</c:v>
+                    <c:v>280.46869908056698</c:v>
                   </c:pt>
                   <c:pt idx="1">
-                    <c:v>157.8180814292207</c:v>
+                    <c:v>157.81808142922071</c:v>
                   </c:pt>
                   <c:pt idx="2">
                     <c:v>322.4434814515742</c:v>
@@ -261,10 +260,10 @@
                   <c:formatCode>General</c:formatCode>
                   <c:ptCount val="3"/>
                   <c:pt idx="0">
-                    <c:v>280.468699080567</c:v>
+                    <c:v>280.46869908056698</c:v>
                   </c:pt>
                   <c:pt idx="1">
-                    <c:v>157.8180814292207</c:v>
+                    <c:v>157.81808142922071</c:v>
                   </c:pt>
                   <c:pt idx="2">
                     <c:v>322.4434814515742</c:v>
@@ -323,10 +322,10 @@
                 <c:formatCode>General</c:formatCode>
                 <c:ptCount val="3"/>
                 <c:pt idx="0">
-                  <c:v>2240.438571428571</c:v>
+                  <c:v>2240.4385714285709</c:v>
                 </c:pt>
                 <c:pt idx="1">
-                  <c:v>1750.406</c:v>
+                  <c:v>1750.4059999999999</c:v>
                 </c:pt>
                 <c:pt idx="2">
                   <c:v>2000.851428571428</c:v>
@@ -334,6 +333,11 @@
               </c:numCache>
             </c:numRef>
           </c:val>
+          <c:extLst>
+            <c:ext xmlns:c16="http://schemas.microsoft.com/office/drawing/2014/chart" uri="{C3380CC4-5D6E-409C-BE32-E72D297353CC}">
+              <c16:uniqueId val="{00000000-A1E2-40B5-980A-AD30EB12869D}"/>
+            </c:ext>
+          </c:extLst>
         </c:ser>
         <c:ser>
           <c:idx val="3"/>
@@ -370,13 +374,13 @@
                   <c:formatCode>General</c:formatCode>
                   <c:ptCount val="3"/>
                   <c:pt idx="0">
-                    <c:v>617.9574206926532</c:v>
+                    <c:v>617.95742069265316</c:v>
                   </c:pt>
                   <c:pt idx="1">
-                    <c:v>377.8181453636075</c:v>
+                    <c:v>377.81814536360753</c:v>
                   </c:pt>
                   <c:pt idx="2">
-                    <c:v>862.7062315467894</c:v>
+                    <c:v>862.70623154678935</c:v>
                   </c:pt>
                 </c:numCache>
               </c:numRef>
@@ -388,13 +392,13 @@
                   <c:formatCode>General</c:formatCode>
                   <c:ptCount val="3"/>
                   <c:pt idx="0">
-                    <c:v>617.9574206926532</c:v>
+                    <c:v>617.95742069265316</c:v>
                   </c:pt>
                   <c:pt idx="1">
-                    <c:v>377.8181453636075</c:v>
+                    <c:v>377.81814536360753</c:v>
                   </c:pt>
                   <c:pt idx="2">
-                    <c:v>862.7062315467894</c:v>
+                    <c:v>862.70623154678935</c:v>
                   </c:pt>
                 </c:numCache>
               </c:numRef>
@@ -450,17 +454,22 @@
                 <c:formatCode>General</c:formatCode>
                 <c:ptCount val="3"/>
                 <c:pt idx="0">
-                  <c:v>7438.532857142853</c:v>
+                  <c:v>7438.5328571428527</c:v>
                 </c:pt>
                 <c:pt idx="1">
-                  <c:v>6756.326000000001</c:v>
+                  <c:v>6756.3260000000009</c:v>
                 </c:pt>
                 <c:pt idx="2">
-                  <c:v>6604.958571428571</c:v>
+                  <c:v>6604.9585714285713</c:v>
                 </c:pt>
               </c:numCache>
             </c:numRef>
           </c:val>
+          <c:extLst>
+            <c:ext xmlns:c16="http://schemas.microsoft.com/office/drawing/2014/chart" uri="{C3380CC4-5D6E-409C-BE32-E72D297353CC}">
+              <c16:uniqueId val="{00000001-A1E2-40B5-980A-AD30EB12869D}"/>
+            </c:ext>
+          </c:extLst>
         </c:ser>
         <c:ser>
           <c:idx val="1"/>
@@ -503,7 +512,7 @@
                     <c:v>159.5139272477484</c:v>
                   </c:pt>
                   <c:pt idx="2">
-                    <c:v>254.1978479345524</c:v>
+                    <c:v>254.19784793455241</c:v>
                   </c:pt>
                 </c:numCache>
               </c:numRef>
@@ -521,7 +530,7 @@
                     <c:v>159.5139272477484</c:v>
                   </c:pt>
                   <c:pt idx="2">
-                    <c:v>254.1978479345524</c:v>
+                    <c:v>254.19784793455241</c:v>
                   </c:pt>
                 </c:numCache>
               </c:numRef>
@@ -577,17 +586,22 @@
                 <c:formatCode>General</c:formatCode>
                 <c:ptCount val="3"/>
                 <c:pt idx="0">
-                  <c:v>582.4214285714284</c:v>
+                  <c:v>582.42142857142835</c:v>
                 </c:pt>
                 <c:pt idx="1">
-                  <c:v>755.984</c:v>
+                  <c:v>755.98400000000004</c:v>
                 </c:pt>
                 <c:pt idx="2">
-                  <c:v>842.9042857142854</c:v>
+                  <c:v>842.90428571428538</c:v>
                 </c:pt>
               </c:numCache>
             </c:numRef>
           </c:val>
+          <c:extLst>
+            <c:ext xmlns:c16="http://schemas.microsoft.com/office/drawing/2014/chart" uri="{C3380CC4-5D6E-409C-BE32-E72D297353CC}">
+              <c16:uniqueId val="{00000002-A1E2-40B5-980A-AD30EB12869D}"/>
+            </c:ext>
+          </c:extLst>
         </c:ser>
         <c:dLbls>
           <c:showLegendKey val="0"/>
@@ -700,7 +714,6 @@
               </a:p>
             </c:rich>
           </c:tx>
-          <c:layout/>
           <c:overlay val="0"/>
           <c:spPr>
             <a:noFill/>
@@ -755,7 +768,6 @@
     </c:plotArea>
     <c:legend>
       <c:legendPos val="t"/>
-      <c:layout/>
       <c:overlay val="0"/>
       <c:spPr>
         <a:noFill/>
@@ -821,7 +833,7 @@
 </file>
 
 <file path=ppt/charts/chart2.xml><?xml version="1.0" encoding="utf-8"?>
-<c:chartSpace xmlns:c="http://schemas.openxmlformats.org/drawingml/2006/chart" xmlns:a="http://schemas.openxmlformats.org/drawingml/2006/main" xmlns:r="http://schemas.openxmlformats.org/officeDocument/2006/relationships">
+<c:chartSpace xmlns:c="http://schemas.openxmlformats.org/drawingml/2006/chart" xmlns:a="http://schemas.openxmlformats.org/drawingml/2006/main" xmlns:r="http://schemas.openxmlformats.org/officeDocument/2006/relationships" xmlns:c16r2="http://schemas.microsoft.com/office/drawing/2015/06/chart">
   <c:date1904 val="0"/>
   <c:lang val="fr-FR"/>
   <c:roundedCorners val="0"/>
@@ -865,7 +877,6 @@
           </a:p>
         </c:rich>
       </c:tx>
-      <c:layout/>
       <c:overlay val="0"/>
       <c:spPr>
         <a:noFill/>
@@ -917,13 +928,13 @@
                   <c:formatCode>General</c:formatCode>
                   <c:ptCount val="3"/>
                   <c:pt idx="0">
-                    <c:v>184.5839251879148</c:v>
+                    <c:v>184.58392518791479</c:v>
                   </c:pt>
                   <c:pt idx="1">
-                    <c:v>179.2417398766258</c:v>
+                    <c:v>179.24173987662579</c:v>
                   </c:pt>
                   <c:pt idx="2">
-                    <c:v>237.5308254553426</c:v>
+                    <c:v>237.53082545534261</c:v>
                   </c:pt>
                 </c:numCache>
               </c:numRef>
@@ -935,13 +946,13 @@
                   <c:formatCode>General</c:formatCode>
                   <c:ptCount val="3"/>
                   <c:pt idx="0">
-                    <c:v>184.5839251879148</c:v>
+                    <c:v>184.58392518791479</c:v>
                   </c:pt>
                   <c:pt idx="1">
-                    <c:v>179.2417398766258</c:v>
+                    <c:v>179.24173987662579</c:v>
                   </c:pt>
                   <c:pt idx="2">
-                    <c:v>237.5308254553426</c:v>
+                    <c:v>237.53082545534261</c:v>
                   </c:pt>
                 </c:numCache>
               </c:numRef>
@@ -997,10 +1008,10 @@
                 <c:formatCode>General</c:formatCode>
                 <c:ptCount val="3"/>
                 <c:pt idx="0">
-                  <c:v>1369.043333333333</c:v>
+                  <c:v>1369.0433333333331</c:v>
                 </c:pt>
                 <c:pt idx="1">
-                  <c:v>816.3579999999993</c:v>
+                  <c:v>816.35799999999927</c:v>
                 </c:pt>
                 <c:pt idx="2">
                   <c:v>1922.302857142857</c:v>
@@ -1008,6 +1019,11 @@
               </c:numCache>
             </c:numRef>
           </c:val>
+          <c:extLst>
+            <c:ext xmlns:c16="http://schemas.microsoft.com/office/drawing/2014/chart" uri="{C3380CC4-5D6E-409C-BE32-E72D297353CC}">
+              <c16:uniqueId val="{00000000-87A6-4B7B-9DCE-A84068CFE95C}"/>
+            </c:ext>
+          </c:extLst>
         </c:ser>
         <c:ser>
           <c:idx val="3"/>
@@ -1047,13 +1063,13 @@
                   <c:formatCode>General</c:formatCode>
                   <c:ptCount val="3"/>
                   <c:pt idx="0">
-                    <c:v>719.8043188244516</c:v>
+                    <c:v>719.80431882445157</c:v>
                   </c:pt>
                   <c:pt idx="1">
                     <c:v>1042.400297035646</c:v>
                   </c:pt>
                   <c:pt idx="2">
-                    <c:v>443.1785962415888</c:v>
+                    <c:v>443.17859624158882</c:v>
                   </c:pt>
                 </c:numCache>
               </c:numRef>
@@ -1065,13 +1081,13 @@
                   <c:formatCode>General</c:formatCode>
                   <c:ptCount val="3"/>
                   <c:pt idx="0">
-                    <c:v>719.8043188244516</c:v>
+                    <c:v>719.80431882445157</c:v>
                   </c:pt>
                   <c:pt idx="1">
                     <c:v>1042.400297035646</c:v>
                   </c:pt>
                   <c:pt idx="2">
-                    <c:v>443.1785962415888</c:v>
+                    <c:v>443.17859624158882</c:v>
                   </c:pt>
                 </c:numCache>
               </c:numRef>
@@ -1127,10 +1143,10 @@
                 <c:formatCode>General</c:formatCode>
                 <c:ptCount val="3"/>
                 <c:pt idx="0">
-                  <c:v>6363.345</c:v>
+                  <c:v>6363.3450000000003</c:v>
                 </c:pt>
                 <c:pt idx="1">
-                  <c:v>4940.52</c:v>
+                  <c:v>4940.5200000000004</c:v>
                 </c:pt>
                 <c:pt idx="2">
                   <c:v>7442.98</c:v>
@@ -1138,6 +1154,11 @@
               </c:numCache>
             </c:numRef>
           </c:val>
+          <c:extLst>
+            <c:ext xmlns:c16="http://schemas.microsoft.com/office/drawing/2014/chart" uri="{C3380CC4-5D6E-409C-BE32-E72D297353CC}">
+              <c16:uniqueId val="{00000001-87A6-4B7B-9DCE-A84068CFE95C}"/>
+            </c:ext>
+          </c:extLst>
         </c:ser>
         <c:ser>
           <c:idx val="1"/>
@@ -1177,10 +1198,10 @@
                     <c:v>104.7202701088317</c:v>
                   </c:pt>
                   <c:pt idx="1">
-                    <c:v>158.803923679486</c:v>
+                    <c:v>158.80392367948599</c:v>
                   </c:pt>
                   <c:pt idx="2">
-                    <c:v>158.4112199137354</c:v>
+                    <c:v>158.41121991373541</c:v>
                   </c:pt>
                 </c:numCache>
               </c:numRef>
@@ -1195,10 +1216,10 @@
                     <c:v>104.7202701088317</c:v>
                   </c:pt>
                   <c:pt idx="1">
-                    <c:v>158.803923679486</c:v>
+                    <c:v>158.80392367948599</c:v>
                   </c:pt>
                   <c:pt idx="2">
-                    <c:v>158.4112199137354</c:v>
+                    <c:v>158.41121991373541</c:v>
                   </c:pt>
                 </c:numCache>
               </c:numRef>
@@ -1254,10 +1275,10 @@
                 <c:formatCode>General</c:formatCode>
                 <c:ptCount val="3"/>
                 <c:pt idx="0">
-                  <c:v>368.7649999999999</c:v>
+                  <c:v>368.76499999999987</c:v>
                 </c:pt>
                 <c:pt idx="1">
-                  <c:v>319.956</c:v>
+                  <c:v>319.95600000000002</c:v>
                 </c:pt>
                 <c:pt idx="2">
                   <c:v>888.0157142857139</c:v>
@@ -1265,6 +1286,11 @@
               </c:numCache>
             </c:numRef>
           </c:val>
+          <c:extLst>
+            <c:ext xmlns:c16="http://schemas.microsoft.com/office/drawing/2014/chart" uri="{C3380CC4-5D6E-409C-BE32-E72D297353CC}">
+              <c16:uniqueId val="{00000002-87A6-4B7B-9DCE-A84068CFE95C}"/>
+            </c:ext>
+          </c:extLst>
         </c:ser>
         <c:dLbls>
           <c:showLegendKey val="0"/>
@@ -1377,7 +1403,6 @@
               </a:p>
             </c:rich>
           </c:tx>
-          <c:layout/>
           <c:overlay val="0"/>
           <c:spPr>
             <a:noFill/>
@@ -1432,7 +1457,6 @@
     </c:plotArea>
     <c:legend>
       <c:legendPos val="t"/>
-      <c:layout/>
       <c:overlay val="0"/>
       <c:spPr>
         <a:noFill/>
@@ -1498,7 +1522,7 @@
 </file>
 
 <file path=ppt/charts/chart3.xml><?xml version="1.0" encoding="utf-8"?>
-<c:chartSpace xmlns:c="http://schemas.openxmlformats.org/drawingml/2006/chart" xmlns:a="http://schemas.openxmlformats.org/drawingml/2006/main" xmlns:r="http://schemas.openxmlformats.org/officeDocument/2006/relationships">
+<c:chartSpace xmlns:c="http://schemas.openxmlformats.org/drawingml/2006/chart" xmlns:a="http://schemas.openxmlformats.org/drawingml/2006/main" xmlns:r="http://schemas.openxmlformats.org/officeDocument/2006/relationships" xmlns:c16r2="http://schemas.microsoft.com/office/drawing/2015/06/chart">
   <c:date1904 val="0"/>
   <c:lang val="fr-FR"/>
   <c:roundedCorners val="0"/>
@@ -1542,7 +1566,6 @@
           </a:p>
         </c:rich>
       </c:tx>
-      <c:layout/>
       <c:overlay val="0"/>
       <c:spPr>
         <a:noFill/>
@@ -1597,10 +1620,10 @@
                     <c:v>11.57640198823441</c:v>
                   </c:pt>
                   <c:pt idx="1">
-                    <c:v>4.95027615391307</c:v>
+                    <c:v>4.9502761539130704</c:v>
                   </c:pt>
                   <c:pt idx="2">
-                    <c:v>7.833375133771813</c:v>
+                    <c:v>7.8333751337718134</c:v>
                   </c:pt>
                 </c:numCache>
               </c:numRef>
@@ -1615,10 +1638,10 @@
                     <c:v>11.57640198823441</c:v>
                   </c:pt>
                   <c:pt idx="1">
-                    <c:v>4.95027615391307</c:v>
+                    <c:v>4.9502761539130704</c:v>
                   </c:pt>
                   <c:pt idx="2">
-                    <c:v>7.833375133771813</c:v>
+                    <c:v>7.8333751337718134</c:v>
                   </c:pt>
                 </c:numCache>
               </c:numRef>
@@ -1674,17 +1697,22 @@
                 <c:formatCode>General</c:formatCode>
                 <c:ptCount val="3"/>
                 <c:pt idx="0">
-                  <c:v>80.83142857142855</c:v>
+                  <c:v>80.831428571428546</c:v>
                 </c:pt>
                 <c:pt idx="1">
                   <c:v>57.558</c:v>
                 </c:pt>
                 <c:pt idx="2">
-                  <c:v>81.39571428571427</c:v>
+                  <c:v>81.395714285714277</c:v>
                 </c:pt>
               </c:numCache>
             </c:numRef>
           </c:val>
+          <c:extLst>
+            <c:ext xmlns:c16="http://schemas.microsoft.com/office/drawing/2014/chart" uri="{C3380CC4-5D6E-409C-BE32-E72D297353CC}">
+              <c16:uniqueId val="{00000000-F135-429D-9A4F-6F1802DB3D7E}"/>
+            </c:ext>
+          </c:extLst>
         </c:ser>
         <c:ser>
           <c:idx val="3"/>
@@ -1721,13 +1749,13 @@
                   <c:formatCode>General</c:formatCode>
                   <c:ptCount val="3"/>
                   <c:pt idx="0">
-                    <c:v>13.05187452327936</c:v>
+                    <c:v>13.051874523279359</c:v>
                   </c:pt>
                   <c:pt idx="1">
-                    <c:v>6.024023074324996</c:v>
+                    <c:v>6.0240230743249956</c:v>
                   </c:pt>
                   <c:pt idx="2">
-                    <c:v>17.75196901984767</c:v>
+                    <c:v>17.751969019847671</c:v>
                   </c:pt>
                 </c:numCache>
               </c:numRef>
@@ -1739,13 +1767,13 @@
                   <c:formatCode>General</c:formatCode>
                   <c:ptCount val="3"/>
                   <c:pt idx="0">
-                    <c:v>13.05187452327936</c:v>
+                    <c:v>13.051874523279359</c:v>
                   </c:pt>
                   <c:pt idx="1">
-                    <c:v>6.024023074324996</c:v>
+                    <c:v>6.0240230743249956</c:v>
                   </c:pt>
                   <c:pt idx="2">
-                    <c:v>17.75196901984767</c:v>
+                    <c:v>17.751969019847671</c:v>
                   </c:pt>
                 </c:numCache>
               </c:numRef>
@@ -1804,14 +1832,19 @@
                   <c:v>200.86</c:v>
                 </c:pt>
                 <c:pt idx="1">
-                  <c:v>214.862</c:v>
+                  <c:v>214.86199999999999</c:v>
                 </c:pt>
                 <c:pt idx="2">
-                  <c:v>181.1242857142857</c:v>
+                  <c:v>181.12428571428569</c:v>
                 </c:pt>
               </c:numCache>
             </c:numRef>
           </c:val>
+          <c:extLst>
+            <c:ext xmlns:c16="http://schemas.microsoft.com/office/drawing/2014/chart" uri="{C3380CC4-5D6E-409C-BE32-E72D297353CC}">
+              <c16:uniqueId val="{00000001-F135-429D-9A4F-6F1802DB3D7E}"/>
+            </c:ext>
+          </c:extLst>
         </c:ser>
         <c:ser>
           <c:idx val="1"/>
@@ -1848,10 +1881,10 @@
                   <c:formatCode>General</c:formatCode>
                   <c:ptCount val="3"/>
                   <c:pt idx="0">
-                    <c:v>4.54143066852361</c:v>
+                    <c:v>4.5414306685236099</c:v>
                   </c:pt>
                   <c:pt idx="1">
-                    <c:v>3.228681774346925</c:v>
+                    <c:v>3.2286817743469252</c:v>
                   </c:pt>
                   <c:pt idx="2">
                     <c:v>10.8287865602452</c:v>
@@ -1866,10 +1899,10 @@
                   <c:formatCode>General</c:formatCode>
                   <c:ptCount val="3"/>
                   <c:pt idx="0">
-                    <c:v>4.54143066852361</c:v>
+                    <c:v>4.5414306685236099</c:v>
                   </c:pt>
                   <c:pt idx="1">
-                    <c:v>3.228681774346925</c:v>
+                    <c:v>3.2286817743469252</c:v>
                   </c:pt>
                   <c:pt idx="2">
                     <c:v>10.8287865602452</c:v>
@@ -1928,17 +1961,22 @@
                 <c:formatCode>General</c:formatCode>
                 <c:ptCount val="3"/>
                 <c:pt idx="0">
-                  <c:v>12.09142857142857</c:v>
+                  <c:v>12.091428571428571</c:v>
                 </c:pt>
                 <c:pt idx="1">
                   <c:v>17.116</c:v>
                 </c:pt>
                 <c:pt idx="2">
-                  <c:v>27.86571428571428</c:v>
+                  <c:v>27.865714285714279</c:v>
                 </c:pt>
               </c:numCache>
             </c:numRef>
           </c:val>
+          <c:extLst>
+            <c:ext xmlns:c16="http://schemas.microsoft.com/office/drawing/2014/chart" uri="{C3380CC4-5D6E-409C-BE32-E72D297353CC}">
+              <c16:uniqueId val="{00000002-F135-429D-9A4F-6F1802DB3D7E}"/>
+            </c:ext>
+          </c:extLst>
         </c:ser>
         <c:dLbls>
           <c:showLegendKey val="0"/>
@@ -2051,7 +2089,6 @@
               </a:p>
             </c:rich>
           </c:tx>
-          <c:layout/>
           <c:overlay val="0"/>
           <c:spPr>
             <a:noFill/>
@@ -2106,7 +2143,6 @@
     </c:plotArea>
     <c:legend>
       <c:legendPos val="t"/>
-      <c:layout/>
       <c:overlay val="0"/>
       <c:spPr>
         <a:noFill/>
@@ -2172,7 +2208,7 @@
 </file>
 
 <file path=ppt/charts/chart4.xml><?xml version="1.0" encoding="utf-8"?>
-<c:chartSpace xmlns:c="http://schemas.openxmlformats.org/drawingml/2006/chart" xmlns:a="http://schemas.openxmlformats.org/drawingml/2006/main" xmlns:r="http://schemas.openxmlformats.org/officeDocument/2006/relationships">
+<c:chartSpace xmlns:c="http://schemas.openxmlformats.org/drawingml/2006/chart" xmlns:a="http://schemas.openxmlformats.org/drawingml/2006/main" xmlns:r="http://schemas.openxmlformats.org/officeDocument/2006/relationships" xmlns:c16r2="http://schemas.microsoft.com/office/drawing/2015/06/chart">
   <c:date1904 val="0"/>
   <c:lang val="fr-FR"/>
   <c:roundedCorners val="0"/>
@@ -2216,7 +2252,6 @@
           </a:p>
         </c:rich>
       </c:tx>
-      <c:layout/>
       <c:overlay val="0"/>
       <c:spPr>
         <a:noFill/>
@@ -2268,13 +2303,13 @@
                   <c:formatCode>General</c:formatCode>
                   <c:ptCount val="3"/>
                   <c:pt idx="0">
-                    <c:v>6.262480561069845</c:v>
+                    <c:v>6.2624805610698449</c:v>
                   </c:pt>
                   <c:pt idx="1">
-                    <c:v>4.971485089990718</c:v>
+                    <c:v>4.9714850899907184</c:v>
                   </c:pt>
                   <c:pt idx="2">
-                    <c:v>6.673819496110648</c:v>
+                    <c:v>6.6738194961106476</c:v>
                   </c:pt>
                 </c:numCache>
               </c:numRef>
@@ -2286,13 +2321,13 @@
                   <c:formatCode>General</c:formatCode>
                   <c:ptCount val="3"/>
                   <c:pt idx="0">
-                    <c:v>6.262480561069845</c:v>
+                    <c:v>6.2624805610698449</c:v>
                   </c:pt>
                   <c:pt idx="1">
-                    <c:v>4.971485089990718</c:v>
+                    <c:v>4.9714850899907184</c:v>
                   </c:pt>
                   <c:pt idx="2">
-                    <c:v>6.673819496110648</c:v>
+                    <c:v>6.6738194961106476</c:v>
                   </c:pt>
                 </c:numCache>
               </c:numRef>
@@ -2348,17 +2383,22 @@
                 <c:formatCode>General</c:formatCode>
                 <c:ptCount val="3"/>
                 <c:pt idx="0">
-                  <c:v>40.91833333333334</c:v>
+                  <c:v>40.918333333333337</c:v>
                 </c:pt>
                 <c:pt idx="1">
                   <c:v>25.398</c:v>
                 </c:pt>
                 <c:pt idx="2">
-                  <c:v>59.53000000000001</c:v>
+                  <c:v>59.530000000000008</c:v>
                 </c:pt>
               </c:numCache>
             </c:numRef>
           </c:val>
+          <c:extLst>
+            <c:ext xmlns:c16="http://schemas.microsoft.com/office/drawing/2014/chart" uri="{C3380CC4-5D6E-409C-BE32-E72D297353CC}">
+              <c16:uniqueId val="{00000000-EDFD-4139-BBFD-8053E87B0868}"/>
+            </c:ext>
+          </c:extLst>
         </c:ser>
         <c:ser>
           <c:idx val="3"/>
@@ -2398,13 +2438,13 @@
                   <c:formatCode>General</c:formatCode>
                   <c:ptCount val="3"/>
                   <c:pt idx="0">
-                    <c:v>6.770719640071098</c:v>
+                    <c:v>6.7707196400710981</c:v>
                   </c:pt>
                   <c:pt idx="1">
-                    <c:v>8.91468283227172</c:v>
+                    <c:v>8.9146828322717209</c:v>
                   </c:pt>
                   <c:pt idx="2">
-                    <c:v>11.4374290377339</c:v>
+                    <c:v>11.437429037733899</c:v>
                   </c:pt>
                 </c:numCache>
               </c:numRef>
@@ -2416,13 +2456,13 @@
                   <c:formatCode>General</c:formatCode>
                   <c:ptCount val="3"/>
                   <c:pt idx="0">
-                    <c:v>6.770719640071098</c:v>
+                    <c:v>6.7707196400710981</c:v>
                   </c:pt>
                   <c:pt idx="1">
-                    <c:v>8.91468283227172</c:v>
+                    <c:v>8.9146828322717209</c:v>
                   </c:pt>
                   <c:pt idx="2">
-                    <c:v>11.4374290377339</c:v>
+                    <c:v>11.437429037733899</c:v>
                   </c:pt>
                 </c:numCache>
               </c:numRef>
@@ -2484,11 +2524,16 @@
                   <c:v>265.98</c:v>
                 </c:pt>
                 <c:pt idx="2">
-                  <c:v>218.6414285714286</c:v>
+                  <c:v>218.64142857142861</c:v>
                 </c:pt>
               </c:numCache>
             </c:numRef>
           </c:val>
+          <c:extLst>
+            <c:ext xmlns:c16="http://schemas.microsoft.com/office/drawing/2014/chart" uri="{C3380CC4-5D6E-409C-BE32-E72D297353CC}">
+              <c16:uniqueId val="{00000001-EDFD-4139-BBFD-8053E87B0868}"/>
+            </c:ext>
+          </c:extLst>
         </c:ser>
         <c:ser>
           <c:idx val="1"/>
@@ -2525,13 +2570,13 @@
                   <c:formatCode>General</c:formatCode>
                   <c:ptCount val="3"/>
                   <c:pt idx="0">
-                    <c:v>2.257389962865178</c:v>
+                    <c:v>2.2573899628651781</c:v>
                   </c:pt>
                   <c:pt idx="1">
-                    <c:v>2.203248964597511</c:v>
+                    <c:v>2.2032489645975111</c:v>
                   </c:pt>
                   <c:pt idx="2">
-                    <c:v>2.606689066834874</c:v>
+                    <c:v>2.6066890668348739</c:v>
                   </c:pt>
                 </c:numCache>
               </c:numRef>
@@ -2543,13 +2588,13 @@
                   <c:formatCode>General</c:formatCode>
                   <c:ptCount val="3"/>
                   <c:pt idx="0">
-                    <c:v>2.257389962865178</c:v>
+                    <c:v>2.2573899628651781</c:v>
                   </c:pt>
                   <c:pt idx="1">
-                    <c:v>2.203248964597511</c:v>
+                    <c:v>2.2032489645975111</c:v>
                   </c:pt>
                   <c:pt idx="2">
-                    <c:v>2.606689066834874</c:v>
+                    <c:v>2.6066890668348739</c:v>
                   </c:pt>
                 </c:numCache>
               </c:numRef>
@@ -2605,7 +2650,7 @@
                 <c:formatCode>General</c:formatCode>
                 <c:ptCount val="3"/>
                 <c:pt idx="0">
-                  <c:v>7.598333333333333</c:v>
+                  <c:v>7.5983333333333327</c:v>
                 </c:pt>
                 <c:pt idx="1">
                   <c:v>5.484</c:v>
@@ -2616,6 +2661,11 @@
               </c:numCache>
             </c:numRef>
           </c:val>
+          <c:extLst>
+            <c:ext xmlns:c16="http://schemas.microsoft.com/office/drawing/2014/chart" uri="{C3380CC4-5D6E-409C-BE32-E72D297353CC}">
+              <c16:uniqueId val="{00000002-EDFD-4139-BBFD-8053E87B0868}"/>
+            </c:ext>
+          </c:extLst>
         </c:ser>
         <c:dLbls>
           <c:showLegendKey val="0"/>
@@ -2728,7 +2778,6 @@
               </a:p>
             </c:rich>
           </c:tx>
-          <c:layout/>
           <c:overlay val="0"/>
           <c:spPr>
             <a:noFill/>
@@ -2783,7 +2832,6 @@
     </c:plotArea>
     <c:legend>
       <c:legendPos val="t"/>
-      <c:layout/>
       <c:overlay val="0"/>
       <c:spPr>
         <a:noFill/>
@@ -2931,7 +2979,7 @@
             <a:fld id="{738B108D-3BCE-44D8-8902-08ED4A0D32BF}" type="datetimeFigureOut">
               <a:rPr lang="fr-FR" smtClean="0"/>
               <a:pPr/>
-              <a:t>04/06/18</a:t>
+              <a:t>04/06/2018</a:t>
             </a:fld>
             <a:endParaRPr lang="fr-FR"/>
           </a:p>
@@ -3092,7 +3140,7 @@
             <a:fld id="{4FBC6D27-8AEE-4C4B-BE1C-1EEAC5CEF8EF}" type="slidenum">
               <a:rPr lang="fr-FR" smtClean="0"/>
               <a:pPr/>
-              <a:t>‹#›</a:t>
+              <a:t>‹N°›</a:t>
             </a:fld>
             <a:endParaRPr lang="fr-FR"/>
           </a:p>
@@ -3518,14 +3566,14 @@
               <a:defRPr/>
             </a:pPr>
             <a:r>
-              <a:rPr lang="fr-FR" dirty="0" smtClean="0"/>
+              <a:rPr lang="fr-FR" dirty="0"/>
               <a:t>Contraste</a:t>
             </a:r>
             <a:r>
-              <a:rPr lang="fr-FR" baseline="0" dirty="0" smtClean="0"/>
+              <a:rPr lang="fr-FR" baseline="0" dirty="0"/>
               <a:t> a augmenter</a:t>
             </a:r>
-            <a:endParaRPr lang="fr-FR" dirty="0" smtClean="0"/>
+            <a:endParaRPr lang="fr-FR" dirty="0"/>
           </a:p>
           <a:p>
             <a:endParaRPr lang="fr-FR" dirty="0"/>
@@ -3834,7 +3882,7 @@
             <a:fld id="{C0E33B7C-B49A-4F59-9D75-C8F9E48FDBF1}" type="datetimeFigureOut">
               <a:rPr lang="fr-FR" smtClean="0"/>
               <a:pPr/>
-              <a:t>04/06/18</a:t>
+              <a:t>04/06/2018</a:t>
             </a:fld>
             <a:endParaRPr lang="fr-FR"/>
           </a:p>
@@ -3877,7 +3925,7 @@
             <a:fld id="{2B17BCE5-02D2-47EA-8A57-B717CAD8CD60}" type="slidenum">
               <a:rPr lang="fr-FR" smtClean="0"/>
               <a:pPr/>
-              <a:t>‹#›</a:t>
+              <a:t>‹N°›</a:t>
             </a:fld>
             <a:endParaRPr lang="fr-FR"/>
           </a:p>
@@ -3999,7 +4047,7 @@
             <a:fld id="{C0E33B7C-B49A-4F59-9D75-C8F9E48FDBF1}" type="datetimeFigureOut">
               <a:rPr lang="fr-FR" smtClean="0"/>
               <a:pPr/>
-              <a:t>04/06/18</a:t>
+              <a:t>04/06/2018</a:t>
             </a:fld>
             <a:endParaRPr lang="fr-FR"/>
           </a:p>
@@ -4042,7 +4090,7 @@
             <a:fld id="{2B17BCE5-02D2-47EA-8A57-B717CAD8CD60}" type="slidenum">
               <a:rPr lang="fr-FR" smtClean="0"/>
               <a:pPr/>
-              <a:t>‹#›</a:t>
+              <a:t>‹N°›</a:t>
             </a:fld>
             <a:endParaRPr lang="fr-FR"/>
           </a:p>
@@ -4174,7 +4222,7 @@
             <a:fld id="{C0E33B7C-B49A-4F59-9D75-C8F9E48FDBF1}" type="datetimeFigureOut">
               <a:rPr lang="fr-FR" smtClean="0"/>
               <a:pPr/>
-              <a:t>04/06/18</a:t>
+              <a:t>04/06/2018</a:t>
             </a:fld>
             <a:endParaRPr lang="fr-FR"/>
           </a:p>
@@ -4217,7 +4265,7 @@
             <a:fld id="{2B17BCE5-02D2-47EA-8A57-B717CAD8CD60}" type="slidenum">
               <a:rPr lang="fr-FR" smtClean="0"/>
               <a:pPr/>
-              <a:t>‹#›</a:t>
+              <a:t>‹N°›</a:t>
             </a:fld>
             <a:endParaRPr lang="fr-FR"/>
           </a:p>
@@ -4339,7 +4387,7 @@
             <a:fld id="{C0E33B7C-B49A-4F59-9D75-C8F9E48FDBF1}" type="datetimeFigureOut">
               <a:rPr lang="fr-FR" smtClean="0"/>
               <a:pPr/>
-              <a:t>04/06/18</a:t>
+              <a:t>04/06/2018</a:t>
             </a:fld>
             <a:endParaRPr lang="fr-FR"/>
           </a:p>
@@ -4382,7 +4430,7 @@
             <a:fld id="{2B17BCE5-02D2-47EA-8A57-B717CAD8CD60}" type="slidenum">
               <a:rPr lang="fr-FR" smtClean="0"/>
               <a:pPr/>
-              <a:t>‹#›</a:t>
+              <a:t>‹N°›</a:t>
             </a:fld>
             <a:endParaRPr lang="fr-FR"/>
           </a:p>
@@ -4581,7 +4629,7 @@
             <a:fld id="{C0E33B7C-B49A-4F59-9D75-C8F9E48FDBF1}" type="datetimeFigureOut">
               <a:rPr lang="fr-FR" smtClean="0"/>
               <a:pPr/>
-              <a:t>04/06/18</a:t>
+              <a:t>04/06/2018</a:t>
             </a:fld>
             <a:endParaRPr lang="fr-FR"/>
           </a:p>
@@ -4624,7 +4672,7 @@
             <a:fld id="{2B17BCE5-02D2-47EA-8A57-B717CAD8CD60}" type="slidenum">
               <a:rPr lang="fr-FR" smtClean="0"/>
               <a:pPr/>
-              <a:t>‹#›</a:t>
+              <a:t>‹N°›</a:t>
             </a:fld>
             <a:endParaRPr lang="fr-FR"/>
           </a:p>
@@ -4863,7 +4911,7 @@
             <a:fld id="{C0E33B7C-B49A-4F59-9D75-C8F9E48FDBF1}" type="datetimeFigureOut">
               <a:rPr lang="fr-FR" smtClean="0"/>
               <a:pPr/>
-              <a:t>04/06/18</a:t>
+              <a:t>04/06/2018</a:t>
             </a:fld>
             <a:endParaRPr lang="fr-FR"/>
           </a:p>
@@ -4906,7 +4954,7 @@
             <a:fld id="{2B17BCE5-02D2-47EA-8A57-B717CAD8CD60}" type="slidenum">
               <a:rPr lang="fr-FR" smtClean="0"/>
               <a:pPr/>
-              <a:t>‹#›</a:t>
+              <a:t>‹N°›</a:t>
             </a:fld>
             <a:endParaRPr lang="fr-FR"/>
           </a:p>
@@ -5279,7 +5327,7 @@
             <a:fld id="{C0E33B7C-B49A-4F59-9D75-C8F9E48FDBF1}" type="datetimeFigureOut">
               <a:rPr lang="fr-FR" smtClean="0"/>
               <a:pPr/>
-              <a:t>04/06/18</a:t>
+              <a:t>04/06/2018</a:t>
             </a:fld>
             <a:endParaRPr lang="fr-FR"/>
           </a:p>
@@ -5322,7 +5370,7 @@
             <a:fld id="{2B17BCE5-02D2-47EA-8A57-B717CAD8CD60}" type="slidenum">
               <a:rPr lang="fr-FR" smtClean="0"/>
               <a:pPr/>
-              <a:t>‹#›</a:t>
+              <a:t>‹N°›</a:t>
             </a:fld>
             <a:endParaRPr lang="fr-FR"/>
           </a:p>
@@ -5393,7 +5441,7 @@
             <a:fld id="{C0E33B7C-B49A-4F59-9D75-C8F9E48FDBF1}" type="datetimeFigureOut">
               <a:rPr lang="fr-FR" smtClean="0"/>
               <a:pPr/>
-              <a:t>04/06/18</a:t>
+              <a:t>04/06/2018</a:t>
             </a:fld>
             <a:endParaRPr lang="fr-FR"/>
           </a:p>
@@ -5436,7 +5484,7 @@
             <a:fld id="{2B17BCE5-02D2-47EA-8A57-B717CAD8CD60}" type="slidenum">
               <a:rPr lang="fr-FR" smtClean="0"/>
               <a:pPr/>
-              <a:t>‹#›</a:t>
+              <a:t>‹N°›</a:t>
             </a:fld>
             <a:endParaRPr lang="fr-FR"/>
           </a:p>
@@ -5485,7 +5533,7 @@
             <a:fld id="{C0E33B7C-B49A-4F59-9D75-C8F9E48FDBF1}" type="datetimeFigureOut">
               <a:rPr lang="fr-FR" smtClean="0"/>
               <a:pPr/>
-              <a:t>04/06/18</a:t>
+              <a:t>04/06/2018</a:t>
             </a:fld>
             <a:endParaRPr lang="fr-FR"/>
           </a:p>
@@ -5528,7 +5576,7 @@
             <a:fld id="{2B17BCE5-02D2-47EA-8A57-B717CAD8CD60}" type="slidenum">
               <a:rPr lang="fr-FR" smtClean="0"/>
               <a:pPr/>
-              <a:t>‹#›</a:t>
+              <a:t>‹N°›</a:t>
             </a:fld>
             <a:endParaRPr lang="fr-FR"/>
           </a:p>
@@ -5757,7 +5805,7 @@
             <a:fld id="{C0E33B7C-B49A-4F59-9D75-C8F9E48FDBF1}" type="datetimeFigureOut">
               <a:rPr lang="fr-FR" smtClean="0"/>
               <a:pPr/>
-              <a:t>04/06/18</a:t>
+              <a:t>04/06/2018</a:t>
             </a:fld>
             <a:endParaRPr lang="fr-FR"/>
           </a:p>
@@ -5800,7 +5848,7 @@
             <a:fld id="{2B17BCE5-02D2-47EA-8A57-B717CAD8CD60}" type="slidenum">
               <a:rPr lang="fr-FR" smtClean="0"/>
               <a:pPr/>
-              <a:t>‹#›</a:t>
+              <a:t>‹N°›</a:t>
             </a:fld>
             <a:endParaRPr lang="fr-FR"/>
           </a:p>
@@ -6006,7 +6054,7 @@
             <a:fld id="{C0E33B7C-B49A-4F59-9D75-C8F9E48FDBF1}" type="datetimeFigureOut">
               <a:rPr lang="fr-FR" smtClean="0"/>
               <a:pPr/>
-              <a:t>04/06/18</a:t>
+              <a:t>04/06/2018</a:t>
             </a:fld>
             <a:endParaRPr lang="fr-FR"/>
           </a:p>
@@ -6049,7 +6097,7 @@
             <a:fld id="{2B17BCE5-02D2-47EA-8A57-B717CAD8CD60}" type="slidenum">
               <a:rPr lang="fr-FR" smtClean="0"/>
               <a:pPr/>
-              <a:t>‹#›</a:t>
+              <a:t>‹N°›</a:t>
             </a:fld>
             <a:endParaRPr lang="fr-FR"/>
           </a:p>
@@ -6238,7 +6286,7 @@
             <a:fld id="{C0E33B7C-B49A-4F59-9D75-C8F9E48FDBF1}" type="datetimeFigureOut">
               <a:rPr lang="fr-FR" smtClean="0"/>
               <a:pPr/>
-              <a:t>04/06/18</a:t>
+              <a:t>04/06/2018</a:t>
             </a:fld>
             <a:endParaRPr lang="fr-FR"/>
           </a:p>
@@ -6317,7 +6365,7 @@
             <a:fld id="{2B17BCE5-02D2-47EA-8A57-B717CAD8CD60}" type="slidenum">
               <a:rPr lang="fr-FR" smtClean="0"/>
               <a:pPr/>
-              <a:t>‹#›</a:t>
+              <a:t>‹N°›</a:t>
             </a:fld>
             <a:endParaRPr lang="fr-FR"/>
           </a:p>
@@ -6804,7 +6852,7 @@
         </p:blipFill>
         <p:spPr>
           <a:xfrm>
-            <a:off x="7199784" y="0"/>
+            <a:off x="35496" y="13360"/>
             <a:ext cx="3888432" cy="717864"/>
           </a:xfrm>
           <a:prstGeom prst="rect">
@@ -6837,41 +6885,6 @@
             <a:r>
               <a:rPr lang="fr-FR" sz="2000" dirty="0"/>
               <a:t>Florent KLEE</a:t>
-            </a:r>
-          </a:p>
-        </p:txBody>
-      </p:sp>
-      <p:sp>
-        <p:nvSpPr>
-          <p:cNvPr id="7" name="ZoneTexte 6"/>
-          <p:cNvSpPr txBox="1"/>
-          <p:nvPr/>
-        </p:nvSpPr>
-        <p:spPr>
-          <a:xfrm>
-            <a:off x="0" y="6187264"/>
-            <a:ext cx="1979712" cy="646331"/>
-          </a:xfrm>
-          <a:prstGeom prst="rect">
-            <a:avLst/>
-          </a:prstGeom>
-          <a:noFill/>
-        </p:spPr>
-        <p:txBody>
-          <a:bodyPr wrap="square" rtlCol="0">
-            <a:spAutoFit/>
-          </a:bodyPr>
-          <a:lstStyle/>
-          <a:p>
-            <a:r>
-              <a:rPr lang="fr-FR" dirty="0"/>
-              <a:t>M2 Neurosciences</a:t>
-            </a:r>
-          </a:p>
-          <a:p>
-            <a:r>
-              <a:rPr lang="fr-FR" dirty="0"/>
-              <a:t>Année 2017/2018</a:t>
             </a:r>
           </a:p>
         </p:txBody>
@@ -6891,7 +6904,7 @@
         </p:blipFill>
         <p:spPr bwMode="auto">
           <a:xfrm>
-            <a:off x="0" y="0"/>
+            <a:off x="8273108" y="5864498"/>
             <a:ext cx="864096" cy="864096"/>
           </a:xfrm>
           <a:prstGeom prst="rect">
@@ -6914,8 +6927,8 @@
         </p:nvSpPr>
         <p:spPr>
           <a:xfrm>
-            <a:off x="3023828" y="1052736"/>
-            <a:ext cx="3096344" cy="923330"/>
+            <a:off x="3021596" y="775667"/>
+            <a:ext cx="3096344" cy="1200329"/>
           </a:xfrm>
           <a:prstGeom prst="rect">
             <a:avLst/>
@@ -6969,20 +6982,99 @@
               <a:t>Spécialité Neurosciences</a:t>
             </a:r>
           </a:p>
-        </p:txBody>
-      </p:sp>
+          <a:p>
+            <a:pPr algn="ctr"/>
+            <a:r>
+              <a:rPr lang="fr-FR" dirty="0">
+                <a:solidFill>
+                  <a:schemeClr val="tx1">
+                    <a:lumMod val="50000"/>
+                    <a:lumOff val="50000"/>
+                  </a:schemeClr>
+                </a:solidFill>
+              </a:rPr>
+              <a:t>Année 2017/2018</a:t>
+            </a:r>
+          </a:p>
+        </p:txBody>
+      </p:sp>
+      <p:pic>
+        <p:nvPicPr>
+          <p:cNvPr id="10" name="Image 9">
+            <a:extLst>
+              <a:ext uri="{FF2B5EF4-FFF2-40B4-BE49-F238E27FC236}">
+                <a16:creationId xmlns:a16="http://schemas.microsoft.com/office/drawing/2014/main" id="{8A6F7B72-A425-4834-B91B-C92EB00EB65F}"/>
+              </a:ext>
+            </a:extLst>
+          </p:cNvPr>
+          <p:cNvPicPr>
+            <a:picLocks noChangeAspect="1"/>
+          </p:cNvPicPr>
+          <p:nvPr/>
+        </p:nvPicPr>
+        <p:blipFill>
+          <a:blip r:embed="rId4">
+            <a:extLst>
+              <a:ext uri="{28A0092B-C50C-407E-A947-70E740481C1C}">
+                <a14:useLocalDpi xmlns:a14="http://schemas.microsoft.com/office/drawing/2010/main" val="0"/>
+              </a:ext>
+            </a:extLst>
+          </a:blip>
+          <a:stretch>
+            <a:fillRect/>
+          </a:stretch>
+        </p:blipFill>
+        <p:spPr>
+          <a:xfrm>
+            <a:off x="0" y="5671334"/>
+            <a:ext cx="2411761" cy="1061175"/>
+          </a:xfrm>
+          <a:prstGeom prst="rect">
+            <a:avLst/>
+          </a:prstGeom>
+        </p:spPr>
+      </p:pic>
+      <p:pic>
+        <p:nvPicPr>
+          <p:cNvPr id="12" name="Image 11">
+            <a:extLst>
+              <a:ext uri="{FF2B5EF4-FFF2-40B4-BE49-F238E27FC236}">
+                <a16:creationId xmlns:a16="http://schemas.microsoft.com/office/drawing/2014/main" id="{BCFD2592-037D-4ADB-99B0-B11B6FD8A3BD}"/>
+              </a:ext>
+            </a:extLst>
+          </p:cNvPr>
+          <p:cNvPicPr>
+            <a:picLocks noChangeAspect="1"/>
+          </p:cNvPicPr>
+          <p:nvPr/>
+        </p:nvPicPr>
+        <p:blipFill>
+          <a:blip r:embed="rId5" cstate="print">
+            <a:extLst>
+              <a:ext uri="{28A0092B-C50C-407E-A947-70E740481C1C}">
+                <a14:useLocalDpi xmlns:a14="http://schemas.microsoft.com/office/drawing/2010/main" val="0"/>
+              </a:ext>
+            </a:extLst>
+          </a:blip>
+          <a:stretch>
+            <a:fillRect/>
+          </a:stretch>
+        </p:blipFill>
+        <p:spPr>
+          <a:xfrm>
+            <a:off x="8455968" y="0"/>
+            <a:ext cx="679902" cy="1675121"/>
+          </a:xfrm>
+          <a:prstGeom prst="rect">
+            <a:avLst/>
+          </a:prstGeom>
+        </p:spPr>
+      </p:pic>
     </p:spTree>
   </p:cSld>
   <p:clrMapOvr>
     <a:masterClrMapping/>
   </p:clrMapOvr>
-  <p:timing>
-    <p:tnLst>
-      <p:par>
-        <p:cTn xmlns:p14="http://schemas.microsoft.com/office/powerpoint/2010/main" id="1" dur="indefinite" restart="never" nodeType="tmRoot"/>
-      </p:par>
-    </p:tnLst>
-  </p:timing>
 </p:sld>
 </file>
 
@@ -7008,7 +7100,7 @@
           <p:cNvPr id="2" name="Titre 1">
             <a:extLst>
               <a:ext uri="{FF2B5EF4-FFF2-40B4-BE49-F238E27FC236}">
-                <a16:creationId xmlns:a16="http://schemas.microsoft.com/office/drawing/2014/main" xmlns="" id="{137804C6-0D30-487D-BCAA-F4A88DA231C5}"/>
+                <a16:creationId xmlns:a16="http://schemas.microsoft.com/office/drawing/2014/main" id="{137804C6-0D30-487D-BCAA-F4A88DA231C5}"/>
               </a:ext>
             </a:extLst>
           </p:cNvPr>
@@ -7027,10 +7119,17 @@
           <a:lstStyle/>
           <a:p>
             <a:r>
-              <a:rPr lang="fr-FR" dirty="0" smtClean="0"/>
-              <a:t>Quelles sont les cellules exprimant MuSK ?</a:t>
-            </a:r>
-            <a:endParaRPr lang="fr-FR" dirty="0"/>
+              <a:rPr lang="fr-FR" dirty="0"/>
+              <a:t>Quelles sont les cellules exprimant </a:t>
+            </a:r>
+            <a:r>
+              <a:rPr lang="fr-FR" dirty="0" err="1"/>
+              <a:t>MuSK</a:t>
+            </a:r>
+            <a:r>
+              <a:rPr lang="fr-FR" dirty="0"/>
+              <a:t>?</a:t>
+            </a:r>
           </a:p>
         </p:txBody>
       </p:sp>
@@ -7039,7 +7138,7 @@
           <p:cNvPr id="5" name="Image 4">
             <a:extLst>
               <a:ext uri="{FF2B5EF4-FFF2-40B4-BE49-F238E27FC236}">
-                <a16:creationId xmlns:a16="http://schemas.microsoft.com/office/drawing/2014/main" xmlns="" id="{65AB51C7-EDEB-4B41-9F97-383A20ACCD93}"/>
+                <a16:creationId xmlns:a16="http://schemas.microsoft.com/office/drawing/2014/main" id="{65AB51C7-EDEB-4B41-9F97-383A20ACCD93}"/>
               </a:ext>
             </a:extLst>
           </p:cNvPr>
@@ -7062,8 +7161,8 @@
         </p:blipFill>
         <p:spPr>
           <a:xfrm>
-            <a:off x="4644008" y="1637362"/>
-            <a:ext cx="3632726" cy="2717279"/>
+            <a:off x="2957475" y="4117093"/>
+            <a:ext cx="3229047" cy="2415327"/>
           </a:xfrm>
           <a:prstGeom prst="rect">
             <a:avLst/>
@@ -7075,7 +7174,7 @@
           <p:cNvPr id="7" name="Image 6">
             <a:extLst>
               <a:ext uri="{FF2B5EF4-FFF2-40B4-BE49-F238E27FC236}">
-                <a16:creationId xmlns:a16="http://schemas.microsoft.com/office/drawing/2014/main" xmlns="" id="{017449ED-E235-4F83-929D-4AA27CB85594}"/>
+                <a16:creationId xmlns:a16="http://schemas.microsoft.com/office/drawing/2014/main" id="{017449ED-E235-4F83-929D-4AA27CB85594}"/>
               </a:ext>
             </a:extLst>
           </p:cNvPr>
@@ -7098,8 +7197,8 @@
         </p:blipFill>
         <p:spPr>
           <a:xfrm>
-            <a:off x="867266" y="1637361"/>
-            <a:ext cx="3632726" cy="2717279"/>
+            <a:off x="6163915" y="1805172"/>
+            <a:ext cx="2864841" cy="2142901"/>
           </a:xfrm>
           <a:prstGeom prst="rect">
             <a:avLst/>
@@ -7111,7 +7210,7 @@
           <p:cNvPr id="6" name="ZoneTexte 5">
             <a:extLst>
               <a:ext uri="{FF2B5EF4-FFF2-40B4-BE49-F238E27FC236}">
-                <a16:creationId xmlns:a16="http://schemas.microsoft.com/office/drawing/2014/main" xmlns="" id="{63BF0684-ED98-4B91-B63C-63FF7799B27B}"/>
+                <a16:creationId xmlns:a16="http://schemas.microsoft.com/office/drawing/2014/main" id="{63BF0684-ED98-4B91-B63C-63FF7799B27B}"/>
               </a:ext>
             </a:extLst>
           </p:cNvPr>
@@ -7120,7 +7219,7 @@
         </p:nvSpPr>
         <p:spPr>
           <a:xfrm>
-            <a:off x="3059832" y="4365104"/>
+            <a:off x="7743526" y="3899472"/>
             <a:ext cx="1440160" cy="246221"/>
           </a:xfrm>
           <a:prstGeom prst="rect">
@@ -7146,7 +7245,7 @@
           <p:cNvPr id="8" name="ZoneTexte 7">
             <a:extLst>
               <a:ext uri="{FF2B5EF4-FFF2-40B4-BE49-F238E27FC236}">
-                <a16:creationId xmlns:a16="http://schemas.microsoft.com/office/drawing/2014/main" xmlns="" id="{63BF0684-ED98-4B91-B63C-63FF7799B27B}"/>
+                <a16:creationId xmlns:a16="http://schemas.microsoft.com/office/drawing/2014/main" id="{63BF0684-ED98-4B91-B63C-63FF7799B27B}"/>
               </a:ext>
             </a:extLst>
           </p:cNvPr>
@@ -7155,7 +7254,7 @@
         </p:nvSpPr>
         <p:spPr>
           <a:xfrm>
-            <a:off x="6876256" y="4365104"/>
+            <a:off x="4932040" y="6472035"/>
             <a:ext cx="1440160" cy="246221"/>
           </a:xfrm>
           <a:prstGeom prst="rect">
@@ -7171,16 +7270,118 @@
           <a:p>
             <a:r>
               <a:rPr lang="fr-FR" sz="1000" dirty="0"/>
-              <a:t>Barre d’échelle : </a:t>
-            </a:r>
-            <a:r>
-              <a:rPr lang="fr-FR" sz="1000" dirty="0" smtClean="0"/>
-              <a:t>10µm</a:t>
-            </a:r>
-            <a:endParaRPr lang="fr-FR" sz="1000" dirty="0"/>
-          </a:p>
-        </p:txBody>
-      </p:sp>
+              <a:t>Barre d’échelle : 10µm</a:t>
+            </a:r>
+          </a:p>
+        </p:txBody>
+      </p:sp>
+      <p:sp>
+        <p:nvSpPr>
+          <p:cNvPr id="3" name="ZoneTexte 2">
+            <a:extLst>
+              <a:ext uri="{FF2B5EF4-FFF2-40B4-BE49-F238E27FC236}">
+                <a16:creationId xmlns:a16="http://schemas.microsoft.com/office/drawing/2014/main" id="{DD4603D6-C468-452C-B9DC-EBD16100C945}"/>
+              </a:ext>
+            </a:extLst>
+          </p:cNvPr>
+          <p:cNvSpPr txBox="1"/>
+          <p:nvPr/>
+        </p:nvSpPr>
+        <p:spPr>
+          <a:xfrm>
+            <a:off x="712267" y="1278493"/>
+            <a:ext cx="2520280" cy="369332"/>
+          </a:xfrm>
+          <a:prstGeom prst="rect">
+            <a:avLst/>
+          </a:prstGeom>
+          <a:noFill/>
+        </p:spPr>
+        <p:txBody>
+          <a:bodyPr wrap="square" rtlCol="0">
+            <a:spAutoFit/>
+          </a:bodyPr>
+          <a:lstStyle/>
+          <a:p>
+            <a:r>
+              <a:rPr lang="fr-FR" dirty="0"/>
+              <a:t>-Sur coupes de cerveau </a:t>
+            </a:r>
+          </a:p>
+        </p:txBody>
+      </p:sp>
+      <p:pic>
+        <p:nvPicPr>
+          <p:cNvPr id="9" name="Image 8">
+            <a:extLst>
+              <a:ext uri="{FF2B5EF4-FFF2-40B4-BE49-F238E27FC236}">
+                <a16:creationId xmlns:a16="http://schemas.microsoft.com/office/drawing/2014/main" id="{94A9C3F7-B699-4774-9E51-73595653092F}"/>
+              </a:ext>
+            </a:extLst>
+          </p:cNvPr>
+          <p:cNvPicPr>
+            <a:picLocks noChangeAspect="1"/>
+          </p:cNvPicPr>
+          <p:nvPr/>
+        </p:nvPicPr>
+        <p:blipFill>
+          <a:blip r:embed="rId4">
+            <a:extLst>
+              <a:ext uri="{28A0092B-C50C-407E-A947-70E740481C1C}">
+                <a14:useLocalDpi xmlns:a14="http://schemas.microsoft.com/office/drawing/2010/main" val="0"/>
+              </a:ext>
+            </a:extLst>
+          </a:blip>
+          <a:stretch>
+            <a:fillRect/>
+          </a:stretch>
+        </p:blipFill>
+        <p:spPr>
+          <a:xfrm>
+            <a:off x="115244" y="1788356"/>
+            <a:ext cx="2864841" cy="2142901"/>
+          </a:xfrm>
+          <a:prstGeom prst="rect">
+            <a:avLst/>
+          </a:prstGeom>
+        </p:spPr>
+      </p:pic>
+      <p:pic>
+        <p:nvPicPr>
+          <p:cNvPr id="11" name="Image 10">
+            <a:extLst>
+              <a:ext uri="{FF2B5EF4-FFF2-40B4-BE49-F238E27FC236}">
+                <a16:creationId xmlns:a16="http://schemas.microsoft.com/office/drawing/2014/main" id="{A9CE6754-1902-4DB3-A4D9-5CA68D5089DA}"/>
+              </a:ext>
+            </a:extLst>
+          </p:cNvPr>
+          <p:cNvPicPr>
+            <a:picLocks noChangeAspect="1"/>
+          </p:cNvPicPr>
+          <p:nvPr/>
+        </p:nvPicPr>
+        <p:blipFill>
+          <a:blip r:embed="rId5">
+            <a:extLst>
+              <a:ext uri="{28A0092B-C50C-407E-A947-70E740481C1C}">
+                <a14:useLocalDpi xmlns:a14="http://schemas.microsoft.com/office/drawing/2010/main" val="0"/>
+              </a:ext>
+            </a:extLst>
+          </a:blip>
+          <a:stretch>
+            <a:fillRect/>
+          </a:stretch>
+        </p:blipFill>
+        <p:spPr>
+          <a:xfrm>
+            <a:off x="3139579" y="1788355"/>
+            <a:ext cx="2864841" cy="2142901"/>
+          </a:xfrm>
+          <a:prstGeom prst="rect">
+            <a:avLst/>
+          </a:prstGeom>
+        </p:spPr>
+      </p:pic>
     </p:spTree>
     <p:extLst>
       <p:ext uri="{BB962C8B-B14F-4D97-AF65-F5344CB8AC3E}">
@@ -7191,13 +7392,6 @@
   <p:clrMapOvr>
     <a:masterClrMapping/>
   </p:clrMapOvr>
-  <p:timing>
-    <p:tnLst>
-      <p:par>
-        <p:cTn xmlns:p14="http://schemas.microsoft.com/office/powerpoint/2010/main" id="1" dur="indefinite" restart="never" nodeType="tmRoot"/>
-      </p:par>
-    </p:tnLst>
-  </p:timing>
 </p:sld>
 </file>
 
@@ -7223,7 +7417,7 @@
           <p:cNvPr id="2" name="Titre 1">
             <a:extLst>
               <a:ext uri="{FF2B5EF4-FFF2-40B4-BE49-F238E27FC236}">
-                <a16:creationId xmlns:a16="http://schemas.microsoft.com/office/drawing/2014/main" xmlns="" id="{36118B72-5743-4218-9FB1-6752F40399B7}"/>
+                <a16:creationId xmlns:a16="http://schemas.microsoft.com/office/drawing/2014/main" id="{36118B72-5743-4218-9FB1-6752F40399B7}"/>
               </a:ext>
             </a:extLst>
           </p:cNvPr>
@@ -7236,7 +7430,7 @@
         </p:nvSpPr>
         <p:spPr>
           <a:xfrm>
-            <a:off x="457200" y="-189320"/>
+            <a:off x="651075" y="-171400"/>
             <a:ext cx="8229600" cy="1143000"/>
           </a:xfrm>
         </p:spPr>
@@ -7246,11 +7440,11 @@
           </a:bodyPr>
           <a:lstStyle/>
           <a:p>
-            <a:r>
-              <a:rPr lang="fr-FR" sz="2800" dirty="0" smtClean="0"/>
-              <a:t>Quelles sont les cellules exprimant MuSK ?</a:t>
-            </a:r>
-            <a:endParaRPr lang="fr-FR" sz="2800" dirty="0"/>
+            <a:pPr algn="l"/>
+            <a:r>
+              <a:rPr lang="fr-FR" sz="1800" dirty="0"/>
+              <a:t>-Sur des cultures d’hippocampes</a:t>
+            </a:r>
           </a:p>
         </p:txBody>
       </p:sp>
@@ -7259,7 +7453,7 @@
           <p:cNvPr id="5" name="Image 4">
             <a:extLst>
               <a:ext uri="{FF2B5EF4-FFF2-40B4-BE49-F238E27FC236}">
-                <a16:creationId xmlns:a16="http://schemas.microsoft.com/office/drawing/2014/main" xmlns="" id="{09FFA0BE-E60F-4517-BA28-F324E6F7C289}"/>
+                <a16:creationId xmlns:a16="http://schemas.microsoft.com/office/drawing/2014/main" id="{09FFA0BE-E60F-4517-BA28-F324E6F7C289}"/>
               </a:ext>
             </a:extLst>
           </p:cNvPr>
@@ -7282,7 +7476,7 @@
         </p:blipFill>
         <p:spPr>
           <a:xfrm>
-            <a:off x="6158347" y="3851288"/>
+            <a:off x="6228184" y="3831261"/>
             <a:ext cx="2836358" cy="2836358"/>
           </a:xfrm>
           <a:prstGeom prst="rect">
@@ -7295,7 +7489,7 @@
           <p:cNvPr id="7" name="Image 6">
             <a:extLst>
               <a:ext uri="{FF2B5EF4-FFF2-40B4-BE49-F238E27FC236}">
-                <a16:creationId xmlns:a16="http://schemas.microsoft.com/office/drawing/2014/main" xmlns="" id="{659660F7-E266-445D-8A56-78B375B75EB4}"/>
+                <a16:creationId xmlns:a16="http://schemas.microsoft.com/office/drawing/2014/main" id="{659660F7-E266-445D-8A56-78B375B75EB4}"/>
               </a:ext>
             </a:extLst>
           </p:cNvPr>
@@ -7318,7 +7512,7 @@
         </p:blipFill>
         <p:spPr>
           <a:xfrm>
-            <a:off x="3094995" y="787011"/>
+            <a:off x="3164832" y="766984"/>
             <a:ext cx="2836358" cy="2836358"/>
           </a:xfrm>
           <a:prstGeom prst="rect">
@@ -7331,7 +7525,7 @@
           <p:cNvPr id="9" name="Image 8">
             <a:extLst>
               <a:ext uri="{FF2B5EF4-FFF2-40B4-BE49-F238E27FC236}">
-                <a16:creationId xmlns:a16="http://schemas.microsoft.com/office/drawing/2014/main" xmlns="" id="{4BDC918D-EBAF-4502-A024-EF60AF311F93}"/>
+                <a16:creationId xmlns:a16="http://schemas.microsoft.com/office/drawing/2014/main" id="{4BDC918D-EBAF-4502-A024-EF60AF311F93}"/>
               </a:ext>
             </a:extLst>
           </p:cNvPr>
@@ -7354,7 +7548,7 @@
         </p:blipFill>
         <p:spPr>
           <a:xfrm>
-            <a:off x="6158347" y="787011"/>
+            <a:off x="6228184" y="766984"/>
             <a:ext cx="2836358" cy="2836358"/>
           </a:xfrm>
           <a:prstGeom prst="rect">
@@ -7367,7 +7561,7 @@
           <p:cNvPr id="11" name="Image 10">
             <a:extLst>
               <a:ext uri="{FF2B5EF4-FFF2-40B4-BE49-F238E27FC236}">
-                <a16:creationId xmlns:a16="http://schemas.microsoft.com/office/drawing/2014/main" xmlns="" id="{9F3F3A87-A4D2-4CB5-B19B-26E171E303AF}"/>
+                <a16:creationId xmlns:a16="http://schemas.microsoft.com/office/drawing/2014/main" id="{9F3F3A87-A4D2-4CB5-B19B-26E171E303AF}"/>
               </a:ext>
             </a:extLst>
           </p:cNvPr>
@@ -7390,7 +7584,7 @@
         </p:blipFill>
         <p:spPr>
           <a:xfrm>
-            <a:off x="3094995" y="3830963"/>
+            <a:off x="3164832" y="3810936"/>
             <a:ext cx="2836358" cy="2836358"/>
           </a:xfrm>
           <a:prstGeom prst="rect">
@@ -7403,7 +7597,7 @@
           <p:cNvPr id="13" name="Image 12">
             <a:extLst>
               <a:ext uri="{FF2B5EF4-FFF2-40B4-BE49-F238E27FC236}">
-                <a16:creationId xmlns:a16="http://schemas.microsoft.com/office/drawing/2014/main" xmlns="" id="{BC1F8E69-EB26-4060-AB61-E8A97A89BE47}"/>
+                <a16:creationId xmlns:a16="http://schemas.microsoft.com/office/drawing/2014/main" id="{BC1F8E69-EB26-4060-AB61-E8A97A89BE47}"/>
               </a:ext>
             </a:extLst>
           </p:cNvPr>
@@ -7426,7 +7620,7 @@
         </p:blipFill>
         <p:spPr>
           <a:xfrm>
-            <a:off x="31643" y="3830963"/>
+            <a:off x="101480" y="3810936"/>
             <a:ext cx="2836358" cy="2836358"/>
           </a:xfrm>
           <a:prstGeom prst="rect">
@@ -7439,7 +7633,7 @@
           <p:cNvPr id="15" name="Image 14">
             <a:extLst>
               <a:ext uri="{FF2B5EF4-FFF2-40B4-BE49-F238E27FC236}">
-                <a16:creationId xmlns:a16="http://schemas.microsoft.com/office/drawing/2014/main" xmlns="" id="{1D5F6ED3-EED6-4A15-A989-F0B9BE13D008}"/>
+                <a16:creationId xmlns:a16="http://schemas.microsoft.com/office/drawing/2014/main" id="{1D5F6ED3-EED6-4A15-A989-F0B9BE13D008}"/>
               </a:ext>
             </a:extLst>
           </p:cNvPr>
@@ -7462,7 +7656,7 @@
         </p:blipFill>
         <p:spPr>
           <a:xfrm>
-            <a:off x="25192" y="787011"/>
+            <a:off x="95029" y="766984"/>
             <a:ext cx="2836358" cy="2836358"/>
           </a:xfrm>
           <a:prstGeom prst="rect">
@@ -7475,7 +7669,7 @@
           <p:cNvPr id="16" name="ZoneTexte 15">
             <a:extLst>
               <a:ext uri="{FF2B5EF4-FFF2-40B4-BE49-F238E27FC236}">
-                <a16:creationId xmlns:a16="http://schemas.microsoft.com/office/drawing/2014/main" xmlns="" id="{A9F08D7D-0960-4664-9205-C6370B9660AA}"/>
+                <a16:creationId xmlns:a16="http://schemas.microsoft.com/office/drawing/2014/main" id="{A9F08D7D-0960-4664-9205-C6370B9660AA}"/>
               </a:ext>
             </a:extLst>
           </p:cNvPr>
@@ -7484,7 +7678,7 @@
         </p:nvSpPr>
         <p:spPr>
           <a:xfrm>
-            <a:off x="7748974" y="3590304"/>
+            <a:off x="7818811" y="3570277"/>
             <a:ext cx="2123728" cy="246221"/>
           </a:xfrm>
           <a:prstGeom prst="rect">
@@ -7510,7 +7704,7 @@
           <p:cNvPr id="17" name="ZoneTexte 16">
             <a:extLst>
               <a:ext uri="{FF2B5EF4-FFF2-40B4-BE49-F238E27FC236}">
-                <a16:creationId xmlns:a16="http://schemas.microsoft.com/office/drawing/2014/main" xmlns="" id="{63BF0684-ED98-4B91-B63C-63FF7799B27B}"/>
+                <a16:creationId xmlns:a16="http://schemas.microsoft.com/office/drawing/2014/main" id="{63BF0684-ED98-4B91-B63C-63FF7799B27B}"/>
               </a:ext>
             </a:extLst>
           </p:cNvPr>
@@ -7519,7 +7713,7 @@
         </p:nvSpPr>
         <p:spPr>
           <a:xfrm>
-            <a:off x="7748974" y="6639818"/>
+            <a:off x="7818811" y="6619791"/>
             <a:ext cx="2123728" cy="246221"/>
           </a:xfrm>
           <a:prstGeom prst="rect">
@@ -7550,13 +7744,6 @@
   <p:clrMapOvr>
     <a:masterClrMapping/>
   </p:clrMapOvr>
-  <p:timing>
-    <p:tnLst>
-      <p:par>
-        <p:cTn xmlns:p14="http://schemas.microsoft.com/office/powerpoint/2010/main" id="1" dur="indefinite" restart="never" nodeType="tmRoot"/>
-      </p:par>
-    </p:tnLst>
-  </p:timing>
 </p:sld>
 </file>
 
@@ -7582,7 +7769,7 @@
           <p:cNvPr id="16" name="Image 15">
             <a:extLst>
               <a:ext uri="{FF2B5EF4-FFF2-40B4-BE49-F238E27FC236}">
-                <a16:creationId xmlns:a16="http://schemas.microsoft.com/office/drawing/2014/main" xmlns="" id="{61404B37-9BEE-4B62-A3E2-2AEABD33AC04}"/>
+                <a16:creationId xmlns:a16="http://schemas.microsoft.com/office/drawing/2014/main" id="{61404B37-9BEE-4B62-A3E2-2AEABD33AC04}"/>
               </a:ext>
             </a:extLst>
           </p:cNvPr>
@@ -7606,7 +7793,7 @@
         <p:spPr>
           <a:xfrm>
             <a:off x="2987825" y="894795"/>
-            <a:ext cx="2880320" cy="2880320"/>
+            <a:ext cx="2789590" cy="2789590"/>
           </a:xfrm>
           <a:prstGeom prst="rect">
             <a:avLst/>
@@ -7618,7 +7805,7 @@
           <p:cNvPr id="2" name="Titre 1">
             <a:extLst>
               <a:ext uri="{FF2B5EF4-FFF2-40B4-BE49-F238E27FC236}">
-                <a16:creationId xmlns:a16="http://schemas.microsoft.com/office/drawing/2014/main" xmlns="" id="{CAF8591C-6E7C-48EC-83F6-33DCE6C1FC82}"/>
+                <a16:creationId xmlns:a16="http://schemas.microsoft.com/office/drawing/2014/main" id="{CAF8591C-6E7C-48EC-83F6-33DCE6C1FC82}"/>
               </a:ext>
             </a:extLst>
           </p:cNvPr>
@@ -7642,10 +7829,9 @@
           <a:lstStyle/>
           <a:p>
             <a:r>
-              <a:rPr lang="fr-FR" sz="2800" dirty="0" smtClean="0"/>
+              <a:rPr lang="fr-FR" sz="2800" dirty="0"/>
               <a:t>Le marquage de MuSK est-il spécifique ?</a:t>
             </a:r>
-            <a:endParaRPr lang="fr-FR" sz="2800" dirty="0"/>
           </a:p>
         </p:txBody>
       </p:sp>
@@ -7654,7 +7840,7 @@
           <p:cNvPr id="10" name="ZoneTexte 9">
             <a:extLst>
               <a:ext uri="{FF2B5EF4-FFF2-40B4-BE49-F238E27FC236}">
-                <a16:creationId xmlns:a16="http://schemas.microsoft.com/office/drawing/2014/main" xmlns="" id="{382FB9F1-470A-46C1-B26B-EA63482F9969}"/>
+                <a16:creationId xmlns:a16="http://schemas.microsoft.com/office/drawing/2014/main" id="{382FB9F1-470A-46C1-B26B-EA63482F9969}"/>
               </a:ext>
             </a:extLst>
           </p:cNvPr>
@@ -7796,7 +7982,7 @@
           <p:cNvPr id="8" name="Image 7">
             <a:extLst>
               <a:ext uri="{FF2B5EF4-FFF2-40B4-BE49-F238E27FC236}">
-                <a16:creationId xmlns:a16="http://schemas.microsoft.com/office/drawing/2014/main" xmlns="" id="{D73EC4F2-B469-42F0-BA8E-31B813743E19}"/>
+                <a16:creationId xmlns:a16="http://schemas.microsoft.com/office/drawing/2014/main" id="{D73EC4F2-B469-42F0-BA8E-31B813743E19}"/>
               </a:ext>
             </a:extLst>
           </p:cNvPr>
@@ -7832,7 +8018,7 @@
           <p:cNvPr id="21" name="Image 20">
             <a:extLst>
               <a:ext uri="{FF2B5EF4-FFF2-40B4-BE49-F238E27FC236}">
-                <a16:creationId xmlns:a16="http://schemas.microsoft.com/office/drawing/2014/main" xmlns="" id="{74CFA5B1-5009-4B9E-9D3D-DCAAAA0509D5}"/>
+                <a16:creationId xmlns:a16="http://schemas.microsoft.com/office/drawing/2014/main" id="{74CFA5B1-5009-4B9E-9D3D-DCAAAA0509D5}"/>
               </a:ext>
             </a:extLst>
           </p:cNvPr>
@@ -7855,7 +8041,7 @@
         </p:blipFill>
         <p:spPr>
           <a:xfrm>
-            <a:off x="4580595" y="3775115"/>
+            <a:off x="4648065" y="3767336"/>
             <a:ext cx="2774033" cy="2774033"/>
           </a:xfrm>
           <a:prstGeom prst="rect">
@@ -7868,7 +8054,7 @@
           <p:cNvPr id="11" name="ZoneTexte 10">
             <a:extLst>
               <a:ext uri="{FF2B5EF4-FFF2-40B4-BE49-F238E27FC236}">
-                <a16:creationId xmlns:a16="http://schemas.microsoft.com/office/drawing/2014/main" xmlns="" id="{1941768D-54A5-4B45-998E-80A0C5BD8950}"/>
+                <a16:creationId xmlns:a16="http://schemas.microsoft.com/office/drawing/2014/main" id="{1941768D-54A5-4B45-998E-80A0C5BD8950}"/>
               </a:ext>
             </a:extLst>
           </p:cNvPr>
@@ -7894,13 +8080,8 @@
             <a:pPr algn="r"/>
             <a:r>
               <a:rPr lang="fr-FR" sz="1200" dirty="0"/>
-              <a:t>Barre d’échelle : </a:t>
-            </a:r>
-            <a:r>
-              <a:rPr lang="fr-FR" sz="1200" dirty="0" smtClean="0"/>
-              <a:t>50µm</a:t>
-            </a:r>
-            <a:endParaRPr lang="fr-FR" sz="1200" dirty="0"/>
+              <a:t>Barre d’échelle : 50µm</a:t>
+            </a:r>
           </a:p>
         </p:txBody>
       </p:sp>
@@ -7912,7 +8093,7 @@
         </p:nvSpPr>
         <p:spPr>
           <a:xfrm flipH="1">
-            <a:off x="4572000" y="3140968"/>
+            <a:off x="4540053" y="3068960"/>
             <a:ext cx="216024" cy="144016"/>
           </a:xfrm>
           <a:prstGeom prst="rect">
@@ -7956,7 +8137,7 @@
         </p:nvSpPr>
         <p:spPr>
           <a:xfrm flipV="1">
-            <a:off x="5220072" y="2204864"/>
+            <a:off x="5148064" y="2146839"/>
             <a:ext cx="216024" cy="152400"/>
           </a:xfrm>
           <a:prstGeom prst="rect">
@@ -8041,7 +8222,7 @@
           <p:cNvPr id="14" name="ZoneTexte 13">
             <a:extLst>
               <a:ext uri="{FF2B5EF4-FFF2-40B4-BE49-F238E27FC236}">
-                <a16:creationId xmlns:a16="http://schemas.microsoft.com/office/drawing/2014/main" xmlns="" id="{1941768D-54A5-4B45-998E-80A0C5BD8950}"/>
+                <a16:creationId xmlns:a16="http://schemas.microsoft.com/office/drawing/2014/main" id="{1941768D-54A5-4B45-998E-80A0C5BD8950}"/>
               </a:ext>
             </a:extLst>
           </p:cNvPr>
@@ -8067,13 +8248,8 @@
             <a:pPr algn="r"/>
             <a:r>
               <a:rPr lang="fr-FR" sz="1200" dirty="0"/>
-              <a:t>Barre d’échelle : </a:t>
-            </a:r>
-            <a:r>
-              <a:rPr lang="fr-FR" sz="1200" dirty="0" smtClean="0"/>
-              <a:t>10µm</a:t>
-            </a:r>
-            <a:endParaRPr lang="fr-FR" sz="1200" dirty="0"/>
+              <a:t>Barre d’échelle : 10µm</a:t>
+            </a:r>
           </a:p>
         </p:txBody>
       </p:sp>
@@ -8087,13 +8263,6 @@
   <p:clrMapOvr>
     <a:masterClrMapping/>
   </p:clrMapOvr>
-  <p:timing>
-    <p:tnLst>
-      <p:par>
-        <p:cTn xmlns:p14="http://schemas.microsoft.com/office/powerpoint/2010/main" id="1" dur="indefinite" restart="never" nodeType="tmRoot"/>
-      </p:par>
-    </p:tnLst>
-  </p:timing>
 </p:sld>
 </file>
 
@@ -8119,7 +8288,7 @@
           <p:cNvPr id="2" name="Titre 1">
             <a:extLst>
               <a:ext uri="{FF2B5EF4-FFF2-40B4-BE49-F238E27FC236}">
-                <a16:creationId xmlns:a16="http://schemas.microsoft.com/office/drawing/2014/main" xmlns="" id="{77C362DF-B701-4CBF-A0C6-E5D3B52006E9}"/>
+                <a16:creationId xmlns:a16="http://schemas.microsoft.com/office/drawing/2014/main" id="{77C362DF-B701-4CBF-A0C6-E5D3B52006E9}"/>
               </a:ext>
             </a:extLst>
           </p:cNvPr>
@@ -8143,22 +8312,17 @@
           <a:lstStyle/>
           <a:p>
             <a:r>
-              <a:rPr lang="fr-FR" dirty="0" smtClean="0"/>
-              <a:t>La présence de MuSK est-elle confirm</a:t>
-            </a:r>
-            <a:r>
-              <a:rPr lang="fr-FR" dirty="0" smtClean="0"/>
-              <a:t>ée par </a:t>
-            </a:r>
-            <a:r>
-              <a:rPr lang="fr-FR" dirty="0" err="1" smtClean="0"/>
+              <a:rPr lang="fr-FR" dirty="0"/>
+              <a:t>La présence de MuSK est-elle confirmée par </a:t>
+            </a:r>
+            <a:r>
+              <a:rPr lang="fr-FR" dirty="0" err="1"/>
               <a:t>immunoprécipitation</a:t>
             </a:r>
             <a:r>
-              <a:rPr lang="fr-FR" dirty="0" smtClean="0"/>
+              <a:rPr lang="fr-FR" dirty="0"/>
               <a:t> ?</a:t>
             </a:r>
-            <a:endParaRPr lang="fr-FR" dirty="0"/>
           </a:p>
         </p:txBody>
       </p:sp>
@@ -8167,7 +8331,7 @@
           <p:cNvPr id="5" name="Espace réservé du contenu 4">
             <a:extLst>
               <a:ext uri="{FF2B5EF4-FFF2-40B4-BE49-F238E27FC236}">
-                <a16:creationId xmlns:a16="http://schemas.microsoft.com/office/drawing/2014/main" xmlns="" id="{CE862815-B4E8-4ED5-9230-A132D1B22C55}"/>
+                <a16:creationId xmlns:a16="http://schemas.microsoft.com/office/drawing/2014/main" id="{CE862815-B4E8-4ED5-9230-A132D1B22C55}"/>
               </a:ext>
             </a:extLst>
           </p:cNvPr>
@@ -8202,7 +8366,7 @@
           <p:cNvPr id="7" name="Image 6">
             <a:extLst>
               <a:ext uri="{FF2B5EF4-FFF2-40B4-BE49-F238E27FC236}">
-                <a16:creationId xmlns:a16="http://schemas.microsoft.com/office/drawing/2014/main" xmlns="" id="{CB30C5DC-6CF5-4D42-BE09-10AD5822A80C}"/>
+                <a16:creationId xmlns:a16="http://schemas.microsoft.com/office/drawing/2014/main" id="{CB30C5DC-6CF5-4D42-BE09-10AD5822A80C}"/>
               </a:ext>
             </a:extLst>
           </p:cNvPr>
@@ -8238,7 +8402,7 @@
           <p:cNvPr id="3" name="ZoneTexte 2">
             <a:extLst>
               <a:ext uri="{FF2B5EF4-FFF2-40B4-BE49-F238E27FC236}">
-                <a16:creationId xmlns:a16="http://schemas.microsoft.com/office/drawing/2014/main" xmlns="" id="{A49F7AF6-BFCF-41F3-B172-BC6D0010D137}"/>
+                <a16:creationId xmlns:a16="http://schemas.microsoft.com/office/drawing/2014/main" id="{A49F7AF6-BFCF-41F3-B172-BC6D0010D137}"/>
               </a:ext>
             </a:extLst>
           </p:cNvPr>
@@ -8320,41 +8484,36 @@
           <a:p>
             <a:r>
               <a:rPr lang="fr-FR" sz="1200" dirty="0"/>
-              <a:t>n</a:t>
-            </a:r>
-            <a:r>
-              <a:rPr lang="fr-FR" sz="1200" dirty="0" smtClean="0"/>
-              <a:t> = 3 souris (</a:t>
-            </a:r>
-            <a:r>
-              <a:rPr lang="fr-FR" sz="1200" dirty="0" err="1" smtClean="0"/>
+              <a:t>n = 3 souris (</a:t>
+            </a:r>
+            <a:r>
+              <a:rPr lang="fr-FR" sz="1200" dirty="0" err="1"/>
               <a:t>fig</a:t>
             </a:r>
             <a:r>
-              <a:rPr lang="fr-FR" sz="1200" dirty="0" smtClean="0"/>
+              <a:rPr lang="fr-FR" sz="1200" dirty="0"/>
               <a:t> 1) et</a:t>
             </a:r>
           </a:p>
           <a:p>
             <a:r>
-              <a:rPr lang="fr-FR" sz="1200" dirty="0" smtClean="0"/>
+              <a:rPr lang="fr-FR" sz="1200" dirty="0"/>
               <a:t>n = 3 souris WT,</a:t>
             </a:r>
           </a:p>
           <a:p>
             <a:r>
-              <a:rPr lang="fr-FR" sz="1200" dirty="0" smtClean="0"/>
+              <a:rPr lang="fr-FR" sz="1200" dirty="0"/>
               <a:t>n = 3 souris mutantes (</a:t>
             </a:r>
             <a:r>
-              <a:rPr lang="fr-FR" sz="1200" dirty="0" err="1" smtClean="0"/>
+              <a:rPr lang="fr-FR" sz="1200" dirty="0" err="1"/>
               <a:t>fig</a:t>
             </a:r>
             <a:r>
-              <a:rPr lang="fr-FR" sz="1200" dirty="0" smtClean="0"/>
+              <a:rPr lang="fr-FR" sz="1200" dirty="0"/>
               <a:t> 2)</a:t>
             </a:r>
-            <a:endParaRPr lang="fr-FR" sz="1200" dirty="0"/>
           </a:p>
         </p:txBody>
       </p:sp>
@@ -8381,14 +8540,13 @@
           <a:lstStyle/>
           <a:p>
             <a:r>
-              <a:rPr lang="fr-FR" dirty="0" err="1" smtClean="0"/>
+              <a:rPr lang="fr-FR" dirty="0" err="1"/>
               <a:t>Fig</a:t>
             </a:r>
             <a:r>
-              <a:rPr lang="fr-FR" dirty="0" smtClean="0"/>
+              <a:rPr lang="fr-FR" dirty="0"/>
               <a:t> 1</a:t>
             </a:r>
-            <a:endParaRPr lang="fr-FR" dirty="0"/>
           </a:p>
         </p:txBody>
       </p:sp>
@@ -8415,14 +8573,13 @@
           <a:lstStyle/>
           <a:p>
             <a:r>
-              <a:rPr lang="fr-FR" dirty="0" err="1" smtClean="0"/>
+              <a:rPr lang="fr-FR" dirty="0" err="1"/>
               <a:t>Fig</a:t>
             </a:r>
             <a:r>
-              <a:rPr lang="fr-FR" dirty="0" smtClean="0"/>
+              <a:rPr lang="fr-FR" dirty="0"/>
               <a:t> 2</a:t>
             </a:r>
-            <a:endParaRPr lang="fr-FR" dirty="0"/>
           </a:p>
         </p:txBody>
       </p:sp>
@@ -8436,13 +8593,6 @@
   <p:clrMapOvr>
     <a:masterClrMapping/>
   </p:clrMapOvr>
-  <p:timing>
-    <p:tnLst>
-      <p:par>
-        <p:cTn xmlns:p14="http://schemas.microsoft.com/office/powerpoint/2010/main" id="1" dur="indefinite" restart="never" nodeType="tmRoot"/>
-      </p:par>
-    </p:tnLst>
-  </p:timing>
 </p:sld>
 </file>
 
@@ -8468,7 +8618,7 @@
           <p:cNvPr id="2" name="Titre 1">
             <a:extLst>
               <a:ext uri="{FF2B5EF4-FFF2-40B4-BE49-F238E27FC236}">
-                <a16:creationId xmlns:a16="http://schemas.microsoft.com/office/drawing/2014/main" xmlns="" id="{FB3EB441-C491-4A8F-AFC6-67B32294F0E5}"/>
+                <a16:creationId xmlns:a16="http://schemas.microsoft.com/office/drawing/2014/main" id="{FB3EB441-C491-4A8F-AFC6-67B32294F0E5}"/>
               </a:ext>
             </a:extLst>
           </p:cNvPr>
@@ -8479,7 +8629,12 @@
             <p:ph type="title"/>
           </p:nvPr>
         </p:nvSpPr>
-        <p:spPr/>
+        <p:spPr>
+          <a:xfrm>
+            <a:off x="457199" y="404664"/>
+            <a:ext cx="8229600" cy="1143000"/>
+          </a:xfrm>
+        </p:spPr>
         <p:txBody>
           <a:bodyPr>
             <a:normAutofit fontScale="90000"/>
@@ -8487,10 +8642,9 @@
           <a:lstStyle/>
           <a:p>
             <a:r>
-              <a:rPr lang="fr-FR" dirty="0" smtClean="0"/>
+              <a:rPr lang="fr-FR" dirty="0"/>
               <a:t>Quel est le niveau d’expression de MuSK dans diverses structures du cerveau ?</a:t>
             </a:r>
-            <a:endParaRPr lang="fr-FR" dirty="0"/>
           </a:p>
         </p:txBody>
       </p:sp>
@@ -8499,7 +8653,7 @@
           <p:cNvPr id="5" name="Image 4">
             <a:extLst>
               <a:ext uri="{FF2B5EF4-FFF2-40B4-BE49-F238E27FC236}">
-                <a16:creationId xmlns:a16="http://schemas.microsoft.com/office/drawing/2014/main" xmlns="" id="{719937EE-8EA5-44D6-BA84-E4A9F94EFDB5}"/>
+                <a16:creationId xmlns:a16="http://schemas.microsoft.com/office/drawing/2014/main" id="{719937EE-8EA5-44D6-BA84-E4A9F94EFDB5}"/>
               </a:ext>
             </a:extLst>
           </p:cNvPr>
@@ -8522,7 +8676,7 @@
         </p:blipFill>
         <p:spPr>
           <a:xfrm>
-            <a:off x="2407121" y="2060848"/>
+            <a:off x="2407121" y="2204864"/>
             <a:ext cx="4329757" cy="3232378"/>
           </a:xfrm>
           <a:prstGeom prst="rect">
@@ -8554,13 +8708,43 @@
           <a:p>
             <a:r>
               <a:rPr lang="fr-FR" sz="1200" dirty="0"/>
-              <a:t>n</a:t>
-            </a:r>
-            <a:r>
-              <a:rPr lang="fr-FR" sz="1200" dirty="0" smtClean="0"/>
-              <a:t> = 3 (WT)</a:t>
-            </a:r>
-            <a:endParaRPr lang="fr-FR" sz="1200" dirty="0"/>
+              <a:t>n = 3 (WT)</a:t>
+            </a:r>
+          </a:p>
+        </p:txBody>
+      </p:sp>
+      <p:sp>
+        <p:nvSpPr>
+          <p:cNvPr id="4" name="ZoneTexte 3">
+            <a:extLst>
+              <a:ext uri="{FF2B5EF4-FFF2-40B4-BE49-F238E27FC236}">
+                <a16:creationId xmlns:a16="http://schemas.microsoft.com/office/drawing/2014/main" id="{A14657EF-3B0A-43D7-814A-407A0E6D665F}"/>
+              </a:ext>
+            </a:extLst>
+          </p:cNvPr>
+          <p:cNvSpPr txBox="1"/>
+          <p:nvPr/>
+        </p:nvSpPr>
+        <p:spPr>
+          <a:xfrm>
+            <a:off x="0" y="6612287"/>
+            <a:ext cx="5040560" cy="276999"/>
+          </a:xfrm>
+          <a:prstGeom prst="rect">
+            <a:avLst/>
+          </a:prstGeom>
+          <a:noFill/>
+        </p:spPr>
+        <p:txBody>
+          <a:bodyPr wrap="square" rtlCol="0">
+            <a:spAutoFit/>
+          </a:bodyPr>
+          <a:lstStyle/>
+          <a:p>
+            <a:r>
+              <a:rPr lang="fr-FR" sz="1200" dirty="0"/>
+              <a:t>HG : Hippocampe Gauche, HD : Hippocampe Droit, Ct : Cervelet</a:t>
+            </a:r>
           </a:p>
         </p:txBody>
       </p:sp>
@@ -8574,13 +8758,6 @@
   <p:clrMapOvr>
     <a:masterClrMapping/>
   </p:clrMapOvr>
-  <p:timing>
-    <p:tnLst>
-      <p:par>
-        <p:cTn xmlns:p14="http://schemas.microsoft.com/office/powerpoint/2010/main" id="1" dur="indefinite" restart="never" nodeType="tmRoot"/>
-      </p:par>
-    </p:tnLst>
-  </p:timing>
 </p:sld>
 </file>
 
@@ -8617,10 +8794,9 @@
           <a:lstStyle/>
           <a:p>
             <a:r>
-              <a:rPr lang="fr-FR" dirty="0" smtClean="0"/>
+              <a:rPr lang="fr-FR" dirty="0"/>
               <a:t>Conclusion</a:t>
             </a:r>
-            <a:endParaRPr lang="fr-FR" dirty="0"/>
           </a:p>
         </p:txBody>
       </p:sp>
@@ -8636,10 +8812,63 @@
         </p:nvSpPr>
         <p:spPr/>
         <p:txBody>
-          <a:bodyPr/>
-          <a:lstStyle/>
-          <a:p>
-            <a:endParaRPr lang="fr-FR" dirty="0"/>
+          <a:bodyPr>
+            <a:normAutofit fontScale="92500" lnSpcReduction="20000"/>
+          </a:bodyPr>
+          <a:lstStyle/>
+          <a:p>
+            <a:r>
+              <a:rPr lang="fr-FR" dirty="0" err="1"/>
+              <a:t>MuSK</a:t>
+            </a:r>
+            <a:r>
+              <a:rPr lang="fr-FR" dirty="0"/>
+              <a:t> participe à l’organisation des couches neuronales de l’hippocampe au travers de son domaine CRD ;</a:t>
+            </a:r>
+          </a:p>
+          <a:p>
+            <a:r>
+              <a:rPr lang="fr-FR" dirty="0" err="1"/>
+              <a:t>MuSK</a:t>
+            </a:r>
+            <a:r>
+              <a:rPr lang="fr-FR" dirty="0"/>
+              <a:t> est situé dans des structures discrètes du cerveau ;</a:t>
+            </a:r>
+          </a:p>
+          <a:p>
+            <a:r>
+              <a:rPr lang="fr-FR" dirty="0" err="1"/>
+              <a:t>MuSK</a:t>
+            </a:r>
+            <a:r>
+              <a:rPr lang="fr-FR" dirty="0"/>
+              <a:t> </a:t>
+            </a:r>
+            <a:r>
+              <a:rPr lang="fr-FR" dirty="0" err="1"/>
+              <a:t>colocalise</a:t>
+            </a:r>
+            <a:r>
+              <a:rPr lang="fr-FR" dirty="0"/>
+              <a:t> avec GFAP (marqueur astrocytaire, coupes et cultures) et avec MAP2 (marqueur dendritique, cultures) ;</a:t>
+            </a:r>
+          </a:p>
+          <a:p>
+            <a:r>
+              <a:rPr lang="fr-FR" dirty="0"/>
+              <a:t>La spécificité du marquage reste à confirmer ;</a:t>
+            </a:r>
+          </a:p>
+          <a:p>
+            <a:r>
+              <a:rPr lang="fr-FR" dirty="0" err="1"/>
+              <a:t>MuSK</a:t>
+            </a:r>
+            <a:r>
+              <a:rPr lang="fr-FR" dirty="0"/>
+              <a:t> est plus exprimé dans l’hippocampe Gauche que dans le Droit ou dans le cervelet.</a:t>
+            </a:r>
           </a:p>
         </p:txBody>
       </p:sp>
@@ -8691,10 +8920,9 @@
           <a:lstStyle/>
           <a:p>
             <a:r>
-              <a:rPr lang="fr-FR" dirty="0" smtClean="0"/>
+              <a:rPr lang="fr-FR" dirty="0"/>
               <a:t>Perspective</a:t>
             </a:r>
-            <a:endParaRPr lang="fr-FR" dirty="0"/>
           </a:p>
         </p:txBody>
       </p:sp>
@@ -8711,45 +8939,58 @@
         <p:spPr/>
         <p:txBody>
           <a:bodyPr>
-            <a:normAutofit fontScale="70000" lnSpcReduction="20000"/>
+            <a:normAutofit fontScale="62500" lnSpcReduction="20000"/>
           </a:bodyPr>
           <a:lstStyle/>
           <a:p>
             <a:r>
-              <a:rPr lang="fr-FR" dirty="0" smtClean="0"/>
+              <a:rPr lang="fr-FR" dirty="0"/>
               <a:t>Confirmer la spécificité du marquage MuSK (autre anticorps, lignée de souris KO conditionnel dans le cerveau) ;</a:t>
             </a:r>
           </a:p>
           <a:p>
-            <a:r>
-              <a:rPr lang="fr-FR" dirty="0" smtClean="0"/>
+            <a:endParaRPr lang="fr-FR" dirty="0"/>
+          </a:p>
+          <a:p>
+            <a:r>
+              <a:rPr lang="fr-FR" dirty="0"/>
               <a:t>Mesurer la densité neuronale de l’hippocampe, et augmenter le nombre d’individus pour la mesure de l’épaisseur des couches neuronales ;</a:t>
             </a:r>
           </a:p>
           <a:p>
-            <a:r>
-              <a:rPr lang="fr-FR" dirty="0" smtClean="0"/>
-              <a:t>Voir si MuSK et LRP4 sont exprimés par les m</a:t>
-            </a:r>
-            <a:r>
-              <a:rPr lang="fr-FR" dirty="0" smtClean="0"/>
-              <a:t>êmes cellules astrocytaires, si la signalisation de MuSK passe aussi par LRP4 ;</a:t>
-            </a:r>
             <a:endParaRPr lang="fr-FR" dirty="0"/>
           </a:p>
           <a:p>
             <a:r>
-              <a:rPr lang="fr-FR" dirty="0" smtClean="0"/>
+              <a:rPr lang="fr-FR" dirty="0"/>
+              <a:t>Voir si MuSK et LRP4 sont exprimés par les mêmes cellules astrocytaires, si la signalisation de MuSK passe aussi par LRP4 et l’</a:t>
+            </a:r>
+            <a:r>
+              <a:rPr lang="fr-FR" dirty="0" err="1"/>
+              <a:t>agrine</a:t>
+            </a:r>
+            <a:r>
+              <a:rPr lang="fr-FR" dirty="0"/>
+              <a:t>;</a:t>
+            </a:r>
+          </a:p>
+          <a:p>
+            <a:endParaRPr lang="fr-FR" dirty="0"/>
+          </a:p>
+          <a:p>
+            <a:r>
+              <a:rPr lang="fr-FR" dirty="0"/>
               <a:t>Etudier l’évolution de l’expression de MuSK dans les différentes structures au cours du développement ;</a:t>
             </a:r>
+          </a:p>
+          <a:p>
             <a:endParaRPr lang="fr-FR" dirty="0"/>
           </a:p>
           <a:p>
             <a:r>
-              <a:rPr lang="fr-FR" dirty="0" smtClean="0"/>
+              <a:rPr lang="fr-FR" dirty="0"/>
               <a:t>Réaliser des tests comportementaux sur la souris mutantes, en collaboration avec une plateforme spécialisée de l’ICM, pour observer la mémoire spatiale, l’anxiété, et le stress des animaux mutants.</a:t>
             </a:r>
-            <a:endParaRPr lang="fr-FR" dirty="0" smtClean="0"/>
           </a:p>
           <a:p>
             <a:endParaRPr lang="fr-FR" dirty="0"/>
@@ -8810,10 +9051,9 @@
           <a:p>
             <a:pPr algn="ctr"/>
             <a:r>
-              <a:rPr lang="fr-FR" sz="4000" dirty="0" smtClean="0"/>
+              <a:rPr lang="fr-FR" sz="4000" dirty="0"/>
               <a:t>Merci de votre attention.</a:t>
             </a:r>
-            <a:endParaRPr lang="fr-FR" sz="4000" dirty="0"/>
           </a:p>
         </p:txBody>
       </p:sp>
@@ -8870,87 +9110,87 @@
               <a:t>Souris </a:t>
             </a:r>
             <a:r>
-              <a:rPr lang="en-US" dirty="0" err="1" smtClean="0"/>
+              <a:rPr lang="en-US" dirty="0" err="1"/>
               <a:t>MuSKΔCRD</a:t>
             </a:r>
             <a:r>
-              <a:rPr lang="en-US" dirty="0" smtClean="0"/>
+              <a:rPr lang="en-US" dirty="0"/>
               <a:t> </a:t>
             </a:r>
             <a:r>
-              <a:rPr lang="en-US" dirty="0" err="1" smtClean="0"/>
+              <a:rPr lang="en-US" dirty="0" err="1"/>
               <a:t>mutantes</a:t>
             </a:r>
             <a:r>
-              <a:rPr lang="en-US" dirty="0" smtClean="0"/>
+              <a:rPr lang="en-US" dirty="0"/>
               <a:t> </a:t>
             </a:r>
             <a:r>
-              <a:rPr lang="en-US" dirty="0" err="1" smtClean="0"/>
+              <a:rPr lang="en-US" dirty="0" err="1"/>
               <a:t>sont</a:t>
             </a:r>
             <a:r>
-              <a:rPr lang="en-US" dirty="0" smtClean="0"/>
+              <a:rPr lang="en-US" dirty="0"/>
               <a:t> plus </a:t>
             </a:r>
             <a:r>
-              <a:rPr lang="en-US" dirty="0" err="1" smtClean="0"/>
+              <a:rPr lang="en-US" dirty="0" err="1"/>
               <a:t>anxieuses</a:t>
             </a:r>
             <a:r>
-              <a:rPr lang="en-US" dirty="0" smtClean="0"/>
+              <a:rPr lang="en-US" dirty="0"/>
               <a:t> </a:t>
             </a:r>
             <a:r>
-              <a:rPr lang="en-US" dirty="0" err="1" smtClean="0"/>
+              <a:rPr lang="en-US" dirty="0" err="1"/>
               <a:t>que</a:t>
             </a:r>
             <a:r>
-              <a:rPr lang="en-US" dirty="0" smtClean="0"/>
+              <a:rPr lang="en-US" dirty="0"/>
               <a:t> les </a:t>
             </a:r>
             <a:r>
-              <a:rPr lang="en-US" dirty="0" err="1" smtClean="0"/>
+              <a:rPr lang="en-US" dirty="0" err="1"/>
               <a:t>souris</a:t>
             </a:r>
             <a:r>
-              <a:rPr lang="en-US" dirty="0" smtClean="0"/>
+              <a:rPr lang="en-US" dirty="0"/>
               <a:t> </a:t>
             </a:r>
             <a:r>
-              <a:rPr lang="en-US" dirty="0" err="1" smtClean="0"/>
+              <a:rPr lang="en-US" dirty="0" err="1"/>
               <a:t>sauvages</a:t>
             </a:r>
-            <a:endParaRPr lang="en-US" dirty="0" smtClean="0"/>
+            <a:endParaRPr lang="en-US" dirty="0"/>
           </a:p>
           <a:p>
             <a:pPr lvl="0" algn="ctr"/>
             <a:r>
-              <a:rPr lang="en-US" dirty="0" smtClean="0"/>
+              <a:rPr lang="en-US" dirty="0"/>
               <a:t>Pas </a:t>
             </a:r>
             <a:r>
-              <a:rPr lang="en-US" dirty="0" err="1" smtClean="0"/>
+              <a:rPr lang="en-US" dirty="0" err="1"/>
               <a:t>d’effets</a:t>
             </a:r>
             <a:r>
-              <a:rPr lang="en-US" dirty="0" smtClean="0"/>
+              <a:rPr lang="en-US" dirty="0"/>
               <a:t> du </a:t>
             </a:r>
             <a:r>
-              <a:rPr lang="en-US" dirty="0" err="1" smtClean="0"/>
+              <a:rPr lang="en-US" dirty="0" err="1"/>
               <a:t>LiCL</a:t>
             </a:r>
             <a:r>
-              <a:rPr lang="en-US" dirty="0" smtClean="0"/>
+              <a:rPr lang="en-US" dirty="0"/>
               <a:t> </a:t>
             </a:r>
             <a:r>
-              <a:rPr lang="en-US" dirty="0" err="1" smtClean="0"/>
+              <a:rPr lang="en-US" dirty="0" err="1"/>
               <a:t>sur</a:t>
             </a:r>
             <a:r>
-              <a:rPr lang="en-US" dirty="0" smtClean="0"/>
+              <a:rPr lang="en-US" dirty="0"/>
               <a:t> la mutation</a:t>
             </a:r>
             <a:endParaRPr lang="fr-FR" dirty="0"/>
@@ -9081,42 +9321,41 @@
               </a:lnSpc>
             </a:pPr>
             <a:r>
-              <a:rPr lang="en-US" sz="1400" b="1" dirty="0" smtClean="0"/>
+              <a:rPr lang="en-US" sz="1400" b="1" dirty="0"/>
               <a:t>Mutant </a:t>
             </a:r>
             <a:r>
-              <a:rPr lang="en-US" sz="1400" b="1" dirty="0" err="1" smtClean="0"/>
+              <a:rPr lang="en-US" sz="1400" b="1" dirty="0" err="1"/>
               <a:t>passent</a:t>
             </a:r>
             <a:r>
-              <a:rPr lang="en-US" sz="1400" b="1" dirty="0" smtClean="0"/>
+              <a:rPr lang="en-US" sz="1400" b="1" dirty="0"/>
               <a:t> plus de temps </a:t>
             </a:r>
             <a:r>
-              <a:rPr lang="en-US" sz="1400" b="1" dirty="0" err="1" smtClean="0"/>
+              <a:rPr lang="en-US" sz="1400" b="1" dirty="0" err="1"/>
               <a:t>dans</a:t>
             </a:r>
             <a:r>
-              <a:rPr lang="en-US" sz="1400" b="1" dirty="0" smtClean="0"/>
+              <a:rPr lang="en-US" sz="1400" b="1" dirty="0"/>
               <a:t> le bras </a:t>
             </a:r>
             <a:r>
-              <a:rPr lang="en-US" sz="1400" b="1" dirty="0" err="1" smtClean="0"/>
+              <a:rPr lang="en-US" sz="1400" b="1" dirty="0" err="1"/>
               <a:t>couvert</a:t>
             </a:r>
             <a:r>
-              <a:rPr lang="en-US" sz="1400" b="1" dirty="0" smtClean="0"/>
+              <a:rPr lang="en-US" sz="1400" b="1" dirty="0"/>
               <a:t> du </a:t>
             </a:r>
             <a:r>
-              <a:rPr lang="en-US" sz="1400" b="1" dirty="0" err="1" smtClean="0"/>
+              <a:rPr lang="en-US" sz="1400" b="1" dirty="0" err="1"/>
               <a:t>labyrinthe</a:t>
             </a:r>
             <a:r>
-              <a:rPr lang="en-US" sz="1400" b="1" dirty="0" smtClean="0"/>
+              <a:rPr lang="en-US" sz="1400" b="1" dirty="0"/>
               <a:t> ;</a:t>
             </a:r>
-            <a:endParaRPr lang="en-US" sz="1400" b="1" dirty="0" smtClean="0"/>
           </a:p>
           <a:p>
             <a:pPr>
@@ -9125,34 +9364,33 @@
               </a:lnSpc>
             </a:pPr>
             <a:r>
-              <a:rPr lang="en-US" sz="1400" b="1" dirty="0" smtClean="0"/>
+              <a:rPr lang="en-US" sz="1400" b="1" dirty="0"/>
               <a:t>Pas de variation de la </a:t>
             </a:r>
             <a:r>
-              <a:rPr lang="en-US" sz="1400" b="1" dirty="0" err="1" smtClean="0"/>
+              <a:rPr lang="en-US" sz="1400" b="1" dirty="0" err="1"/>
               <a:t>disctance</a:t>
             </a:r>
             <a:r>
-              <a:rPr lang="en-US" sz="1400" b="1" dirty="0" smtClean="0"/>
+              <a:rPr lang="en-US" sz="1400" b="1" dirty="0"/>
               <a:t> (pas </a:t>
             </a:r>
             <a:r>
-              <a:rPr lang="en-US" sz="1400" b="1" dirty="0" err="1" smtClean="0"/>
+              <a:rPr lang="en-US" sz="1400" b="1" dirty="0" err="1"/>
               <a:t>d’effets</a:t>
             </a:r>
             <a:r>
-              <a:rPr lang="en-US" sz="1400" b="1" dirty="0" smtClean="0"/>
+              <a:rPr lang="en-US" sz="1400" b="1" dirty="0"/>
               <a:t> </a:t>
             </a:r>
             <a:r>
-              <a:rPr lang="en-US" sz="1400" b="1" dirty="0" err="1" smtClean="0"/>
+              <a:rPr lang="en-US" sz="1400" b="1" dirty="0" err="1"/>
               <a:t>locomoteurs</a:t>
             </a:r>
             <a:r>
-              <a:rPr lang="en-US" sz="1400" b="1" dirty="0" smtClean="0"/>
+              <a:rPr lang="en-US" sz="1400" b="1" dirty="0"/>
               <a:t>) ;</a:t>
             </a:r>
-            <a:endParaRPr lang="en-US" sz="1400" b="1" dirty="0" smtClean="0"/>
           </a:p>
           <a:p>
             <a:pPr>
@@ -9161,31 +9399,27 @@
               </a:lnSpc>
             </a:pPr>
             <a:r>
-              <a:rPr lang="en-US" sz="1400" b="1" dirty="0" smtClean="0"/>
+              <a:rPr lang="en-US" sz="1400" b="1" dirty="0"/>
               <a:t>Pas </a:t>
             </a:r>
             <a:r>
-              <a:rPr lang="en-US" sz="1400" b="1" dirty="0" err="1" smtClean="0"/>
+              <a:rPr lang="en-US" sz="1400" b="1" dirty="0" err="1"/>
               <a:t>d’effets</a:t>
             </a:r>
             <a:r>
-              <a:rPr lang="en-US" sz="1400" b="1" dirty="0" smtClean="0"/>
+              <a:rPr lang="en-US" sz="1400" b="1" dirty="0"/>
               <a:t> du </a:t>
             </a:r>
             <a:r>
-              <a:rPr lang="en-US" sz="1400" b="1" dirty="0" err="1" smtClean="0"/>
+              <a:rPr lang="en-US" sz="1400" b="1" dirty="0" err="1"/>
               <a:t>traitement</a:t>
             </a:r>
             <a:r>
               <a:rPr lang="en-US" sz="1400" b="1" dirty="0"/>
-              <a:t> </a:t>
-            </a:r>
-            <a:r>
-              <a:rPr lang="en-US" sz="1400" b="1" dirty="0" smtClean="0"/>
-              <a:t>au </a:t>
-            </a:r>
-            <a:r>
-              <a:rPr lang="en-US" sz="1400" b="1" dirty="0" err="1" smtClean="0"/>
+              <a:t> au </a:t>
+            </a:r>
+            <a:r>
+              <a:rPr lang="en-US" sz="1400" b="1" dirty="0" err="1"/>
               <a:t>LiCl</a:t>
             </a:r>
             <a:endParaRPr lang="en-US" sz="1400" b="1" dirty="0"/>
@@ -9202,13 +9436,6 @@
   <p:clrMapOvr>
     <a:masterClrMapping/>
   </p:clrMapOvr>
-  <p:timing>
-    <p:tnLst>
-      <p:par>
-        <p:cTn xmlns:p14="http://schemas.microsoft.com/office/powerpoint/2010/main" id="1" dur="indefinite" restart="never" nodeType="tmRoot"/>
-      </p:par>
-    </p:tnLst>
-  </p:timing>
 </p:sld>
 </file>
 
@@ -9245,10 +9472,9 @@
           <a:lstStyle/>
           <a:p>
             <a:r>
-              <a:rPr lang="fr-FR" dirty="0" smtClean="0"/>
+              <a:rPr lang="fr-FR" dirty="0"/>
               <a:t> Le récepteur MuSK</a:t>
             </a:r>
-            <a:endParaRPr lang="fr-FR" dirty="0"/>
           </a:p>
         </p:txBody>
       </p:sp>
@@ -9275,73 +9501,68 @@
           <a:lstStyle/>
           <a:p>
             <a:r>
-              <a:rPr lang="fr-FR" dirty="0" smtClean="0"/>
-              <a:t>Ma</a:t>
-            </a:r>
-            <a:r>
-              <a:rPr lang="fr-FR" dirty="0" smtClean="0"/>
-              <a:t>ître organisateur de la Jonction Neuromusculaire (JNM) ;</a:t>
-            </a:r>
-          </a:p>
-          <a:p>
-            <a:r>
-              <a:rPr lang="fr-FR" dirty="0" smtClean="0"/>
+              <a:rPr lang="fr-FR" dirty="0"/>
+              <a:t>Maître organisateur de la Jonction Neuromusculaire (JNM) ;</a:t>
+            </a:r>
+          </a:p>
+          <a:p>
+            <a:r>
+              <a:rPr lang="fr-FR" dirty="0"/>
               <a:t>5 domaines conservés : 3 domaines </a:t>
             </a:r>
             <a:r>
-              <a:rPr lang="fr-FR" dirty="0" err="1" smtClean="0"/>
+              <a:rPr lang="fr-FR" dirty="0" err="1"/>
               <a:t>Ig-ike</a:t>
             </a:r>
             <a:r>
-              <a:rPr lang="fr-FR" dirty="0" smtClean="0"/>
+              <a:rPr lang="fr-FR" dirty="0"/>
               <a:t>, 1 domaine CRD, 1 domaine kinase ;</a:t>
             </a:r>
           </a:p>
           <a:p>
             <a:r>
-              <a:rPr lang="fr-FR" dirty="0" smtClean="0"/>
+              <a:rPr lang="fr-FR" dirty="0"/>
               <a:t>3 Ligands connus : </a:t>
             </a:r>
             <a:r>
-              <a:rPr lang="fr-FR" dirty="0" err="1" smtClean="0"/>
+              <a:rPr lang="fr-FR" dirty="0" err="1"/>
               <a:t>Agrine</a:t>
             </a:r>
             <a:r>
-              <a:rPr lang="fr-FR" dirty="0" smtClean="0"/>
+              <a:rPr lang="fr-FR" dirty="0"/>
               <a:t> (via LRP4), </a:t>
             </a:r>
             <a:r>
-              <a:rPr lang="fr-FR" dirty="0" err="1" smtClean="0"/>
+              <a:rPr lang="fr-FR" dirty="0" err="1"/>
               <a:t>ColQ</a:t>
             </a:r>
             <a:r>
-              <a:rPr lang="fr-FR" dirty="0" smtClean="0"/>
+              <a:rPr lang="fr-FR" dirty="0"/>
               <a:t> et les </a:t>
             </a:r>
             <a:r>
-              <a:rPr lang="fr-FR" dirty="0" err="1" smtClean="0"/>
+              <a:rPr lang="fr-FR" dirty="0" err="1"/>
               <a:t>Wnts</a:t>
             </a:r>
             <a:r>
-              <a:rPr lang="fr-FR" dirty="0" smtClean="0"/>
+              <a:rPr lang="fr-FR" dirty="0"/>
               <a:t> ;</a:t>
             </a:r>
+          </a:p>
+          <a:p>
+            <a:r>
+              <a:rPr lang="fr-FR" dirty="0"/>
+              <a:t>Présence dans le SNC, mais fonctions méconnues ;</a:t>
+            </a:r>
+          </a:p>
+          <a:p>
+            <a:r>
+              <a:rPr lang="fr-FR" dirty="0"/>
+              <a:t>Joue un rôle dans la mémoire à moyen et long terme et dans la Potentialisation à Long Terme de l’hippocampe (montré par KD). </a:t>
+            </a:r>
+          </a:p>
+          <a:p>
             <a:endParaRPr lang="fr-FR" dirty="0"/>
-          </a:p>
-          <a:p>
-            <a:r>
-              <a:rPr lang="fr-FR" dirty="0" smtClean="0"/>
-              <a:t>Présence dans le SNC, mais fonctions méconnues ;</a:t>
-            </a:r>
-          </a:p>
-          <a:p>
-            <a:r>
-              <a:rPr lang="fr-FR" dirty="0" smtClean="0"/>
-              <a:t>Joue un rôle dans la mémoire à moyen et long terme et dans la Potentialisation à Long Terme de l’hippocampe (montré par KD). </a:t>
-            </a:r>
-          </a:p>
-          <a:p>
-            <a:endParaRPr lang="fr-FR" dirty="0" smtClean="0"/>
           </a:p>
         </p:txBody>
       </p:sp>
@@ -9385,13 +9606,6 @@
   <p:clrMapOvr>
     <a:masterClrMapping/>
   </p:clrMapOvr>
-  <p:timing>
-    <p:tnLst>
-      <p:par>
-        <p:cTn xmlns:p14="http://schemas.microsoft.com/office/powerpoint/2010/main" id="1" dur="indefinite" restart="never" nodeType="tmRoot"/>
-      </p:par>
-    </p:tnLst>
-  </p:timing>
 </p:sld>
 </file>
 
@@ -9428,18 +9642,17 @@
           <a:lstStyle/>
           <a:p>
             <a:r>
-              <a:rPr lang="fr-FR" dirty="0" smtClean="0"/>
+              <a:rPr lang="fr-FR" dirty="0"/>
               <a:t>Les protéines </a:t>
             </a:r>
             <a:r>
-              <a:rPr lang="fr-FR" dirty="0" err="1" smtClean="0"/>
+              <a:rPr lang="fr-FR" dirty="0" err="1"/>
               <a:t>Wnt</a:t>
             </a:r>
             <a:r>
-              <a:rPr lang="fr-FR" dirty="0" smtClean="0"/>
+              <a:rPr lang="fr-FR" dirty="0"/>
               <a:t>, ligand de MuSK</a:t>
             </a:r>
-            <a:endParaRPr lang="fr-FR" dirty="0"/>
           </a:p>
         </p:txBody>
       </p:sp>
@@ -9461,91 +9674,91 @@
         </p:spPr>
         <p:txBody>
           <a:bodyPr>
-            <a:normAutofit fontScale="77500" lnSpcReduction="20000"/>
+            <a:normAutofit fontScale="70000" lnSpcReduction="20000"/>
           </a:bodyPr>
           <a:lstStyle/>
           <a:p>
             <a:r>
-              <a:rPr lang="fr-FR" dirty="0" smtClean="0"/>
-              <a:t>Glycoprotéines sécrétées de 40kDa, impliquées dans divers processus développementaux au travers de plusieurs voies de signalisation (canonique par laβ-</a:t>
-            </a:r>
-            <a:r>
-              <a:rPr lang="fr-FR" dirty="0" err="1" smtClean="0"/>
+              <a:rPr lang="fr-FR" dirty="0"/>
+              <a:t>Glycoprotéines sécrétées de 40kDa, impliquées dans divers processus développementaux au travers de plusieurs voies de signalisation (canonique par la β-</a:t>
+            </a:r>
+            <a:r>
+              <a:rPr lang="fr-FR" dirty="0" err="1"/>
               <a:t>catenin</a:t>
             </a:r>
             <a:r>
-              <a:rPr lang="fr-FR" dirty="0" smtClean="0"/>
+              <a:rPr lang="fr-FR" dirty="0"/>
               <a:t>, </a:t>
             </a:r>
             <a:r>
-              <a:rPr lang="fr-FR" dirty="0" err="1" smtClean="0"/>
+              <a:rPr lang="fr-FR" dirty="0" err="1"/>
               <a:t>Planar</a:t>
             </a:r>
             <a:r>
-              <a:rPr lang="fr-FR" dirty="0" smtClean="0"/>
+              <a:rPr lang="fr-FR" dirty="0"/>
               <a:t> </a:t>
             </a:r>
             <a:r>
-              <a:rPr lang="fr-FR" dirty="0" err="1" smtClean="0"/>
+              <a:rPr lang="fr-FR" dirty="0" err="1"/>
               <a:t>Cell</a:t>
             </a:r>
             <a:r>
-              <a:rPr lang="fr-FR" dirty="0" smtClean="0"/>
+              <a:rPr lang="fr-FR" dirty="0"/>
               <a:t> </a:t>
             </a:r>
             <a:r>
-              <a:rPr lang="fr-FR" dirty="0" err="1" smtClean="0"/>
+              <a:rPr lang="fr-FR" dirty="0" err="1"/>
               <a:t>Polarity</a:t>
             </a:r>
             <a:r>
-              <a:rPr lang="fr-FR" dirty="0" smtClean="0"/>
-              <a:t> et </a:t>
-            </a:r>
-            <a:r>
-              <a:rPr lang="fr-FR" dirty="0" err="1" smtClean="0"/>
-              <a:t>Wnt</a:t>
-            </a:r>
-            <a:r>
-              <a:rPr lang="fr-FR" dirty="0" smtClean="0"/>
-              <a:t>/Calcium principalement) ;</a:t>
-            </a:r>
-          </a:p>
-          <a:p>
-            <a:r>
-              <a:rPr lang="fr-FR" dirty="0" smtClean="0"/>
+              <a:rPr lang="fr-FR" dirty="0"/>
+              <a:t> et Wnt/Calcium principalement) ;</a:t>
+            </a:r>
+          </a:p>
+          <a:p>
+            <a:r>
+              <a:rPr lang="fr-FR" dirty="0"/>
               <a:t>19 membres connus chez l’humain et la souris ;</a:t>
             </a:r>
           </a:p>
           <a:p>
             <a:r>
-              <a:rPr lang="fr-FR" dirty="0" smtClean="0"/>
+              <a:rPr lang="fr-FR" dirty="0"/>
               <a:t>Se lient sur le domaine CRD de leurs récepteurs </a:t>
             </a:r>
             <a:r>
-              <a:rPr lang="fr-FR" dirty="0" err="1" smtClean="0"/>
+              <a:rPr lang="fr-FR" dirty="0" err="1"/>
               <a:t>Frizzled</a:t>
             </a:r>
             <a:r>
-              <a:rPr lang="fr-FR" dirty="0" smtClean="0"/>
+              <a:rPr lang="fr-FR" dirty="0"/>
               <a:t>, mais aussi de RYK, ROR et MuSK ;</a:t>
             </a:r>
           </a:p>
           <a:p>
             <a:r>
-              <a:rPr lang="fr-FR" dirty="0" smtClean="0"/>
+              <a:rPr lang="fr-FR" dirty="0"/>
               <a:t>In vitro, plusieurs </a:t>
             </a:r>
             <a:r>
-              <a:rPr lang="fr-FR" dirty="0" err="1" smtClean="0"/>
+              <a:rPr lang="fr-FR" dirty="0" err="1"/>
               <a:t>Wnts</a:t>
             </a:r>
             <a:r>
-              <a:rPr lang="fr-FR" dirty="0" smtClean="0"/>
-              <a:t> </a:t>
-            </a:r>
-          </a:p>
-          <a:p>
-            <a:endParaRPr lang="fr-FR" dirty="0" smtClean="0"/>
+              <a:rPr lang="fr-FR" dirty="0"/>
+              <a:t> (2, 3a, 6, 7b, 9a, 11) lient </a:t>
+            </a:r>
+            <a:r>
+              <a:rPr lang="fr-FR" dirty="0" err="1"/>
+              <a:t>MuSK</a:t>
+            </a:r>
+            <a:r>
+              <a:rPr lang="fr-FR" dirty="0"/>
+              <a:t>. Wnt4, 9a et 11 vont l’activer.</a:t>
+            </a:r>
+          </a:p>
+          <a:p>
+            <a:endParaRPr lang="fr-FR" dirty="0"/>
           </a:p>
           <a:p>
             <a:endParaRPr lang="fr-FR" dirty="0"/>
@@ -9561,7 +9774,7 @@
           <p:nvPr/>
         </p:nvPicPr>
         <p:blipFill>
-          <a:blip r:embed="rId2">
+          <a:blip r:embed="rId2" cstate="print">
             <a:extLst>
               <a:ext uri="{28A0092B-C50C-407E-A947-70E740481C1C}">
                 <a14:useLocalDpi xmlns:a14="http://schemas.microsoft.com/office/drawing/2010/main" val="0"/>
@@ -9574,7 +9787,7 @@
         </p:blipFill>
         <p:spPr>
           <a:xfrm>
-            <a:off x="6041307" y="1484784"/>
+            <a:off x="6016170" y="1603984"/>
             <a:ext cx="3083880" cy="2996952"/>
           </a:xfrm>
           <a:prstGeom prst="rect">
@@ -9582,6 +9795,53 @@
           </a:prstGeom>
         </p:spPr>
       </p:pic>
+      <p:sp>
+        <p:nvSpPr>
+          <p:cNvPr id="5" name="ZoneTexte 4">
+            <a:extLst>
+              <a:ext uri="{FF2B5EF4-FFF2-40B4-BE49-F238E27FC236}">
+                <a16:creationId xmlns:a16="http://schemas.microsoft.com/office/drawing/2014/main" id="{56F1A455-3B2D-4E56-8217-42C97271B6A0}"/>
+              </a:ext>
+            </a:extLst>
+          </p:cNvPr>
+          <p:cNvSpPr txBox="1"/>
+          <p:nvPr/>
+        </p:nvSpPr>
+        <p:spPr>
+          <a:xfrm>
+            <a:off x="7668344" y="4437112"/>
+            <a:ext cx="1018456" cy="200055"/>
+          </a:xfrm>
+          <a:prstGeom prst="rect">
+            <a:avLst/>
+          </a:prstGeom>
+          <a:noFill/>
+        </p:spPr>
+        <p:txBody>
+          <a:bodyPr wrap="square" rtlCol="0">
+            <a:spAutoFit/>
+          </a:bodyPr>
+          <a:lstStyle/>
+          <a:p>
+            <a:r>
+              <a:rPr lang="fr-FR" sz="700" dirty="0" err="1"/>
+              <a:t>Willert</a:t>
+            </a:r>
+            <a:r>
+              <a:rPr lang="fr-FR" sz="700" dirty="0"/>
+              <a:t> &amp; </a:t>
+            </a:r>
+            <a:r>
+              <a:rPr lang="fr-FR" sz="700" dirty="0" err="1"/>
+              <a:t>Nusse</a:t>
+            </a:r>
+            <a:r>
+              <a:rPr lang="fr-FR" sz="700" dirty="0"/>
+              <a:t>, 2012</a:t>
+            </a:r>
+          </a:p>
+        </p:txBody>
+      </p:sp>
     </p:spTree>
     <p:extLst>
       <p:ext uri="{BB962C8B-B14F-4D97-AF65-F5344CB8AC3E}">
@@ -9592,13 +9852,6 @@
   <p:clrMapOvr>
     <a:masterClrMapping/>
   </p:clrMapOvr>
-  <p:timing>
-    <p:tnLst>
-      <p:par>
-        <p:cTn xmlns:p14="http://schemas.microsoft.com/office/powerpoint/2010/main" id="1" dur="indefinite" restart="never" nodeType="tmRoot"/>
-      </p:par>
-    </p:tnLst>
-  </p:timing>
 </p:sld>
 </file>
 
@@ -9635,10 +9888,9 @@
           <a:lstStyle/>
           <a:p>
             <a:r>
-              <a:rPr lang="fr-FR" dirty="0" smtClean="0"/>
+              <a:rPr lang="fr-FR" dirty="0"/>
               <a:t>Contexte du stage</a:t>
             </a:r>
-            <a:endParaRPr lang="fr-FR" dirty="0"/>
           </a:p>
         </p:txBody>
       </p:sp>
@@ -9655,7 +9907,7 @@
         <p:spPr>
           <a:xfrm>
             <a:off x="457200" y="1600200"/>
-            <a:ext cx="4762872" cy="4525963"/>
+            <a:ext cx="4762872" cy="4709120"/>
           </a:xfrm>
         </p:spPr>
         <p:txBody>
@@ -9665,45 +9917,35 @@
           <a:lstStyle/>
           <a:p>
             <a:r>
-              <a:rPr lang="fr-FR" dirty="0" smtClean="0"/>
+              <a:rPr lang="fr-FR" dirty="0"/>
               <a:t>Création de souris </a:t>
             </a:r>
             <a:r>
-              <a:rPr lang="fr-FR" dirty="0" err="1" smtClean="0"/>
+              <a:rPr lang="fr-FR" dirty="0" err="1"/>
               <a:t>MuSKΔCRD</a:t>
             </a:r>
             <a:r>
-              <a:rPr lang="fr-FR" dirty="0" smtClean="0"/>
-              <a:t>, qui présentent une altération de la jonction neuromusculaire, et des sympt</a:t>
-            </a:r>
-            <a:r>
-              <a:rPr lang="fr-FR" dirty="0" smtClean="0"/>
-              <a:t>ômes de myasthénie ;</a:t>
-            </a:r>
-            <a:endParaRPr lang="fr-FR" dirty="0" smtClean="0"/>
-          </a:p>
-          <a:p>
-            <a:r>
-              <a:rPr lang="fr-FR" dirty="0" smtClean="0"/>
+              <a:rPr lang="fr-FR" dirty="0"/>
+              <a:t>, qui présentent une altération de la jonction neuromusculaire, et des symptômes de myasthénie ;</a:t>
+            </a:r>
+          </a:p>
+          <a:p>
+            <a:r>
+              <a:rPr lang="fr-FR" dirty="0"/>
               <a:t>Les souris mutantes ont également des défauts de la mémoire intermédiaire ;</a:t>
             </a:r>
           </a:p>
           <a:p>
             <a:r>
-              <a:rPr lang="fr-FR" dirty="0" smtClean="0"/>
-              <a:t>MuSK est présent dans l’hippocampe, lieu de formation de la mémoire ;</a:t>
-            </a:r>
-          </a:p>
-          <a:p>
-            <a:r>
-              <a:rPr lang="fr-FR" dirty="0" smtClean="0"/>
-              <a:t>Certains m</a:t>
-            </a:r>
-            <a:r>
-              <a:rPr lang="fr-FR" dirty="0" smtClean="0"/>
-              <a:t>âles mutants exhibaient des mutilation sur leur dos.</a:t>
-            </a:r>
-            <a:endParaRPr lang="fr-FR" dirty="0"/>
+              <a:rPr lang="fr-FR" dirty="0"/>
+              <a:t>Certains mâles mutants exhibaient des mutilations sur leur dos ;</a:t>
+            </a:r>
+          </a:p>
+          <a:p>
+            <a:r>
+              <a:rPr lang="fr-FR" dirty="0"/>
+              <a:t>MuSK est présent dans l’hippocampe, lieu de formation de la mémoire.</a:t>
+            </a:r>
           </a:p>
         </p:txBody>
       </p:sp>
@@ -9723,8 +9965,38 @@
         </p:blipFill>
         <p:spPr>
           <a:xfrm>
-            <a:off x="5226674" y="1484784"/>
-            <a:ext cx="3917326" cy="2935814"/>
+            <a:off x="5652120" y="1600200"/>
+            <a:ext cx="3158974" cy="2367472"/>
+          </a:xfrm>
+          <a:prstGeom prst="rect">
+            <a:avLst/>
+          </a:prstGeom>
+        </p:spPr>
+      </p:pic>
+      <p:pic>
+        <p:nvPicPr>
+          <p:cNvPr id="5" name="Image 4" descr="Musk hippocampus brain.jpg">
+            <a:extLst>
+              <a:ext uri="{FF2B5EF4-FFF2-40B4-BE49-F238E27FC236}">
+                <a16:creationId xmlns:a16="http://schemas.microsoft.com/office/drawing/2014/main" id="{A29FA86E-09E7-4358-9807-37EF6C2CBD1D}"/>
+              </a:ext>
+            </a:extLst>
+          </p:cNvPr>
+          <p:cNvPicPr>
+            <a:picLocks noChangeAspect="1"/>
+          </p:cNvPicPr>
+          <p:nvPr/>
+        </p:nvPicPr>
+        <p:blipFill>
+          <a:blip r:embed="rId4" cstate="print"/>
+          <a:stretch>
+            <a:fillRect/>
+          </a:stretch>
+        </p:blipFill>
+        <p:spPr>
+          <a:xfrm>
+            <a:off x="5235325" y="4076291"/>
+            <a:ext cx="3816424" cy="2476021"/>
           </a:xfrm>
           <a:prstGeom prst="rect">
             <a:avLst/>
@@ -9741,13 +10013,6 @@
   <p:clrMapOvr>
     <a:masterClrMapping/>
   </p:clrMapOvr>
-  <p:timing>
-    <p:tnLst>
-      <p:par>
-        <p:cTn xmlns:p14="http://schemas.microsoft.com/office/powerpoint/2010/main" id="1" dur="indefinite" restart="never" nodeType="tmRoot"/>
-      </p:par>
-    </p:tnLst>
-  </p:timing>
 </p:sld>
 </file>
 
@@ -9800,7 +10065,12 @@
             <p:ph idx="1"/>
           </p:nvPr>
         </p:nvSpPr>
-        <p:spPr/>
+        <p:spPr>
+          <a:xfrm>
+            <a:off x="457200" y="2332037"/>
+            <a:ext cx="8229600" cy="4525963"/>
+          </a:xfrm>
+        </p:spPr>
         <p:txBody>
           <a:bodyPr>
             <a:noAutofit/>
@@ -9813,11 +10083,7 @@
             </a:pPr>
             <a:r>
               <a:rPr lang="en-US" sz="2000" dirty="0"/>
-              <a:t>La structure </a:t>
-            </a:r>
-            <a:r>
-              <a:rPr lang="en-US" sz="2000" dirty="0" smtClean="0"/>
-              <a:t>du </a:t>
+              <a:t>La structure du </a:t>
             </a:r>
             <a:r>
               <a:rPr lang="en-US" sz="2000" dirty="0" err="1"/>
@@ -9989,32 +10255,20 @@
               <a:t> </a:t>
             </a:r>
             <a:r>
-              <a:rPr lang="en-US" sz="2000" dirty="0" err="1" smtClean="0"/>
+              <a:rPr lang="en-US" sz="2000" dirty="0" err="1"/>
               <a:t>observées</a:t>
             </a:r>
             <a:r>
-              <a:rPr lang="en-US" sz="2000" dirty="0" smtClean="0"/>
-              <a:t> </a:t>
-            </a:r>
-            <a:r>
               <a:rPr lang="en-US" sz="2000" dirty="0"/>
-              <a:t>chez </a:t>
-            </a:r>
-            <a:r>
-              <a:rPr lang="en-US" sz="2000" dirty="0" smtClean="0"/>
-              <a:t>les mutants </a:t>
-            </a:r>
-            <a:r>
-              <a:rPr lang="en-US" sz="2000" dirty="0" err="1" smtClean="0"/>
+              <a:t> chez les mutants </a:t>
+            </a:r>
+            <a:r>
+              <a:rPr lang="en-US" sz="2000" dirty="0" err="1"/>
               <a:t>mâles</a:t>
             </a:r>
             <a:r>
-              <a:rPr lang="en-US" sz="2000" dirty="0" smtClean="0"/>
-              <a:t> </a:t>
-            </a:r>
-            <a:r>
               <a:rPr lang="en-US" sz="2000" dirty="0"/>
-              <a:t>?)</a:t>
+              <a:t> ?)</a:t>
             </a:r>
             <a:endParaRPr lang="fr-FR" sz="2000" dirty="0"/>
           </a:p>
@@ -10025,13 +10279,6 @@
   <p:clrMapOvr>
     <a:masterClrMapping/>
   </p:clrMapOvr>
-  <p:timing>
-    <p:tnLst>
-      <p:par>
-        <p:cTn xmlns:p14="http://schemas.microsoft.com/office/powerpoint/2010/main" id="1" dur="indefinite" restart="never" nodeType="tmRoot"/>
-      </p:par>
-    </p:tnLst>
-  </p:timing>
 </p:sld>
 </file>
 
@@ -10057,7 +10304,7 @@
           <p:cNvPr id="2" name="Titre 1">
             <a:extLst>
               <a:ext uri="{FF2B5EF4-FFF2-40B4-BE49-F238E27FC236}">
-                <a16:creationId xmlns:a16="http://schemas.microsoft.com/office/drawing/2014/main" xmlns="" id="{FBE57705-2B49-4416-9E04-C2F0DE057863}"/>
+                <a16:creationId xmlns:a16="http://schemas.microsoft.com/office/drawing/2014/main" id="{FBE57705-2B49-4416-9E04-C2F0DE057863}"/>
               </a:ext>
             </a:extLst>
           </p:cNvPr>
@@ -10081,10 +10328,9 @@
           <a:lstStyle/>
           <a:p>
             <a:r>
-              <a:rPr lang="fr-FR" sz="3200" dirty="0" smtClean="0"/>
-              <a:t>La structure globale du cerveau est-elle affectée chez le mutant ?</a:t>
-            </a:r>
-            <a:endParaRPr lang="fr-FR" sz="3200" dirty="0"/>
+              <a:rPr lang="fr-FR" sz="3200" dirty="0"/>
+              <a:t>La structure globale du cerveau est-elle affectée chez le mutant ? Coloration de Nissl.</a:t>
+            </a:r>
           </a:p>
         </p:txBody>
       </p:sp>
@@ -10093,7 +10339,7 @@
           <p:cNvPr id="6" name="ZoneTexte 5">
             <a:extLst>
               <a:ext uri="{FF2B5EF4-FFF2-40B4-BE49-F238E27FC236}">
-                <a16:creationId xmlns:a16="http://schemas.microsoft.com/office/drawing/2014/main" xmlns="" id="{2E5495EE-CD33-48CE-AD2F-A53384757289}"/>
+                <a16:creationId xmlns:a16="http://schemas.microsoft.com/office/drawing/2014/main" id="{2E5495EE-CD33-48CE-AD2F-A53384757289}"/>
               </a:ext>
             </a:extLst>
           </p:cNvPr>
@@ -10102,8 +10348,8 @@
         </p:nvSpPr>
         <p:spPr>
           <a:xfrm>
-            <a:off x="1003046" y="1230868"/>
-            <a:ext cx="3568954" cy="369332"/>
+            <a:off x="931312" y="1340647"/>
+            <a:ext cx="3781472" cy="369332"/>
           </a:xfrm>
           <a:prstGeom prst="rect">
             <a:avLst/>
@@ -10129,7 +10375,7 @@
           <p:cNvPr id="7" name="ZoneTexte 6">
             <a:extLst>
               <a:ext uri="{FF2B5EF4-FFF2-40B4-BE49-F238E27FC236}">
-                <a16:creationId xmlns:a16="http://schemas.microsoft.com/office/drawing/2014/main" xmlns="" id="{E2D18DE9-0686-4AD9-959C-73D0B5F9A438}"/>
+                <a16:creationId xmlns:a16="http://schemas.microsoft.com/office/drawing/2014/main" id="{E2D18DE9-0686-4AD9-959C-73D0B5F9A438}"/>
               </a:ext>
             </a:extLst>
           </p:cNvPr>
@@ -10138,8 +10384,8 @@
         </p:nvSpPr>
         <p:spPr>
           <a:xfrm>
-            <a:off x="4572000" y="1230868"/>
-            <a:ext cx="3568954" cy="369332"/>
+            <a:off x="4740020" y="1340647"/>
+            <a:ext cx="3781471" cy="369332"/>
           </a:xfrm>
           <a:prstGeom prst="rect">
             <a:avLst/>
@@ -10165,7 +10411,7 @@
           <p:cNvPr id="8" name="ZoneTexte 7">
             <a:extLst>
               <a:ext uri="{FF2B5EF4-FFF2-40B4-BE49-F238E27FC236}">
-                <a16:creationId xmlns:a16="http://schemas.microsoft.com/office/drawing/2014/main" xmlns="" id="{4E43770E-09C2-470B-898F-3DB6A89B9533}"/>
+                <a16:creationId xmlns:a16="http://schemas.microsoft.com/office/drawing/2014/main" id="{4E43770E-09C2-470B-898F-3DB6A89B9533}"/>
               </a:ext>
             </a:extLst>
           </p:cNvPr>
@@ -10174,7 +10420,7 @@
         </p:nvSpPr>
         <p:spPr>
           <a:xfrm>
-            <a:off x="569293" y="4869160"/>
+            <a:off x="297699" y="4978939"/>
             <a:ext cx="319478" cy="369332"/>
           </a:xfrm>
           <a:prstGeom prst="rect">
@@ -10200,7 +10446,7 @@
           <p:cNvPr id="9" name="ZoneTexte 8">
             <a:extLst>
               <a:ext uri="{FF2B5EF4-FFF2-40B4-BE49-F238E27FC236}">
-                <a16:creationId xmlns:a16="http://schemas.microsoft.com/office/drawing/2014/main" xmlns="" id="{EBED4ED7-9FF5-4C66-850B-090E98A985D2}"/>
+                <a16:creationId xmlns:a16="http://schemas.microsoft.com/office/drawing/2014/main" id="{EBED4ED7-9FF5-4C66-850B-090E98A985D2}"/>
               </a:ext>
             </a:extLst>
           </p:cNvPr>
@@ -10209,7 +10455,7 @@
         </p:nvSpPr>
         <p:spPr>
           <a:xfrm>
-            <a:off x="569293" y="2605425"/>
+            <a:off x="297699" y="2715204"/>
             <a:ext cx="319478" cy="369332"/>
           </a:xfrm>
           <a:prstGeom prst="rect">
@@ -10255,15 +10501,7 @@
             <a:pPr algn="r"/>
             <a:r>
               <a:rPr lang="fr-FR" sz="1200" dirty="0"/>
-              <a:t>n</a:t>
-            </a:r>
-            <a:r>
-              <a:rPr lang="fr-FR" sz="1200" dirty="0" smtClean="0"/>
-              <a:t> </a:t>
-            </a:r>
-            <a:r>
-              <a:rPr lang="fr-FR" sz="1200" dirty="0"/>
-              <a:t>= 4</a:t>
+              <a:t>n = 4</a:t>
             </a:r>
           </a:p>
         </p:txBody>
@@ -10273,7 +10511,7 @@
           <p:cNvPr id="20" name="Espace réservé du contenu 19">
             <a:extLst>
               <a:ext uri="{FF2B5EF4-FFF2-40B4-BE49-F238E27FC236}">
-                <a16:creationId xmlns:a16="http://schemas.microsoft.com/office/drawing/2014/main" xmlns="" id="{15CE8566-8527-4A0E-8614-51A0ED8FB14E}"/>
+                <a16:creationId xmlns:a16="http://schemas.microsoft.com/office/drawing/2014/main" id="{15CE8566-8527-4A0E-8614-51A0ED8FB14E}"/>
               </a:ext>
             </a:extLst>
           </p:cNvPr>
@@ -10298,7 +10536,7 @@
         </p:blipFill>
         <p:spPr>
           <a:xfrm>
-            <a:off x="4971720" y="1543509"/>
+            <a:off x="4700126" y="1653288"/>
             <a:ext cx="3857718" cy="2426856"/>
           </a:xfrm>
         </p:spPr>
@@ -10308,7 +10546,7 @@
           <p:cNvPr id="22" name="Image 21">
             <a:extLst>
               <a:ext uri="{FF2B5EF4-FFF2-40B4-BE49-F238E27FC236}">
-                <a16:creationId xmlns:a16="http://schemas.microsoft.com/office/drawing/2014/main" xmlns="" id="{3DEFDE98-492B-4F23-B698-028F185D1EB6}"/>
+                <a16:creationId xmlns:a16="http://schemas.microsoft.com/office/drawing/2014/main" id="{3DEFDE98-492B-4F23-B698-028F185D1EB6}"/>
               </a:ext>
             </a:extLst>
           </p:cNvPr>
@@ -10331,7 +10569,7 @@
         </p:blipFill>
         <p:spPr>
           <a:xfrm>
-            <a:off x="1200281" y="1590998"/>
+            <a:off x="928687" y="1700777"/>
             <a:ext cx="3771439" cy="2372579"/>
           </a:xfrm>
           <a:prstGeom prst="rect">
@@ -10344,7 +10582,7 @@
           <p:cNvPr id="24" name="Image 23">
             <a:extLst>
               <a:ext uri="{FF2B5EF4-FFF2-40B4-BE49-F238E27FC236}">
-                <a16:creationId xmlns:a16="http://schemas.microsoft.com/office/drawing/2014/main" xmlns="" id="{BF6A760E-7A28-4047-B813-6351E0912B26}"/>
+                <a16:creationId xmlns:a16="http://schemas.microsoft.com/office/drawing/2014/main" id="{BF6A760E-7A28-4047-B813-6351E0912B26}"/>
               </a:ext>
             </a:extLst>
           </p:cNvPr>
@@ -10367,7 +10605,7 @@
         </p:blipFill>
         <p:spPr>
           <a:xfrm>
-            <a:off x="5005447" y="3951830"/>
+            <a:off x="4733853" y="4061609"/>
             <a:ext cx="3828194" cy="2408282"/>
           </a:xfrm>
           <a:prstGeom prst="rect">
@@ -10380,7 +10618,7 @@
           <p:cNvPr id="26" name="Image 25">
             <a:extLst>
               <a:ext uri="{FF2B5EF4-FFF2-40B4-BE49-F238E27FC236}">
-                <a16:creationId xmlns:a16="http://schemas.microsoft.com/office/drawing/2014/main" xmlns="" id="{EA74F93E-8629-471D-9E71-A20CFD5718A5}"/>
+                <a16:creationId xmlns:a16="http://schemas.microsoft.com/office/drawing/2014/main" id="{EA74F93E-8629-471D-9E71-A20CFD5718A5}"/>
               </a:ext>
             </a:extLst>
           </p:cNvPr>
@@ -10403,7 +10641,7 @@
         </p:blipFill>
         <p:spPr>
           <a:xfrm>
-            <a:off x="1187623" y="3953151"/>
+            <a:off x="916029" y="4062930"/>
             <a:ext cx="3823991" cy="2405638"/>
           </a:xfrm>
           <a:prstGeom prst="rect">
@@ -10416,7 +10654,7 @@
           <p:cNvPr id="27" name="ZoneTexte 26">
             <a:extLst>
               <a:ext uri="{FF2B5EF4-FFF2-40B4-BE49-F238E27FC236}">
-                <a16:creationId xmlns:a16="http://schemas.microsoft.com/office/drawing/2014/main" xmlns="" id="{94E0E426-BB4D-4969-A35A-DA2F70A1635A}"/>
+                <a16:creationId xmlns:a16="http://schemas.microsoft.com/office/drawing/2014/main" id="{94E0E426-BB4D-4969-A35A-DA2F70A1635A}"/>
               </a:ext>
             </a:extLst>
           </p:cNvPr>
@@ -10456,13 +10694,6 @@
   <p:clrMapOvr>
     <a:masterClrMapping/>
   </p:clrMapOvr>
-  <p:timing>
-    <p:tnLst>
-      <p:par>
-        <p:cTn xmlns:p14="http://schemas.microsoft.com/office/powerpoint/2010/main" id="1" dur="indefinite" restart="never" nodeType="tmRoot"/>
-      </p:par>
-    </p:tnLst>
-  </p:timing>
 </p:sld>
 </file>
 
@@ -10488,7 +10719,7 @@
           <p:cNvPr id="2" name="Titre 1">
             <a:extLst>
               <a:ext uri="{FF2B5EF4-FFF2-40B4-BE49-F238E27FC236}">
-                <a16:creationId xmlns:a16="http://schemas.microsoft.com/office/drawing/2014/main" xmlns="" id="{C87BDB23-2D3E-4568-8216-8E5A6F8296EC}"/>
+                <a16:creationId xmlns:a16="http://schemas.microsoft.com/office/drawing/2014/main" id="{C87BDB23-2D3E-4568-8216-8E5A6F8296EC}"/>
               </a:ext>
             </a:extLst>
           </p:cNvPr>
@@ -10512,10 +10743,17 @@
           <a:lstStyle/>
           <a:p>
             <a:r>
-              <a:rPr lang="fr-FR" sz="2800" dirty="0" smtClean="0"/>
-              <a:t>L’organisation neuronale de l’hippocampe est-elle perturbée ?</a:t>
-            </a:r>
-            <a:endParaRPr lang="fr-FR" sz="2800" dirty="0"/>
+              <a:rPr lang="fr-FR" sz="2800" dirty="0"/>
+              <a:t>L’organisation neuronale de l’hippocampe est-elle perturbée ? Marquage de </a:t>
+            </a:r>
+            <a:r>
+              <a:rPr lang="fr-FR" sz="2800" dirty="0" err="1"/>
+              <a:t>NeuN</a:t>
+            </a:r>
+            <a:r>
+              <a:rPr lang="fr-FR" sz="2800" dirty="0"/>
+              <a:t> (soma des neurones).</a:t>
+            </a:r>
           </a:p>
         </p:txBody>
       </p:sp>
@@ -10524,7 +10762,7 @@
           <p:cNvPr id="13" name="Espace réservé du contenu 12">
             <a:extLst>
               <a:ext uri="{FF2B5EF4-FFF2-40B4-BE49-F238E27FC236}">
-                <a16:creationId xmlns:a16="http://schemas.microsoft.com/office/drawing/2014/main" xmlns="" id="{25A3142E-F1FC-4D42-9908-CD48F0A5822E}"/>
+                <a16:creationId xmlns:a16="http://schemas.microsoft.com/office/drawing/2014/main" id="{25A3142E-F1FC-4D42-9908-CD48F0A5822E}"/>
               </a:ext>
             </a:extLst>
           </p:cNvPr>
@@ -10549,7 +10787,7 @@
         </p:blipFill>
         <p:spPr>
           <a:xfrm>
-            <a:off x="3059832" y="1052736"/>
+            <a:off x="3051869" y="1700808"/>
             <a:ext cx="3040262" cy="1808956"/>
           </a:xfrm>
         </p:spPr>
@@ -10559,7 +10797,7 @@
           <p:cNvPr id="15" name="Image 14">
             <a:extLst>
               <a:ext uri="{FF2B5EF4-FFF2-40B4-BE49-F238E27FC236}">
-                <a16:creationId xmlns:a16="http://schemas.microsoft.com/office/drawing/2014/main" xmlns="" id="{D73A1D37-B218-4A25-BB26-CAF411AA0294}"/>
+                <a16:creationId xmlns:a16="http://schemas.microsoft.com/office/drawing/2014/main" id="{D73A1D37-B218-4A25-BB26-CAF411AA0294}"/>
               </a:ext>
             </a:extLst>
           </p:cNvPr>
@@ -10582,7 +10820,7 @@
         </p:blipFill>
         <p:spPr>
           <a:xfrm>
-            <a:off x="6128567" y="1052736"/>
+            <a:off x="6120604" y="1700808"/>
             <a:ext cx="3040262" cy="1808956"/>
           </a:xfrm>
           <a:prstGeom prst="rect">
@@ -10595,7 +10833,7 @@
           <p:cNvPr id="17" name="Image 16">
             <a:extLst>
               <a:ext uri="{FF2B5EF4-FFF2-40B4-BE49-F238E27FC236}">
-                <a16:creationId xmlns:a16="http://schemas.microsoft.com/office/drawing/2014/main" xmlns="" id="{DB61AFFC-BEB4-428E-8886-3DEC547D41A9}"/>
+                <a16:creationId xmlns:a16="http://schemas.microsoft.com/office/drawing/2014/main" id="{DB61AFFC-BEB4-428E-8886-3DEC547D41A9}"/>
               </a:ext>
             </a:extLst>
           </p:cNvPr>
@@ -10618,7 +10856,7 @@
         </p:blipFill>
         <p:spPr>
           <a:xfrm>
-            <a:off x="0" y="1052736"/>
+            <a:off x="-7963" y="1700808"/>
             <a:ext cx="3040262" cy="1808956"/>
           </a:xfrm>
           <a:prstGeom prst="rect">
@@ -10631,7 +10869,7 @@
           <p:cNvPr id="9" name="ZoneTexte 8">
             <a:extLst>
               <a:ext uri="{FF2B5EF4-FFF2-40B4-BE49-F238E27FC236}">
-                <a16:creationId xmlns:a16="http://schemas.microsoft.com/office/drawing/2014/main" xmlns="" id="{69291CAD-E8B8-44F9-AFB4-ADA7F3D6E078}"/>
+                <a16:creationId xmlns:a16="http://schemas.microsoft.com/office/drawing/2014/main" id="{69291CAD-E8B8-44F9-AFB4-ADA7F3D6E078}"/>
               </a:ext>
             </a:extLst>
           </p:cNvPr>
@@ -10640,7 +10878,7 @@
         </p:nvSpPr>
         <p:spPr>
           <a:xfrm>
-            <a:off x="8386516" y="1009279"/>
+            <a:off x="8512119" y="1620084"/>
             <a:ext cx="761587" cy="369332"/>
           </a:xfrm>
           <a:prstGeom prst="rect">
@@ -10677,7 +10915,7 @@
           <p:cNvPr id="19" name="ZoneTexte 18">
             <a:extLst>
               <a:ext uri="{FF2B5EF4-FFF2-40B4-BE49-F238E27FC236}">
-                <a16:creationId xmlns:a16="http://schemas.microsoft.com/office/drawing/2014/main" xmlns="" id="{A8EA65A0-AF8E-4AB1-8D93-AD8555AEE1F1}"/>
+                <a16:creationId xmlns:a16="http://schemas.microsoft.com/office/drawing/2014/main" id="{A8EA65A0-AF8E-4AB1-8D93-AD8555AEE1F1}"/>
               </a:ext>
             </a:extLst>
           </p:cNvPr>
@@ -10712,7 +10950,7 @@
           <p:cNvPr id="4" name="Image 3">
             <a:extLst>
               <a:ext uri="{FF2B5EF4-FFF2-40B4-BE49-F238E27FC236}">
-                <a16:creationId xmlns:a16="http://schemas.microsoft.com/office/drawing/2014/main" xmlns="" id="{752905A0-411C-4BAB-9C92-53E750F97227}"/>
+                <a16:creationId xmlns:a16="http://schemas.microsoft.com/office/drawing/2014/main" id="{752905A0-411C-4BAB-9C92-53E750F97227}"/>
               </a:ext>
             </a:extLst>
           </p:cNvPr>
@@ -10735,7 +10973,7 @@
         </p:blipFill>
         <p:spPr>
           <a:xfrm>
-            <a:off x="6228184" y="3140968"/>
+            <a:off x="6228307" y="3789040"/>
             <a:ext cx="2839431" cy="2016224"/>
           </a:xfrm>
           <a:prstGeom prst="rect">
@@ -10748,7 +10986,7 @@
           <p:cNvPr id="6" name="Image 5">
             <a:extLst>
               <a:ext uri="{FF2B5EF4-FFF2-40B4-BE49-F238E27FC236}">
-                <a16:creationId xmlns:a16="http://schemas.microsoft.com/office/drawing/2014/main" xmlns="" id="{4007BC50-1B5F-4EC4-96BE-F244DCDEF1AA}"/>
+                <a16:creationId xmlns:a16="http://schemas.microsoft.com/office/drawing/2014/main" id="{4007BC50-1B5F-4EC4-96BE-F244DCDEF1AA}"/>
               </a:ext>
             </a:extLst>
           </p:cNvPr>
@@ -10771,7 +11009,7 @@
         </p:blipFill>
         <p:spPr>
           <a:xfrm>
-            <a:off x="3059832" y="3140968"/>
+            <a:off x="3095836" y="3789040"/>
             <a:ext cx="2952328" cy="1992838"/>
           </a:xfrm>
           <a:prstGeom prst="rect">
@@ -10784,7 +11022,7 @@
           <p:cNvPr id="10" name="Image 9">
             <a:extLst>
               <a:ext uri="{FF2B5EF4-FFF2-40B4-BE49-F238E27FC236}">
-                <a16:creationId xmlns:a16="http://schemas.microsoft.com/office/drawing/2014/main" xmlns="" id="{C070E257-7578-457F-BDAB-2C635FAD9327}"/>
+                <a16:creationId xmlns:a16="http://schemas.microsoft.com/office/drawing/2014/main" id="{C070E257-7578-457F-BDAB-2C635FAD9327}"/>
               </a:ext>
             </a:extLst>
           </p:cNvPr>
@@ -10807,7 +11045,7 @@
         </p:blipFill>
         <p:spPr>
           <a:xfrm>
-            <a:off x="107504" y="3140968"/>
+            <a:off x="90264" y="3789040"/>
             <a:ext cx="2843807" cy="2019331"/>
           </a:xfrm>
           <a:prstGeom prst="rect">
@@ -10840,26 +11078,14 @@
             <a:pPr algn="r"/>
             <a:r>
               <a:rPr lang="fr-FR" sz="1200" dirty="0"/>
-              <a:t>n</a:t>
-            </a:r>
-            <a:r>
-              <a:rPr lang="fr-FR" sz="1200" dirty="0" smtClean="0"/>
-              <a:t> </a:t>
+              <a:t>n = 2 (</a:t>
+            </a:r>
+            <a:r>
+              <a:rPr lang="fr-FR" sz="1200" dirty="0" err="1"/>
+              <a:t>wt</a:t>
             </a:r>
             <a:r>
               <a:rPr lang="fr-FR" sz="1200" dirty="0"/>
-              <a:t>= </a:t>
-            </a:r>
-            <a:r>
-              <a:rPr lang="fr-FR" sz="1200" dirty="0" smtClean="0"/>
-              <a:t>2 (</a:t>
-            </a:r>
-            <a:r>
-              <a:rPr lang="fr-FR" sz="1200" dirty="0" err="1" smtClean="0"/>
-              <a:t>wt</a:t>
-            </a:r>
-            <a:r>
-              <a:rPr lang="fr-FR" sz="1200" dirty="0" smtClean="0"/>
               <a:t>)</a:t>
             </a:r>
           </a:p>
@@ -10867,13 +11093,116 @@
             <a:pPr algn="r"/>
             <a:r>
               <a:rPr lang="fr-FR" sz="1200" dirty="0"/>
-              <a:t>n</a:t>
-            </a:r>
-            <a:r>
-              <a:rPr lang="fr-FR" sz="1200" dirty="0" smtClean="0"/>
-              <a:t> = 3 (mutants)</a:t>
-            </a:r>
-            <a:endParaRPr lang="fr-FR" sz="1200" dirty="0"/>
+              <a:t>n = 3 (mutants)</a:t>
+            </a:r>
+          </a:p>
+        </p:txBody>
+      </p:sp>
+      <p:sp>
+        <p:nvSpPr>
+          <p:cNvPr id="3" name="ZoneTexte 2">
+            <a:extLst>
+              <a:ext uri="{FF2B5EF4-FFF2-40B4-BE49-F238E27FC236}">
+                <a16:creationId xmlns:a16="http://schemas.microsoft.com/office/drawing/2014/main" id="{326C436B-382F-4B44-92C1-39F3FDE1E4A3}"/>
+              </a:ext>
+            </a:extLst>
+          </p:cNvPr>
+          <p:cNvSpPr txBox="1"/>
+          <p:nvPr/>
+        </p:nvSpPr>
+        <p:spPr>
+          <a:xfrm>
+            <a:off x="-20321" y="1302925"/>
+            <a:ext cx="3040262" cy="369332"/>
+          </a:xfrm>
+          <a:prstGeom prst="rect">
+            <a:avLst/>
+          </a:prstGeom>
+          <a:noFill/>
+        </p:spPr>
+        <p:txBody>
+          <a:bodyPr wrap="square" rtlCol="0">
+            <a:spAutoFit/>
+          </a:bodyPr>
+          <a:lstStyle/>
+          <a:p>
+            <a:pPr algn="ctr"/>
+            <a:r>
+              <a:rPr lang="fr-FR" dirty="0"/>
+              <a:t>Coupe rostrale</a:t>
+            </a:r>
+          </a:p>
+        </p:txBody>
+      </p:sp>
+      <p:sp>
+        <p:nvSpPr>
+          <p:cNvPr id="14" name="ZoneTexte 13">
+            <a:extLst>
+              <a:ext uri="{FF2B5EF4-FFF2-40B4-BE49-F238E27FC236}">
+                <a16:creationId xmlns:a16="http://schemas.microsoft.com/office/drawing/2014/main" id="{D2A7689E-8795-413F-8188-CF8268149CDE}"/>
+              </a:ext>
+            </a:extLst>
+          </p:cNvPr>
+          <p:cNvSpPr txBox="1"/>
+          <p:nvPr/>
+        </p:nvSpPr>
+        <p:spPr>
+          <a:xfrm>
+            <a:off x="3043157" y="1290081"/>
+            <a:ext cx="3040262" cy="369332"/>
+          </a:xfrm>
+          <a:prstGeom prst="rect">
+            <a:avLst/>
+          </a:prstGeom>
+          <a:noFill/>
+        </p:spPr>
+        <p:txBody>
+          <a:bodyPr wrap="square" rtlCol="0">
+            <a:spAutoFit/>
+          </a:bodyPr>
+          <a:lstStyle/>
+          <a:p>
+            <a:pPr algn="ctr"/>
+            <a:r>
+              <a:rPr lang="fr-FR" dirty="0"/>
+              <a:t>Coupe médiale</a:t>
+            </a:r>
+          </a:p>
+        </p:txBody>
+      </p:sp>
+      <p:sp>
+        <p:nvSpPr>
+          <p:cNvPr id="16" name="ZoneTexte 15">
+            <a:extLst>
+              <a:ext uri="{FF2B5EF4-FFF2-40B4-BE49-F238E27FC236}">
+                <a16:creationId xmlns:a16="http://schemas.microsoft.com/office/drawing/2014/main" id="{5B6F63B2-BF66-41DD-BA6E-528346EFE5F5}"/>
+              </a:ext>
+            </a:extLst>
+          </p:cNvPr>
+          <p:cNvSpPr txBox="1"/>
+          <p:nvPr/>
+        </p:nvSpPr>
+        <p:spPr>
+          <a:xfrm>
+            <a:off x="6127892" y="1290081"/>
+            <a:ext cx="3040262" cy="369332"/>
+          </a:xfrm>
+          <a:prstGeom prst="rect">
+            <a:avLst/>
+          </a:prstGeom>
+          <a:noFill/>
+        </p:spPr>
+        <p:txBody>
+          <a:bodyPr wrap="square" rtlCol="0">
+            <a:spAutoFit/>
+          </a:bodyPr>
+          <a:lstStyle/>
+          <a:p>
+            <a:pPr algn="ctr"/>
+            <a:r>
+              <a:rPr lang="fr-FR" dirty="0"/>
+              <a:t>Coupe caudale</a:t>
+            </a:r>
           </a:p>
         </p:txBody>
       </p:sp>
@@ -10887,13 +11216,6 @@
   <p:clrMapOvr>
     <a:masterClrMapping/>
   </p:clrMapOvr>
-  <p:timing>
-    <p:tnLst>
-      <p:par>
-        <p:cTn xmlns:p14="http://schemas.microsoft.com/office/powerpoint/2010/main" id="1" dur="indefinite" restart="never" nodeType="tmRoot"/>
-      </p:par>
-    </p:tnLst>
-  </p:timing>
 </p:sld>
 </file>
 
@@ -10919,7 +11241,7 @@
           <p:cNvPr id="2" name="Titre 1">
             <a:extLst>
               <a:ext uri="{FF2B5EF4-FFF2-40B4-BE49-F238E27FC236}">
-                <a16:creationId xmlns:a16="http://schemas.microsoft.com/office/drawing/2014/main" xmlns="" id="{F3A05091-89BC-4DF0-A01A-65B4C0F70C0C}"/>
+                <a16:creationId xmlns:a16="http://schemas.microsoft.com/office/drawing/2014/main" id="{F3A05091-89BC-4DF0-A01A-65B4C0F70C0C}"/>
               </a:ext>
             </a:extLst>
           </p:cNvPr>
@@ -10938,10 +11260,9 @@
           <a:lstStyle/>
           <a:p>
             <a:r>
-              <a:rPr lang="fr-FR" dirty="0" smtClean="0"/>
+              <a:rPr lang="fr-FR" dirty="0"/>
               <a:t>Quelles sont les régions où MuSK est exprimé ?</a:t>
             </a:r>
-            <a:endParaRPr lang="fr-FR" dirty="0"/>
           </a:p>
         </p:txBody>
       </p:sp>
@@ -10950,7 +11271,7 @@
           <p:cNvPr id="5" name="Espace réservé du contenu 4">
             <a:extLst>
               <a:ext uri="{FF2B5EF4-FFF2-40B4-BE49-F238E27FC236}">
-                <a16:creationId xmlns:a16="http://schemas.microsoft.com/office/drawing/2014/main" xmlns="" id="{1DF164E9-54E7-422E-B29F-3B44AE77EE82}"/>
+                <a16:creationId xmlns:a16="http://schemas.microsoft.com/office/drawing/2014/main" id="{1DF164E9-54E7-422E-B29F-3B44AE77EE82}"/>
               </a:ext>
             </a:extLst>
           </p:cNvPr>
@@ -10985,7 +11306,7 @@
           <p:cNvPr id="7" name="Image 6">
             <a:extLst>
               <a:ext uri="{FF2B5EF4-FFF2-40B4-BE49-F238E27FC236}">
-                <a16:creationId xmlns:a16="http://schemas.microsoft.com/office/drawing/2014/main" xmlns="" id="{84ED406A-6FF9-4525-AB98-7E0E0A848FBB}"/>
+                <a16:creationId xmlns:a16="http://schemas.microsoft.com/office/drawing/2014/main" id="{84ED406A-6FF9-4525-AB98-7E0E0A848FBB}"/>
               </a:ext>
             </a:extLst>
           </p:cNvPr>
@@ -11021,7 +11342,7 @@
           <p:cNvPr id="6" name="ZoneTexte 5">
             <a:extLst>
               <a:ext uri="{FF2B5EF4-FFF2-40B4-BE49-F238E27FC236}">
-                <a16:creationId xmlns:a16="http://schemas.microsoft.com/office/drawing/2014/main" xmlns="" id="{63BF0684-ED98-4B91-B63C-63FF7799B27B}"/>
+                <a16:creationId xmlns:a16="http://schemas.microsoft.com/office/drawing/2014/main" id="{63BF0684-ED98-4B91-B63C-63FF7799B27B}"/>
               </a:ext>
             </a:extLst>
           </p:cNvPr>
@@ -11046,13 +11367,8 @@
           <a:p>
             <a:r>
               <a:rPr lang="fr-FR" sz="1000" dirty="0"/>
-              <a:t>Barre d’échelle : </a:t>
-            </a:r>
-            <a:r>
-              <a:rPr lang="fr-FR" sz="1000" dirty="0" smtClean="0"/>
-              <a:t>2mm</a:t>
-            </a:r>
-            <a:endParaRPr lang="fr-FR" sz="1000" dirty="0"/>
+              <a:t>Barre d’échelle : 2mm</a:t>
+            </a:r>
           </a:p>
         </p:txBody>
       </p:sp>
@@ -11079,24 +11395,20 @@
           <a:lstStyle/>
           <a:p>
             <a:r>
-              <a:rPr lang="fr-FR" sz="1100" dirty="0" err="1" smtClean="0"/>
+              <a:rPr lang="fr-FR" sz="1100" dirty="0" err="1"/>
               <a:t>Abbréviation</a:t>
             </a:r>
             <a:r>
-              <a:rPr lang="fr-FR" sz="1100" dirty="0" smtClean="0"/>
+              <a:rPr lang="fr-FR" sz="1100" dirty="0"/>
               <a:t> : </a:t>
             </a:r>
             <a:r>
-              <a:rPr lang="fr-FR" sz="1100" dirty="0" err="1" smtClean="0"/>
+              <a:rPr lang="fr-FR" sz="1100" dirty="0" err="1"/>
               <a:t>alv</a:t>
             </a:r>
             <a:r>
-              <a:rPr lang="fr-FR" sz="1100" dirty="0" smtClean="0"/>
-              <a:t> </a:t>
-            </a:r>
-            <a:r>
               <a:rPr lang="fr-FR" sz="1100" dirty="0"/>
-              <a:t>: </a:t>
+              <a:t> : </a:t>
             </a:r>
             <a:r>
               <a:rPr lang="fr-FR" sz="1100" dirty="0" err="1"/>
@@ -11210,7 +11522,6 @@
               <a:rPr lang="fr-FR" sz="1100" dirty="0"/>
               <a:t> de l’hippocampe. </a:t>
             </a:r>
-            <a:endParaRPr lang="fr-FR" sz="1100" dirty="0"/>
           </a:p>
           <a:p>
             <a:endParaRPr lang="fr-FR" sz="1100" dirty="0"/>
@@ -11227,13 +11538,6 @@
   <p:clrMapOvr>
     <a:masterClrMapping/>
   </p:clrMapOvr>
-  <p:timing>
-    <p:tnLst>
-      <p:par>
-        <p:cTn xmlns:p14="http://schemas.microsoft.com/office/powerpoint/2010/main" id="1" dur="indefinite" restart="never" nodeType="tmRoot"/>
-      </p:par>
-    </p:tnLst>
-  </p:timing>
 </p:sld>
 </file>
 
@@ -11259,7 +11563,7 @@
           <p:cNvPr id="2" name="Titre 1">
             <a:extLst>
               <a:ext uri="{FF2B5EF4-FFF2-40B4-BE49-F238E27FC236}">
-                <a16:creationId xmlns:a16="http://schemas.microsoft.com/office/drawing/2014/main" xmlns="" id="{F3A05091-89BC-4DF0-A01A-65B4C0F70C0C}"/>
+                <a16:creationId xmlns:a16="http://schemas.microsoft.com/office/drawing/2014/main" id="{F3A05091-89BC-4DF0-A01A-65B4C0F70C0C}"/>
               </a:ext>
             </a:extLst>
           </p:cNvPr>
@@ -11283,10 +11587,9 @@
           <a:lstStyle/>
           <a:p>
             <a:r>
-              <a:rPr lang="fr-FR" dirty="0" smtClean="0"/>
+              <a:rPr lang="fr-FR" dirty="0"/>
               <a:t>Quelles sont les régions où MuSK est exprimé ?</a:t>
             </a:r>
-            <a:endParaRPr lang="fr-FR" dirty="0"/>
           </a:p>
         </p:txBody>
       </p:sp>
@@ -11295,7 +11598,7 @@
           <p:cNvPr id="8" name="Image 7">
             <a:extLst>
               <a:ext uri="{FF2B5EF4-FFF2-40B4-BE49-F238E27FC236}">
-                <a16:creationId xmlns:a16="http://schemas.microsoft.com/office/drawing/2014/main" xmlns="" id="{C57132B0-959C-4B55-81CD-3EB39FD6A9A3}"/>
+                <a16:creationId xmlns:a16="http://schemas.microsoft.com/office/drawing/2014/main" id="{C57132B0-959C-4B55-81CD-3EB39FD6A9A3}"/>
               </a:ext>
             </a:extLst>
           </p:cNvPr>
@@ -11318,7 +11621,7 @@
         </p:blipFill>
         <p:spPr>
           <a:xfrm>
-            <a:off x="1691680" y="4005064"/>
+            <a:off x="1688840" y="4292542"/>
             <a:ext cx="2442538" cy="2442538"/>
           </a:xfrm>
           <a:prstGeom prst="rect">
@@ -11331,7 +11634,7 @@
           <p:cNvPr id="10" name="Image 9">
             <a:extLst>
               <a:ext uri="{FF2B5EF4-FFF2-40B4-BE49-F238E27FC236}">
-                <a16:creationId xmlns:a16="http://schemas.microsoft.com/office/drawing/2014/main" xmlns="" id="{C7D8930E-E7A6-409B-B7EE-5122E8027F64}"/>
+                <a16:creationId xmlns:a16="http://schemas.microsoft.com/office/drawing/2014/main" id="{C7D8930E-E7A6-409B-B7EE-5122E8027F64}"/>
               </a:ext>
             </a:extLst>
           </p:cNvPr>
@@ -11354,7 +11657,7 @@
         </p:blipFill>
         <p:spPr>
           <a:xfrm>
-            <a:off x="3353571" y="1197306"/>
+            <a:off x="3350731" y="1484784"/>
             <a:ext cx="2442538" cy="2442538"/>
           </a:xfrm>
           <a:prstGeom prst="rect">
@@ -11367,7 +11670,7 @@
           <p:cNvPr id="12" name="Image 11">
             <a:extLst>
               <a:ext uri="{FF2B5EF4-FFF2-40B4-BE49-F238E27FC236}">
-                <a16:creationId xmlns:a16="http://schemas.microsoft.com/office/drawing/2014/main" xmlns="" id="{40DB69A2-F1F9-4AF5-B263-56FA31C45926}"/>
+                <a16:creationId xmlns:a16="http://schemas.microsoft.com/office/drawing/2014/main" id="{40DB69A2-F1F9-4AF5-B263-56FA31C45926}"/>
               </a:ext>
             </a:extLst>
           </p:cNvPr>
@@ -11390,7 +11693,7 @@
         </p:blipFill>
         <p:spPr>
           <a:xfrm>
-            <a:off x="6701462" y="1196752"/>
+            <a:off x="6521950" y="1484230"/>
             <a:ext cx="2442538" cy="2442538"/>
           </a:xfrm>
           <a:prstGeom prst="rect">
@@ -11403,7 +11706,7 @@
           <p:cNvPr id="14" name="Image 13">
             <a:extLst>
               <a:ext uri="{FF2B5EF4-FFF2-40B4-BE49-F238E27FC236}">
-                <a16:creationId xmlns:a16="http://schemas.microsoft.com/office/drawing/2014/main" xmlns="" id="{E7A4230C-2550-426A-A956-13036563F62A}"/>
+                <a16:creationId xmlns:a16="http://schemas.microsoft.com/office/drawing/2014/main" id="{E7A4230C-2550-426A-A956-13036563F62A}"/>
               </a:ext>
             </a:extLst>
           </p:cNvPr>
@@ -11426,7 +11729,7 @@
         </p:blipFill>
         <p:spPr>
           <a:xfrm>
-            <a:off x="0" y="1197306"/>
+            <a:off x="179512" y="1484230"/>
             <a:ext cx="2442538" cy="2442538"/>
           </a:xfrm>
           <a:prstGeom prst="rect">
@@ -11439,7 +11742,7 @@
           <p:cNvPr id="16" name="Image 15">
             <a:extLst>
               <a:ext uri="{FF2B5EF4-FFF2-40B4-BE49-F238E27FC236}">
-                <a16:creationId xmlns:a16="http://schemas.microsoft.com/office/drawing/2014/main" xmlns="" id="{D0559E8D-BABF-426C-89B6-18E21208EC86}"/>
+                <a16:creationId xmlns:a16="http://schemas.microsoft.com/office/drawing/2014/main" id="{D0559E8D-BABF-426C-89B6-18E21208EC86}"/>
               </a:ext>
             </a:extLst>
           </p:cNvPr>
@@ -11462,7 +11765,7 @@
         </p:blipFill>
         <p:spPr>
           <a:xfrm>
-            <a:off x="5148064" y="4005064"/>
+            <a:off x="5145224" y="4292542"/>
             <a:ext cx="2442538" cy="2442538"/>
           </a:xfrm>
           <a:prstGeom prst="rect">
@@ -11475,7 +11778,7 @@
           <p:cNvPr id="9" name="ZoneTexte 8">
             <a:extLst>
               <a:ext uri="{FF2B5EF4-FFF2-40B4-BE49-F238E27FC236}">
-                <a16:creationId xmlns:a16="http://schemas.microsoft.com/office/drawing/2014/main" xmlns="" id="{63BF0684-ED98-4B91-B63C-63FF7799B27B}"/>
+                <a16:creationId xmlns:a16="http://schemas.microsoft.com/office/drawing/2014/main" id="{63BF0684-ED98-4B91-B63C-63FF7799B27B}"/>
               </a:ext>
             </a:extLst>
           </p:cNvPr>
@@ -11500,13 +11803,8 @@
           <a:p>
             <a:r>
               <a:rPr lang="fr-FR" sz="1000" dirty="0"/>
-              <a:t>Barre d’échelle : </a:t>
-            </a:r>
-            <a:r>
-              <a:rPr lang="fr-FR" sz="1000" dirty="0" smtClean="0"/>
-              <a:t>50µm</a:t>
-            </a:r>
-            <a:endParaRPr lang="fr-FR" sz="1000" dirty="0"/>
+              <a:t>Barre d’échelle : 50µm</a:t>
+            </a:r>
           </a:p>
         </p:txBody>
       </p:sp>
@@ -11518,8 +11816,8 @@
         </p:nvSpPr>
         <p:spPr>
           <a:xfrm>
-            <a:off x="0" y="908720"/>
-            <a:ext cx="2088232" cy="276999"/>
+            <a:off x="179512" y="1195644"/>
+            <a:ext cx="2442538" cy="276999"/>
           </a:xfrm>
           <a:prstGeom prst="rect">
             <a:avLst/>
@@ -11532,11 +11830,11 @@
           </a:bodyPr>
           <a:lstStyle/>
           <a:p>
-            <a:r>
-              <a:rPr lang="fr-FR" sz="1200" dirty="0" smtClean="0"/>
+            <a:pPr algn="ctr"/>
+            <a:r>
+              <a:rPr lang="fr-FR" sz="1200" dirty="0"/>
               <a:t>Gyrus Denté</a:t>
             </a:r>
-            <a:endParaRPr lang="fr-FR" sz="1200" dirty="0"/>
           </a:p>
         </p:txBody>
       </p:sp>
@@ -11548,8 +11846,8 @@
         </p:nvSpPr>
         <p:spPr>
           <a:xfrm>
-            <a:off x="3347864" y="908720"/>
-            <a:ext cx="2088232" cy="276999"/>
+            <a:off x="3345024" y="1196198"/>
+            <a:ext cx="2442538" cy="276999"/>
           </a:xfrm>
           <a:prstGeom prst="rect">
             <a:avLst/>
@@ -11562,11 +11860,11 @@
           </a:bodyPr>
           <a:lstStyle/>
           <a:p>
-            <a:r>
-              <a:rPr lang="fr-FR" sz="1200" dirty="0" smtClean="0"/>
+            <a:pPr algn="ctr"/>
+            <a:r>
+              <a:rPr lang="fr-FR" sz="1200" dirty="0"/>
               <a:t>CA1</a:t>
             </a:r>
-            <a:endParaRPr lang="fr-FR" sz="1200" dirty="0"/>
           </a:p>
         </p:txBody>
       </p:sp>
@@ -11578,8 +11876,8 @@
         </p:nvSpPr>
         <p:spPr>
           <a:xfrm>
-            <a:off x="6732240" y="908720"/>
-            <a:ext cx="2088232" cy="276999"/>
+            <a:off x="6552728" y="1196198"/>
+            <a:ext cx="2411760" cy="276999"/>
           </a:xfrm>
           <a:prstGeom prst="rect">
             <a:avLst/>
@@ -11592,11 +11890,11 @@
           </a:bodyPr>
           <a:lstStyle/>
           <a:p>
-            <a:r>
-              <a:rPr lang="fr-FR" sz="1200" dirty="0" smtClean="0"/>
+            <a:pPr algn="ctr"/>
+            <a:r>
+              <a:rPr lang="fr-FR" sz="1200" dirty="0"/>
               <a:t>Corps Calleux</a:t>
             </a:r>
-            <a:endParaRPr lang="fr-FR" sz="1200" dirty="0"/>
           </a:p>
         </p:txBody>
       </p:sp>
@@ -11608,8 +11906,8 @@
         </p:nvSpPr>
         <p:spPr>
           <a:xfrm>
-            <a:off x="1691680" y="3717032"/>
-            <a:ext cx="2088232" cy="276999"/>
+            <a:off x="1688840" y="4004510"/>
+            <a:ext cx="2442538" cy="276999"/>
           </a:xfrm>
           <a:prstGeom prst="rect">
             <a:avLst/>
@@ -11622,15 +11920,15 @@
           </a:bodyPr>
           <a:lstStyle/>
           <a:p>
-            <a:r>
-              <a:rPr lang="fr-FR" sz="1200" dirty="0" err="1" smtClean="0"/>
+            <a:pPr algn="ctr"/>
+            <a:r>
+              <a:rPr lang="fr-FR" sz="1200" dirty="0" err="1"/>
               <a:t>Habenula</a:t>
             </a:r>
             <a:r>
-              <a:rPr lang="fr-FR" sz="1200" dirty="0" smtClean="0"/>
+              <a:rPr lang="fr-FR" sz="1200" dirty="0"/>
               <a:t> médiale</a:t>
             </a:r>
-            <a:endParaRPr lang="fr-FR" sz="1200" dirty="0"/>
           </a:p>
         </p:txBody>
       </p:sp>
@@ -11642,7 +11940,7 @@
         </p:nvSpPr>
         <p:spPr>
           <a:xfrm>
-            <a:off x="5148064" y="3717032"/>
+            <a:off x="5145224" y="4004510"/>
             <a:ext cx="2088232" cy="276999"/>
           </a:xfrm>
           <a:prstGeom prst="rect">
@@ -11656,16 +11954,17 @@
           </a:bodyPr>
           <a:lstStyle/>
           <a:p>
-            <a:r>
-              <a:rPr lang="fr-FR" sz="1200" dirty="0" err="1" smtClean="0"/>
+            <a:pPr algn="ctr"/>
+            <a:r>
+              <a:rPr lang="fr-FR" sz="1200" dirty="0" err="1"/>
               <a:t>Fasciculus</a:t>
             </a:r>
             <a:r>
-              <a:rPr lang="fr-FR" sz="1200" dirty="0" smtClean="0"/>
+              <a:rPr lang="fr-FR" sz="1200" dirty="0"/>
               <a:t> </a:t>
             </a:r>
             <a:r>
-              <a:rPr lang="fr-FR" sz="1200" dirty="0" err="1" smtClean="0"/>
+              <a:rPr lang="fr-FR" sz="1200" dirty="0" err="1"/>
               <a:t>retroflexus</a:t>
             </a:r>
             <a:endParaRPr lang="fr-FR" sz="1200" dirty="0"/>
@@ -11682,13 +11981,6 @@
   <p:clrMapOvr>
     <a:masterClrMapping/>
   </p:clrMapOvr>
-  <p:timing>
-    <p:tnLst>
-      <p:par>
-        <p:cTn xmlns:p14="http://schemas.microsoft.com/office/powerpoint/2010/main" id="1" dur="indefinite" restart="never" nodeType="tmRoot"/>
-      </p:par>
-    </p:tnLst>
-  </p:timing>
 </p:sld>
 </file>
 

--- a/Présentation Oral.pptx
+++ b/Présentation Oral.pptx
@@ -8813,7 +8813,7 @@
         <p:spPr/>
         <p:txBody>
           <a:bodyPr>
-            <a:normAutofit fontScale="92500" lnSpcReduction="20000"/>
+            <a:normAutofit fontScale="85000" lnSpcReduction="20000"/>
           </a:bodyPr>
           <a:lstStyle/>
           <a:p>
@@ -8867,8 +8867,19 @@
             </a:r>
             <a:r>
               <a:rPr lang="fr-FR" dirty="0"/>
-              <a:t> est plus exprimé dans l’hippocampe Gauche que dans le Droit ou dans le cervelet.</a:t>
-            </a:r>
+              <a:t> est plus exprimé dans l’hippocampe Gauche que dans le Droit ou dans le cervelet ;</a:t>
+            </a:r>
+          </a:p>
+          <a:p>
+            <a:r>
+              <a:rPr lang="fr-FR" dirty="0"/>
+              <a:t>Pas d’observations de mutilation chez les mutants durant </a:t>
+            </a:r>
+            <a:r>
+              <a:rPr lang="fr-FR"/>
+              <a:t>mon stage.</a:t>
+            </a:r>
+            <a:endParaRPr lang="fr-FR" dirty="0"/>
           </a:p>
         </p:txBody>
       </p:sp>
@@ -9206,13 +9217,13 @@
           <p:nvPr>
             <p:extLst>
               <p:ext uri="{D42A27DB-BD31-4B8C-83A1-F6EECF244321}">
-                <p14:modId xmlns:p14="http://schemas.microsoft.com/office/powerpoint/2010/main" val="3110875380"/>
+                <p14:modId xmlns:p14="http://schemas.microsoft.com/office/powerpoint/2010/main" val="736973699"/>
               </p:ext>
             </p:extLst>
           </p:nvPr>
         </p:nvGraphicFramePr>
         <p:xfrm>
-          <a:off x="611560" y="3429000"/>
+          <a:off x="734935" y="3463200"/>
           <a:ext cx="3816424" cy="2376264"/>
         </p:xfrm>
         <a:graphic>
@@ -9230,13 +9241,13 @@
           <p:nvPr>
             <p:extLst>
               <p:ext uri="{D42A27DB-BD31-4B8C-83A1-F6EECF244321}">
-                <p14:modId xmlns:p14="http://schemas.microsoft.com/office/powerpoint/2010/main" val="2906464968"/>
+                <p14:modId xmlns:p14="http://schemas.microsoft.com/office/powerpoint/2010/main" val="4045781678"/>
               </p:ext>
             </p:extLst>
           </p:nvPr>
         </p:nvGraphicFramePr>
         <p:xfrm>
-          <a:off x="4592641" y="3429000"/>
+          <a:off x="4716016" y="3463200"/>
           <a:ext cx="3816424" cy="2376264"/>
         </p:xfrm>
         <a:graphic>
@@ -9254,13 +9265,13 @@
           <p:nvPr>
             <p:extLst>
               <p:ext uri="{D42A27DB-BD31-4B8C-83A1-F6EECF244321}">
-                <p14:modId xmlns:p14="http://schemas.microsoft.com/office/powerpoint/2010/main" val="2045956644"/>
+                <p14:modId xmlns:p14="http://schemas.microsoft.com/office/powerpoint/2010/main" val="795339864"/>
               </p:ext>
             </p:extLst>
           </p:nvPr>
         </p:nvGraphicFramePr>
         <p:xfrm>
-          <a:off x="611560" y="908720"/>
+          <a:off x="734935" y="942920"/>
           <a:ext cx="3816424" cy="2376264"/>
         </p:xfrm>
         <a:graphic>
@@ -9278,13 +9289,13 @@
           <p:nvPr>
             <p:extLst>
               <p:ext uri="{D42A27DB-BD31-4B8C-83A1-F6EECF244321}">
-                <p14:modId xmlns:p14="http://schemas.microsoft.com/office/powerpoint/2010/main" val="2363802697"/>
+                <p14:modId xmlns:p14="http://schemas.microsoft.com/office/powerpoint/2010/main" val="2657254056"/>
               </p:ext>
             </p:extLst>
           </p:nvPr>
         </p:nvGraphicFramePr>
         <p:xfrm>
-          <a:off x="4571664" y="908720"/>
+          <a:off x="4695039" y="942920"/>
           <a:ext cx="3816424" cy="2376264"/>
         </p:xfrm>
         <a:graphic>
@@ -9496,7 +9507,7 @@
         </p:spPr>
         <p:txBody>
           <a:bodyPr>
-            <a:normAutofit fontScale="92500" lnSpcReduction="20000"/>
+            <a:normAutofit/>
           </a:bodyPr>
           <a:lstStyle/>
           <a:p>
@@ -9552,13 +9563,7 @@
           <a:p>
             <a:r>
               <a:rPr lang="fr-FR" dirty="0"/>
-              <a:t>Présence dans le SNC, mais fonctions méconnues ;</a:t>
-            </a:r>
-          </a:p>
-          <a:p>
-            <a:r>
-              <a:rPr lang="fr-FR" dirty="0"/>
-              <a:t>Joue un rôle dans la mémoire à moyen et long terme et dans la Potentialisation à Long Terme de l’hippocampe (montré par KD). </a:t>
+              <a:t>Présence dans le SNC, mais fonctions mal connues ;</a:t>
             </a:r>
           </a:p>
           <a:p>
@@ -9669,12 +9674,12 @@
         <p:spPr>
           <a:xfrm>
             <a:off x="457200" y="1600200"/>
-            <a:ext cx="5554960" cy="4525963"/>
+            <a:ext cx="5554960" cy="4983162"/>
           </a:xfrm>
         </p:spPr>
         <p:txBody>
           <a:bodyPr>
-            <a:normAutofit fontScale="70000" lnSpcReduction="20000"/>
+            <a:normAutofit fontScale="77500" lnSpcReduction="20000"/>
           </a:bodyPr>
           <a:lstStyle/>
           <a:p>
@@ -9724,7 +9729,7 @@
           <a:p>
             <a:r>
               <a:rPr lang="fr-FR" dirty="0"/>
-              <a:t>Se lient sur le domaine CRD de leurs récepteurs </a:t>
+              <a:t>Se lient sur le domaine CRD de leur récepteur </a:t>
             </a:r>
             <a:r>
               <a:rPr lang="fr-FR" dirty="0" err="1"/>
@@ -9912,7 +9917,7 @@
         </p:spPr>
         <p:txBody>
           <a:bodyPr>
-            <a:normAutofit fontScale="77500" lnSpcReduction="20000"/>
+            <a:normAutofit fontScale="70000" lnSpcReduction="20000"/>
           </a:bodyPr>
           <a:lstStyle/>
           <a:p>
@@ -9926,7 +9931,7 @@
             </a:r>
             <a:r>
               <a:rPr lang="fr-FR" dirty="0"/>
-              <a:t>, qui présentent une altération de la jonction neuromusculaire, et des symptômes de myasthénie ;</a:t>
+              <a:t>, qui présentent une altération de la jonction neuromusculaire et des symptômes de myasthénie ;</a:t>
             </a:r>
           </a:p>
           <a:p>
@@ -9946,6 +9951,15 @@
               <a:rPr lang="fr-FR" dirty="0"/>
               <a:t>MuSK est présent dans l’hippocampe, lieu de formation de la mémoire.</a:t>
             </a:r>
+          </a:p>
+          <a:p>
+            <a:r>
+              <a:rPr lang="fr-FR" dirty="0"/>
+              <a:t>Joue un rôle dans la mémoire à moyen et long terme et dans la Potentialisation à Long Terme de l’hippocampe (montré par KD). </a:t>
+            </a:r>
+          </a:p>
+          <a:p>
+            <a:endParaRPr lang="fr-FR" dirty="0"/>
           </a:p>
         </p:txBody>
       </p:sp>

--- a/Présentation Oral.pptx
+++ b/Présentation Oral.pptx
@@ -126,7 +126,7 @@
   </p:defaultTextStyle>
   <p:extLst>
     <p:ext uri="{EFAFB233-063F-42B5-8137-9DF3F51BA10A}">
-      <p15:sldGuideLst xmlns:p15="http://schemas.microsoft.com/office/powerpoint/2012/main">
+      <p15:sldGuideLst xmlns:p15="http://schemas.microsoft.com/office/powerpoint/2012/main" xmlns="">
         <p15:guide id="1" orient="horz" pos="2160">
           <p15:clr>
             <a:srgbClr val="A4A3A4"/>
@@ -144,7 +144,7 @@
 </file>
 
 <file path=ppt/charts/chart1.xml><?xml version="1.0" encoding="utf-8"?>
-<c:chartSpace xmlns:c="http://schemas.openxmlformats.org/drawingml/2006/chart" xmlns:a="http://schemas.openxmlformats.org/drawingml/2006/main" xmlns:r="http://schemas.openxmlformats.org/officeDocument/2006/relationships" xmlns:c16r2="http://schemas.microsoft.com/office/drawing/2015/06/chart">
+<c:chartSpace xmlns:c="http://schemas.openxmlformats.org/drawingml/2006/chart" xmlns:a="http://schemas.openxmlformats.org/drawingml/2006/main" xmlns:r="http://schemas.openxmlformats.org/officeDocument/2006/relationships">
   <c:date1904 val="0"/>
   <c:lang val="fr-FR"/>
   <c:roundedCorners val="0"/>
@@ -191,6 +191,7 @@
           </a:p>
         </c:rich>
       </c:tx>
+      <c:layout/>
       <c:overlay val="0"/>
       <c:spPr>
         <a:noFill/>
@@ -242,13 +243,13 @@
                   <c:formatCode>General</c:formatCode>
                   <c:ptCount val="3"/>
                   <c:pt idx="0">
-                    <c:v>280.46869908056698</c:v>
+                    <c:v>280.468699080567</c:v>
                   </c:pt>
                   <c:pt idx="1">
-                    <c:v>157.81808142922071</c:v>
+                    <c:v>157.8180814292207</c:v>
                   </c:pt>
                   <c:pt idx="2">
-                    <c:v>322.4434814515742</c:v>
+                    <c:v>322.4434814515741</c:v>
                   </c:pt>
                 </c:numCache>
               </c:numRef>
@@ -260,13 +261,13 @@
                   <c:formatCode>General</c:formatCode>
                   <c:ptCount val="3"/>
                   <c:pt idx="0">
-                    <c:v>280.46869908056698</c:v>
+                    <c:v>280.468699080567</c:v>
                   </c:pt>
                   <c:pt idx="1">
-                    <c:v>157.81808142922071</c:v>
+                    <c:v>157.8180814292207</c:v>
                   </c:pt>
                   <c:pt idx="2">
-                    <c:v>322.4434814515742</c:v>
+                    <c:v>322.4434814515741</c:v>
                   </c:pt>
                 </c:numCache>
               </c:numRef>
@@ -322,10 +323,10 @@
                 <c:formatCode>General</c:formatCode>
                 <c:ptCount val="3"/>
                 <c:pt idx="0">
-                  <c:v>2240.4385714285709</c:v>
+                  <c:v>2240.438571428571</c:v>
                 </c:pt>
                 <c:pt idx="1">
-                  <c:v>1750.4059999999999</c:v>
+                  <c:v>1750.406</c:v>
                 </c:pt>
                 <c:pt idx="2">
                   <c:v>2000.851428571428</c:v>
@@ -333,7 +334,7 @@
               </c:numCache>
             </c:numRef>
           </c:val>
-          <c:extLst>
+          <c:extLst xmlns:c16r2="http://schemas.microsoft.com/office/drawing/2015/06/chart">
             <c:ext xmlns:c16="http://schemas.microsoft.com/office/drawing/2014/chart" uri="{C3380CC4-5D6E-409C-BE32-E72D297353CC}">
               <c16:uniqueId val="{00000000-A1E2-40B5-980A-AD30EB12869D}"/>
             </c:ext>
@@ -374,13 +375,13 @@
                   <c:formatCode>General</c:formatCode>
                   <c:ptCount val="3"/>
                   <c:pt idx="0">
-                    <c:v>617.95742069265316</c:v>
+                    <c:v>617.957420692653</c:v>
                   </c:pt>
                   <c:pt idx="1">
-                    <c:v>377.81814536360753</c:v>
+                    <c:v>377.8181453636075</c:v>
                   </c:pt>
                   <c:pt idx="2">
-                    <c:v>862.70623154678935</c:v>
+                    <c:v>862.7062315467894</c:v>
                   </c:pt>
                 </c:numCache>
               </c:numRef>
@@ -392,13 +393,13 @@
                   <c:formatCode>General</c:formatCode>
                   <c:ptCount val="3"/>
                   <c:pt idx="0">
-                    <c:v>617.95742069265316</c:v>
+                    <c:v>617.957420692653</c:v>
                   </c:pt>
                   <c:pt idx="1">
-                    <c:v>377.81814536360753</c:v>
+                    <c:v>377.8181453636075</c:v>
                   </c:pt>
                   <c:pt idx="2">
-                    <c:v>862.70623154678935</c:v>
+                    <c:v>862.7062315467894</c:v>
                   </c:pt>
                 </c:numCache>
               </c:numRef>
@@ -454,18 +455,18 @@
                 <c:formatCode>General</c:formatCode>
                 <c:ptCount val="3"/>
                 <c:pt idx="0">
-                  <c:v>7438.5328571428527</c:v>
+                  <c:v>7438.532857142852</c:v>
                 </c:pt>
                 <c:pt idx="1">
-                  <c:v>6756.3260000000009</c:v>
+                  <c:v>6756.326000000001</c:v>
                 </c:pt>
                 <c:pt idx="2">
-                  <c:v>6604.9585714285713</c:v>
+                  <c:v>6604.958571428571</c:v>
                 </c:pt>
               </c:numCache>
             </c:numRef>
           </c:val>
-          <c:extLst>
+          <c:extLst xmlns:c16r2="http://schemas.microsoft.com/office/drawing/2015/06/chart">
             <c:ext xmlns:c16="http://schemas.microsoft.com/office/drawing/2014/chart" uri="{C3380CC4-5D6E-409C-BE32-E72D297353CC}">
               <c16:uniqueId val="{00000001-A1E2-40B5-980A-AD30EB12869D}"/>
             </c:ext>
@@ -512,7 +513,7 @@
                     <c:v>159.5139272477484</c:v>
                   </c:pt>
                   <c:pt idx="2">
-                    <c:v>254.19784793455241</c:v>
+                    <c:v>254.1978479345524</c:v>
                   </c:pt>
                 </c:numCache>
               </c:numRef>
@@ -530,7 +531,7 @@
                     <c:v>159.5139272477484</c:v>
                   </c:pt>
                   <c:pt idx="2">
-                    <c:v>254.19784793455241</c:v>
+                    <c:v>254.1978479345524</c:v>
                   </c:pt>
                 </c:numCache>
               </c:numRef>
@@ -586,18 +587,18 @@
                 <c:formatCode>General</c:formatCode>
                 <c:ptCount val="3"/>
                 <c:pt idx="0">
-                  <c:v>582.42142857142835</c:v>
+                  <c:v>582.4214285714282</c:v>
                 </c:pt>
                 <c:pt idx="1">
-                  <c:v>755.98400000000004</c:v>
+                  <c:v>755.984</c:v>
                 </c:pt>
                 <c:pt idx="2">
-                  <c:v>842.90428571428538</c:v>
+                  <c:v>842.9042857142854</c:v>
                 </c:pt>
               </c:numCache>
             </c:numRef>
           </c:val>
-          <c:extLst>
+          <c:extLst xmlns:c16r2="http://schemas.microsoft.com/office/drawing/2015/06/chart">
             <c:ext xmlns:c16="http://schemas.microsoft.com/office/drawing/2014/chart" uri="{C3380CC4-5D6E-409C-BE32-E72D297353CC}">
               <c16:uniqueId val="{00000002-A1E2-40B5-980A-AD30EB12869D}"/>
             </c:ext>
@@ -613,11 +614,11 @@
         </c:dLbls>
         <c:gapWidth val="219"/>
         <c:overlap val="-27"/>
-        <c:axId val="2117805352"/>
-        <c:axId val="-2124716360"/>
+        <c:axId val="2114812488"/>
+        <c:axId val="2114816200"/>
       </c:barChart>
       <c:catAx>
-        <c:axId val="2117805352"/>
+        <c:axId val="2114812488"/>
         <c:scaling>
           <c:orientation val="minMax"/>
         </c:scaling>
@@ -660,7 +661,7 @@
             <a:endParaRPr lang="fr-FR"/>
           </a:p>
         </c:txPr>
-        <c:crossAx val="-2124716360"/>
+        <c:crossAx val="2114816200"/>
         <c:crosses val="autoZero"/>
         <c:auto val="1"/>
         <c:lblAlgn val="ctr"/>
@@ -668,7 +669,7 @@
         <c:noMultiLvlLbl val="0"/>
       </c:catAx>
       <c:valAx>
-        <c:axId val="-2124716360"/>
+        <c:axId val="2114816200"/>
         <c:scaling>
           <c:orientation val="minMax"/>
         </c:scaling>
@@ -714,6 +715,7 @@
               </a:p>
             </c:rich>
           </c:tx>
+          <c:layout/>
           <c:overlay val="0"/>
           <c:spPr>
             <a:noFill/>
@@ -754,7 +756,7 @@
             <a:endParaRPr lang="fr-FR"/>
           </a:p>
         </c:txPr>
-        <c:crossAx val="2117805352"/>
+        <c:crossAx val="2114812488"/>
         <c:crosses val="autoZero"/>
         <c:crossBetween val="between"/>
       </c:valAx>
@@ -768,6 +770,7 @@
     </c:plotArea>
     <c:legend>
       <c:legendPos val="t"/>
+      <c:layout/>
       <c:overlay val="0"/>
       <c:spPr>
         <a:noFill/>
@@ -833,7 +836,7 @@
 </file>
 
 <file path=ppt/charts/chart2.xml><?xml version="1.0" encoding="utf-8"?>
-<c:chartSpace xmlns:c="http://schemas.openxmlformats.org/drawingml/2006/chart" xmlns:a="http://schemas.openxmlformats.org/drawingml/2006/main" xmlns:r="http://schemas.openxmlformats.org/officeDocument/2006/relationships" xmlns:c16r2="http://schemas.microsoft.com/office/drawing/2015/06/chart">
+<c:chartSpace xmlns:c="http://schemas.openxmlformats.org/drawingml/2006/chart" xmlns:a="http://schemas.openxmlformats.org/drawingml/2006/main" xmlns:r="http://schemas.openxmlformats.org/officeDocument/2006/relationships">
   <c:date1904 val="0"/>
   <c:lang val="fr-FR"/>
   <c:roundedCorners val="0"/>
@@ -877,6 +880,7 @@
           </a:p>
         </c:rich>
       </c:tx>
+      <c:layout/>
       <c:overlay val="0"/>
       <c:spPr>
         <a:noFill/>
@@ -928,13 +932,13 @@
                   <c:formatCode>General</c:formatCode>
                   <c:ptCount val="3"/>
                   <c:pt idx="0">
-                    <c:v>184.58392518791479</c:v>
+                    <c:v>184.5839251879148</c:v>
                   </c:pt>
                   <c:pt idx="1">
-                    <c:v>179.24173987662579</c:v>
+                    <c:v>179.2417398766258</c:v>
                   </c:pt>
                   <c:pt idx="2">
-                    <c:v>237.53082545534261</c:v>
+                    <c:v>237.5308254553426</c:v>
                   </c:pt>
                 </c:numCache>
               </c:numRef>
@@ -946,13 +950,13 @@
                   <c:formatCode>General</c:formatCode>
                   <c:ptCount val="3"/>
                   <c:pt idx="0">
-                    <c:v>184.58392518791479</c:v>
+                    <c:v>184.5839251879148</c:v>
                   </c:pt>
                   <c:pt idx="1">
-                    <c:v>179.24173987662579</c:v>
+                    <c:v>179.2417398766258</c:v>
                   </c:pt>
                   <c:pt idx="2">
-                    <c:v>237.53082545534261</c:v>
+                    <c:v>237.5308254553426</c:v>
                   </c:pt>
                 </c:numCache>
               </c:numRef>
@@ -1008,10 +1012,10 @@
                 <c:formatCode>General</c:formatCode>
                 <c:ptCount val="3"/>
                 <c:pt idx="0">
-                  <c:v>1369.0433333333331</c:v>
+                  <c:v>1369.043333333333</c:v>
                 </c:pt>
                 <c:pt idx="1">
-                  <c:v>816.35799999999927</c:v>
+                  <c:v>816.3579999999992</c:v>
                 </c:pt>
                 <c:pt idx="2">
                   <c:v>1922.302857142857</c:v>
@@ -1019,7 +1023,7 @@
               </c:numCache>
             </c:numRef>
           </c:val>
-          <c:extLst>
+          <c:extLst xmlns:c16r2="http://schemas.microsoft.com/office/drawing/2015/06/chart">
             <c:ext xmlns:c16="http://schemas.microsoft.com/office/drawing/2014/chart" uri="{C3380CC4-5D6E-409C-BE32-E72D297353CC}">
               <c16:uniqueId val="{00000000-87A6-4B7B-9DCE-A84068CFE95C}"/>
             </c:ext>
@@ -1063,13 +1067,13 @@
                   <c:formatCode>General</c:formatCode>
                   <c:ptCount val="3"/>
                   <c:pt idx="0">
-                    <c:v>719.80431882445157</c:v>
+                    <c:v>719.8043188244515</c:v>
                   </c:pt>
                   <c:pt idx="1">
                     <c:v>1042.400297035646</c:v>
                   </c:pt>
                   <c:pt idx="2">
-                    <c:v>443.17859624158882</c:v>
+                    <c:v>443.1785962415887</c:v>
                   </c:pt>
                 </c:numCache>
               </c:numRef>
@@ -1081,13 +1085,13 @@
                   <c:formatCode>General</c:formatCode>
                   <c:ptCount val="3"/>
                   <c:pt idx="0">
-                    <c:v>719.80431882445157</c:v>
+                    <c:v>719.8043188244515</c:v>
                   </c:pt>
                   <c:pt idx="1">
                     <c:v>1042.400297035646</c:v>
                   </c:pt>
                   <c:pt idx="2">
-                    <c:v>443.17859624158882</c:v>
+                    <c:v>443.1785962415887</c:v>
                   </c:pt>
                 </c:numCache>
               </c:numRef>
@@ -1143,10 +1147,10 @@
                 <c:formatCode>General</c:formatCode>
                 <c:ptCount val="3"/>
                 <c:pt idx="0">
-                  <c:v>6363.3450000000003</c:v>
+                  <c:v>6363.345</c:v>
                 </c:pt>
                 <c:pt idx="1">
-                  <c:v>4940.5200000000004</c:v>
+                  <c:v>4940.52</c:v>
                 </c:pt>
                 <c:pt idx="2">
                   <c:v>7442.98</c:v>
@@ -1154,7 +1158,7 @@
               </c:numCache>
             </c:numRef>
           </c:val>
-          <c:extLst>
+          <c:extLst xmlns:c16r2="http://schemas.microsoft.com/office/drawing/2015/06/chart">
             <c:ext xmlns:c16="http://schemas.microsoft.com/office/drawing/2014/chart" uri="{C3380CC4-5D6E-409C-BE32-E72D297353CC}">
               <c16:uniqueId val="{00000001-87A6-4B7B-9DCE-A84068CFE95C}"/>
             </c:ext>
@@ -1198,10 +1202,10 @@
                     <c:v>104.7202701088317</c:v>
                   </c:pt>
                   <c:pt idx="1">
-                    <c:v>158.80392367948599</c:v>
+                    <c:v>158.803923679486</c:v>
                   </c:pt>
                   <c:pt idx="2">
-                    <c:v>158.41121991373541</c:v>
+                    <c:v>158.4112199137354</c:v>
                   </c:pt>
                 </c:numCache>
               </c:numRef>
@@ -1216,10 +1220,10 @@
                     <c:v>104.7202701088317</c:v>
                   </c:pt>
                   <c:pt idx="1">
-                    <c:v>158.80392367948599</c:v>
+                    <c:v>158.803923679486</c:v>
                   </c:pt>
                   <c:pt idx="2">
-                    <c:v>158.41121991373541</c:v>
+                    <c:v>158.4112199137354</c:v>
                   </c:pt>
                 </c:numCache>
               </c:numRef>
@@ -1275,18 +1279,18 @@
                 <c:formatCode>General</c:formatCode>
                 <c:ptCount val="3"/>
                 <c:pt idx="0">
-                  <c:v>368.76499999999987</c:v>
+                  <c:v>368.7649999999998</c:v>
                 </c:pt>
                 <c:pt idx="1">
-                  <c:v>319.95600000000002</c:v>
+                  <c:v>319.956</c:v>
                 </c:pt>
                 <c:pt idx="2">
-                  <c:v>888.0157142857139</c:v>
+                  <c:v>888.0157142857138</c:v>
                 </c:pt>
               </c:numCache>
             </c:numRef>
           </c:val>
-          <c:extLst>
+          <c:extLst xmlns:c16r2="http://schemas.microsoft.com/office/drawing/2015/06/chart">
             <c:ext xmlns:c16="http://schemas.microsoft.com/office/drawing/2014/chart" uri="{C3380CC4-5D6E-409C-BE32-E72D297353CC}">
               <c16:uniqueId val="{00000002-87A6-4B7B-9DCE-A84068CFE95C}"/>
             </c:ext>
@@ -1302,11 +1306,11 @@
         </c:dLbls>
         <c:gapWidth val="219"/>
         <c:overlap val="-27"/>
-        <c:axId val="1803599720"/>
-        <c:axId val="1803603368"/>
+        <c:axId val="2114917928"/>
+        <c:axId val="2114921672"/>
       </c:barChart>
       <c:catAx>
-        <c:axId val="1803599720"/>
+        <c:axId val="2114917928"/>
         <c:scaling>
           <c:orientation val="minMax"/>
         </c:scaling>
@@ -1349,7 +1353,7 @@
             <a:endParaRPr lang="fr-FR"/>
           </a:p>
         </c:txPr>
-        <c:crossAx val="1803603368"/>
+        <c:crossAx val="2114921672"/>
         <c:crosses val="autoZero"/>
         <c:auto val="1"/>
         <c:lblAlgn val="ctr"/>
@@ -1357,7 +1361,7 @@
         <c:noMultiLvlLbl val="0"/>
       </c:catAx>
       <c:valAx>
-        <c:axId val="1803603368"/>
+        <c:axId val="2114921672"/>
         <c:scaling>
           <c:orientation val="minMax"/>
         </c:scaling>
@@ -1403,6 +1407,7 @@
               </a:p>
             </c:rich>
           </c:tx>
+          <c:layout/>
           <c:overlay val="0"/>
           <c:spPr>
             <a:noFill/>
@@ -1443,7 +1448,7 @@
             <a:endParaRPr lang="fr-FR"/>
           </a:p>
         </c:txPr>
-        <c:crossAx val="1803599720"/>
+        <c:crossAx val="2114917928"/>
         <c:crosses val="autoZero"/>
         <c:crossBetween val="between"/>
       </c:valAx>
@@ -1457,6 +1462,7 @@
     </c:plotArea>
     <c:legend>
       <c:legendPos val="t"/>
+      <c:layout/>
       <c:overlay val="0"/>
       <c:spPr>
         <a:noFill/>
@@ -1522,7 +1528,7 @@
 </file>
 
 <file path=ppt/charts/chart3.xml><?xml version="1.0" encoding="utf-8"?>
-<c:chartSpace xmlns:c="http://schemas.openxmlformats.org/drawingml/2006/chart" xmlns:a="http://schemas.openxmlformats.org/drawingml/2006/main" xmlns:r="http://schemas.openxmlformats.org/officeDocument/2006/relationships" xmlns:c16r2="http://schemas.microsoft.com/office/drawing/2015/06/chart">
+<c:chartSpace xmlns:c="http://schemas.openxmlformats.org/drawingml/2006/chart" xmlns:a="http://schemas.openxmlformats.org/drawingml/2006/main" xmlns:r="http://schemas.openxmlformats.org/officeDocument/2006/relationships">
   <c:date1904 val="0"/>
   <c:lang val="fr-FR"/>
   <c:roundedCorners val="0"/>
@@ -1566,6 +1572,7 @@
           </a:p>
         </c:rich>
       </c:tx>
+      <c:layout/>
       <c:overlay val="0"/>
       <c:spPr>
         <a:noFill/>
@@ -1620,10 +1627,10 @@
                     <c:v>11.57640198823441</c:v>
                   </c:pt>
                   <c:pt idx="1">
-                    <c:v>4.9502761539130704</c:v>
+                    <c:v>4.95027615391307</c:v>
                   </c:pt>
                   <c:pt idx="2">
-                    <c:v>7.8333751337718134</c:v>
+                    <c:v>7.833375133771813</c:v>
                   </c:pt>
                 </c:numCache>
               </c:numRef>
@@ -1638,10 +1645,10 @@
                     <c:v>11.57640198823441</c:v>
                   </c:pt>
                   <c:pt idx="1">
-                    <c:v>4.9502761539130704</c:v>
+                    <c:v>4.95027615391307</c:v>
                   </c:pt>
                   <c:pt idx="2">
-                    <c:v>7.8333751337718134</c:v>
+                    <c:v>7.833375133771813</c:v>
                   </c:pt>
                 </c:numCache>
               </c:numRef>
@@ -1697,18 +1704,18 @@
                 <c:formatCode>General</c:formatCode>
                 <c:ptCount val="3"/>
                 <c:pt idx="0">
-                  <c:v>80.831428571428546</c:v>
+                  <c:v>80.83142857142853</c:v>
                 </c:pt>
                 <c:pt idx="1">
                   <c:v>57.558</c:v>
                 </c:pt>
                 <c:pt idx="2">
-                  <c:v>81.395714285714277</c:v>
+                  <c:v>81.39571428571427</c:v>
                 </c:pt>
               </c:numCache>
             </c:numRef>
           </c:val>
-          <c:extLst>
+          <c:extLst xmlns:c16r2="http://schemas.microsoft.com/office/drawing/2015/06/chart">
             <c:ext xmlns:c16="http://schemas.microsoft.com/office/drawing/2014/chart" uri="{C3380CC4-5D6E-409C-BE32-E72D297353CC}">
               <c16:uniqueId val="{00000000-F135-429D-9A4F-6F1802DB3D7E}"/>
             </c:ext>
@@ -1749,13 +1756,13 @@
                   <c:formatCode>General</c:formatCode>
                   <c:ptCount val="3"/>
                   <c:pt idx="0">
-                    <c:v>13.051874523279359</c:v>
+                    <c:v>13.05187452327936</c:v>
                   </c:pt>
                   <c:pt idx="1">
-                    <c:v>6.0240230743249956</c:v>
+                    <c:v>6.024023074324996</c:v>
                   </c:pt>
                   <c:pt idx="2">
-                    <c:v>17.751969019847671</c:v>
+                    <c:v>17.75196901984767</c:v>
                   </c:pt>
                 </c:numCache>
               </c:numRef>
@@ -1767,13 +1774,13 @@
                   <c:formatCode>General</c:formatCode>
                   <c:ptCount val="3"/>
                   <c:pt idx="0">
-                    <c:v>13.051874523279359</c:v>
+                    <c:v>13.05187452327936</c:v>
                   </c:pt>
                   <c:pt idx="1">
-                    <c:v>6.0240230743249956</c:v>
+                    <c:v>6.024023074324996</c:v>
                   </c:pt>
                   <c:pt idx="2">
-                    <c:v>17.751969019847671</c:v>
+                    <c:v>17.75196901984767</c:v>
                   </c:pt>
                 </c:numCache>
               </c:numRef>
@@ -1832,15 +1839,15 @@
                   <c:v>200.86</c:v>
                 </c:pt>
                 <c:pt idx="1">
-                  <c:v>214.86199999999999</c:v>
+                  <c:v>214.862</c:v>
                 </c:pt>
                 <c:pt idx="2">
-                  <c:v>181.12428571428569</c:v>
+                  <c:v>181.1242857142857</c:v>
                 </c:pt>
               </c:numCache>
             </c:numRef>
           </c:val>
-          <c:extLst>
+          <c:extLst xmlns:c16r2="http://schemas.microsoft.com/office/drawing/2015/06/chart">
             <c:ext xmlns:c16="http://schemas.microsoft.com/office/drawing/2014/chart" uri="{C3380CC4-5D6E-409C-BE32-E72D297353CC}">
               <c16:uniqueId val="{00000001-F135-429D-9A4F-6F1802DB3D7E}"/>
             </c:ext>
@@ -1881,10 +1888,10 @@
                   <c:formatCode>General</c:formatCode>
                   <c:ptCount val="3"/>
                   <c:pt idx="0">
-                    <c:v>4.5414306685236099</c:v>
+                    <c:v>4.54143066852361</c:v>
                   </c:pt>
                   <c:pt idx="1">
-                    <c:v>3.2286817743469252</c:v>
+                    <c:v>3.228681774346925</c:v>
                   </c:pt>
                   <c:pt idx="2">
                     <c:v>10.8287865602452</c:v>
@@ -1899,10 +1906,10 @@
                   <c:formatCode>General</c:formatCode>
                   <c:ptCount val="3"/>
                   <c:pt idx="0">
-                    <c:v>4.5414306685236099</c:v>
+                    <c:v>4.54143066852361</c:v>
                   </c:pt>
                   <c:pt idx="1">
-                    <c:v>3.2286817743469252</c:v>
+                    <c:v>3.228681774346925</c:v>
                   </c:pt>
                   <c:pt idx="2">
                     <c:v>10.8287865602452</c:v>
@@ -1961,18 +1968,18 @@
                 <c:formatCode>General</c:formatCode>
                 <c:ptCount val="3"/>
                 <c:pt idx="0">
-                  <c:v>12.091428571428571</c:v>
+                  <c:v>12.09142857142857</c:v>
                 </c:pt>
                 <c:pt idx="1">
                   <c:v>17.116</c:v>
                 </c:pt>
                 <c:pt idx="2">
-                  <c:v>27.865714285714279</c:v>
+                  <c:v>27.86571428571428</c:v>
                 </c:pt>
               </c:numCache>
             </c:numRef>
           </c:val>
-          <c:extLst>
+          <c:extLst xmlns:c16r2="http://schemas.microsoft.com/office/drawing/2015/06/chart">
             <c:ext xmlns:c16="http://schemas.microsoft.com/office/drawing/2014/chart" uri="{C3380CC4-5D6E-409C-BE32-E72D297353CC}">
               <c16:uniqueId val="{00000002-F135-429D-9A4F-6F1802DB3D7E}"/>
             </c:ext>
@@ -1988,11 +1995,11 @@
         </c:dLbls>
         <c:gapWidth val="219"/>
         <c:overlap val="-27"/>
-        <c:axId val="1804959432"/>
-        <c:axId val="1803637288"/>
+        <c:axId val="2114010200"/>
+        <c:axId val="2114006440"/>
       </c:barChart>
       <c:catAx>
-        <c:axId val="1804959432"/>
+        <c:axId val="2114010200"/>
         <c:scaling>
           <c:orientation val="minMax"/>
         </c:scaling>
@@ -2035,7 +2042,7 @@
             <a:endParaRPr lang="fr-FR"/>
           </a:p>
         </c:txPr>
-        <c:crossAx val="1803637288"/>
+        <c:crossAx val="2114006440"/>
         <c:crosses val="autoZero"/>
         <c:auto val="1"/>
         <c:lblAlgn val="ctr"/>
@@ -2043,7 +2050,7 @@
         <c:noMultiLvlLbl val="0"/>
       </c:catAx>
       <c:valAx>
-        <c:axId val="1803637288"/>
+        <c:axId val="2114006440"/>
         <c:scaling>
           <c:orientation val="minMax"/>
         </c:scaling>
@@ -2089,6 +2096,7 @@
               </a:p>
             </c:rich>
           </c:tx>
+          <c:layout/>
           <c:overlay val="0"/>
           <c:spPr>
             <a:noFill/>
@@ -2129,7 +2137,7 @@
             <a:endParaRPr lang="fr-FR"/>
           </a:p>
         </c:txPr>
-        <c:crossAx val="1804959432"/>
+        <c:crossAx val="2114010200"/>
         <c:crosses val="autoZero"/>
         <c:crossBetween val="between"/>
       </c:valAx>
@@ -2143,6 +2151,7 @@
     </c:plotArea>
     <c:legend>
       <c:legendPos val="t"/>
+      <c:layout/>
       <c:overlay val="0"/>
       <c:spPr>
         <a:noFill/>
@@ -2208,7 +2217,7 @@
 </file>
 
 <file path=ppt/charts/chart4.xml><?xml version="1.0" encoding="utf-8"?>
-<c:chartSpace xmlns:c="http://schemas.openxmlformats.org/drawingml/2006/chart" xmlns:a="http://schemas.openxmlformats.org/drawingml/2006/main" xmlns:r="http://schemas.openxmlformats.org/officeDocument/2006/relationships" xmlns:c16r2="http://schemas.microsoft.com/office/drawing/2015/06/chart">
+<c:chartSpace xmlns:c="http://schemas.openxmlformats.org/drawingml/2006/chart" xmlns:a="http://schemas.openxmlformats.org/drawingml/2006/main" xmlns:r="http://schemas.openxmlformats.org/officeDocument/2006/relationships">
   <c:date1904 val="0"/>
   <c:lang val="fr-FR"/>
   <c:roundedCorners val="0"/>
@@ -2252,6 +2261,7 @@
           </a:p>
         </c:rich>
       </c:tx>
+      <c:layout/>
       <c:overlay val="0"/>
       <c:spPr>
         <a:noFill/>
@@ -2303,13 +2313,13 @@
                   <c:formatCode>General</c:formatCode>
                   <c:ptCount val="3"/>
                   <c:pt idx="0">
-                    <c:v>6.2624805610698449</c:v>
+                    <c:v>6.262480561069844</c:v>
                   </c:pt>
                   <c:pt idx="1">
-                    <c:v>4.9714850899907184</c:v>
+                    <c:v>4.971485089990718</c:v>
                   </c:pt>
                   <c:pt idx="2">
-                    <c:v>6.6738194961106476</c:v>
+                    <c:v>6.673819496110648</c:v>
                   </c:pt>
                 </c:numCache>
               </c:numRef>
@@ -2321,13 +2331,13 @@
                   <c:formatCode>General</c:formatCode>
                   <c:ptCount val="3"/>
                   <c:pt idx="0">
-                    <c:v>6.2624805610698449</c:v>
+                    <c:v>6.262480561069844</c:v>
                   </c:pt>
                   <c:pt idx="1">
-                    <c:v>4.9714850899907184</c:v>
+                    <c:v>4.971485089990718</c:v>
                   </c:pt>
                   <c:pt idx="2">
-                    <c:v>6.6738194961106476</c:v>
+                    <c:v>6.673819496110648</c:v>
                   </c:pt>
                 </c:numCache>
               </c:numRef>
@@ -2383,18 +2393,18 @@
                 <c:formatCode>General</c:formatCode>
                 <c:ptCount val="3"/>
                 <c:pt idx="0">
-                  <c:v>40.918333333333337</c:v>
+                  <c:v>40.91833333333334</c:v>
                 </c:pt>
                 <c:pt idx="1">
                   <c:v>25.398</c:v>
                 </c:pt>
                 <c:pt idx="2">
-                  <c:v>59.530000000000008</c:v>
+                  <c:v>59.53000000000001</c:v>
                 </c:pt>
               </c:numCache>
             </c:numRef>
           </c:val>
-          <c:extLst>
+          <c:extLst xmlns:c16r2="http://schemas.microsoft.com/office/drawing/2015/06/chart">
             <c:ext xmlns:c16="http://schemas.microsoft.com/office/drawing/2014/chart" uri="{C3380CC4-5D6E-409C-BE32-E72D297353CC}">
               <c16:uniqueId val="{00000000-EDFD-4139-BBFD-8053E87B0868}"/>
             </c:ext>
@@ -2438,13 +2448,13 @@
                   <c:formatCode>General</c:formatCode>
                   <c:ptCount val="3"/>
                   <c:pt idx="0">
-                    <c:v>6.7707196400710981</c:v>
+                    <c:v>6.770719640071098</c:v>
                   </c:pt>
                   <c:pt idx="1">
-                    <c:v>8.9146828322717209</c:v>
+                    <c:v>8.914682832271722</c:v>
                   </c:pt>
                   <c:pt idx="2">
-                    <c:v>11.437429037733899</c:v>
+                    <c:v>11.4374290377339</c:v>
                   </c:pt>
                 </c:numCache>
               </c:numRef>
@@ -2456,13 +2466,13 @@
                   <c:formatCode>General</c:formatCode>
                   <c:ptCount val="3"/>
                   <c:pt idx="0">
-                    <c:v>6.7707196400710981</c:v>
+                    <c:v>6.770719640071098</c:v>
                   </c:pt>
                   <c:pt idx="1">
-                    <c:v>8.9146828322717209</c:v>
+                    <c:v>8.914682832271722</c:v>
                   </c:pt>
                   <c:pt idx="2">
-                    <c:v>11.437429037733899</c:v>
+                    <c:v>11.4374290377339</c:v>
                   </c:pt>
                 </c:numCache>
               </c:numRef>
@@ -2524,12 +2534,12 @@
                   <c:v>265.98</c:v>
                 </c:pt>
                 <c:pt idx="2">
-                  <c:v>218.64142857142861</c:v>
+                  <c:v>218.6414285714286</c:v>
                 </c:pt>
               </c:numCache>
             </c:numRef>
           </c:val>
-          <c:extLst>
+          <c:extLst xmlns:c16r2="http://schemas.microsoft.com/office/drawing/2015/06/chart">
             <c:ext xmlns:c16="http://schemas.microsoft.com/office/drawing/2014/chart" uri="{C3380CC4-5D6E-409C-BE32-E72D297353CC}">
               <c16:uniqueId val="{00000001-EDFD-4139-BBFD-8053E87B0868}"/>
             </c:ext>
@@ -2570,13 +2580,13 @@
                   <c:formatCode>General</c:formatCode>
                   <c:ptCount val="3"/>
                   <c:pt idx="0">
-                    <c:v>2.2573899628651781</c:v>
+                    <c:v>2.257389962865178</c:v>
                   </c:pt>
                   <c:pt idx="1">
-                    <c:v>2.2032489645975111</c:v>
+                    <c:v>2.203248964597511</c:v>
                   </c:pt>
                   <c:pt idx="2">
-                    <c:v>2.6066890668348739</c:v>
+                    <c:v>2.606689066834874</c:v>
                   </c:pt>
                 </c:numCache>
               </c:numRef>
@@ -2588,13 +2598,13 @@
                   <c:formatCode>General</c:formatCode>
                   <c:ptCount val="3"/>
                   <c:pt idx="0">
-                    <c:v>2.2573899628651781</c:v>
+                    <c:v>2.257389962865178</c:v>
                   </c:pt>
                   <c:pt idx="1">
-                    <c:v>2.2032489645975111</c:v>
+                    <c:v>2.203248964597511</c:v>
                   </c:pt>
                   <c:pt idx="2">
-                    <c:v>2.6066890668348739</c:v>
+                    <c:v>2.606689066834874</c:v>
                   </c:pt>
                 </c:numCache>
               </c:numRef>
@@ -2650,7 +2660,7 @@
                 <c:formatCode>General</c:formatCode>
                 <c:ptCount val="3"/>
                 <c:pt idx="0">
-                  <c:v>7.5983333333333327</c:v>
+                  <c:v>7.598333333333333</c:v>
                 </c:pt>
                 <c:pt idx="1">
                   <c:v>5.484</c:v>
@@ -2661,7 +2671,7 @@
               </c:numCache>
             </c:numRef>
           </c:val>
-          <c:extLst>
+          <c:extLst xmlns:c16r2="http://schemas.microsoft.com/office/drawing/2015/06/chart">
             <c:ext xmlns:c16="http://schemas.microsoft.com/office/drawing/2014/chart" uri="{C3380CC4-5D6E-409C-BE32-E72D297353CC}">
               <c16:uniqueId val="{00000002-EDFD-4139-BBFD-8053E87B0868}"/>
             </c:ext>
@@ -2677,11 +2687,11 @@
         </c:dLbls>
         <c:gapWidth val="219"/>
         <c:overlap val="-27"/>
-        <c:axId val="1803059192"/>
-        <c:axId val="1803060600"/>
+        <c:axId val="2113953240"/>
+        <c:axId val="2113949480"/>
       </c:barChart>
       <c:catAx>
-        <c:axId val="1803059192"/>
+        <c:axId val="2113953240"/>
         <c:scaling>
           <c:orientation val="minMax"/>
         </c:scaling>
@@ -2724,7 +2734,7 @@
             <a:endParaRPr lang="fr-FR"/>
           </a:p>
         </c:txPr>
-        <c:crossAx val="1803060600"/>
+        <c:crossAx val="2113949480"/>
         <c:crosses val="autoZero"/>
         <c:auto val="1"/>
         <c:lblAlgn val="ctr"/>
@@ -2732,7 +2742,7 @@
         <c:noMultiLvlLbl val="0"/>
       </c:catAx>
       <c:valAx>
-        <c:axId val="1803060600"/>
+        <c:axId val="2113949480"/>
         <c:scaling>
           <c:orientation val="minMax"/>
         </c:scaling>
@@ -2778,6 +2788,7 @@
               </a:p>
             </c:rich>
           </c:tx>
+          <c:layout/>
           <c:overlay val="0"/>
           <c:spPr>
             <a:noFill/>
@@ -2818,7 +2829,7 @@
             <a:endParaRPr lang="fr-FR"/>
           </a:p>
         </c:txPr>
-        <c:crossAx val="1803059192"/>
+        <c:crossAx val="2113953240"/>
         <c:crosses val="autoZero"/>
         <c:crossBetween val="between"/>
       </c:valAx>
@@ -2832,6 +2843,7 @@
     </c:plotArea>
     <c:legend>
       <c:legendPos val="t"/>
+      <c:layout/>
       <c:overlay val="0"/>
       <c:spPr>
         <a:noFill/>
@@ -2979,7 +2991,7 @@
             <a:fld id="{738B108D-3BCE-44D8-8902-08ED4A0D32BF}" type="datetimeFigureOut">
               <a:rPr lang="fr-FR" smtClean="0"/>
               <a:pPr/>
-              <a:t>04/06/2018</a:t>
+              <a:t>05/06/18</a:t>
             </a:fld>
             <a:endParaRPr lang="fr-FR"/>
           </a:p>
@@ -3140,7 +3152,7 @@
             <a:fld id="{4FBC6D27-8AEE-4C4B-BE1C-1EEAC5CEF8EF}" type="slidenum">
               <a:rPr lang="fr-FR" smtClean="0"/>
               <a:pPr/>
-              <a:t>‹N°›</a:t>
+              <a:t>‹#›</a:t>
             </a:fld>
             <a:endParaRPr lang="fr-FR"/>
           </a:p>
@@ -3882,7 +3894,7 @@
             <a:fld id="{C0E33B7C-B49A-4F59-9D75-C8F9E48FDBF1}" type="datetimeFigureOut">
               <a:rPr lang="fr-FR" smtClean="0"/>
               <a:pPr/>
-              <a:t>04/06/2018</a:t>
+              <a:t>05/06/18</a:t>
             </a:fld>
             <a:endParaRPr lang="fr-FR"/>
           </a:p>
@@ -3925,7 +3937,7 @@
             <a:fld id="{2B17BCE5-02D2-47EA-8A57-B717CAD8CD60}" type="slidenum">
               <a:rPr lang="fr-FR" smtClean="0"/>
               <a:pPr/>
-              <a:t>‹N°›</a:t>
+              <a:t>‹#›</a:t>
             </a:fld>
             <a:endParaRPr lang="fr-FR"/>
           </a:p>
@@ -4047,7 +4059,7 @@
             <a:fld id="{C0E33B7C-B49A-4F59-9D75-C8F9E48FDBF1}" type="datetimeFigureOut">
               <a:rPr lang="fr-FR" smtClean="0"/>
               <a:pPr/>
-              <a:t>04/06/2018</a:t>
+              <a:t>05/06/18</a:t>
             </a:fld>
             <a:endParaRPr lang="fr-FR"/>
           </a:p>
@@ -4090,7 +4102,7 @@
             <a:fld id="{2B17BCE5-02D2-47EA-8A57-B717CAD8CD60}" type="slidenum">
               <a:rPr lang="fr-FR" smtClean="0"/>
               <a:pPr/>
-              <a:t>‹N°›</a:t>
+              <a:t>‹#›</a:t>
             </a:fld>
             <a:endParaRPr lang="fr-FR"/>
           </a:p>
@@ -4222,7 +4234,7 @@
             <a:fld id="{C0E33B7C-B49A-4F59-9D75-C8F9E48FDBF1}" type="datetimeFigureOut">
               <a:rPr lang="fr-FR" smtClean="0"/>
               <a:pPr/>
-              <a:t>04/06/2018</a:t>
+              <a:t>05/06/18</a:t>
             </a:fld>
             <a:endParaRPr lang="fr-FR"/>
           </a:p>
@@ -4265,7 +4277,7 @@
             <a:fld id="{2B17BCE5-02D2-47EA-8A57-B717CAD8CD60}" type="slidenum">
               <a:rPr lang="fr-FR" smtClean="0"/>
               <a:pPr/>
-              <a:t>‹N°›</a:t>
+              <a:t>‹#›</a:t>
             </a:fld>
             <a:endParaRPr lang="fr-FR"/>
           </a:p>
@@ -4387,7 +4399,7 @@
             <a:fld id="{C0E33B7C-B49A-4F59-9D75-C8F9E48FDBF1}" type="datetimeFigureOut">
               <a:rPr lang="fr-FR" smtClean="0"/>
               <a:pPr/>
-              <a:t>04/06/2018</a:t>
+              <a:t>05/06/18</a:t>
             </a:fld>
             <a:endParaRPr lang="fr-FR"/>
           </a:p>
@@ -4430,7 +4442,7 @@
             <a:fld id="{2B17BCE5-02D2-47EA-8A57-B717CAD8CD60}" type="slidenum">
               <a:rPr lang="fr-FR" smtClean="0"/>
               <a:pPr/>
-              <a:t>‹N°›</a:t>
+              <a:t>‹#›</a:t>
             </a:fld>
             <a:endParaRPr lang="fr-FR"/>
           </a:p>
@@ -4629,7 +4641,7 @@
             <a:fld id="{C0E33B7C-B49A-4F59-9D75-C8F9E48FDBF1}" type="datetimeFigureOut">
               <a:rPr lang="fr-FR" smtClean="0"/>
               <a:pPr/>
-              <a:t>04/06/2018</a:t>
+              <a:t>05/06/18</a:t>
             </a:fld>
             <a:endParaRPr lang="fr-FR"/>
           </a:p>
@@ -4672,7 +4684,7 @@
             <a:fld id="{2B17BCE5-02D2-47EA-8A57-B717CAD8CD60}" type="slidenum">
               <a:rPr lang="fr-FR" smtClean="0"/>
               <a:pPr/>
-              <a:t>‹N°›</a:t>
+              <a:t>‹#›</a:t>
             </a:fld>
             <a:endParaRPr lang="fr-FR"/>
           </a:p>
@@ -4911,7 +4923,7 @@
             <a:fld id="{C0E33B7C-B49A-4F59-9D75-C8F9E48FDBF1}" type="datetimeFigureOut">
               <a:rPr lang="fr-FR" smtClean="0"/>
               <a:pPr/>
-              <a:t>04/06/2018</a:t>
+              <a:t>05/06/18</a:t>
             </a:fld>
             <a:endParaRPr lang="fr-FR"/>
           </a:p>
@@ -4954,7 +4966,7 @@
             <a:fld id="{2B17BCE5-02D2-47EA-8A57-B717CAD8CD60}" type="slidenum">
               <a:rPr lang="fr-FR" smtClean="0"/>
               <a:pPr/>
-              <a:t>‹N°›</a:t>
+              <a:t>‹#›</a:t>
             </a:fld>
             <a:endParaRPr lang="fr-FR"/>
           </a:p>
@@ -5327,7 +5339,7 @@
             <a:fld id="{C0E33B7C-B49A-4F59-9D75-C8F9E48FDBF1}" type="datetimeFigureOut">
               <a:rPr lang="fr-FR" smtClean="0"/>
               <a:pPr/>
-              <a:t>04/06/2018</a:t>
+              <a:t>05/06/18</a:t>
             </a:fld>
             <a:endParaRPr lang="fr-FR"/>
           </a:p>
@@ -5370,7 +5382,7 @@
             <a:fld id="{2B17BCE5-02D2-47EA-8A57-B717CAD8CD60}" type="slidenum">
               <a:rPr lang="fr-FR" smtClean="0"/>
               <a:pPr/>
-              <a:t>‹N°›</a:t>
+              <a:t>‹#›</a:t>
             </a:fld>
             <a:endParaRPr lang="fr-FR"/>
           </a:p>
@@ -5441,7 +5453,7 @@
             <a:fld id="{C0E33B7C-B49A-4F59-9D75-C8F9E48FDBF1}" type="datetimeFigureOut">
               <a:rPr lang="fr-FR" smtClean="0"/>
               <a:pPr/>
-              <a:t>04/06/2018</a:t>
+              <a:t>05/06/18</a:t>
             </a:fld>
             <a:endParaRPr lang="fr-FR"/>
           </a:p>
@@ -5484,7 +5496,7 @@
             <a:fld id="{2B17BCE5-02D2-47EA-8A57-B717CAD8CD60}" type="slidenum">
               <a:rPr lang="fr-FR" smtClean="0"/>
               <a:pPr/>
-              <a:t>‹N°›</a:t>
+              <a:t>‹#›</a:t>
             </a:fld>
             <a:endParaRPr lang="fr-FR"/>
           </a:p>
@@ -5533,7 +5545,7 @@
             <a:fld id="{C0E33B7C-B49A-4F59-9D75-C8F9E48FDBF1}" type="datetimeFigureOut">
               <a:rPr lang="fr-FR" smtClean="0"/>
               <a:pPr/>
-              <a:t>04/06/2018</a:t>
+              <a:t>05/06/18</a:t>
             </a:fld>
             <a:endParaRPr lang="fr-FR"/>
           </a:p>
@@ -5576,7 +5588,7 @@
             <a:fld id="{2B17BCE5-02D2-47EA-8A57-B717CAD8CD60}" type="slidenum">
               <a:rPr lang="fr-FR" smtClean="0"/>
               <a:pPr/>
-              <a:t>‹N°›</a:t>
+              <a:t>‹#›</a:t>
             </a:fld>
             <a:endParaRPr lang="fr-FR"/>
           </a:p>
@@ -5805,7 +5817,7 @@
             <a:fld id="{C0E33B7C-B49A-4F59-9D75-C8F9E48FDBF1}" type="datetimeFigureOut">
               <a:rPr lang="fr-FR" smtClean="0"/>
               <a:pPr/>
-              <a:t>04/06/2018</a:t>
+              <a:t>05/06/18</a:t>
             </a:fld>
             <a:endParaRPr lang="fr-FR"/>
           </a:p>
@@ -5848,7 +5860,7 @@
             <a:fld id="{2B17BCE5-02D2-47EA-8A57-B717CAD8CD60}" type="slidenum">
               <a:rPr lang="fr-FR" smtClean="0"/>
               <a:pPr/>
-              <a:t>‹N°›</a:t>
+              <a:t>‹#›</a:t>
             </a:fld>
             <a:endParaRPr lang="fr-FR"/>
           </a:p>
@@ -6054,7 +6066,7 @@
             <a:fld id="{C0E33B7C-B49A-4F59-9D75-C8F9E48FDBF1}" type="datetimeFigureOut">
               <a:rPr lang="fr-FR" smtClean="0"/>
               <a:pPr/>
-              <a:t>04/06/2018</a:t>
+              <a:t>05/06/18</a:t>
             </a:fld>
             <a:endParaRPr lang="fr-FR"/>
           </a:p>
@@ -6097,7 +6109,7 @@
             <a:fld id="{2B17BCE5-02D2-47EA-8A57-B717CAD8CD60}" type="slidenum">
               <a:rPr lang="fr-FR" smtClean="0"/>
               <a:pPr/>
-              <a:t>‹N°›</a:t>
+              <a:t>‹#›</a:t>
             </a:fld>
             <a:endParaRPr lang="fr-FR"/>
           </a:p>
@@ -6286,7 +6298,7 @@
             <a:fld id="{C0E33B7C-B49A-4F59-9D75-C8F9E48FDBF1}" type="datetimeFigureOut">
               <a:rPr lang="fr-FR" smtClean="0"/>
               <a:pPr/>
-              <a:t>04/06/2018</a:t>
+              <a:t>05/06/18</a:t>
             </a:fld>
             <a:endParaRPr lang="fr-FR"/>
           </a:p>
@@ -6365,7 +6377,7 @@
             <a:fld id="{2B17BCE5-02D2-47EA-8A57-B717CAD8CD60}" type="slidenum">
               <a:rPr lang="fr-FR" smtClean="0"/>
               <a:pPr/>
-              <a:t>‹N°›</a:t>
+              <a:t>‹#›</a:t>
             </a:fld>
             <a:endParaRPr lang="fr-FR"/>
           </a:p>
@@ -7003,7 +7015,7 @@
           <p:cNvPr id="10" name="Image 9">
             <a:extLst>
               <a:ext uri="{FF2B5EF4-FFF2-40B4-BE49-F238E27FC236}">
-                <a16:creationId xmlns:a16="http://schemas.microsoft.com/office/drawing/2014/main" id="{8A6F7B72-A425-4834-B91B-C92EB00EB65F}"/>
+                <a16:creationId xmlns:a16="http://schemas.microsoft.com/office/drawing/2014/main" xmlns="" id="{8A6F7B72-A425-4834-B91B-C92EB00EB65F}"/>
               </a:ext>
             </a:extLst>
           </p:cNvPr>
@@ -7039,7 +7051,7 @@
           <p:cNvPr id="12" name="Image 11">
             <a:extLst>
               <a:ext uri="{FF2B5EF4-FFF2-40B4-BE49-F238E27FC236}">
-                <a16:creationId xmlns:a16="http://schemas.microsoft.com/office/drawing/2014/main" id="{BCFD2592-037D-4ADB-99B0-B11B6FD8A3BD}"/>
+                <a16:creationId xmlns:a16="http://schemas.microsoft.com/office/drawing/2014/main" xmlns="" id="{BCFD2592-037D-4ADB-99B0-B11B6FD8A3BD}"/>
               </a:ext>
             </a:extLst>
           </p:cNvPr>
@@ -7100,7 +7112,7 @@
           <p:cNvPr id="2" name="Titre 1">
             <a:extLst>
               <a:ext uri="{FF2B5EF4-FFF2-40B4-BE49-F238E27FC236}">
-                <a16:creationId xmlns:a16="http://schemas.microsoft.com/office/drawing/2014/main" id="{137804C6-0D30-487D-BCAA-F4A88DA231C5}"/>
+                <a16:creationId xmlns:a16="http://schemas.microsoft.com/office/drawing/2014/main" xmlns="" id="{137804C6-0D30-487D-BCAA-F4A88DA231C5}"/>
               </a:ext>
             </a:extLst>
           </p:cNvPr>
@@ -7138,7 +7150,7 @@
           <p:cNvPr id="5" name="Image 4">
             <a:extLst>
               <a:ext uri="{FF2B5EF4-FFF2-40B4-BE49-F238E27FC236}">
-                <a16:creationId xmlns:a16="http://schemas.microsoft.com/office/drawing/2014/main" id="{65AB51C7-EDEB-4B41-9F97-383A20ACCD93}"/>
+                <a16:creationId xmlns:a16="http://schemas.microsoft.com/office/drawing/2014/main" xmlns="" id="{65AB51C7-EDEB-4B41-9F97-383A20ACCD93}"/>
               </a:ext>
             </a:extLst>
           </p:cNvPr>
@@ -7174,7 +7186,7 @@
           <p:cNvPr id="7" name="Image 6">
             <a:extLst>
               <a:ext uri="{FF2B5EF4-FFF2-40B4-BE49-F238E27FC236}">
-                <a16:creationId xmlns:a16="http://schemas.microsoft.com/office/drawing/2014/main" id="{017449ED-E235-4F83-929D-4AA27CB85594}"/>
+                <a16:creationId xmlns:a16="http://schemas.microsoft.com/office/drawing/2014/main" xmlns="" id="{017449ED-E235-4F83-929D-4AA27CB85594}"/>
               </a:ext>
             </a:extLst>
           </p:cNvPr>
@@ -7210,7 +7222,7 @@
           <p:cNvPr id="6" name="ZoneTexte 5">
             <a:extLst>
               <a:ext uri="{FF2B5EF4-FFF2-40B4-BE49-F238E27FC236}">
-                <a16:creationId xmlns:a16="http://schemas.microsoft.com/office/drawing/2014/main" id="{63BF0684-ED98-4B91-B63C-63FF7799B27B}"/>
+                <a16:creationId xmlns:a16="http://schemas.microsoft.com/office/drawing/2014/main" xmlns="" id="{63BF0684-ED98-4B91-B63C-63FF7799B27B}"/>
               </a:ext>
             </a:extLst>
           </p:cNvPr>
@@ -7245,7 +7257,7 @@
           <p:cNvPr id="8" name="ZoneTexte 7">
             <a:extLst>
               <a:ext uri="{FF2B5EF4-FFF2-40B4-BE49-F238E27FC236}">
-                <a16:creationId xmlns:a16="http://schemas.microsoft.com/office/drawing/2014/main" id="{63BF0684-ED98-4B91-B63C-63FF7799B27B}"/>
+                <a16:creationId xmlns:a16="http://schemas.microsoft.com/office/drawing/2014/main" xmlns="" id="{63BF0684-ED98-4B91-B63C-63FF7799B27B}"/>
               </a:ext>
             </a:extLst>
           </p:cNvPr>
@@ -7280,7 +7292,7 @@
           <p:cNvPr id="3" name="ZoneTexte 2">
             <a:extLst>
               <a:ext uri="{FF2B5EF4-FFF2-40B4-BE49-F238E27FC236}">
-                <a16:creationId xmlns:a16="http://schemas.microsoft.com/office/drawing/2014/main" id="{DD4603D6-C468-452C-B9DC-EBD16100C945}"/>
+                <a16:creationId xmlns:a16="http://schemas.microsoft.com/office/drawing/2014/main" xmlns="" id="{DD4603D6-C468-452C-B9DC-EBD16100C945}"/>
               </a:ext>
             </a:extLst>
           </p:cNvPr>
@@ -7315,7 +7327,7 @@
           <p:cNvPr id="9" name="Image 8">
             <a:extLst>
               <a:ext uri="{FF2B5EF4-FFF2-40B4-BE49-F238E27FC236}">
-                <a16:creationId xmlns:a16="http://schemas.microsoft.com/office/drawing/2014/main" id="{94A9C3F7-B699-4774-9E51-73595653092F}"/>
+                <a16:creationId xmlns:a16="http://schemas.microsoft.com/office/drawing/2014/main" xmlns="" id="{94A9C3F7-B699-4774-9E51-73595653092F}"/>
               </a:ext>
             </a:extLst>
           </p:cNvPr>
@@ -7351,7 +7363,7 @@
           <p:cNvPr id="11" name="Image 10">
             <a:extLst>
               <a:ext uri="{FF2B5EF4-FFF2-40B4-BE49-F238E27FC236}">
-                <a16:creationId xmlns:a16="http://schemas.microsoft.com/office/drawing/2014/main" id="{A9CE6754-1902-4DB3-A4D9-5CA68D5089DA}"/>
+                <a16:creationId xmlns:a16="http://schemas.microsoft.com/office/drawing/2014/main" xmlns="" id="{A9CE6754-1902-4DB3-A4D9-5CA68D5089DA}"/>
               </a:ext>
             </a:extLst>
           </p:cNvPr>
@@ -7417,7 +7429,7 @@
           <p:cNvPr id="2" name="Titre 1">
             <a:extLst>
               <a:ext uri="{FF2B5EF4-FFF2-40B4-BE49-F238E27FC236}">
-                <a16:creationId xmlns:a16="http://schemas.microsoft.com/office/drawing/2014/main" id="{36118B72-5743-4218-9FB1-6752F40399B7}"/>
+                <a16:creationId xmlns:a16="http://schemas.microsoft.com/office/drawing/2014/main" xmlns="" id="{36118B72-5743-4218-9FB1-6752F40399B7}"/>
               </a:ext>
             </a:extLst>
           </p:cNvPr>
@@ -7453,7 +7465,7 @@
           <p:cNvPr id="5" name="Image 4">
             <a:extLst>
               <a:ext uri="{FF2B5EF4-FFF2-40B4-BE49-F238E27FC236}">
-                <a16:creationId xmlns:a16="http://schemas.microsoft.com/office/drawing/2014/main" id="{09FFA0BE-E60F-4517-BA28-F324E6F7C289}"/>
+                <a16:creationId xmlns:a16="http://schemas.microsoft.com/office/drawing/2014/main" xmlns="" id="{09FFA0BE-E60F-4517-BA28-F324E6F7C289}"/>
               </a:ext>
             </a:extLst>
           </p:cNvPr>
@@ -7489,7 +7501,7 @@
           <p:cNvPr id="7" name="Image 6">
             <a:extLst>
               <a:ext uri="{FF2B5EF4-FFF2-40B4-BE49-F238E27FC236}">
-                <a16:creationId xmlns:a16="http://schemas.microsoft.com/office/drawing/2014/main" id="{659660F7-E266-445D-8A56-78B375B75EB4}"/>
+                <a16:creationId xmlns:a16="http://schemas.microsoft.com/office/drawing/2014/main" xmlns="" id="{659660F7-E266-445D-8A56-78B375B75EB4}"/>
               </a:ext>
             </a:extLst>
           </p:cNvPr>
@@ -7525,7 +7537,7 @@
           <p:cNvPr id="9" name="Image 8">
             <a:extLst>
               <a:ext uri="{FF2B5EF4-FFF2-40B4-BE49-F238E27FC236}">
-                <a16:creationId xmlns:a16="http://schemas.microsoft.com/office/drawing/2014/main" id="{4BDC918D-EBAF-4502-A024-EF60AF311F93}"/>
+                <a16:creationId xmlns:a16="http://schemas.microsoft.com/office/drawing/2014/main" xmlns="" id="{4BDC918D-EBAF-4502-A024-EF60AF311F93}"/>
               </a:ext>
             </a:extLst>
           </p:cNvPr>
@@ -7561,7 +7573,7 @@
           <p:cNvPr id="11" name="Image 10">
             <a:extLst>
               <a:ext uri="{FF2B5EF4-FFF2-40B4-BE49-F238E27FC236}">
-                <a16:creationId xmlns:a16="http://schemas.microsoft.com/office/drawing/2014/main" id="{9F3F3A87-A4D2-4CB5-B19B-26E171E303AF}"/>
+                <a16:creationId xmlns:a16="http://schemas.microsoft.com/office/drawing/2014/main" xmlns="" id="{9F3F3A87-A4D2-4CB5-B19B-26E171E303AF}"/>
               </a:ext>
             </a:extLst>
           </p:cNvPr>
@@ -7597,7 +7609,7 @@
           <p:cNvPr id="13" name="Image 12">
             <a:extLst>
               <a:ext uri="{FF2B5EF4-FFF2-40B4-BE49-F238E27FC236}">
-                <a16:creationId xmlns:a16="http://schemas.microsoft.com/office/drawing/2014/main" id="{BC1F8E69-EB26-4060-AB61-E8A97A89BE47}"/>
+                <a16:creationId xmlns:a16="http://schemas.microsoft.com/office/drawing/2014/main" xmlns="" id="{BC1F8E69-EB26-4060-AB61-E8A97A89BE47}"/>
               </a:ext>
             </a:extLst>
           </p:cNvPr>
@@ -7633,7 +7645,7 @@
           <p:cNvPr id="15" name="Image 14">
             <a:extLst>
               <a:ext uri="{FF2B5EF4-FFF2-40B4-BE49-F238E27FC236}">
-                <a16:creationId xmlns:a16="http://schemas.microsoft.com/office/drawing/2014/main" id="{1D5F6ED3-EED6-4A15-A989-F0B9BE13D008}"/>
+                <a16:creationId xmlns:a16="http://schemas.microsoft.com/office/drawing/2014/main" xmlns="" id="{1D5F6ED3-EED6-4A15-A989-F0B9BE13D008}"/>
               </a:ext>
             </a:extLst>
           </p:cNvPr>
@@ -7669,7 +7681,7 @@
           <p:cNvPr id="16" name="ZoneTexte 15">
             <a:extLst>
               <a:ext uri="{FF2B5EF4-FFF2-40B4-BE49-F238E27FC236}">
-                <a16:creationId xmlns:a16="http://schemas.microsoft.com/office/drawing/2014/main" id="{A9F08D7D-0960-4664-9205-C6370B9660AA}"/>
+                <a16:creationId xmlns:a16="http://schemas.microsoft.com/office/drawing/2014/main" xmlns="" id="{A9F08D7D-0960-4664-9205-C6370B9660AA}"/>
               </a:ext>
             </a:extLst>
           </p:cNvPr>
@@ -7704,7 +7716,7 @@
           <p:cNvPr id="17" name="ZoneTexte 16">
             <a:extLst>
               <a:ext uri="{FF2B5EF4-FFF2-40B4-BE49-F238E27FC236}">
-                <a16:creationId xmlns:a16="http://schemas.microsoft.com/office/drawing/2014/main" id="{63BF0684-ED98-4B91-B63C-63FF7799B27B}"/>
+                <a16:creationId xmlns:a16="http://schemas.microsoft.com/office/drawing/2014/main" xmlns="" id="{63BF0684-ED98-4B91-B63C-63FF7799B27B}"/>
               </a:ext>
             </a:extLst>
           </p:cNvPr>
@@ -7769,7 +7781,7 @@
           <p:cNvPr id="16" name="Image 15">
             <a:extLst>
               <a:ext uri="{FF2B5EF4-FFF2-40B4-BE49-F238E27FC236}">
-                <a16:creationId xmlns:a16="http://schemas.microsoft.com/office/drawing/2014/main" id="{61404B37-9BEE-4B62-A3E2-2AEABD33AC04}"/>
+                <a16:creationId xmlns:a16="http://schemas.microsoft.com/office/drawing/2014/main" xmlns="" id="{61404B37-9BEE-4B62-A3E2-2AEABD33AC04}"/>
               </a:ext>
             </a:extLst>
           </p:cNvPr>
@@ -7792,7 +7804,7 @@
         </p:blipFill>
         <p:spPr>
           <a:xfrm>
-            <a:off x="2987825" y="894795"/>
+            <a:off x="3203848" y="908720"/>
             <a:ext cx="2789590" cy="2789590"/>
           </a:xfrm>
           <a:prstGeom prst="rect">
@@ -7805,7 +7817,7 @@
           <p:cNvPr id="2" name="Titre 1">
             <a:extLst>
               <a:ext uri="{FF2B5EF4-FFF2-40B4-BE49-F238E27FC236}">
-                <a16:creationId xmlns:a16="http://schemas.microsoft.com/office/drawing/2014/main" id="{CAF8591C-6E7C-48EC-83F6-33DCE6C1FC82}"/>
+                <a16:creationId xmlns:a16="http://schemas.microsoft.com/office/drawing/2014/main" xmlns="" id="{CAF8591C-6E7C-48EC-83F6-33DCE6C1FC82}"/>
               </a:ext>
             </a:extLst>
           </p:cNvPr>
@@ -7840,7 +7852,7 @@
           <p:cNvPr id="10" name="ZoneTexte 9">
             <a:extLst>
               <a:ext uri="{FF2B5EF4-FFF2-40B4-BE49-F238E27FC236}">
-                <a16:creationId xmlns:a16="http://schemas.microsoft.com/office/drawing/2014/main" id="{382FB9F1-470A-46C1-B26B-EA63482F9969}"/>
+                <a16:creationId xmlns:a16="http://schemas.microsoft.com/office/drawing/2014/main" xmlns="" id="{382FB9F1-470A-46C1-B26B-EA63482F9969}"/>
               </a:ext>
             </a:extLst>
           </p:cNvPr>
@@ -7849,7 +7861,7 @@
         </p:nvSpPr>
         <p:spPr>
           <a:xfrm>
-            <a:off x="2987824" y="908720"/>
+            <a:off x="3203848" y="908720"/>
             <a:ext cx="761587" cy="430887"/>
           </a:xfrm>
           <a:prstGeom prst="rect">
@@ -7892,7 +7904,7 @@
         </p:nvSpPr>
         <p:spPr>
           <a:xfrm>
-            <a:off x="8388424" y="6021288"/>
+            <a:off x="8388424" y="6396335"/>
             <a:ext cx="1008112" cy="461665"/>
           </a:xfrm>
           <a:prstGeom prst="rect">
@@ -7982,7 +7994,7 @@
           <p:cNvPr id="8" name="Image 7">
             <a:extLst>
               <a:ext uri="{FF2B5EF4-FFF2-40B4-BE49-F238E27FC236}">
-                <a16:creationId xmlns:a16="http://schemas.microsoft.com/office/drawing/2014/main" id="{D73EC4F2-B469-42F0-BA8E-31B813743E19}"/>
+                <a16:creationId xmlns:a16="http://schemas.microsoft.com/office/drawing/2014/main" xmlns="" id="{D73EC4F2-B469-42F0-BA8E-31B813743E19}"/>
               </a:ext>
             </a:extLst>
           </p:cNvPr>
@@ -8018,7 +8030,7 @@
           <p:cNvPr id="21" name="Image 20">
             <a:extLst>
               <a:ext uri="{FF2B5EF4-FFF2-40B4-BE49-F238E27FC236}">
-                <a16:creationId xmlns:a16="http://schemas.microsoft.com/office/drawing/2014/main" id="{74CFA5B1-5009-4B9E-9D3D-DCAAAA0509D5}"/>
+                <a16:creationId xmlns:a16="http://schemas.microsoft.com/office/drawing/2014/main" xmlns="" id="{74CFA5B1-5009-4B9E-9D3D-DCAAAA0509D5}"/>
               </a:ext>
             </a:extLst>
           </p:cNvPr>
@@ -8041,7 +8053,7 @@
         </p:blipFill>
         <p:spPr>
           <a:xfrm>
-            <a:off x="4648065" y="3767336"/>
+            <a:off x="4644008" y="3789040"/>
             <a:ext cx="2774033" cy="2774033"/>
           </a:xfrm>
           <a:prstGeom prst="rect">
@@ -8054,7 +8066,7 @@
           <p:cNvPr id="11" name="ZoneTexte 10">
             <a:extLst>
               <a:ext uri="{FF2B5EF4-FFF2-40B4-BE49-F238E27FC236}">
-                <a16:creationId xmlns:a16="http://schemas.microsoft.com/office/drawing/2014/main" id="{1941768D-54A5-4B45-998E-80A0C5BD8950}"/>
+                <a16:creationId xmlns:a16="http://schemas.microsoft.com/office/drawing/2014/main" xmlns="" id="{1941768D-54A5-4B45-998E-80A0C5BD8950}"/>
               </a:ext>
             </a:extLst>
           </p:cNvPr>
@@ -8093,7 +8105,7 @@
         </p:nvSpPr>
         <p:spPr>
           <a:xfrm flipH="1">
-            <a:off x="4540053" y="3068960"/>
+            <a:off x="4716016" y="3068960"/>
             <a:ext cx="216024" cy="144016"/>
           </a:xfrm>
           <a:prstGeom prst="rect">
@@ -8137,7 +8149,7 @@
         </p:nvSpPr>
         <p:spPr>
           <a:xfrm flipV="1">
-            <a:off x="5148064" y="2146839"/>
+            <a:off x="5364088" y="2132856"/>
             <a:ext cx="216024" cy="152400"/>
           </a:xfrm>
           <a:prstGeom prst="rect">
@@ -8181,7 +8193,7 @@
         </p:nvSpPr>
         <p:spPr>
           <a:xfrm flipH="1" flipV="1">
-            <a:off x="4067944" y="1700808"/>
+            <a:off x="4139952" y="1916832"/>
             <a:ext cx="144016" cy="144016"/>
           </a:xfrm>
           <a:prstGeom prst="rect">
@@ -8222,7 +8234,7 @@
           <p:cNvPr id="14" name="ZoneTexte 13">
             <a:extLst>
               <a:ext uri="{FF2B5EF4-FFF2-40B4-BE49-F238E27FC236}">
-                <a16:creationId xmlns:a16="http://schemas.microsoft.com/office/drawing/2014/main" id="{1941768D-54A5-4B45-998E-80A0C5BD8950}"/>
+                <a16:creationId xmlns:a16="http://schemas.microsoft.com/office/drawing/2014/main" xmlns="" id="{1941768D-54A5-4B45-998E-80A0C5BD8950}"/>
               </a:ext>
             </a:extLst>
           </p:cNvPr>
@@ -8288,7 +8300,7 @@
           <p:cNvPr id="2" name="Titre 1">
             <a:extLst>
               <a:ext uri="{FF2B5EF4-FFF2-40B4-BE49-F238E27FC236}">
-                <a16:creationId xmlns:a16="http://schemas.microsoft.com/office/drawing/2014/main" id="{77C362DF-B701-4CBF-A0C6-E5D3B52006E9}"/>
+                <a16:creationId xmlns:a16="http://schemas.microsoft.com/office/drawing/2014/main" xmlns="" id="{77C362DF-B701-4CBF-A0C6-E5D3B52006E9}"/>
               </a:ext>
             </a:extLst>
           </p:cNvPr>
@@ -8301,7 +8313,7 @@
         </p:nvSpPr>
         <p:spPr>
           <a:xfrm>
-            <a:off x="457200" y="274638"/>
+            <a:off x="467544" y="2363"/>
             <a:ext cx="8229600" cy="1786210"/>
           </a:xfrm>
         </p:spPr>
@@ -8331,7 +8343,7 @@
           <p:cNvPr id="5" name="Espace réservé du contenu 4">
             <a:extLst>
               <a:ext uri="{FF2B5EF4-FFF2-40B4-BE49-F238E27FC236}">
-                <a16:creationId xmlns:a16="http://schemas.microsoft.com/office/drawing/2014/main" id="{CE862815-B4E8-4ED5-9230-A132D1B22C55}"/>
+                <a16:creationId xmlns:a16="http://schemas.microsoft.com/office/drawing/2014/main" xmlns="" id="{CE862815-B4E8-4ED5-9230-A132D1B22C55}"/>
               </a:ext>
             </a:extLst>
           </p:cNvPr>
@@ -8366,7 +8378,7 @@
           <p:cNvPr id="7" name="Image 6">
             <a:extLst>
               <a:ext uri="{FF2B5EF4-FFF2-40B4-BE49-F238E27FC236}">
-                <a16:creationId xmlns:a16="http://schemas.microsoft.com/office/drawing/2014/main" id="{CB30C5DC-6CF5-4D42-BE09-10AD5822A80C}"/>
+                <a16:creationId xmlns:a16="http://schemas.microsoft.com/office/drawing/2014/main" xmlns="" id="{CB30C5DC-6CF5-4D42-BE09-10AD5822A80C}"/>
               </a:ext>
             </a:extLst>
           </p:cNvPr>
@@ -8402,7 +8414,7 @@
           <p:cNvPr id="3" name="ZoneTexte 2">
             <a:extLst>
               <a:ext uri="{FF2B5EF4-FFF2-40B4-BE49-F238E27FC236}">
-                <a16:creationId xmlns:a16="http://schemas.microsoft.com/office/drawing/2014/main" id="{A49F7AF6-BFCF-41F3-B172-BC6D0010D137}"/>
+                <a16:creationId xmlns:a16="http://schemas.microsoft.com/office/drawing/2014/main" xmlns="" id="{A49F7AF6-BFCF-41F3-B172-BC6D0010D137}"/>
               </a:ext>
             </a:extLst>
           </p:cNvPr>
@@ -8498,13 +8510,15 @@
           <a:p>
             <a:r>
               <a:rPr lang="fr-FR" sz="1200" dirty="0"/>
-              <a:t>n = 3 souris WT,</a:t>
-            </a:r>
-          </a:p>
-          <a:p>
+              <a:t>n = 3 souris WT</a:t>
+            </a:r>
+            <a:r>
+              <a:rPr lang="fr-FR" sz="1200" dirty="0" smtClean="0"/>
+              <a:t>, 3 </a:t>
+            </a:r>
             <a:r>
               <a:rPr lang="fr-FR" sz="1200" dirty="0"/>
-              <a:t>n = 3 souris mutantes (</a:t>
+              <a:t>souris mutantes (</a:t>
             </a:r>
             <a:r>
               <a:rPr lang="fr-FR" sz="1200" dirty="0" err="1"/>
@@ -8618,7 +8632,7 @@
           <p:cNvPr id="2" name="Titre 1">
             <a:extLst>
               <a:ext uri="{FF2B5EF4-FFF2-40B4-BE49-F238E27FC236}">
-                <a16:creationId xmlns:a16="http://schemas.microsoft.com/office/drawing/2014/main" id="{FB3EB441-C491-4A8F-AFC6-67B32294F0E5}"/>
+                <a16:creationId xmlns:a16="http://schemas.microsoft.com/office/drawing/2014/main" xmlns="" id="{FB3EB441-C491-4A8F-AFC6-67B32294F0E5}"/>
               </a:ext>
             </a:extLst>
           </p:cNvPr>
@@ -8653,7 +8667,7 @@
           <p:cNvPr id="5" name="Image 4">
             <a:extLst>
               <a:ext uri="{FF2B5EF4-FFF2-40B4-BE49-F238E27FC236}">
-                <a16:creationId xmlns:a16="http://schemas.microsoft.com/office/drawing/2014/main" id="{719937EE-8EA5-44D6-BA84-E4A9F94EFDB5}"/>
+                <a16:creationId xmlns:a16="http://schemas.microsoft.com/office/drawing/2014/main" xmlns="" id="{719937EE-8EA5-44D6-BA84-E4A9F94EFDB5}"/>
               </a:ext>
             </a:extLst>
           </p:cNvPr>
@@ -8718,7 +8732,7 @@
           <p:cNvPr id="4" name="ZoneTexte 3">
             <a:extLst>
               <a:ext uri="{FF2B5EF4-FFF2-40B4-BE49-F238E27FC236}">
-                <a16:creationId xmlns:a16="http://schemas.microsoft.com/office/drawing/2014/main" id="{A14657EF-3B0A-43D7-814A-407A0E6D665F}"/>
+                <a16:creationId xmlns:a16="http://schemas.microsoft.com/office/drawing/2014/main" xmlns="" id="{A14657EF-3B0A-43D7-814A-407A0E6D665F}"/>
               </a:ext>
             </a:extLst>
           </p:cNvPr>
@@ -8813,37 +8827,39 @@
         <p:spPr/>
         <p:txBody>
           <a:bodyPr>
-            <a:normAutofit fontScale="85000" lnSpcReduction="20000"/>
+            <a:normAutofit fontScale="70000" lnSpcReduction="20000"/>
           </a:bodyPr>
           <a:lstStyle/>
           <a:p>
             <a:r>
-              <a:rPr lang="fr-FR" dirty="0" err="1"/>
-              <a:t>MuSK</a:t>
-            </a:r>
-            <a:r>
               <a:rPr lang="fr-FR" dirty="0"/>
-              <a:t> participe à l’organisation des couches neuronales de l’hippocampe au travers de son domaine CRD ;</a:t>
-            </a:r>
-          </a:p>
-          <a:p>
-            <a:r>
-              <a:rPr lang="fr-FR" dirty="0" err="1"/>
-              <a:t>MuSK</a:t>
-            </a:r>
+              <a:t>MuSK participe à l’organisation des couches neuronales de l’hippocampe au travers de son domaine CRD </a:t>
+            </a:r>
+            <a:r>
+              <a:rPr lang="fr-FR" dirty="0" smtClean="0"/>
+              <a:t>;</a:t>
+            </a:r>
+          </a:p>
+          <a:p>
+            <a:endParaRPr lang="fr-FR" dirty="0"/>
+          </a:p>
+          <a:p>
             <a:r>
               <a:rPr lang="fr-FR" dirty="0"/>
-              <a:t> est situé dans des structures discrètes du cerveau ;</a:t>
-            </a:r>
-          </a:p>
-          <a:p>
-            <a:r>
-              <a:rPr lang="fr-FR" dirty="0" err="1"/>
-              <a:t>MuSK</a:t>
-            </a:r>
+              <a:t>MuSK est situé dans des structures discrètes du cerveau </a:t>
+            </a:r>
+            <a:r>
+              <a:rPr lang="fr-FR" dirty="0" smtClean="0"/>
+              <a:t>;</a:t>
+            </a:r>
+          </a:p>
+          <a:p>
+            <a:endParaRPr lang="fr-FR" dirty="0"/>
+          </a:p>
+          <a:p>
             <a:r>
               <a:rPr lang="fr-FR" dirty="0"/>
-              <a:t> </a:t>
+              <a:t>MuSK </a:t>
             </a:r>
             <a:r>
               <a:rPr lang="fr-FR" dirty="0" err="1"/>
@@ -8851,35 +8867,34 @@
             </a:r>
             <a:r>
               <a:rPr lang="fr-FR" dirty="0"/>
-              <a:t> avec GFAP (marqueur astrocytaire, coupes et cultures) et avec MAP2 (marqueur dendritique, cultures) ;</a:t>
-            </a:r>
+              <a:t> avec GFAP (marqueur astrocytaire, coupes et cultures) et avec MAP2 (marqueur dendritique, cultures) </a:t>
+            </a:r>
+            <a:r>
+              <a:rPr lang="fr-FR" dirty="0" smtClean="0"/>
+              <a:t>;</a:t>
+            </a:r>
+          </a:p>
+          <a:p>
+            <a:endParaRPr lang="fr-FR" dirty="0"/>
           </a:p>
           <a:p>
             <a:r>
               <a:rPr lang="fr-FR" dirty="0"/>
-              <a:t>La spécificité du marquage reste à confirmer ;</a:t>
-            </a:r>
-          </a:p>
-          <a:p>
-            <a:r>
-              <a:rPr lang="fr-FR" dirty="0" err="1"/>
-              <a:t>MuSK</a:t>
-            </a:r>
+              <a:t>MuSK est plus exprimé dans l’hippocampe Gauche que dans le Droit ou dans le cervelet </a:t>
+            </a:r>
+            <a:r>
+              <a:rPr lang="fr-FR" dirty="0" smtClean="0"/>
+              <a:t>;</a:t>
+            </a:r>
+          </a:p>
+          <a:p>
+            <a:endParaRPr lang="fr-FR" dirty="0"/>
+          </a:p>
+          <a:p>
             <a:r>
               <a:rPr lang="fr-FR" dirty="0"/>
-              <a:t> est plus exprimé dans l’hippocampe Gauche que dans le Droit ou dans le cervelet ;</a:t>
-            </a:r>
-          </a:p>
-          <a:p>
-            <a:r>
-              <a:rPr lang="fr-FR" dirty="0"/>
-              <a:t>Pas d’observations de mutilation chez les mutants durant </a:t>
-            </a:r>
-            <a:r>
-              <a:rPr lang="fr-FR"/>
-              <a:t>mon stage.</a:t>
-            </a:r>
-            <a:endParaRPr lang="fr-FR" dirty="0"/>
+              <a:t>Pas d’observations de mutilation chez les mutants durant mon stage.</a:t>
+            </a:r>
           </a:p>
         </p:txBody>
       </p:sp>
@@ -8974,15 +8989,45 @@
           <a:p>
             <a:r>
               <a:rPr lang="fr-FR" dirty="0"/>
-              <a:t>Voir si MuSK et LRP4 sont exprimés par les mêmes cellules astrocytaires, si la signalisation de MuSK passe aussi par LRP4 et l’</a:t>
-            </a:r>
-            <a:r>
-              <a:rPr lang="fr-FR" dirty="0" err="1"/>
+              <a:t>Voir si MuSK et LRP4 sont exprimés par les mêmes cellules astrocytaires, si la signalisation de MuSK passe aussi par LRP4 et </a:t>
+            </a:r>
+            <a:r>
+              <a:rPr lang="fr-FR" dirty="0" smtClean="0"/>
+              <a:t>l’</a:t>
+            </a:r>
+            <a:r>
+              <a:rPr lang="fr-FR" dirty="0" err="1" smtClean="0"/>
               <a:t>agrine</a:t>
             </a:r>
             <a:r>
+              <a:rPr lang="fr-FR" dirty="0" smtClean="0"/>
+              <a:t> ;</a:t>
+            </a:r>
+            <a:endParaRPr lang="fr-FR" dirty="0"/>
+          </a:p>
+          <a:p>
+            <a:endParaRPr lang="fr-FR" dirty="0"/>
+          </a:p>
+          <a:p>
+            <a:r>
               <a:rPr lang="fr-FR" dirty="0"/>
-              <a:t>;</a:t>
+              <a:t>Etudier l’évolution de l’expression de </a:t>
+            </a:r>
+            <a:r>
+              <a:rPr lang="fr-FR" dirty="0" smtClean="0"/>
+              <a:t>MuSK et de </a:t>
+            </a:r>
+            <a:r>
+              <a:rPr lang="en-US" dirty="0" err="1"/>
+              <a:t>MuSKΔCRD</a:t>
+            </a:r>
+            <a:r>
+              <a:rPr lang="fr-FR" dirty="0" smtClean="0"/>
+              <a:t> </a:t>
+            </a:r>
+            <a:r>
+              <a:rPr lang="fr-FR" dirty="0"/>
+              <a:t>dans les différentes structures au cours du développement ;</a:t>
             </a:r>
           </a:p>
           <a:p>
@@ -8991,16 +9036,15 @@
           <a:p>
             <a:r>
               <a:rPr lang="fr-FR" dirty="0"/>
-              <a:t>Etudier l’évolution de l’expression de MuSK dans les différentes structures au cours du développement ;</a:t>
-            </a:r>
-          </a:p>
-          <a:p>
-            <a:endParaRPr lang="fr-FR" dirty="0"/>
-          </a:p>
-          <a:p>
+              <a:t>Réaliser des tests comportementaux sur la souris </a:t>
+            </a:r>
+            <a:r>
+              <a:rPr lang="fr-FR" dirty="0" smtClean="0"/>
+              <a:t>mutante, </a:t>
+            </a:r>
             <a:r>
               <a:rPr lang="fr-FR" dirty="0"/>
-              <a:t>Réaliser des tests comportementaux sur la souris mutantes, en collaboration avec une plateforme spécialisée de l’ICM, pour observer la mémoire spatiale, l’anxiété, et le stress des animaux mutants.</a:t>
+              <a:t>en collaboration avec une plateforme spécialisée de l’ICM, pour observer la mémoire spatiale, l’anxiété, et le stress des animaux mutants.</a:t>
             </a:r>
           </a:p>
           <a:p>
@@ -9313,7 +9357,7 @@
         <p:spPr>
           <a:xfrm>
             <a:off x="1369002" y="5805264"/>
-            <a:ext cx="5119548" cy="1043875"/>
+            <a:ext cx="5191170" cy="1043875"/>
           </a:xfrm>
           <a:prstGeom prst="rect">
             <a:avLst/>
@@ -9332,8 +9376,8 @@
               </a:lnSpc>
             </a:pPr>
             <a:r>
-              <a:rPr lang="en-US" sz="1400" b="1" dirty="0"/>
-              <a:t>Mutant </a:t>
+              <a:rPr lang="en-US" sz="1400" b="1" dirty="0" smtClean="0"/>
+              <a:t>Mutants </a:t>
             </a:r>
             <a:r>
               <a:rPr lang="en-US" sz="1400" b="1" dirty="0" err="1"/>
@@ -9379,12 +9423,12 @@
               <a:t>Pas de variation de la </a:t>
             </a:r>
             <a:r>
-              <a:rPr lang="en-US" sz="1400" b="1" dirty="0" err="1"/>
-              <a:t>disctance</a:t>
+              <a:rPr lang="en-US" sz="1400" b="1" dirty="0" smtClean="0"/>
+              <a:t>distance </a:t>
             </a:r>
             <a:r>
               <a:rPr lang="en-US" sz="1400" b="1" dirty="0"/>
-              <a:t> (pas </a:t>
+              <a:t>(pas </a:t>
             </a:r>
             <a:r>
               <a:rPr lang="en-US" sz="1400" b="1" dirty="0" err="1"/>
@@ -9434,6 +9478,37 @@
               <a:t>LiCl</a:t>
             </a:r>
             <a:endParaRPr lang="en-US" sz="1400" b="1" dirty="0"/>
+          </a:p>
+        </p:txBody>
+      </p:sp>
+      <p:sp>
+        <p:nvSpPr>
+          <p:cNvPr id="4" name="ZoneTexte 3"/>
+          <p:cNvSpPr txBox="1"/>
+          <p:nvPr/>
+        </p:nvSpPr>
+        <p:spPr>
+          <a:xfrm>
+            <a:off x="7740352" y="6581001"/>
+            <a:ext cx="1403648" cy="276999"/>
+          </a:xfrm>
+          <a:prstGeom prst="rect">
+            <a:avLst/>
+          </a:prstGeom>
+          <a:noFill/>
+        </p:spPr>
+        <p:txBody>
+          <a:bodyPr wrap="square" rtlCol="0">
+            <a:spAutoFit/>
+          </a:bodyPr>
+          <a:lstStyle/>
+          <a:p>
+            <a:pPr algn="r"/>
+            <a:r>
+              <a:rPr lang="fr-FR" sz="1200" dirty="0" smtClean="0"/>
+              <a:t>n = 7 (par groupes)</a:t>
+            </a:r>
+            <a:endParaRPr lang="fr-FR" sz="1200" dirty="0"/>
           </a:p>
         </p:txBody>
       </p:sp>
@@ -9563,10 +9638,12 @@
           <a:p>
             <a:r>
               <a:rPr lang="fr-FR" dirty="0"/>
-              <a:t>Présence dans le SNC, mais fonctions mal connues ;</a:t>
-            </a:r>
-          </a:p>
-          <a:p>
+              <a:t>Présence dans le SNC, mais fonctions </a:t>
+            </a:r>
+            <a:r>
+              <a:rPr lang="fr-FR" dirty="0" smtClean="0"/>
+              <a:t>obscurs.</a:t>
+            </a:r>
             <a:endParaRPr lang="fr-FR" dirty="0"/>
           </a:p>
         </p:txBody>
@@ -9679,46 +9756,19 @@
         </p:spPr>
         <p:txBody>
           <a:bodyPr>
-            <a:normAutofit fontScale="77500" lnSpcReduction="20000"/>
+            <a:normAutofit fontScale="85000" lnSpcReduction="10000"/>
           </a:bodyPr>
           <a:lstStyle/>
           <a:p>
             <a:r>
               <a:rPr lang="fr-FR" dirty="0"/>
-              <a:t>Glycoprotéines sécrétées de 40kDa, impliquées dans divers processus développementaux au travers de plusieurs voies de signalisation (canonique par la β-</a:t>
-            </a:r>
-            <a:r>
-              <a:rPr lang="fr-FR" dirty="0" err="1"/>
-              <a:t>catenin</a:t>
-            </a:r>
-            <a:r>
-              <a:rPr lang="fr-FR" dirty="0"/>
-              <a:t>, </a:t>
-            </a:r>
-            <a:r>
-              <a:rPr lang="fr-FR" dirty="0" err="1"/>
-              <a:t>Planar</a:t>
-            </a:r>
-            <a:r>
-              <a:rPr lang="fr-FR" dirty="0"/>
-              <a:t> </a:t>
-            </a:r>
-            <a:r>
-              <a:rPr lang="fr-FR" dirty="0" err="1"/>
-              <a:t>Cell</a:t>
-            </a:r>
-            <a:r>
-              <a:rPr lang="fr-FR" dirty="0"/>
-              <a:t> </a:t>
-            </a:r>
-            <a:r>
-              <a:rPr lang="fr-FR" dirty="0" err="1"/>
-              <a:t>Polarity</a:t>
-            </a:r>
-            <a:r>
-              <a:rPr lang="fr-FR" dirty="0"/>
-              <a:t> et Wnt/Calcium principalement) ;</a:t>
-            </a:r>
+              <a:t>Glycoprotéines sécrétées de 40kDa, impliquées dans divers processus développementaux au travers de plusieurs voies de </a:t>
+            </a:r>
+            <a:r>
+              <a:rPr lang="fr-FR" dirty="0" smtClean="0"/>
+              <a:t>signalisation ;</a:t>
+            </a:r>
+            <a:endParaRPr lang="fr-FR" dirty="0"/>
           </a:p>
           <a:p>
             <a:r>
@@ -9742,8 +9792,12 @@
           </a:p>
           <a:p>
             <a:r>
+              <a:rPr lang="fr-FR" i="1" dirty="0"/>
+              <a:t>In vitro</a:t>
+            </a:r>
+            <a:r>
               <a:rPr lang="fr-FR" dirty="0"/>
-              <a:t>In vitro, plusieurs </a:t>
+              <a:t>, plusieurs </a:t>
             </a:r>
             <a:r>
               <a:rPr lang="fr-FR" dirty="0" err="1"/>
@@ -9805,7 +9859,7 @@
           <p:cNvPr id="5" name="ZoneTexte 4">
             <a:extLst>
               <a:ext uri="{FF2B5EF4-FFF2-40B4-BE49-F238E27FC236}">
-                <a16:creationId xmlns:a16="http://schemas.microsoft.com/office/drawing/2014/main" id="{56F1A455-3B2D-4E56-8217-42C97271B6A0}"/>
+                <a16:creationId xmlns:a16="http://schemas.microsoft.com/office/drawing/2014/main" xmlns="" id="{56F1A455-3B2D-4E56-8217-42C97271B6A0}"/>
               </a:ext>
             </a:extLst>
           </p:cNvPr>
@@ -9917,7 +9971,7 @@
         </p:spPr>
         <p:txBody>
           <a:bodyPr>
-            <a:normAutofit fontScale="70000" lnSpcReduction="20000"/>
+            <a:normAutofit fontScale="55000" lnSpcReduction="20000"/>
           </a:bodyPr>
           <a:lstStyle/>
           <a:p>
@@ -9931,26 +9985,54 @@
             </a:r>
             <a:r>
               <a:rPr lang="fr-FR" dirty="0"/>
-              <a:t>, qui présentent une altération de la jonction neuromusculaire et des symptômes de myasthénie ;</a:t>
-            </a:r>
+              <a:t>, qui présentent une altération de la jonction neuromusculaire et des symptômes de </a:t>
+            </a:r>
+            <a:r>
+              <a:rPr lang="fr-FR" dirty="0" smtClean="0"/>
+              <a:t>myasthénie congénitale ;</a:t>
+            </a:r>
+          </a:p>
+          <a:p>
+            <a:endParaRPr lang="fr-FR" dirty="0"/>
           </a:p>
           <a:p>
             <a:r>
               <a:rPr lang="fr-FR" dirty="0"/>
-              <a:t>Les souris mutantes ont également des défauts de la mémoire intermédiaire ;</a:t>
-            </a:r>
+              <a:t>Les souris mutantes ont également des défauts de la mémoire intermédiaire </a:t>
+            </a:r>
+            <a:r>
+              <a:rPr lang="fr-FR" dirty="0" smtClean="0"/>
+              <a:t>;</a:t>
+            </a:r>
+          </a:p>
+          <a:p>
+            <a:endParaRPr lang="fr-FR" dirty="0"/>
           </a:p>
           <a:p>
             <a:r>
               <a:rPr lang="fr-FR" dirty="0"/>
-              <a:t>Certains mâles mutants exhibaient des mutilations sur leur dos ;</a:t>
-            </a:r>
+              <a:t>Certains mâles mutants exhibaient des mutilations sur leur dos </a:t>
+            </a:r>
+            <a:r>
+              <a:rPr lang="fr-FR" dirty="0" smtClean="0"/>
+              <a:t>;</a:t>
+            </a:r>
+          </a:p>
+          <a:p>
+            <a:endParaRPr lang="fr-FR" dirty="0"/>
           </a:p>
           <a:p>
             <a:r>
               <a:rPr lang="fr-FR" dirty="0"/>
-              <a:t>MuSK est présent dans l’hippocampe, lieu de formation de la mémoire.</a:t>
-            </a:r>
+              <a:t>MuSK est présent dans l’hippocampe, lieu de formation de la </a:t>
+            </a:r>
+            <a:r>
+              <a:rPr lang="fr-FR" dirty="0" smtClean="0"/>
+              <a:t>mémoire ;</a:t>
+            </a:r>
+          </a:p>
+          <a:p>
+            <a:endParaRPr lang="fr-FR" dirty="0"/>
           </a:p>
           <a:p>
             <a:r>
@@ -9979,8 +10061,8 @@
         </p:blipFill>
         <p:spPr>
           <a:xfrm>
-            <a:off x="5652120" y="1600200"/>
-            <a:ext cx="3158974" cy="2367472"/>
+            <a:off x="5508104" y="1600200"/>
+            <a:ext cx="3302990" cy="2475404"/>
           </a:xfrm>
           <a:prstGeom prst="rect">
             <a:avLst/>
@@ -9992,7 +10074,7 @@
           <p:cNvPr id="5" name="Image 4" descr="Musk hippocampus brain.jpg">
             <a:extLst>
               <a:ext uri="{FF2B5EF4-FFF2-40B4-BE49-F238E27FC236}">
-                <a16:creationId xmlns:a16="http://schemas.microsoft.com/office/drawing/2014/main" id="{A29FA86E-09E7-4358-9807-37EF6C2CBD1D}"/>
+                <a16:creationId xmlns:a16="http://schemas.microsoft.com/office/drawing/2014/main" xmlns="" id="{A29FA86E-09E7-4358-9807-37EF6C2CBD1D}"/>
               </a:ext>
             </a:extLst>
           </p:cNvPr>
@@ -10009,7 +10091,7 @@
         </p:blipFill>
         <p:spPr>
           <a:xfrm>
-            <a:off x="5235325" y="4076291"/>
+            <a:off x="5220072" y="4149080"/>
             <a:ext cx="3816424" cy="2476021"/>
           </a:xfrm>
           <a:prstGeom prst="rect">
@@ -10318,7 +10400,7 @@
           <p:cNvPr id="2" name="Titre 1">
             <a:extLst>
               <a:ext uri="{FF2B5EF4-FFF2-40B4-BE49-F238E27FC236}">
-                <a16:creationId xmlns:a16="http://schemas.microsoft.com/office/drawing/2014/main" id="{FBE57705-2B49-4416-9E04-C2F0DE057863}"/>
+                <a16:creationId xmlns:a16="http://schemas.microsoft.com/office/drawing/2014/main" xmlns="" id="{FBE57705-2B49-4416-9E04-C2F0DE057863}"/>
               </a:ext>
             </a:extLst>
           </p:cNvPr>
@@ -10353,7 +10435,7 @@
           <p:cNvPr id="6" name="ZoneTexte 5">
             <a:extLst>
               <a:ext uri="{FF2B5EF4-FFF2-40B4-BE49-F238E27FC236}">
-                <a16:creationId xmlns:a16="http://schemas.microsoft.com/office/drawing/2014/main" id="{2E5495EE-CD33-48CE-AD2F-A53384757289}"/>
+                <a16:creationId xmlns:a16="http://schemas.microsoft.com/office/drawing/2014/main" xmlns="" id="{2E5495EE-CD33-48CE-AD2F-A53384757289}"/>
               </a:ext>
             </a:extLst>
           </p:cNvPr>
@@ -10389,7 +10471,7 @@
           <p:cNvPr id="7" name="ZoneTexte 6">
             <a:extLst>
               <a:ext uri="{FF2B5EF4-FFF2-40B4-BE49-F238E27FC236}">
-                <a16:creationId xmlns:a16="http://schemas.microsoft.com/office/drawing/2014/main" id="{E2D18DE9-0686-4AD9-959C-73D0B5F9A438}"/>
+                <a16:creationId xmlns:a16="http://schemas.microsoft.com/office/drawing/2014/main" xmlns="" id="{E2D18DE9-0686-4AD9-959C-73D0B5F9A438}"/>
               </a:ext>
             </a:extLst>
           </p:cNvPr>
@@ -10425,7 +10507,7 @@
           <p:cNvPr id="8" name="ZoneTexte 7">
             <a:extLst>
               <a:ext uri="{FF2B5EF4-FFF2-40B4-BE49-F238E27FC236}">
-                <a16:creationId xmlns:a16="http://schemas.microsoft.com/office/drawing/2014/main" id="{4E43770E-09C2-470B-898F-3DB6A89B9533}"/>
+                <a16:creationId xmlns:a16="http://schemas.microsoft.com/office/drawing/2014/main" xmlns="" id="{4E43770E-09C2-470B-898F-3DB6A89B9533}"/>
               </a:ext>
             </a:extLst>
           </p:cNvPr>
@@ -10460,7 +10542,7 @@
           <p:cNvPr id="9" name="ZoneTexte 8">
             <a:extLst>
               <a:ext uri="{FF2B5EF4-FFF2-40B4-BE49-F238E27FC236}">
-                <a16:creationId xmlns:a16="http://schemas.microsoft.com/office/drawing/2014/main" id="{EBED4ED7-9FF5-4C66-850B-090E98A985D2}"/>
+                <a16:creationId xmlns:a16="http://schemas.microsoft.com/office/drawing/2014/main" xmlns="" id="{EBED4ED7-9FF5-4C66-850B-090E98A985D2}"/>
               </a:ext>
             </a:extLst>
           </p:cNvPr>
@@ -10525,7 +10607,7 @@
           <p:cNvPr id="20" name="Espace réservé du contenu 19">
             <a:extLst>
               <a:ext uri="{FF2B5EF4-FFF2-40B4-BE49-F238E27FC236}">
-                <a16:creationId xmlns:a16="http://schemas.microsoft.com/office/drawing/2014/main" id="{15CE8566-8527-4A0E-8614-51A0ED8FB14E}"/>
+                <a16:creationId xmlns:a16="http://schemas.microsoft.com/office/drawing/2014/main" xmlns="" id="{15CE8566-8527-4A0E-8614-51A0ED8FB14E}"/>
               </a:ext>
             </a:extLst>
           </p:cNvPr>
@@ -10560,7 +10642,7 @@
           <p:cNvPr id="22" name="Image 21">
             <a:extLst>
               <a:ext uri="{FF2B5EF4-FFF2-40B4-BE49-F238E27FC236}">
-                <a16:creationId xmlns:a16="http://schemas.microsoft.com/office/drawing/2014/main" id="{3DEFDE98-492B-4F23-B698-028F185D1EB6}"/>
+                <a16:creationId xmlns:a16="http://schemas.microsoft.com/office/drawing/2014/main" xmlns="" id="{3DEFDE98-492B-4F23-B698-028F185D1EB6}"/>
               </a:ext>
             </a:extLst>
           </p:cNvPr>
@@ -10596,7 +10678,7 @@
           <p:cNvPr id="24" name="Image 23">
             <a:extLst>
               <a:ext uri="{FF2B5EF4-FFF2-40B4-BE49-F238E27FC236}">
-                <a16:creationId xmlns:a16="http://schemas.microsoft.com/office/drawing/2014/main" id="{BF6A760E-7A28-4047-B813-6351E0912B26}"/>
+                <a16:creationId xmlns:a16="http://schemas.microsoft.com/office/drawing/2014/main" xmlns="" id="{BF6A760E-7A28-4047-B813-6351E0912B26}"/>
               </a:ext>
             </a:extLst>
           </p:cNvPr>
@@ -10632,7 +10714,7 @@
           <p:cNvPr id="26" name="Image 25">
             <a:extLst>
               <a:ext uri="{FF2B5EF4-FFF2-40B4-BE49-F238E27FC236}">
-                <a16:creationId xmlns:a16="http://schemas.microsoft.com/office/drawing/2014/main" id="{EA74F93E-8629-471D-9E71-A20CFD5718A5}"/>
+                <a16:creationId xmlns:a16="http://schemas.microsoft.com/office/drawing/2014/main" xmlns="" id="{EA74F93E-8629-471D-9E71-A20CFD5718A5}"/>
               </a:ext>
             </a:extLst>
           </p:cNvPr>
@@ -10668,7 +10750,7 @@
           <p:cNvPr id="27" name="ZoneTexte 26">
             <a:extLst>
               <a:ext uri="{FF2B5EF4-FFF2-40B4-BE49-F238E27FC236}">
-                <a16:creationId xmlns:a16="http://schemas.microsoft.com/office/drawing/2014/main" id="{94E0E426-BB4D-4969-A35A-DA2F70A1635A}"/>
+                <a16:creationId xmlns:a16="http://schemas.microsoft.com/office/drawing/2014/main" xmlns="" id="{94E0E426-BB4D-4969-A35A-DA2F70A1635A}"/>
               </a:ext>
             </a:extLst>
           </p:cNvPr>
@@ -10733,7 +10815,7 @@
           <p:cNvPr id="2" name="Titre 1">
             <a:extLst>
               <a:ext uri="{FF2B5EF4-FFF2-40B4-BE49-F238E27FC236}">
-                <a16:creationId xmlns:a16="http://schemas.microsoft.com/office/drawing/2014/main" id="{C87BDB23-2D3E-4568-8216-8E5A6F8296EC}"/>
+                <a16:creationId xmlns:a16="http://schemas.microsoft.com/office/drawing/2014/main" xmlns="" id="{C87BDB23-2D3E-4568-8216-8E5A6F8296EC}"/>
               </a:ext>
             </a:extLst>
           </p:cNvPr>
@@ -10766,7 +10848,15 @@
             </a:r>
             <a:r>
               <a:rPr lang="fr-FR" sz="2800" dirty="0"/>
-              <a:t> (soma des neurones).</a:t>
+              <a:t> </a:t>
+            </a:r>
+            <a:r>
+              <a:rPr lang="fr-FR" sz="2800" dirty="0" smtClean="0"/>
+              <a:t>(noyau des </a:t>
+            </a:r>
+            <a:r>
+              <a:rPr lang="fr-FR" sz="2800" dirty="0"/>
+              <a:t>neurones).</a:t>
             </a:r>
           </a:p>
         </p:txBody>
@@ -10776,7 +10866,7 @@
           <p:cNvPr id="13" name="Espace réservé du contenu 12">
             <a:extLst>
               <a:ext uri="{FF2B5EF4-FFF2-40B4-BE49-F238E27FC236}">
-                <a16:creationId xmlns:a16="http://schemas.microsoft.com/office/drawing/2014/main" id="{25A3142E-F1FC-4D42-9908-CD48F0A5822E}"/>
+                <a16:creationId xmlns:a16="http://schemas.microsoft.com/office/drawing/2014/main" xmlns="" id="{25A3142E-F1FC-4D42-9908-CD48F0A5822E}"/>
               </a:ext>
             </a:extLst>
           </p:cNvPr>
@@ -10811,7 +10901,7 @@
           <p:cNvPr id="15" name="Image 14">
             <a:extLst>
               <a:ext uri="{FF2B5EF4-FFF2-40B4-BE49-F238E27FC236}">
-                <a16:creationId xmlns:a16="http://schemas.microsoft.com/office/drawing/2014/main" id="{D73A1D37-B218-4A25-BB26-CAF411AA0294}"/>
+                <a16:creationId xmlns:a16="http://schemas.microsoft.com/office/drawing/2014/main" xmlns="" id="{D73A1D37-B218-4A25-BB26-CAF411AA0294}"/>
               </a:ext>
             </a:extLst>
           </p:cNvPr>
@@ -10847,7 +10937,7 @@
           <p:cNvPr id="17" name="Image 16">
             <a:extLst>
               <a:ext uri="{FF2B5EF4-FFF2-40B4-BE49-F238E27FC236}">
-                <a16:creationId xmlns:a16="http://schemas.microsoft.com/office/drawing/2014/main" id="{DB61AFFC-BEB4-428E-8886-3DEC547D41A9}"/>
+                <a16:creationId xmlns:a16="http://schemas.microsoft.com/office/drawing/2014/main" xmlns="" id="{DB61AFFC-BEB4-428E-8886-3DEC547D41A9}"/>
               </a:ext>
             </a:extLst>
           </p:cNvPr>
@@ -10883,7 +10973,7 @@
           <p:cNvPr id="9" name="ZoneTexte 8">
             <a:extLst>
               <a:ext uri="{FF2B5EF4-FFF2-40B4-BE49-F238E27FC236}">
-                <a16:creationId xmlns:a16="http://schemas.microsoft.com/office/drawing/2014/main" id="{69291CAD-E8B8-44F9-AFB4-ADA7F3D6E078}"/>
+                <a16:creationId xmlns:a16="http://schemas.microsoft.com/office/drawing/2014/main" xmlns="" id="{69291CAD-E8B8-44F9-AFB4-ADA7F3D6E078}"/>
               </a:ext>
             </a:extLst>
           </p:cNvPr>
@@ -10929,7 +11019,7 @@
           <p:cNvPr id="19" name="ZoneTexte 18">
             <a:extLst>
               <a:ext uri="{FF2B5EF4-FFF2-40B4-BE49-F238E27FC236}">
-                <a16:creationId xmlns:a16="http://schemas.microsoft.com/office/drawing/2014/main" id="{A8EA65A0-AF8E-4AB1-8D93-AD8555AEE1F1}"/>
+                <a16:creationId xmlns:a16="http://schemas.microsoft.com/office/drawing/2014/main" xmlns="" id="{A8EA65A0-AF8E-4AB1-8D93-AD8555AEE1F1}"/>
               </a:ext>
             </a:extLst>
           </p:cNvPr>
@@ -10964,7 +11054,7 @@
           <p:cNvPr id="4" name="Image 3">
             <a:extLst>
               <a:ext uri="{FF2B5EF4-FFF2-40B4-BE49-F238E27FC236}">
-                <a16:creationId xmlns:a16="http://schemas.microsoft.com/office/drawing/2014/main" id="{752905A0-411C-4BAB-9C92-53E750F97227}"/>
+                <a16:creationId xmlns:a16="http://schemas.microsoft.com/office/drawing/2014/main" xmlns="" id="{752905A0-411C-4BAB-9C92-53E750F97227}"/>
               </a:ext>
             </a:extLst>
           </p:cNvPr>
@@ -11000,7 +11090,7 @@
           <p:cNvPr id="6" name="Image 5">
             <a:extLst>
               <a:ext uri="{FF2B5EF4-FFF2-40B4-BE49-F238E27FC236}">
-                <a16:creationId xmlns:a16="http://schemas.microsoft.com/office/drawing/2014/main" id="{4007BC50-1B5F-4EC4-96BE-F244DCDEF1AA}"/>
+                <a16:creationId xmlns:a16="http://schemas.microsoft.com/office/drawing/2014/main" xmlns="" id="{4007BC50-1B5F-4EC4-96BE-F244DCDEF1AA}"/>
               </a:ext>
             </a:extLst>
           </p:cNvPr>
@@ -11036,7 +11126,7 @@
           <p:cNvPr id="10" name="Image 9">
             <a:extLst>
               <a:ext uri="{FF2B5EF4-FFF2-40B4-BE49-F238E27FC236}">
-                <a16:creationId xmlns:a16="http://schemas.microsoft.com/office/drawing/2014/main" id="{C070E257-7578-457F-BDAB-2C635FAD9327}"/>
+                <a16:creationId xmlns:a16="http://schemas.microsoft.com/office/drawing/2014/main" xmlns="" id="{C070E257-7578-457F-BDAB-2C635FAD9327}"/>
               </a:ext>
             </a:extLst>
           </p:cNvPr>
@@ -11117,7 +11207,7 @@
           <p:cNvPr id="3" name="ZoneTexte 2">
             <a:extLst>
               <a:ext uri="{FF2B5EF4-FFF2-40B4-BE49-F238E27FC236}">
-                <a16:creationId xmlns:a16="http://schemas.microsoft.com/office/drawing/2014/main" id="{326C436B-382F-4B44-92C1-39F3FDE1E4A3}"/>
+                <a16:creationId xmlns:a16="http://schemas.microsoft.com/office/drawing/2014/main" xmlns="" id="{326C436B-382F-4B44-92C1-39F3FDE1E4A3}"/>
               </a:ext>
             </a:extLst>
           </p:cNvPr>
@@ -11153,7 +11243,7 @@
           <p:cNvPr id="14" name="ZoneTexte 13">
             <a:extLst>
               <a:ext uri="{FF2B5EF4-FFF2-40B4-BE49-F238E27FC236}">
-                <a16:creationId xmlns:a16="http://schemas.microsoft.com/office/drawing/2014/main" id="{D2A7689E-8795-413F-8188-CF8268149CDE}"/>
+                <a16:creationId xmlns:a16="http://schemas.microsoft.com/office/drawing/2014/main" xmlns="" id="{D2A7689E-8795-413F-8188-CF8268149CDE}"/>
               </a:ext>
             </a:extLst>
           </p:cNvPr>
@@ -11189,7 +11279,7 @@
           <p:cNvPr id="16" name="ZoneTexte 15">
             <a:extLst>
               <a:ext uri="{FF2B5EF4-FFF2-40B4-BE49-F238E27FC236}">
-                <a16:creationId xmlns:a16="http://schemas.microsoft.com/office/drawing/2014/main" id="{5B6F63B2-BF66-41DD-BA6E-528346EFE5F5}"/>
+                <a16:creationId xmlns:a16="http://schemas.microsoft.com/office/drawing/2014/main" xmlns="" id="{5B6F63B2-BF66-41DD-BA6E-528346EFE5F5}"/>
               </a:ext>
             </a:extLst>
           </p:cNvPr>
@@ -11255,7 +11345,7 @@
           <p:cNvPr id="2" name="Titre 1">
             <a:extLst>
               <a:ext uri="{FF2B5EF4-FFF2-40B4-BE49-F238E27FC236}">
-                <a16:creationId xmlns:a16="http://schemas.microsoft.com/office/drawing/2014/main" id="{F3A05091-89BC-4DF0-A01A-65B4C0F70C0C}"/>
+                <a16:creationId xmlns:a16="http://schemas.microsoft.com/office/drawing/2014/main" xmlns="" id="{F3A05091-89BC-4DF0-A01A-65B4C0F70C0C}"/>
               </a:ext>
             </a:extLst>
           </p:cNvPr>
@@ -11285,7 +11375,7 @@
           <p:cNvPr id="5" name="Espace réservé du contenu 4">
             <a:extLst>
               <a:ext uri="{FF2B5EF4-FFF2-40B4-BE49-F238E27FC236}">
-                <a16:creationId xmlns:a16="http://schemas.microsoft.com/office/drawing/2014/main" id="{1DF164E9-54E7-422E-B29F-3B44AE77EE82}"/>
+                <a16:creationId xmlns:a16="http://schemas.microsoft.com/office/drawing/2014/main" xmlns="" id="{1DF164E9-54E7-422E-B29F-3B44AE77EE82}"/>
               </a:ext>
             </a:extLst>
           </p:cNvPr>
@@ -11320,7 +11410,7 @@
           <p:cNvPr id="7" name="Image 6">
             <a:extLst>
               <a:ext uri="{FF2B5EF4-FFF2-40B4-BE49-F238E27FC236}">
-                <a16:creationId xmlns:a16="http://schemas.microsoft.com/office/drawing/2014/main" id="{84ED406A-6FF9-4525-AB98-7E0E0A848FBB}"/>
+                <a16:creationId xmlns:a16="http://schemas.microsoft.com/office/drawing/2014/main" xmlns="" id="{84ED406A-6FF9-4525-AB98-7E0E0A848FBB}"/>
               </a:ext>
             </a:extLst>
           </p:cNvPr>
@@ -11356,7 +11446,7 @@
           <p:cNvPr id="6" name="ZoneTexte 5">
             <a:extLst>
               <a:ext uri="{FF2B5EF4-FFF2-40B4-BE49-F238E27FC236}">
-                <a16:creationId xmlns:a16="http://schemas.microsoft.com/office/drawing/2014/main" id="{63BF0684-ED98-4B91-B63C-63FF7799B27B}"/>
+                <a16:creationId xmlns:a16="http://schemas.microsoft.com/office/drawing/2014/main" xmlns="" id="{63BF0684-ED98-4B91-B63C-63FF7799B27B}"/>
               </a:ext>
             </a:extLst>
           </p:cNvPr>
@@ -11577,7 +11667,7 @@
           <p:cNvPr id="2" name="Titre 1">
             <a:extLst>
               <a:ext uri="{FF2B5EF4-FFF2-40B4-BE49-F238E27FC236}">
-                <a16:creationId xmlns:a16="http://schemas.microsoft.com/office/drawing/2014/main" id="{F3A05091-89BC-4DF0-A01A-65B4C0F70C0C}"/>
+                <a16:creationId xmlns:a16="http://schemas.microsoft.com/office/drawing/2014/main" xmlns="" id="{F3A05091-89BC-4DF0-A01A-65B4C0F70C0C}"/>
               </a:ext>
             </a:extLst>
           </p:cNvPr>
@@ -11612,7 +11702,7 @@
           <p:cNvPr id="8" name="Image 7">
             <a:extLst>
               <a:ext uri="{FF2B5EF4-FFF2-40B4-BE49-F238E27FC236}">
-                <a16:creationId xmlns:a16="http://schemas.microsoft.com/office/drawing/2014/main" id="{C57132B0-959C-4B55-81CD-3EB39FD6A9A3}"/>
+                <a16:creationId xmlns:a16="http://schemas.microsoft.com/office/drawing/2014/main" xmlns="" id="{C57132B0-959C-4B55-81CD-3EB39FD6A9A3}"/>
               </a:ext>
             </a:extLst>
           </p:cNvPr>
@@ -11645,10 +11735,10 @@
       </p:pic>
       <p:pic>
         <p:nvPicPr>
-          <p:cNvPr id="10" name="Image 9">
+          <p:cNvPr id="12" name="Image 11">
             <a:extLst>
               <a:ext uri="{FF2B5EF4-FFF2-40B4-BE49-F238E27FC236}">
-                <a16:creationId xmlns:a16="http://schemas.microsoft.com/office/drawing/2014/main" id="{C7D8930E-E7A6-409B-B7EE-5122E8027F64}"/>
+                <a16:creationId xmlns:a16="http://schemas.microsoft.com/office/drawing/2014/main" xmlns="" id="{40DB69A2-F1F9-4AF5-B263-56FA31C45926}"/>
               </a:ext>
             </a:extLst>
           </p:cNvPr>
@@ -11671,7 +11761,7 @@
         </p:blipFill>
         <p:spPr>
           <a:xfrm>
-            <a:off x="3350731" y="1484784"/>
+            <a:off x="6521950" y="1484230"/>
             <a:ext cx="2442538" cy="2442538"/>
           </a:xfrm>
           <a:prstGeom prst="rect">
@@ -11681,10 +11771,10 @@
       </p:pic>
       <p:pic>
         <p:nvPicPr>
-          <p:cNvPr id="12" name="Image 11">
+          <p:cNvPr id="14" name="Image 13">
             <a:extLst>
               <a:ext uri="{FF2B5EF4-FFF2-40B4-BE49-F238E27FC236}">
-                <a16:creationId xmlns:a16="http://schemas.microsoft.com/office/drawing/2014/main" id="{40DB69A2-F1F9-4AF5-B263-56FA31C45926}"/>
+                <a16:creationId xmlns:a16="http://schemas.microsoft.com/office/drawing/2014/main" xmlns="" id="{E7A4230C-2550-426A-A956-13036563F62A}"/>
               </a:ext>
             </a:extLst>
           </p:cNvPr>
@@ -11707,7 +11797,7 @@
         </p:blipFill>
         <p:spPr>
           <a:xfrm>
-            <a:off x="6521950" y="1484230"/>
+            <a:off x="179512" y="1484230"/>
             <a:ext cx="2442538" cy="2442538"/>
           </a:xfrm>
           <a:prstGeom prst="rect">
@@ -11717,10 +11807,10 @@
       </p:pic>
       <p:pic>
         <p:nvPicPr>
-          <p:cNvPr id="14" name="Image 13">
+          <p:cNvPr id="16" name="Image 15">
             <a:extLst>
               <a:ext uri="{FF2B5EF4-FFF2-40B4-BE49-F238E27FC236}">
-                <a16:creationId xmlns:a16="http://schemas.microsoft.com/office/drawing/2014/main" id="{E7A4230C-2550-426A-A956-13036563F62A}"/>
+                <a16:creationId xmlns:a16="http://schemas.microsoft.com/office/drawing/2014/main" xmlns="" id="{D0559E8D-BABF-426C-89B6-18E21208EC86}"/>
               </a:ext>
             </a:extLst>
           </p:cNvPr>
@@ -11743,7 +11833,7 @@
         </p:blipFill>
         <p:spPr>
           <a:xfrm>
-            <a:off x="179512" y="1484230"/>
+            <a:off x="5145224" y="4292542"/>
             <a:ext cx="2442538" cy="2442538"/>
           </a:xfrm>
           <a:prstGeom prst="rect">
@@ -11751,22 +11841,214 @@
           </a:prstGeom>
         </p:spPr>
       </p:pic>
-      <p:pic>
-        <p:nvPicPr>
-          <p:cNvPr id="16" name="Image 15">
+      <p:sp>
+        <p:nvSpPr>
+          <p:cNvPr id="9" name="ZoneTexte 8">
             <a:extLst>
               <a:ext uri="{FF2B5EF4-FFF2-40B4-BE49-F238E27FC236}">
-                <a16:creationId xmlns:a16="http://schemas.microsoft.com/office/drawing/2014/main" id="{D0559E8D-BABF-426C-89B6-18E21208EC86}"/>
+                <a16:creationId xmlns:a16="http://schemas.microsoft.com/office/drawing/2014/main" xmlns="" id="{63BF0684-ED98-4B91-B63C-63FF7799B27B}"/>
               </a:ext>
             </a:extLst>
           </p:cNvPr>
+          <p:cNvSpPr txBox="1"/>
+          <p:nvPr/>
+        </p:nvSpPr>
+        <p:spPr>
+          <a:xfrm>
+            <a:off x="7705151" y="6611779"/>
+            <a:ext cx="1440160" cy="246221"/>
+          </a:xfrm>
+          <a:prstGeom prst="rect">
+            <a:avLst/>
+          </a:prstGeom>
+          <a:noFill/>
+        </p:spPr>
+        <p:txBody>
+          <a:bodyPr wrap="square" rtlCol="0">
+            <a:spAutoFit/>
+          </a:bodyPr>
+          <a:lstStyle/>
+          <a:p>
+            <a:r>
+              <a:rPr lang="fr-FR" sz="1000" dirty="0"/>
+              <a:t>Barre d’échelle : 50µm</a:t>
+            </a:r>
+          </a:p>
+        </p:txBody>
+      </p:sp>
+      <p:sp>
+        <p:nvSpPr>
+          <p:cNvPr id="3" name="ZoneTexte 2"/>
+          <p:cNvSpPr txBox="1"/>
+          <p:nvPr/>
+        </p:nvSpPr>
+        <p:spPr>
+          <a:xfrm>
+            <a:off x="179512" y="1195644"/>
+            <a:ext cx="2442538" cy="276999"/>
+          </a:xfrm>
+          <a:prstGeom prst="rect">
+            <a:avLst/>
+          </a:prstGeom>
+          <a:noFill/>
+        </p:spPr>
+        <p:txBody>
+          <a:bodyPr wrap="square" rtlCol="0">
+            <a:spAutoFit/>
+          </a:bodyPr>
+          <a:lstStyle/>
+          <a:p>
+            <a:pPr algn="ctr"/>
+            <a:r>
+              <a:rPr lang="fr-FR" sz="1200" dirty="0"/>
+              <a:t>Gyrus Denté</a:t>
+            </a:r>
+          </a:p>
+        </p:txBody>
+      </p:sp>
+      <p:sp>
+        <p:nvSpPr>
+          <p:cNvPr id="11" name="ZoneTexte 10"/>
+          <p:cNvSpPr txBox="1"/>
+          <p:nvPr/>
+        </p:nvSpPr>
+        <p:spPr>
+          <a:xfrm>
+            <a:off x="3345024" y="1196198"/>
+            <a:ext cx="2442538" cy="276999"/>
+          </a:xfrm>
+          <a:prstGeom prst="rect">
+            <a:avLst/>
+          </a:prstGeom>
+          <a:noFill/>
+        </p:spPr>
+        <p:txBody>
+          <a:bodyPr wrap="square" rtlCol="0">
+            <a:spAutoFit/>
+          </a:bodyPr>
+          <a:lstStyle/>
+          <a:p>
+            <a:pPr algn="ctr"/>
+            <a:r>
+              <a:rPr lang="fr-FR" sz="1200" dirty="0"/>
+              <a:t>CA1</a:t>
+            </a:r>
+          </a:p>
+        </p:txBody>
+      </p:sp>
+      <p:sp>
+        <p:nvSpPr>
+          <p:cNvPr id="13" name="ZoneTexte 12"/>
+          <p:cNvSpPr txBox="1"/>
+          <p:nvPr/>
+        </p:nvSpPr>
+        <p:spPr>
+          <a:xfrm>
+            <a:off x="6552728" y="1196198"/>
+            <a:ext cx="2411760" cy="276999"/>
+          </a:xfrm>
+          <a:prstGeom prst="rect">
+            <a:avLst/>
+          </a:prstGeom>
+          <a:noFill/>
+        </p:spPr>
+        <p:txBody>
+          <a:bodyPr wrap="square" rtlCol="0">
+            <a:spAutoFit/>
+          </a:bodyPr>
+          <a:lstStyle/>
+          <a:p>
+            <a:pPr algn="ctr"/>
+            <a:r>
+              <a:rPr lang="fr-FR" sz="1200" dirty="0"/>
+              <a:t>Corps Calleux</a:t>
+            </a:r>
+          </a:p>
+        </p:txBody>
+      </p:sp>
+      <p:sp>
+        <p:nvSpPr>
+          <p:cNvPr id="15" name="ZoneTexte 14"/>
+          <p:cNvSpPr txBox="1"/>
+          <p:nvPr/>
+        </p:nvSpPr>
+        <p:spPr>
+          <a:xfrm>
+            <a:off x="1688840" y="4004510"/>
+            <a:ext cx="2442538" cy="276999"/>
+          </a:xfrm>
+          <a:prstGeom prst="rect">
+            <a:avLst/>
+          </a:prstGeom>
+          <a:noFill/>
+        </p:spPr>
+        <p:txBody>
+          <a:bodyPr wrap="square" rtlCol="0">
+            <a:spAutoFit/>
+          </a:bodyPr>
+          <a:lstStyle/>
+          <a:p>
+            <a:pPr algn="ctr"/>
+            <a:r>
+              <a:rPr lang="fr-FR" sz="1200" dirty="0" err="1"/>
+              <a:t>Habenula</a:t>
+            </a:r>
+            <a:r>
+              <a:rPr lang="fr-FR" sz="1200" dirty="0"/>
+              <a:t> médiale</a:t>
+            </a:r>
+          </a:p>
+        </p:txBody>
+      </p:sp>
+      <p:sp>
+        <p:nvSpPr>
+          <p:cNvPr id="17" name="ZoneTexte 16"/>
+          <p:cNvSpPr txBox="1"/>
+          <p:nvPr/>
+        </p:nvSpPr>
+        <p:spPr>
+          <a:xfrm>
+            <a:off x="5145224" y="4004510"/>
+            <a:ext cx="2088232" cy="276999"/>
+          </a:xfrm>
+          <a:prstGeom prst="rect">
+            <a:avLst/>
+          </a:prstGeom>
+          <a:noFill/>
+        </p:spPr>
+        <p:txBody>
+          <a:bodyPr wrap="square" rtlCol="0">
+            <a:spAutoFit/>
+          </a:bodyPr>
+          <a:lstStyle/>
+          <a:p>
+            <a:pPr algn="ctr"/>
+            <a:r>
+              <a:rPr lang="fr-FR" sz="1200" dirty="0" err="1"/>
+              <a:t>Fasciculus</a:t>
+            </a:r>
+            <a:r>
+              <a:rPr lang="fr-FR" sz="1200" dirty="0"/>
+              <a:t> </a:t>
+            </a:r>
+            <a:r>
+              <a:rPr lang="fr-FR" sz="1200" dirty="0" err="1"/>
+              <a:t>retroflexus</a:t>
+            </a:r>
+            <a:endParaRPr lang="fr-FR" sz="1200" dirty="0"/>
+          </a:p>
+        </p:txBody>
+      </p:sp>
+      <p:pic>
+        <p:nvPicPr>
+          <p:cNvPr id="4" name="Image 3" descr="MuSK_ca1_50um.jpg"/>
           <p:cNvPicPr>
             <a:picLocks noChangeAspect="1"/>
           </p:cNvPicPr>
           <p:nvPr/>
         </p:nvPicPr>
         <p:blipFill>
-          <a:blip r:embed="rId7" cstate="print">
+          <a:blip r:embed="rId7">
             <a:extLst>
               <a:ext uri="{28A0092B-C50C-407E-A947-70E740481C1C}">
                 <a14:useLocalDpi xmlns:a14="http://schemas.microsoft.com/office/drawing/2010/main" val="0"/>
@@ -11779,212 +12061,14 @@
         </p:blipFill>
         <p:spPr>
           <a:xfrm>
-            <a:off x="5145224" y="4292542"/>
-            <a:ext cx="2442538" cy="2442538"/>
+            <a:off x="3347864" y="1484784"/>
+            <a:ext cx="2426225" cy="2426225"/>
           </a:xfrm>
           <a:prstGeom prst="rect">
             <a:avLst/>
           </a:prstGeom>
         </p:spPr>
       </p:pic>
-      <p:sp>
-        <p:nvSpPr>
-          <p:cNvPr id="9" name="ZoneTexte 8">
-            <a:extLst>
-              <a:ext uri="{FF2B5EF4-FFF2-40B4-BE49-F238E27FC236}">
-                <a16:creationId xmlns:a16="http://schemas.microsoft.com/office/drawing/2014/main" id="{63BF0684-ED98-4B91-B63C-63FF7799B27B}"/>
-              </a:ext>
-            </a:extLst>
-          </p:cNvPr>
-          <p:cNvSpPr txBox="1"/>
-          <p:nvPr/>
-        </p:nvSpPr>
-        <p:spPr>
-          <a:xfrm>
-            <a:off x="7705151" y="6611779"/>
-            <a:ext cx="1440160" cy="246221"/>
-          </a:xfrm>
-          <a:prstGeom prst="rect">
-            <a:avLst/>
-          </a:prstGeom>
-          <a:noFill/>
-        </p:spPr>
-        <p:txBody>
-          <a:bodyPr wrap="square" rtlCol="0">
-            <a:spAutoFit/>
-          </a:bodyPr>
-          <a:lstStyle/>
-          <a:p>
-            <a:r>
-              <a:rPr lang="fr-FR" sz="1000" dirty="0"/>
-              <a:t>Barre d’échelle : 50µm</a:t>
-            </a:r>
-          </a:p>
-        </p:txBody>
-      </p:sp>
-      <p:sp>
-        <p:nvSpPr>
-          <p:cNvPr id="3" name="ZoneTexte 2"/>
-          <p:cNvSpPr txBox="1"/>
-          <p:nvPr/>
-        </p:nvSpPr>
-        <p:spPr>
-          <a:xfrm>
-            <a:off x="179512" y="1195644"/>
-            <a:ext cx="2442538" cy="276999"/>
-          </a:xfrm>
-          <a:prstGeom prst="rect">
-            <a:avLst/>
-          </a:prstGeom>
-          <a:noFill/>
-        </p:spPr>
-        <p:txBody>
-          <a:bodyPr wrap="square" rtlCol="0">
-            <a:spAutoFit/>
-          </a:bodyPr>
-          <a:lstStyle/>
-          <a:p>
-            <a:pPr algn="ctr"/>
-            <a:r>
-              <a:rPr lang="fr-FR" sz="1200" dirty="0"/>
-              <a:t>Gyrus Denté</a:t>
-            </a:r>
-          </a:p>
-        </p:txBody>
-      </p:sp>
-      <p:sp>
-        <p:nvSpPr>
-          <p:cNvPr id="11" name="ZoneTexte 10"/>
-          <p:cNvSpPr txBox="1"/>
-          <p:nvPr/>
-        </p:nvSpPr>
-        <p:spPr>
-          <a:xfrm>
-            <a:off x="3345024" y="1196198"/>
-            <a:ext cx="2442538" cy="276999"/>
-          </a:xfrm>
-          <a:prstGeom prst="rect">
-            <a:avLst/>
-          </a:prstGeom>
-          <a:noFill/>
-        </p:spPr>
-        <p:txBody>
-          <a:bodyPr wrap="square" rtlCol="0">
-            <a:spAutoFit/>
-          </a:bodyPr>
-          <a:lstStyle/>
-          <a:p>
-            <a:pPr algn="ctr"/>
-            <a:r>
-              <a:rPr lang="fr-FR" sz="1200" dirty="0"/>
-              <a:t>CA1</a:t>
-            </a:r>
-          </a:p>
-        </p:txBody>
-      </p:sp>
-      <p:sp>
-        <p:nvSpPr>
-          <p:cNvPr id="13" name="ZoneTexte 12"/>
-          <p:cNvSpPr txBox="1"/>
-          <p:nvPr/>
-        </p:nvSpPr>
-        <p:spPr>
-          <a:xfrm>
-            <a:off x="6552728" y="1196198"/>
-            <a:ext cx="2411760" cy="276999"/>
-          </a:xfrm>
-          <a:prstGeom prst="rect">
-            <a:avLst/>
-          </a:prstGeom>
-          <a:noFill/>
-        </p:spPr>
-        <p:txBody>
-          <a:bodyPr wrap="square" rtlCol="0">
-            <a:spAutoFit/>
-          </a:bodyPr>
-          <a:lstStyle/>
-          <a:p>
-            <a:pPr algn="ctr"/>
-            <a:r>
-              <a:rPr lang="fr-FR" sz="1200" dirty="0"/>
-              <a:t>Corps Calleux</a:t>
-            </a:r>
-          </a:p>
-        </p:txBody>
-      </p:sp>
-      <p:sp>
-        <p:nvSpPr>
-          <p:cNvPr id="15" name="ZoneTexte 14"/>
-          <p:cNvSpPr txBox="1"/>
-          <p:nvPr/>
-        </p:nvSpPr>
-        <p:spPr>
-          <a:xfrm>
-            <a:off x="1688840" y="4004510"/>
-            <a:ext cx="2442538" cy="276999"/>
-          </a:xfrm>
-          <a:prstGeom prst="rect">
-            <a:avLst/>
-          </a:prstGeom>
-          <a:noFill/>
-        </p:spPr>
-        <p:txBody>
-          <a:bodyPr wrap="square" rtlCol="0">
-            <a:spAutoFit/>
-          </a:bodyPr>
-          <a:lstStyle/>
-          <a:p>
-            <a:pPr algn="ctr"/>
-            <a:r>
-              <a:rPr lang="fr-FR" sz="1200" dirty="0" err="1"/>
-              <a:t>Habenula</a:t>
-            </a:r>
-            <a:r>
-              <a:rPr lang="fr-FR" sz="1200" dirty="0"/>
-              <a:t> médiale</a:t>
-            </a:r>
-          </a:p>
-        </p:txBody>
-      </p:sp>
-      <p:sp>
-        <p:nvSpPr>
-          <p:cNvPr id="17" name="ZoneTexte 16"/>
-          <p:cNvSpPr txBox="1"/>
-          <p:nvPr/>
-        </p:nvSpPr>
-        <p:spPr>
-          <a:xfrm>
-            <a:off x="5145224" y="4004510"/>
-            <a:ext cx="2088232" cy="276999"/>
-          </a:xfrm>
-          <a:prstGeom prst="rect">
-            <a:avLst/>
-          </a:prstGeom>
-          <a:noFill/>
-        </p:spPr>
-        <p:txBody>
-          <a:bodyPr wrap="square" rtlCol="0">
-            <a:spAutoFit/>
-          </a:bodyPr>
-          <a:lstStyle/>
-          <a:p>
-            <a:pPr algn="ctr"/>
-            <a:r>
-              <a:rPr lang="fr-FR" sz="1200" dirty="0" err="1"/>
-              <a:t>Fasciculus</a:t>
-            </a:r>
-            <a:r>
-              <a:rPr lang="fr-FR" sz="1200" dirty="0"/>
-              <a:t> </a:t>
-            </a:r>
-            <a:r>
-              <a:rPr lang="fr-FR" sz="1200" dirty="0" err="1"/>
-              <a:t>retroflexus</a:t>
-            </a:r>
-            <a:endParaRPr lang="fr-FR" sz="1200" dirty="0"/>
-          </a:p>
-        </p:txBody>
-      </p:sp>
     </p:spTree>
     <p:extLst>
       <p:ext uri="{BB962C8B-B14F-4D97-AF65-F5344CB8AC3E}">

--- a/Présentation Oral.pptx
+++ b/Présentation Oral.pptx
@@ -7123,23 +7123,28 @@
             <p:ph type="title"/>
           </p:nvPr>
         </p:nvSpPr>
-        <p:spPr/>
+        <p:spPr>
+          <a:xfrm>
+            <a:off x="467544" y="116632"/>
+            <a:ext cx="8229600" cy="1143000"/>
+          </a:xfrm>
+        </p:spPr>
         <p:txBody>
           <a:bodyPr>
-            <a:normAutofit fontScale="90000"/>
+            <a:normAutofit/>
           </a:bodyPr>
           <a:lstStyle/>
           <a:p>
             <a:r>
-              <a:rPr lang="fr-FR" dirty="0"/>
+              <a:rPr lang="fr-FR" sz="2800" dirty="0"/>
               <a:t>Quelles sont les cellules exprimant </a:t>
             </a:r>
             <a:r>
-              <a:rPr lang="fr-FR" dirty="0" err="1"/>
+              <a:rPr lang="fr-FR" sz="2800" dirty="0" err="1"/>
               <a:t>MuSK</a:t>
             </a:r>
             <a:r>
-              <a:rPr lang="fr-FR" dirty="0"/>
+              <a:rPr lang="fr-FR" sz="2800" dirty="0"/>
               <a:t>?</a:t>
             </a:r>
           </a:p>
@@ -7939,7 +7944,7 @@
         </p:nvSpPr>
         <p:spPr>
           <a:xfrm>
-            <a:off x="0" y="1196752"/>
+            <a:off x="395536" y="1196752"/>
             <a:ext cx="1043608" cy="646331"/>
           </a:xfrm>
           <a:prstGeom prst="rect">
@@ -7968,7 +7973,7 @@
         </p:nvSpPr>
         <p:spPr>
           <a:xfrm>
-            <a:off x="0" y="4725144"/>
+            <a:off x="395536" y="4725144"/>
             <a:ext cx="1115616" cy="646331"/>
           </a:xfrm>
           <a:prstGeom prst="rect">
@@ -8319,20 +8324,20 @@
         </p:spPr>
         <p:txBody>
           <a:bodyPr>
-            <a:normAutofit fontScale="90000"/>
+            <a:normAutofit/>
           </a:bodyPr>
           <a:lstStyle/>
           <a:p>
             <a:r>
-              <a:rPr lang="fr-FR" dirty="0"/>
+              <a:rPr lang="fr-FR" sz="2800" dirty="0"/>
               <a:t>La présence de MuSK est-elle confirmée par </a:t>
             </a:r>
             <a:r>
-              <a:rPr lang="fr-FR" dirty="0" err="1"/>
+              <a:rPr lang="fr-FR" sz="2800" dirty="0" err="1"/>
               <a:t>immunoprécipitation</a:t>
             </a:r>
             <a:r>
-              <a:rPr lang="fr-FR" dirty="0"/>
+              <a:rPr lang="fr-FR" sz="2800" dirty="0"/>
               <a:t> ?</a:t>
             </a:r>
           </a:p>
@@ -8651,12 +8656,12 @@
         </p:spPr>
         <p:txBody>
           <a:bodyPr>
-            <a:normAutofit fontScale="90000"/>
+            <a:noAutofit/>
           </a:bodyPr>
           <a:lstStyle/>
           <a:p>
             <a:r>
-              <a:rPr lang="fr-FR" dirty="0"/>
+              <a:rPr lang="fr-FR" sz="2800" dirty="0"/>
               <a:t>Quel est le niveau d’expression de MuSK dans diverses structures du cerveau ?</a:t>
             </a:r>
           </a:p>
@@ -8690,8 +8695,8 @@
         </p:blipFill>
         <p:spPr>
           <a:xfrm>
-            <a:off x="2407121" y="2204864"/>
-            <a:ext cx="4329757" cy="3232378"/>
+            <a:off x="2267744" y="1916832"/>
+            <a:ext cx="4680520" cy="3494240"/>
           </a:xfrm>
           <a:prstGeom prst="rect">
             <a:avLst/>
@@ -8759,6 +8764,37 @@
               <a:rPr lang="fr-FR" sz="1200" dirty="0"/>
               <a:t>HG : Hippocampe Gauche, HD : Hippocampe Droit, Ct : Cervelet</a:t>
             </a:r>
+          </a:p>
+        </p:txBody>
+      </p:sp>
+      <p:sp>
+        <p:nvSpPr>
+          <p:cNvPr id="6" name="ZoneTexte 5"/>
+          <p:cNvSpPr txBox="1"/>
+          <p:nvPr/>
+        </p:nvSpPr>
+        <p:spPr>
+          <a:xfrm>
+            <a:off x="8244408" y="6453336"/>
+            <a:ext cx="899592" cy="276999"/>
+          </a:xfrm>
+          <a:prstGeom prst="rect">
+            <a:avLst/>
+          </a:prstGeom>
+          <a:noFill/>
+        </p:spPr>
+        <p:txBody>
+          <a:bodyPr wrap="square" rtlCol="0">
+            <a:spAutoFit/>
+          </a:bodyPr>
+          <a:lstStyle/>
+          <a:p>
+            <a:pPr algn="r"/>
+            <a:r>
+              <a:rPr lang="fr-FR" sz="1200" dirty="0" smtClean="0"/>
+              <a:t>* : p&lt;0.05</a:t>
+            </a:r>
+            <a:endParaRPr lang="fr-FR" sz="1200" dirty="0"/>
           </a:p>
         </p:txBody>
       </p:sp>
@@ -9582,14 +9618,21 @@
         </p:spPr>
         <p:txBody>
           <a:bodyPr>
-            <a:normAutofit/>
+            <a:normAutofit fontScale="85000" lnSpcReduction="10000"/>
           </a:bodyPr>
           <a:lstStyle/>
           <a:p>
             <a:r>
               <a:rPr lang="fr-FR" dirty="0"/>
-              <a:t>Maître organisateur de la Jonction Neuromusculaire (JNM) ;</a:t>
-            </a:r>
+              <a:t>Maître organisateur de la Jonction Neuromusculaire (JNM) </a:t>
+            </a:r>
+            <a:r>
+              <a:rPr lang="fr-FR" dirty="0" smtClean="0"/>
+              <a:t>;</a:t>
+            </a:r>
+          </a:p>
+          <a:p>
+            <a:endParaRPr lang="fr-FR" dirty="0"/>
           </a:p>
           <a:p>
             <a:r>
@@ -9598,17 +9641,32 @@
             </a:r>
             <a:r>
               <a:rPr lang="fr-FR" dirty="0" err="1"/>
-              <a:t>Ig-ike</a:t>
+              <a:t>Ig</a:t>
+            </a:r>
+            <a:r>
+              <a:rPr lang="fr-FR" dirty="0" err="1" smtClean="0"/>
+              <a:t>-like</a:t>
             </a:r>
             <a:r>
               <a:rPr lang="fr-FR" dirty="0"/>
-              <a:t>, 1 domaine CRD, 1 domaine kinase ;</a:t>
-            </a:r>
+              <a:t>, 1 domaine CRD, 1 domaine kinase </a:t>
+            </a:r>
+            <a:r>
+              <a:rPr lang="fr-FR" dirty="0" smtClean="0"/>
+              <a:t>;</a:t>
+            </a:r>
+          </a:p>
+          <a:p>
+            <a:endParaRPr lang="fr-FR" dirty="0"/>
           </a:p>
           <a:p>
             <a:r>
               <a:rPr lang="fr-FR" dirty="0"/>
-              <a:t>3 Ligands connus : </a:t>
+              <a:t>3 Ligands </a:t>
+            </a:r>
+            <a:r>
+              <a:rPr lang="fr-FR" dirty="0" smtClean="0"/>
+              <a:t>: </a:t>
             </a:r>
             <a:r>
               <a:rPr lang="fr-FR" dirty="0" err="1"/>
@@ -9632,17 +9690,28 @@
             </a:r>
             <a:r>
               <a:rPr lang="fr-FR" dirty="0"/>
-              <a:t> ;</a:t>
-            </a:r>
-          </a:p>
-          <a:p>
+              <a:t> </a:t>
+            </a:r>
+            <a:r>
+              <a:rPr lang="fr-FR" dirty="0" smtClean="0"/>
+              <a:t>;</a:t>
+            </a:r>
+          </a:p>
+          <a:p>
+            <a:endParaRPr lang="fr-FR" dirty="0"/>
+          </a:p>
+          <a:p>
+            <a:r>
+              <a:rPr lang="fr-FR" dirty="0" smtClean="0"/>
+              <a:t>Présent </a:t>
+            </a:r>
             <a:r>
               <a:rPr lang="fr-FR" dirty="0"/>
-              <a:t>Présence dans le SNC, mais fonctions </a:t>
+              <a:t>dans le SNC, mais </a:t>
             </a:r>
             <a:r>
               <a:rPr lang="fr-FR" dirty="0" smtClean="0"/>
-              <a:t>obscurs.</a:t>
+              <a:t>fonctions toujours obscurs.</a:t>
             </a:r>
             <a:endParaRPr lang="fr-FR" dirty="0"/>
           </a:p>
@@ -9756,25 +9825,42 @@
         </p:spPr>
         <p:txBody>
           <a:bodyPr>
-            <a:normAutofit fontScale="85000" lnSpcReduction="10000"/>
+            <a:normAutofit fontScale="70000" lnSpcReduction="20000"/>
           </a:bodyPr>
           <a:lstStyle/>
           <a:p>
             <a:r>
               <a:rPr lang="fr-FR" dirty="0"/>
-              <a:t>Glycoprotéines sécrétées de 40kDa, impliquées dans divers processus développementaux au travers de plusieurs voies de </a:t>
+              <a:t>Glycoprotéines sécrétées de 40kDa, impliquées dans </a:t>
+            </a:r>
+            <a:r>
+              <a:rPr lang="fr-FR" dirty="0" smtClean="0"/>
+              <a:t>de nombreux processus </a:t>
+            </a:r>
+            <a:r>
+              <a:rPr lang="fr-FR" dirty="0"/>
+              <a:t>développementaux au travers de plusieurs voies de </a:t>
             </a:r>
             <a:r>
               <a:rPr lang="fr-FR" dirty="0" smtClean="0"/>
               <a:t>signalisation ;</a:t>
             </a:r>
+          </a:p>
+          <a:p>
             <a:endParaRPr lang="fr-FR" dirty="0"/>
           </a:p>
           <a:p>
             <a:r>
               <a:rPr lang="fr-FR" dirty="0"/>
-              <a:t>19 membres connus chez l’humain et la souris ;</a:t>
-            </a:r>
+              <a:t>19 membres connus chez l’humain et la souris </a:t>
+            </a:r>
+            <a:r>
+              <a:rPr lang="fr-FR" dirty="0" smtClean="0"/>
+              <a:t>;</a:t>
+            </a:r>
+          </a:p>
+          <a:p>
+            <a:endParaRPr lang="fr-FR" dirty="0"/>
           </a:p>
           <a:p>
             <a:r>
@@ -9787,8 +9873,15 @@
             </a:r>
             <a:r>
               <a:rPr lang="fr-FR" dirty="0"/>
-              <a:t>, mais aussi de RYK, ROR et MuSK ;</a:t>
-            </a:r>
+              <a:t>, mais aussi de RYK, ROR et MuSK </a:t>
+            </a:r>
+            <a:r>
+              <a:rPr lang="fr-FR" dirty="0" smtClean="0"/>
+              <a:t>;</a:t>
+            </a:r>
+          </a:p>
+          <a:p>
+            <a:endParaRPr lang="fr-FR" dirty="0"/>
           </a:p>
           <a:p>
             <a:r>
@@ -9805,15 +9898,15 @@
             </a:r>
             <a:r>
               <a:rPr lang="fr-FR" dirty="0"/>
-              <a:t> (2, 3a, 6, 7b, 9a, 11) lient </a:t>
-            </a:r>
-            <a:r>
-              <a:rPr lang="fr-FR" dirty="0" err="1"/>
-              <a:t>MuSK</a:t>
+              <a:t> (2, 3a, </a:t>
+            </a:r>
+            <a:r>
+              <a:rPr lang="fr-FR" dirty="0" smtClean="0"/>
+              <a:t>4, 6</a:t>
             </a:r>
             <a:r>
               <a:rPr lang="fr-FR" dirty="0"/>
-              <a:t>. Wnt4, 9a et 11 vont l’activer.</a:t>
+              <a:t>, 7b, 9a, 11) lient MuSK. Wnt4, 9a et 11 vont l’activer.</a:t>
             </a:r>
           </a:p>
           <a:p>
@@ -10424,7 +10517,7 @@
           <a:lstStyle/>
           <a:p>
             <a:r>
-              <a:rPr lang="fr-FR" sz="3200" dirty="0"/>
+              <a:rPr lang="fr-FR" sz="2800" dirty="0"/>
               <a:t>La structure globale du cerveau est-elle affectée chez le mutant ? Coloration de Nissl.</a:t>
             </a:r>
           </a:p>
@@ -11310,6 +11403,37 @@
           </a:p>
         </p:txBody>
       </p:sp>
+      <p:sp>
+        <p:nvSpPr>
+          <p:cNvPr id="5" name="ZoneTexte 4"/>
+          <p:cNvSpPr txBox="1"/>
+          <p:nvPr/>
+        </p:nvSpPr>
+        <p:spPr>
+          <a:xfrm>
+            <a:off x="7847856" y="5949280"/>
+            <a:ext cx="1296144" cy="276999"/>
+          </a:xfrm>
+          <a:prstGeom prst="rect">
+            <a:avLst/>
+          </a:prstGeom>
+          <a:noFill/>
+        </p:spPr>
+        <p:txBody>
+          <a:bodyPr wrap="square" rtlCol="0">
+            <a:spAutoFit/>
+          </a:bodyPr>
+          <a:lstStyle/>
+          <a:p>
+            <a:pPr algn="r"/>
+            <a:r>
+              <a:rPr lang="fr-FR" sz="1200" dirty="0" smtClean="0"/>
+              <a:t>* : p&lt;0.05</a:t>
+            </a:r>
+            <a:endParaRPr lang="fr-FR" sz="1200" dirty="0"/>
+          </a:p>
+        </p:txBody>
+      </p:sp>
     </p:spTree>
     <p:extLst>
       <p:ext uri="{BB962C8B-B14F-4D97-AF65-F5344CB8AC3E}">
@@ -11356,15 +11480,20 @@
             <p:ph type="title"/>
           </p:nvPr>
         </p:nvSpPr>
-        <p:spPr/>
+        <p:spPr>
+          <a:xfrm>
+            <a:off x="467544" y="476672"/>
+            <a:ext cx="8229600" cy="1143000"/>
+          </a:xfrm>
+        </p:spPr>
         <p:txBody>
           <a:bodyPr>
-            <a:normAutofit fontScale="90000"/>
+            <a:noAutofit/>
           </a:bodyPr>
           <a:lstStyle/>
           <a:p>
             <a:r>
-              <a:rPr lang="fr-FR" dirty="0"/>
+              <a:rPr lang="fr-FR" sz="2800" dirty="0"/>
               <a:t>Quelles sont les régions où MuSK est exprimé ?</a:t>
             </a:r>
           </a:p>
@@ -11680,18 +11809,18 @@
         </p:nvSpPr>
         <p:spPr>
           <a:xfrm>
-            <a:off x="467544" y="-99392"/>
+            <a:off x="467544" y="18924"/>
             <a:ext cx="8229600" cy="1143000"/>
           </a:xfrm>
         </p:spPr>
         <p:txBody>
           <a:bodyPr>
-            <a:normAutofit fontScale="90000"/>
+            <a:noAutofit/>
           </a:bodyPr>
           <a:lstStyle/>
           <a:p>
             <a:r>
-              <a:rPr lang="fr-FR" dirty="0"/>
+              <a:rPr lang="fr-FR" sz="2800" dirty="0"/>
               <a:t>Quelles sont les régions où MuSK est exprimé ?</a:t>
             </a:r>
           </a:p>

--- a/Présentation Oral.pptx
+++ b/Présentation Oral.pptx
@@ -8059,7 +8059,7 @@
         <p:spPr>
           <a:xfrm>
             <a:off x="4644008" y="3789040"/>
-            <a:ext cx="2774033" cy="2774033"/>
+            <a:ext cx="2774034" cy="2774034"/>
           </a:xfrm>
           <a:prstGeom prst="rect">
             <a:avLst/>
@@ -8485,7 +8485,7 @@
         </p:nvSpPr>
         <p:spPr>
           <a:xfrm>
-            <a:off x="7190362" y="6206420"/>
+            <a:off x="7524328" y="6211669"/>
             <a:ext cx="1944216" cy="646331"/>
           </a:xfrm>
           <a:prstGeom prst="rect">
@@ -9939,7 +9939,7 @@
         </p:blipFill>
         <p:spPr>
           <a:xfrm>
-            <a:off x="6016170" y="1603984"/>
+            <a:off x="5940152" y="2204864"/>
             <a:ext cx="3083880" cy="2996952"/>
           </a:xfrm>
           <a:prstGeom prst="rect">
@@ -9961,7 +9961,7 @@
         </p:nvSpPr>
         <p:spPr>
           <a:xfrm>
-            <a:off x="7668344" y="4437112"/>
+            <a:off x="7452320" y="5013176"/>
             <a:ext cx="1018456" cy="200055"/>
           </a:xfrm>
           <a:prstGeom prst="rect">

--- a/Présentation Oral.pptx
+++ b/Présentation Oral.pptx
@@ -126,7 +126,7 @@
   </p:defaultTextStyle>
   <p:extLst>
     <p:ext uri="{EFAFB233-063F-42B5-8137-9DF3F51BA10A}">
-      <p15:sldGuideLst xmlns:p15="http://schemas.microsoft.com/office/powerpoint/2012/main" xmlns="">
+      <p15:sldGuideLst xmlns:p15="http://schemas.microsoft.com/office/powerpoint/2012/main">
         <p15:guide id="1" orient="horz" pos="2160">
           <p15:clr>
             <a:srgbClr val="A4A3A4"/>
@@ -144,7 +144,7 @@
 </file>
 
 <file path=ppt/charts/chart1.xml><?xml version="1.0" encoding="utf-8"?>
-<c:chartSpace xmlns:c="http://schemas.openxmlformats.org/drawingml/2006/chart" xmlns:a="http://schemas.openxmlformats.org/drawingml/2006/main" xmlns:r="http://schemas.openxmlformats.org/officeDocument/2006/relationships">
+<c:chartSpace xmlns:c="http://schemas.openxmlformats.org/drawingml/2006/chart" xmlns:a="http://schemas.openxmlformats.org/drawingml/2006/main" xmlns:r="http://schemas.openxmlformats.org/officeDocument/2006/relationships" xmlns:c16r2="http://schemas.microsoft.com/office/drawing/2015/06/chart">
   <c:date1904 val="0"/>
   <c:lang val="fr-FR"/>
   <c:roundedCorners val="0"/>
@@ -191,7 +191,6 @@
           </a:p>
         </c:rich>
       </c:tx>
-      <c:layout/>
       <c:overlay val="0"/>
       <c:spPr>
         <a:noFill/>
@@ -243,13 +242,13 @@
                   <c:formatCode>General</c:formatCode>
                   <c:ptCount val="3"/>
                   <c:pt idx="0">
-                    <c:v>280.468699080567</c:v>
+                    <c:v>280.46869908056698</c:v>
                   </c:pt>
                   <c:pt idx="1">
-                    <c:v>157.8180814292207</c:v>
+                    <c:v>157.81808142922071</c:v>
                   </c:pt>
                   <c:pt idx="2">
-                    <c:v>322.4434814515741</c:v>
+                    <c:v>322.44348145157409</c:v>
                   </c:pt>
                 </c:numCache>
               </c:numRef>
@@ -261,13 +260,13 @@
                   <c:formatCode>General</c:formatCode>
                   <c:ptCount val="3"/>
                   <c:pt idx="0">
-                    <c:v>280.468699080567</c:v>
+                    <c:v>280.46869908056698</c:v>
                   </c:pt>
                   <c:pt idx="1">
-                    <c:v>157.8180814292207</c:v>
+                    <c:v>157.81808142922071</c:v>
                   </c:pt>
                   <c:pt idx="2">
-                    <c:v>322.4434814515741</c:v>
+                    <c:v>322.44348145157409</c:v>
                   </c:pt>
                 </c:numCache>
               </c:numRef>
@@ -323,10 +322,10 @@
                 <c:formatCode>General</c:formatCode>
                 <c:ptCount val="3"/>
                 <c:pt idx="0">
-                  <c:v>2240.438571428571</c:v>
+                  <c:v>2240.4385714285709</c:v>
                 </c:pt>
                 <c:pt idx="1">
-                  <c:v>1750.406</c:v>
+                  <c:v>1750.4059999999999</c:v>
                 </c:pt>
                 <c:pt idx="2">
                   <c:v>2000.851428571428</c:v>
@@ -334,7 +333,7 @@
               </c:numCache>
             </c:numRef>
           </c:val>
-          <c:extLst xmlns:c16r2="http://schemas.microsoft.com/office/drawing/2015/06/chart">
+          <c:extLst>
             <c:ext xmlns:c16="http://schemas.microsoft.com/office/drawing/2014/chart" uri="{C3380CC4-5D6E-409C-BE32-E72D297353CC}">
               <c16:uniqueId val="{00000000-A1E2-40B5-980A-AD30EB12869D}"/>
             </c:ext>
@@ -375,13 +374,13 @@
                   <c:formatCode>General</c:formatCode>
                   <c:ptCount val="3"/>
                   <c:pt idx="0">
-                    <c:v>617.957420692653</c:v>
+                    <c:v>617.95742069265305</c:v>
                   </c:pt>
                   <c:pt idx="1">
-                    <c:v>377.8181453636075</c:v>
+                    <c:v>377.81814536360753</c:v>
                   </c:pt>
                   <c:pt idx="2">
-                    <c:v>862.7062315467894</c:v>
+                    <c:v>862.70623154678935</c:v>
                   </c:pt>
                 </c:numCache>
               </c:numRef>
@@ -393,13 +392,13 @@
                   <c:formatCode>General</c:formatCode>
                   <c:ptCount val="3"/>
                   <c:pt idx="0">
-                    <c:v>617.957420692653</c:v>
+                    <c:v>617.95742069265305</c:v>
                   </c:pt>
                   <c:pt idx="1">
-                    <c:v>377.8181453636075</c:v>
+                    <c:v>377.81814536360753</c:v>
                   </c:pt>
                   <c:pt idx="2">
-                    <c:v>862.7062315467894</c:v>
+                    <c:v>862.70623154678935</c:v>
                   </c:pt>
                 </c:numCache>
               </c:numRef>
@@ -455,18 +454,18 @@
                 <c:formatCode>General</c:formatCode>
                 <c:ptCount val="3"/>
                 <c:pt idx="0">
-                  <c:v>7438.532857142852</c:v>
+                  <c:v>7438.5328571428518</c:v>
                 </c:pt>
                 <c:pt idx="1">
-                  <c:v>6756.326000000001</c:v>
+                  <c:v>6756.3260000000009</c:v>
                 </c:pt>
                 <c:pt idx="2">
-                  <c:v>6604.958571428571</c:v>
+                  <c:v>6604.9585714285713</c:v>
                 </c:pt>
               </c:numCache>
             </c:numRef>
           </c:val>
-          <c:extLst xmlns:c16r2="http://schemas.microsoft.com/office/drawing/2015/06/chart">
+          <c:extLst>
             <c:ext xmlns:c16="http://schemas.microsoft.com/office/drawing/2014/chart" uri="{C3380CC4-5D6E-409C-BE32-E72D297353CC}">
               <c16:uniqueId val="{00000001-A1E2-40B5-980A-AD30EB12869D}"/>
             </c:ext>
@@ -513,7 +512,7 @@
                     <c:v>159.5139272477484</c:v>
                   </c:pt>
                   <c:pt idx="2">
-                    <c:v>254.1978479345524</c:v>
+                    <c:v>254.19784793455241</c:v>
                   </c:pt>
                 </c:numCache>
               </c:numRef>
@@ -531,7 +530,7 @@
                     <c:v>159.5139272477484</c:v>
                   </c:pt>
                   <c:pt idx="2">
-                    <c:v>254.1978479345524</c:v>
+                    <c:v>254.19784793455241</c:v>
                   </c:pt>
                 </c:numCache>
               </c:numRef>
@@ -587,18 +586,18 @@
                 <c:formatCode>General</c:formatCode>
                 <c:ptCount val="3"/>
                 <c:pt idx="0">
-                  <c:v>582.4214285714282</c:v>
+                  <c:v>582.42142857142824</c:v>
                 </c:pt>
                 <c:pt idx="1">
-                  <c:v>755.984</c:v>
+                  <c:v>755.98400000000004</c:v>
                 </c:pt>
                 <c:pt idx="2">
-                  <c:v>842.9042857142854</c:v>
+                  <c:v>842.90428571428538</c:v>
                 </c:pt>
               </c:numCache>
             </c:numRef>
           </c:val>
-          <c:extLst xmlns:c16r2="http://schemas.microsoft.com/office/drawing/2015/06/chart">
+          <c:extLst>
             <c:ext xmlns:c16="http://schemas.microsoft.com/office/drawing/2014/chart" uri="{C3380CC4-5D6E-409C-BE32-E72D297353CC}">
               <c16:uniqueId val="{00000002-A1E2-40B5-980A-AD30EB12869D}"/>
             </c:ext>
@@ -715,7 +714,6 @@
               </a:p>
             </c:rich>
           </c:tx>
-          <c:layout/>
           <c:overlay val="0"/>
           <c:spPr>
             <a:noFill/>
@@ -770,7 +768,6 @@
     </c:plotArea>
     <c:legend>
       <c:legendPos val="t"/>
-      <c:layout/>
       <c:overlay val="0"/>
       <c:spPr>
         <a:noFill/>
@@ -836,7 +833,7 @@
 </file>
 
 <file path=ppt/charts/chart2.xml><?xml version="1.0" encoding="utf-8"?>
-<c:chartSpace xmlns:c="http://schemas.openxmlformats.org/drawingml/2006/chart" xmlns:a="http://schemas.openxmlformats.org/drawingml/2006/main" xmlns:r="http://schemas.openxmlformats.org/officeDocument/2006/relationships">
+<c:chartSpace xmlns:c="http://schemas.openxmlformats.org/drawingml/2006/chart" xmlns:a="http://schemas.openxmlformats.org/drawingml/2006/main" xmlns:r="http://schemas.openxmlformats.org/officeDocument/2006/relationships" xmlns:c16r2="http://schemas.microsoft.com/office/drawing/2015/06/chart">
   <c:date1904 val="0"/>
   <c:lang val="fr-FR"/>
   <c:roundedCorners val="0"/>
@@ -880,7 +877,6 @@
           </a:p>
         </c:rich>
       </c:tx>
-      <c:layout/>
       <c:overlay val="0"/>
       <c:spPr>
         <a:noFill/>
@@ -932,13 +928,13 @@
                   <c:formatCode>General</c:formatCode>
                   <c:ptCount val="3"/>
                   <c:pt idx="0">
-                    <c:v>184.5839251879148</c:v>
+                    <c:v>184.58392518791479</c:v>
                   </c:pt>
                   <c:pt idx="1">
-                    <c:v>179.2417398766258</c:v>
+                    <c:v>179.24173987662579</c:v>
                   </c:pt>
                   <c:pt idx="2">
-                    <c:v>237.5308254553426</c:v>
+                    <c:v>237.53082545534261</c:v>
                   </c:pt>
                 </c:numCache>
               </c:numRef>
@@ -950,13 +946,13 @@
                   <c:formatCode>General</c:formatCode>
                   <c:ptCount val="3"/>
                   <c:pt idx="0">
-                    <c:v>184.5839251879148</c:v>
+                    <c:v>184.58392518791479</c:v>
                   </c:pt>
                   <c:pt idx="1">
-                    <c:v>179.2417398766258</c:v>
+                    <c:v>179.24173987662579</c:v>
                   </c:pt>
                   <c:pt idx="2">
-                    <c:v>237.5308254553426</c:v>
+                    <c:v>237.53082545534261</c:v>
                   </c:pt>
                 </c:numCache>
               </c:numRef>
@@ -1012,10 +1008,10 @@
                 <c:formatCode>General</c:formatCode>
                 <c:ptCount val="3"/>
                 <c:pt idx="0">
-                  <c:v>1369.043333333333</c:v>
+                  <c:v>1369.0433333333331</c:v>
                 </c:pt>
                 <c:pt idx="1">
-                  <c:v>816.3579999999992</c:v>
+                  <c:v>816.35799999999915</c:v>
                 </c:pt>
                 <c:pt idx="2">
                   <c:v>1922.302857142857</c:v>
@@ -1023,7 +1019,7 @@
               </c:numCache>
             </c:numRef>
           </c:val>
-          <c:extLst xmlns:c16r2="http://schemas.microsoft.com/office/drawing/2015/06/chart">
+          <c:extLst>
             <c:ext xmlns:c16="http://schemas.microsoft.com/office/drawing/2014/chart" uri="{C3380CC4-5D6E-409C-BE32-E72D297353CC}">
               <c16:uniqueId val="{00000000-87A6-4B7B-9DCE-A84068CFE95C}"/>
             </c:ext>
@@ -1067,13 +1063,13 @@
                   <c:formatCode>General</c:formatCode>
                   <c:ptCount val="3"/>
                   <c:pt idx="0">
-                    <c:v>719.8043188244515</c:v>
+                    <c:v>719.80431882445146</c:v>
                   </c:pt>
                   <c:pt idx="1">
                     <c:v>1042.400297035646</c:v>
                   </c:pt>
                   <c:pt idx="2">
-                    <c:v>443.1785962415887</c:v>
+                    <c:v>443.17859624158871</c:v>
                   </c:pt>
                 </c:numCache>
               </c:numRef>
@@ -1085,13 +1081,13 @@
                   <c:formatCode>General</c:formatCode>
                   <c:ptCount val="3"/>
                   <c:pt idx="0">
-                    <c:v>719.8043188244515</c:v>
+                    <c:v>719.80431882445146</c:v>
                   </c:pt>
                   <c:pt idx="1">
                     <c:v>1042.400297035646</c:v>
                   </c:pt>
                   <c:pt idx="2">
-                    <c:v>443.1785962415887</c:v>
+                    <c:v>443.17859624158871</c:v>
                   </c:pt>
                 </c:numCache>
               </c:numRef>
@@ -1147,10 +1143,10 @@
                 <c:formatCode>General</c:formatCode>
                 <c:ptCount val="3"/>
                 <c:pt idx="0">
-                  <c:v>6363.345</c:v>
+                  <c:v>6363.3450000000003</c:v>
                 </c:pt>
                 <c:pt idx="1">
-                  <c:v>4940.52</c:v>
+                  <c:v>4940.5200000000004</c:v>
                 </c:pt>
                 <c:pt idx="2">
                   <c:v>7442.98</c:v>
@@ -1158,7 +1154,7 @@
               </c:numCache>
             </c:numRef>
           </c:val>
-          <c:extLst xmlns:c16r2="http://schemas.microsoft.com/office/drawing/2015/06/chart">
+          <c:extLst>
             <c:ext xmlns:c16="http://schemas.microsoft.com/office/drawing/2014/chart" uri="{C3380CC4-5D6E-409C-BE32-E72D297353CC}">
               <c16:uniqueId val="{00000001-87A6-4B7B-9DCE-A84068CFE95C}"/>
             </c:ext>
@@ -1202,10 +1198,10 @@
                     <c:v>104.7202701088317</c:v>
                   </c:pt>
                   <c:pt idx="1">
-                    <c:v>158.803923679486</c:v>
+                    <c:v>158.80392367948599</c:v>
                   </c:pt>
                   <c:pt idx="2">
-                    <c:v>158.4112199137354</c:v>
+                    <c:v>158.41121991373541</c:v>
                   </c:pt>
                 </c:numCache>
               </c:numRef>
@@ -1220,10 +1216,10 @@
                     <c:v>104.7202701088317</c:v>
                   </c:pt>
                   <c:pt idx="1">
-                    <c:v>158.803923679486</c:v>
+                    <c:v>158.80392367948599</c:v>
                   </c:pt>
                   <c:pt idx="2">
-                    <c:v>158.4112199137354</c:v>
+                    <c:v>158.41121991373541</c:v>
                   </c:pt>
                 </c:numCache>
               </c:numRef>
@@ -1279,18 +1275,18 @@
                 <c:formatCode>General</c:formatCode>
                 <c:ptCount val="3"/>
                 <c:pt idx="0">
-                  <c:v>368.7649999999998</c:v>
+                  <c:v>368.76499999999982</c:v>
                 </c:pt>
                 <c:pt idx="1">
-                  <c:v>319.956</c:v>
+                  <c:v>319.95600000000002</c:v>
                 </c:pt>
                 <c:pt idx="2">
-                  <c:v>888.0157142857138</c:v>
+                  <c:v>888.01571428571378</c:v>
                 </c:pt>
               </c:numCache>
             </c:numRef>
           </c:val>
-          <c:extLst xmlns:c16r2="http://schemas.microsoft.com/office/drawing/2015/06/chart">
+          <c:extLst>
             <c:ext xmlns:c16="http://schemas.microsoft.com/office/drawing/2014/chart" uri="{C3380CC4-5D6E-409C-BE32-E72D297353CC}">
               <c16:uniqueId val="{00000002-87A6-4B7B-9DCE-A84068CFE95C}"/>
             </c:ext>
@@ -1407,7 +1403,6 @@
               </a:p>
             </c:rich>
           </c:tx>
-          <c:layout/>
           <c:overlay val="0"/>
           <c:spPr>
             <a:noFill/>
@@ -1462,7 +1457,6 @@
     </c:plotArea>
     <c:legend>
       <c:legendPos val="t"/>
-      <c:layout/>
       <c:overlay val="0"/>
       <c:spPr>
         <a:noFill/>
@@ -1528,7 +1522,7 @@
 </file>
 
 <file path=ppt/charts/chart3.xml><?xml version="1.0" encoding="utf-8"?>
-<c:chartSpace xmlns:c="http://schemas.openxmlformats.org/drawingml/2006/chart" xmlns:a="http://schemas.openxmlformats.org/drawingml/2006/main" xmlns:r="http://schemas.openxmlformats.org/officeDocument/2006/relationships">
+<c:chartSpace xmlns:c="http://schemas.openxmlformats.org/drawingml/2006/chart" xmlns:a="http://schemas.openxmlformats.org/drawingml/2006/main" xmlns:r="http://schemas.openxmlformats.org/officeDocument/2006/relationships" xmlns:c16r2="http://schemas.microsoft.com/office/drawing/2015/06/chart">
   <c:date1904 val="0"/>
   <c:lang val="fr-FR"/>
   <c:roundedCorners val="0"/>
@@ -1572,7 +1566,6 @@
           </a:p>
         </c:rich>
       </c:tx>
-      <c:layout/>
       <c:overlay val="0"/>
       <c:spPr>
         <a:noFill/>
@@ -1627,10 +1620,10 @@
                     <c:v>11.57640198823441</c:v>
                   </c:pt>
                   <c:pt idx="1">
-                    <c:v>4.95027615391307</c:v>
+                    <c:v>4.9502761539130704</c:v>
                   </c:pt>
                   <c:pt idx="2">
-                    <c:v>7.833375133771813</c:v>
+                    <c:v>7.8333751337718134</c:v>
                   </c:pt>
                 </c:numCache>
               </c:numRef>
@@ -1645,10 +1638,10 @@
                     <c:v>11.57640198823441</c:v>
                   </c:pt>
                   <c:pt idx="1">
-                    <c:v>4.95027615391307</c:v>
+                    <c:v>4.9502761539130704</c:v>
                   </c:pt>
                   <c:pt idx="2">
-                    <c:v>7.833375133771813</c:v>
+                    <c:v>7.8333751337718134</c:v>
                   </c:pt>
                 </c:numCache>
               </c:numRef>
@@ -1704,18 +1697,18 @@
                 <c:formatCode>General</c:formatCode>
                 <c:ptCount val="3"/>
                 <c:pt idx="0">
-                  <c:v>80.83142857142853</c:v>
+                  <c:v>80.831428571428532</c:v>
                 </c:pt>
                 <c:pt idx="1">
                   <c:v>57.558</c:v>
                 </c:pt>
                 <c:pt idx="2">
-                  <c:v>81.39571428571427</c:v>
+                  <c:v>81.395714285714277</c:v>
                 </c:pt>
               </c:numCache>
             </c:numRef>
           </c:val>
-          <c:extLst xmlns:c16r2="http://schemas.microsoft.com/office/drawing/2015/06/chart">
+          <c:extLst>
             <c:ext xmlns:c16="http://schemas.microsoft.com/office/drawing/2014/chart" uri="{C3380CC4-5D6E-409C-BE32-E72D297353CC}">
               <c16:uniqueId val="{00000000-F135-429D-9A4F-6F1802DB3D7E}"/>
             </c:ext>
@@ -1756,13 +1749,13 @@
                   <c:formatCode>General</c:formatCode>
                   <c:ptCount val="3"/>
                   <c:pt idx="0">
-                    <c:v>13.05187452327936</c:v>
+                    <c:v>13.051874523279359</c:v>
                   </c:pt>
                   <c:pt idx="1">
-                    <c:v>6.024023074324996</c:v>
+                    <c:v>6.0240230743249956</c:v>
                   </c:pt>
                   <c:pt idx="2">
-                    <c:v>17.75196901984767</c:v>
+                    <c:v>17.751969019847671</c:v>
                   </c:pt>
                 </c:numCache>
               </c:numRef>
@@ -1774,13 +1767,13 @@
                   <c:formatCode>General</c:formatCode>
                   <c:ptCount val="3"/>
                   <c:pt idx="0">
-                    <c:v>13.05187452327936</c:v>
+                    <c:v>13.051874523279359</c:v>
                   </c:pt>
                   <c:pt idx="1">
-                    <c:v>6.024023074324996</c:v>
+                    <c:v>6.0240230743249956</c:v>
                   </c:pt>
                   <c:pt idx="2">
-                    <c:v>17.75196901984767</c:v>
+                    <c:v>17.751969019847671</c:v>
                   </c:pt>
                 </c:numCache>
               </c:numRef>
@@ -1839,15 +1832,15 @@
                   <c:v>200.86</c:v>
                 </c:pt>
                 <c:pt idx="1">
-                  <c:v>214.862</c:v>
+                  <c:v>214.86199999999999</c:v>
                 </c:pt>
                 <c:pt idx="2">
-                  <c:v>181.1242857142857</c:v>
+                  <c:v>181.12428571428569</c:v>
                 </c:pt>
               </c:numCache>
             </c:numRef>
           </c:val>
-          <c:extLst xmlns:c16r2="http://schemas.microsoft.com/office/drawing/2015/06/chart">
+          <c:extLst>
             <c:ext xmlns:c16="http://schemas.microsoft.com/office/drawing/2014/chart" uri="{C3380CC4-5D6E-409C-BE32-E72D297353CC}">
               <c16:uniqueId val="{00000001-F135-429D-9A4F-6F1802DB3D7E}"/>
             </c:ext>
@@ -1888,10 +1881,10 @@
                   <c:formatCode>General</c:formatCode>
                   <c:ptCount val="3"/>
                   <c:pt idx="0">
-                    <c:v>4.54143066852361</c:v>
+                    <c:v>4.5414306685236099</c:v>
                   </c:pt>
                   <c:pt idx="1">
-                    <c:v>3.228681774346925</c:v>
+                    <c:v>3.2286817743469252</c:v>
                   </c:pt>
                   <c:pt idx="2">
                     <c:v>10.8287865602452</c:v>
@@ -1906,10 +1899,10 @@
                   <c:formatCode>General</c:formatCode>
                   <c:ptCount val="3"/>
                   <c:pt idx="0">
-                    <c:v>4.54143066852361</c:v>
+                    <c:v>4.5414306685236099</c:v>
                   </c:pt>
                   <c:pt idx="1">
-                    <c:v>3.228681774346925</c:v>
+                    <c:v>3.2286817743469252</c:v>
                   </c:pt>
                   <c:pt idx="2">
                     <c:v>10.8287865602452</c:v>
@@ -1968,18 +1961,18 @@
                 <c:formatCode>General</c:formatCode>
                 <c:ptCount val="3"/>
                 <c:pt idx="0">
-                  <c:v>12.09142857142857</c:v>
+                  <c:v>12.091428571428571</c:v>
                 </c:pt>
                 <c:pt idx="1">
                   <c:v>17.116</c:v>
                 </c:pt>
                 <c:pt idx="2">
-                  <c:v>27.86571428571428</c:v>
+                  <c:v>27.865714285714279</c:v>
                 </c:pt>
               </c:numCache>
             </c:numRef>
           </c:val>
-          <c:extLst xmlns:c16r2="http://schemas.microsoft.com/office/drawing/2015/06/chart">
+          <c:extLst>
             <c:ext xmlns:c16="http://schemas.microsoft.com/office/drawing/2014/chart" uri="{C3380CC4-5D6E-409C-BE32-E72D297353CC}">
               <c16:uniqueId val="{00000002-F135-429D-9A4F-6F1802DB3D7E}"/>
             </c:ext>
@@ -2096,7 +2089,6 @@
               </a:p>
             </c:rich>
           </c:tx>
-          <c:layout/>
           <c:overlay val="0"/>
           <c:spPr>
             <a:noFill/>
@@ -2151,7 +2143,6 @@
     </c:plotArea>
     <c:legend>
       <c:legendPos val="t"/>
-      <c:layout/>
       <c:overlay val="0"/>
       <c:spPr>
         <a:noFill/>
@@ -2217,7 +2208,7 @@
 </file>
 
 <file path=ppt/charts/chart4.xml><?xml version="1.0" encoding="utf-8"?>
-<c:chartSpace xmlns:c="http://schemas.openxmlformats.org/drawingml/2006/chart" xmlns:a="http://schemas.openxmlformats.org/drawingml/2006/main" xmlns:r="http://schemas.openxmlformats.org/officeDocument/2006/relationships">
+<c:chartSpace xmlns:c="http://schemas.openxmlformats.org/drawingml/2006/chart" xmlns:a="http://schemas.openxmlformats.org/drawingml/2006/main" xmlns:r="http://schemas.openxmlformats.org/officeDocument/2006/relationships" xmlns:c16r2="http://schemas.microsoft.com/office/drawing/2015/06/chart">
   <c:date1904 val="0"/>
   <c:lang val="fr-FR"/>
   <c:roundedCorners val="0"/>
@@ -2261,7 +2252,6 @@
           </a:p>
         </c:rich>
       </c:tx>
-      <c:layout/>
       <c:overlay val="0"/>
       <c:spPr>
         <a:noFill/>
@@ -2316,10 +2306,10 @@
                     <c:v>6.262480561069844</c:v>
                   </c:pt>
                   <c:pt idx="1">
-                    <c:v>4.971485089990718</c:v>
+                    <c:v>4.9714850899907184</c:v>
                   </c:pt>
                   <c:pt idx="2">
-                    <c:v>6.673819496110648</c:v>
+                    <c:v>6.6738194961106476</c:v>
                   </c:pt>
                 </c:numCache>
               </c:numRef>
@@ -2334,10 +2324,10 @@
                     <c:v>6.262480561069844</c:v>
                   </c:pt>
                   <c:pt idx="1">
-                    <c:v>4.971485089990718</c:v>
+                    <c:v>4.9714850899907184</c:v>
                   </c:pt>
                   <c:pt idx="2">
-                    <c:v>6.673819496110648</c:v>
+                    <c:v>6.6738194961106476</c:v>
                   </c:pt>
                 </c:numCache>
               </c:numRef>
@@ -2393,18 +2383,18 @@
                 <c:formatCode>General</c:formatCode>
                 <c:ptCount val="3"/>
                 <c:pt idx="0">
-                  <c:v>40.91833333333334</c:v>
+                  <c:v>40.918333333333337</c:v>
                 </c:pt>
                 <c:pt idx="1">
                   <c:v>25.398</c:v>
                 </c:pt>
                 <c:pt idx="2">
-                  <c:v>59.53000000000001</c:v>
+                  <c:v>59.530000000000008</c:v>
                 </c:pt>
               </c:numCache>
             </c:numRef>
           </c:val>
-          <c:extLst xmlns:c16r2="http://schemas.microsoft.com/office/drawing/2015/06/chart">
+          <c:extLst>
             <c:ext xmlns:c16="http://schemas.microsoft.com/office/drawing/2014/chart" uri="{C3380CC4-5D6E-409C-BE32-E72D297353CC}">
               <c16:uniqueId val="{00000000-EDFD-4139-BBFD-8053E87B0868}"/>
             </c:ext>
@@ -2448,13 +2438,13 @@
                   <c:formatCode>General</c:formatCode>
                   <c:ptCount val="3"/>
                   <c:pt idx="0">
-                    <c:v>6.770719640071098</c:v>
+                    <c:v>6.7707196400710981</c:v>
                   </c:pt>
                   <c:pt idx="1">
-                    <c:v>8.914682832271722</c:v>
+                    <c:v>8.9146828322717226</c:v>
                   </c:pt>
                   <c:pt idx="2">
-                    <c:v>11.4374290377339</c:v>
+                    <c:v>11.437429037733899</c:v>
                   </c:pt>
                 </c:numCache>
               </c:numRef>
@@ -2466,13 +2456,13 @@
                   <c:formatCode>General</c:formatCode>
                   <c:ptCount val="3"/>
                   <c:pt idx="0">
-                    <c:v>6.770719640071098</c:v>
+                    <c:v>6.7707196400710981</c:v>
                   </c:pt>
                   <c:pt idx="1">
-                    <c:v>8.914682832271722</c:v>
+                    <c:v>8.9146828322717226</c:v>
                   </c:pt>
                   <c:pt idx="2">
-                    <c:v>11.4374290377339</c:v>
+                    <c:v>11.437429037733899</c:v>
                   </c:pt>
                 </c:numCache>
               </c:numRef>
@@ -2534,12 +2524,12 @@
                   <c:v>265.98</c:v>
                 </c:pt>
                 <c:pt idx="2">
-                  <c:v>218.6414285714286</c:v>
+                  <c:v>218.64142857142861</c:v>
                 </c:pt>
               </c:numCache>
             </c:numRef>
           </c:val>
-          <c:extLst xmlns:c16r2="http://schemas.microsoft.com/office/drawing/2015/06/chart">
+          <c:extLst>
             <c:ext xmlns:c16="http://schemas.microsoft.com/office/drawing/2014/chart" uri="{C3380CC4-5D6E-409C-BE32-E72D297353CC}">
               <c16:uniqueId val="{00000001-EDFD-4139-BBFD-8053E87B0868}"/>
             </c:ext>
@@ -2580,13 +2570,13 @@
                   <c:formatCode>General</c:formatCode>
                   <c:ptCount val="3"/>
                   <c:pt idx="0">
-                    <c:v>2.257389962865178</c:v>
+                    <c:v>2.2573899628651781</c:v>
                   </c:pt>
                   <c:pt idx="1">
-                    <c:v>2.203248964597511</c:v>
+                    <c:v>2.2032489645975111</c:v>
                   </c:pt>
                   <c:pt idx="2">
-                    <c:v>2.606689066834874</c:v>
+                    <c:v>2.6066890668348739</c:v>
                   </c:pt>
                 </c:numCache>
               </c:numRef>
@@ -2598,13 +2588,13 @@
                   <c:formatCode>General</c:formatCode>
                   <c:ptCount val="3"/>
                   <c:pt idx="0">
-                    <c:v>2.257389962865178</c:v>
+                    <c:v>2.2573899628651781</c:v>
                   </c:pt>
                   <c:pt idx="1">
-                    <c:v>2.203248964597511</c:v>
+                    <c:v>2.2032489645975111</c:v>
                   </c:pt>
                   <c:pt idx="2">
-                    <c:v>2.606689066834874</c:v>
+                    <c:v>2.6066890668348739</c:v>
                   </c:pt>
                 </c:numCache>
               </c:numRef>
@@ -2660,7 +2650,7 @@
                 <c:formatCode>General</c:formatCode>
                 <c:ptCount val="3"/>
                 <c:pt idx="0">
-                  <c:v>7.598333333333333</c:v>
+                  <c:v>7.5983333333333327</c:v>
                 </c:pt>
                 <c:pt idx="1">
                   <c:v>5.484</c:v>
@@ -2671,7 +2661,7 @@
               </c:numCache>
             </c:numRef>
           </c:val>
-          <c:extLst xmlns:c16r2="http://schemas.microsoft.com/office/drawing/2015/06/chart">
+          <c:extLst>
             <c:ext xmlns:c16="http://schemas.microsoft.com/office/drawing/2014/chart" uri="{C3380CC4-5D6E-409C-BE32-E72D297353CC}">
               <c16:uniqueId val="{00000002-EDFD-4139-BBFD-8053E87B0868}"/>
             </c:ext>
@@ -2788,7 +2778,6 @@
               </a:p>
             </c:rich>
           </c:tx>
-          <c:layout/>
           <c:overlay val="0"/>
           <c:spPr>
             <a:noFill/>
@@ -2843,7 +2832,6 @@
     </c:plotArea>
     <c:legend>
       <c:legendPos val="t"/>
-      <c:layout/>
       <c:overlay val="0"/>
       <c:spPr>
         <a:noFill/>
@@ -2991,7 +2979,7 @@
             <a:fld id="{738B108D-3BCE-44D8-8902-08ED4A0D32BF}" type="datetimeFigureOut">
               <a:rPr lang="fr-FR" smtClean="0"/>
               <a:pPr/>
-              <a:t>05/06/18</a:t>
+              <a:t>07/06/2018</a:t>
             </a:fld>
             <a:endParaRPr lang="fr-FR"/>
           </a:p>
@@ -3152,7 +3140,7 @@
             <a:fld id="{4FBC6D27-8AEE-4C4B-BE1C-1EEAC5CEF8EF}" type="slidenum">
               <a:rPr lang="fr-FR" smtClean="0"/>
               <a:pPr/>
-              <a:t>‹#›</a:t>
+              <a:t>‹N°›</a:t>
             </a:fld>
             <a:endParaRPr lang="fr-FR"/>
           </a:p>
@@ -3894,7 +3882,7 @@
             <a:fld id="{C0E33B7C-B49A-4F59-9D75-C8F9E48FDBF1}" type="datetimeFigureOut">
               <a:rPr lang="fr-FR" smtClean="0"/>
               <a:pPr/>
-              <a:t>05/06/18</a:t>
+              <a:t>07/06/2018</a:t>
             </a:fld>
             <a:endParaRPr lang="fr-FR"/>
           </a:p>
@@ -3937,7 +3925,7 @@
             <a:fld id="{2B17BCE5-02D2-47EA-8A57-B717CAD8CD60}" type="slidenum">
               <a:rPr lang="fr-FR" smtClean="0"/>
               <a:pPr/>
-              <a:t>‹#›</a:t>
+              <a:t>‹N°›</a:t>
             </a:fld>
             <a:endParaRPr lang="fr-FR"/>
           </a:p>
@@ -4059,7 +4047,7 @@
             <a:fld id="{C0E33B7C-B49A-4F59-9D75-C8F9E48FDBF1}" type="datetimeFigureOut">
               <a:rPr lang="fr-FR" smtClean="0"/>
               <a:pPr/>
-              <a:t>05/06/18</a:t>
+              <a:t>07/06/2018</a:t>
             </a:fld>
             <a:endParaRPr lang="fr-FR"/>
           </a:p>
@@ -4102,7 +4090,7 @@
             <a:fld id="{2B17BCE5-02D2-47EA-8A57-B717CAD8CD60}" type="slidenum">
               <a:rPr lang="fr-FR" smtClean="0"/>
               <a:pPr/>
-              <a:t>‹#›</a:t>
+              <a:t>‹N°›</a:t>
             </a:fld>
             <a:endParaRPr lang="fr-FR"/>
           </a:p>
@@ -4234,7 +4222,7 @@
             <a:fld id="{C0E33B7C-B49A-4F59-9D75-C8F9E48FDBF1}" type="datetimeFigureOut">
               <a:rPr lang="fr-FR" smtClean="0"/>
               <a:pPr/>
-              <a:t>05/06/18</a:t>
+              <a:t>07/06/2018</a:t>
             </a:fld>
             <a:endParaRPr lang="fr-FR"/>
           </a:p>
@@ -4277,7 +4265,7 @@
             <a:fld id="{2B17BCE5-02D2-47EA-8A57-B717CAD8CD60}" type="slidenum">
               <a:rPr lang="fr-FR" smtClean="0"/>
               <a:pPr/>
-              <a:t>‹#›</a:t>
+              <a:t>‹N°›</a:t>
             </a:fld>
             <a:endParaRPr lang="fr-FR"/>
           </a:p>
@@ -4399,7 +4387,7 @@
             <a:fld id="{C0E33B7C-B49A-4F59-9D75-C8F9E48FDBF1}" type="datetimeFigureOut">
               <a:rPr lang="fr-FR" smtClean="0"/>
               <a:pPr/>
-              <a:t>05/06/18</a:t>
+              <a:t>07/06/2018</a:t>
             </a:fld>
             <a:endParaRPr lang="fr-FR"/>
           </a:p>
@@ -4442,7 +4430,7 @@
             <a:fld id="{2B17BCE5-02D2-47EA-8A57-B717CAD8CD60}" type="slidenum">
               <a:rPr lang="fr-FR" smtClean="0"/>
               <a:pPr/>
-              <a:t>‹#›</a:t>
+              <a:t>‹N°›</a:t>
             </a:fld>
             <a:endParaRPr lang="fr-FR"/>
           </a:p>
@@ -4641,7 +4629,7 @@
             <a:fld id="{C0E33B7C-B49A-4F59-9D75-C8F9E48FDBF1}" type="datetimeFigureOut">
               <a:rPr lang="fr-FR" smtClean="0"/>
               <a:pPr/>
-              <a:t>05/06/18</a:t>
+              <a:t>07/06/2018</a:t>
             </a:fld>
             <a:endParaRPr lang="fr-FR"/>
           </a:p>
@@ -4684,7 +4672,7 @@
             <a:fld id="{2B17BCE5-02D2-47EA-8A57-B717CAD8CD60}" type="slidenum">
               <a:rPr lang="fr-FR" smtClean="0"/>
               <a:pPr/>
-              <a:t>‹#›</a:t>
+              <a:t>‹N°›</a:t>
             </a:fld>
             <a:endParaRPr lang="fr-FR"/>
           </a:p>
@@ -4923,7 +4911,7 @@
             <a:fld id="{C0E33B7C-B49A-4F59-9D75-C8F9E48FDBF1}" type="datetimeFigureOut">
               <a:rPr lang="fr-FR" smtClean="0"/>
               <a:pPr/>
-              <a:t>05/06/18</a:t>
+              <a:t>07/06/2018</a:t>
             </a:fld>
             <a:endParaRPr lang="fr-FR"/>
           </a:p>
@@ -4966,7 +4954,7 @@
             <a:fld id="{2B17BCE5-02D2-47EA-8A57-B717CAD8CD60}" type="slidenum">
               <a:rPr lang="fr-FR" smtClean="0"/>
               <a:pPr/>
-              <a:t>‹#›</a:t>
+              <a:t>‹N°›</a:t>
             </a:fld>
             <a:endParaRPr lang="fr-FR"/>
           </a:p>
@@ -5339,7 +5327,7 @@
             <a:fld id="{C0E33B7C-B49A-4F59-9D75-C8F9E48FDBF1}" type="datetimeFigureOut">
               <a:rPr lang="fr-FR" smtClean="0"/>
               <a:pPr/>
-              <a:t>05/06/18</a:t>
+              <a:t>07/06/2018</a:t>
             </a:fld>
             <a:endParaRPr lang="fr-FR"/>
           </a:p>
@@ -5382,7 +5370,7 @@
             <a:fld id="{2B17BCE5-02D2-47EA-8A57-B717CAD8CD60}" type="slidenum">
               <a:rPr lang="fr-FR" smtClean="0"/>
               <a:pPr/>
-              <a:t>‹#›</a:t>
+              <a:t>‹N°›</a:t>
             </a:fld>
             <a:endParaRPr lang="fr-FR"/>
           </a:p>
@@ -5453,7 +5441,7 @@
             <a:fld id="{C0E33B7C-B49A-4F59-9D75-C8F9E48FDBF1}" type="datetimeFigureOut">
               <a:rPr lang="fr-FR" smtClean="0"/>
               <a:pPr/>
-              <a:t>05/06/18</a:t>
+              <a:t>07/06/2018</a:t>
             </a:fld>
             <a:endParaRPr lang="fr-FR"/>
           </a:p>
@@ -5496,7 +5484,7 @@
             <a:fld id="{2B17BCE5-02D2-47EA-8A57-B717CAD8CD60}" type="slidenum">
               <a:rPr lang="fr-FR" smtClean="0"/>
               <a:pPr/>
-              <a:t>‹#›</a:t>
+              <a:t>‹N°›</a:t>
             </a:fld>
             <a:endParaRPr lang="fr-FR"/>
           </a:p>
@@ -5545,7 +5533,7 @@
             <a:fld id="{C0E33B7C-B49A-4F59-9D75-C8F9E48FDBF1}" type="datetimeFigureOut">
               <a:rPr lang="fr-FR" smtClean="0"/>
               <a:pPr/>
-              <a:t>05/06/18</a:t>
+              <a:t>07/06/2018</a:t>
             </a:fld>
             <a:endParaRPr lang="fr-FR"/>
           </a:p>
@@ -5588,7 +5576,7 @@
             <a:fld id="{2B17BCE5-02D2-47EA-8A57-B717CAD8CD60}" type="slidenum">
               <a:rPr lang="fr-FR" smtClean="0"/>
               <a:pPr/>
-              <a:t>‹#›</a:t>
+              <a:t>‹N°›</a:t>
             </a:fld>
             <a:endParaRPr lang="fr-FR"/>
           </a:p>
@@ -5817,7 +5805,7 @@
             <a:fld id="{C0E33B7C-B49A-4F59-9D75-C8F9E48FDBF1}" type="datetimeFigureOut">
               <a:rPr lang="fr-FR" smtClean="0"/>
               <a:pPr/>
-              <a:t>05/06/18</a:t>
+              <a:t>07/06/2018</a:t>
             </a:fld>
             <a:endParaRPr lang="fr-FR"/>
           </a:p>
@@ -5860,7 +5848,7 @@
             <a:fld id="{2B17BCE5-02D2-47EA-8A57-B717CAD8CD60}" type="slidenum">
               <a:rPr lang="fr-FR" smtClean="0"/>
               <a:pPr/>
-              <a:t>‹#›</a:t>
+              <a:t>‹N°›</a:t>
             </a:fld>
             <a:endParaRPr lang="fr-FR"/>
           </a:p>
@@ -6066,7 +6054,7 @@
             <a:fld id="{C0E33B7C-B49A-4F59-9D75-C8F9E48FDBF1}" type="datetimeFigureOut">
               <a:rPr lang="fr-FR" smtClean="0"/>
               <a:pPr/>
-              <a:t>05/06/18</a:t>
+              <a:t>07/06/2018</a:t>
             </a:fld>
             <a:endParaRPr lang="fr-FR"/>
           </a:p>
@@ -6109,7 +6097,7 @@
             <a:fld id="{2B17BCE5-02D2-47EA-8A57-B717CAD8CD60}" type="slidenum">
               <a:rPr lang="fr-FR" smtClean="0"/>
               <a:pPr/>
-              <a:t>‹#›</a:t>
+              <a:t>‹N°›</a:t>
             </a:fld>
             <a:endParaRPr lang="fr-FR"/>
           </a:p>
@@ -6298,7 +6286,7 @@
             <a:fld id="{C0E33B7C-B49A-4F59-9D75-C8F9E48FDBF1}" type="datetimeFigureOut">
               <a:rPr lang="fr-FR" smtClean="0"/>
               <a:pPr/>
-              <a:t>05/06/18</a:t>
+              <a:t>07/06/2018</a:t>
             </a:fld>
             <a:endParaRPr lang="fr-FR"/>
           </a:p>
@@ -6377,7 +6365,7 @@
             <a:fld id="{2B17BCE5-02D2-47EA-8A57-B717CAD8CD60}" type="slidenum">
               <a:rPr lang="fr-FR" smtClean="0"/>
               <a:pPr/>
-              <a:t>‹#›</a:t>
+              <a:t>‹N°›</a:t>
             </a:fld>
             <a:endParaRPr lang="fr-FR"/>
           </a:p>
@@ -6809,7 +6797,7 @@
                   </a:schemeClr>
                 </a:solidFill>
               </a:rPr>
-              <a:t>Supervisé par Claire LEGAY</a:t>
+              <a:t>Encadré par Claire LEGAY</a:t>
             </a:r>
           </a:p>
           <a:p>
@@ -7015,7 +7003,7 @@
           <p:cNvPr id="10" name="Image 9">
             <a:extLst>
               <a:ext uri="{FF2B5EF4-FFF2-40B4-BE49-F238E27FC236}">
-                <a16:creationId xmlns:a16="http://schemas.microsoft.com/office/drawing/2014/main" xmlns="" id="{8A6F7B72-A425-4834-B91B-C92EB00EB65F}"/>
+                <a16:creationId xmlns:a16="http://schemas.microsoft.com/office/drawing/2014/main" id="{8A6F7B72-A425-4834-B91B-C92EB00EB65F}"/>
               </a:ext>
             </a:extLst>
           </p:cNvPr>
@@ -7051,7 +7039,7 @@
           <p:cNvPr id="12" name="Image 11">
             <a:extLst>
               <a:ext uri="{FF2B5EF4-FFF2-40B4-BE49-F238E27FC236}">
-                <a16:creationId xmlns:a16="http://schemas.microsoft.com/office/drawing/2014/main" xmlns="" id="{BCFD2592-037D-4ADB-99B0-B11B6FD8A3BD}"/>
+                <a16:creationId xmlns:a16="http://schemas.microsoft.com/office/drawing/2014/main" id="{BCFD2592-037D-4ADB-99B0-B11B6FD8A3BD}"/>
               </a:ext>
             </a:extLst>
           </p:cNvPr>
@@ -7112,7 +7100,7 @@
           <p:cNvPr id="2" name="Titre 1">
             <a:extLst>
               <a:ext uri="{FF2B5EF4-FFF2-40B4-BE49-F238E27FC236}">
-                <a16:creationId xmlns:a16="http://schemas.microsoft.com/office/drawing/2014/main" xmlns="" id="{137804C6-0D30-487D-BCAA-F4A88DA231C5}"/>
+                <a16:creationId xmlns:a16="http://schemas.microsoft.com/office/drawing/2014/main" id="{137804C6-0D30-487D-BCAA-F4A88DA231C5}"/>
               </a:ext>
             </a:extLst>
           </p:cNvPr>
@@ -7145,7 +7133,15 @@
             </a:r>
             <a:r>
               <a:rPr lang="fr-FR" sz="2800" dirty="0"/>
-              <a:t>?</a:t>
+              <a:t>? Immunomarquage de </a:t>
+            </a:r>
+            <a:r>
+              <a:rPr lang="fr-FR" sz="2800" dirty="0" err="1"/>
+              <a:t>MuSK</a:t>
+            </a:r>
+            <a:r>
+              <a:rPr lang="fr-FR" sz="2800" dirty="0"/>
+              <a:t>, GFAP, MAP2.</a:t>
             </a:r>
           </a:p>
         </p:txBody>
@@ -7155,7 +7151,7 @@
           <p:cNvPr id="5" name="Image 4">
             <a:extLst>
               <a:ext uri="{FF2B5EF4-FFF2-40B4-BE49-F238E27FC236}">
-                <a16:creationId xmlns:a16="http://schemas.microsoft.com/office/drawing/2014/main" xmlns="" id="{65AB51C7-EDEB-4B41-9F97-383A20ACCD93}"/>
+                <a16:creationId xmlns:a16="http://schemas.microsoft.com/office/drawing/2014/main" id="{65AB51C7-EDEB-4B41-9F97-383A20ACCD93}"/>
               </a:ext>
             </a:extLst>
           </p:cNvPr>
@@ -7191,7 +7187,7 @@
           <p:cNvPr id="7" name="Image 6">
             <a:extLst>
               <a:ext uri="{FF2B5EF4-FFF2-40B4-BE49-F238E27FC236}">
-                <a16:creationId xmlns:a16="http://schemas.microsoft.com/office/drawing/2014/main" xmlns="" id="{017449ED-E235-4F83-929D-4AA27CB85594}"/>
+                <a16:creationId xmlns:a16="http://schemas.microsoft.com/office/drawing/2014/main" id="{017449ED-E235-4F83-929D-4AA27CB85594}"/>
               </a:ext>
             </a:extLst>
           </p:cNvPr>
@@ -7227,7 +7223,7 @@
           <p:cNvPr id="6" name="ZoneTexte 5">
             <a:extLst>
               <a:ext uri="{FF2B5EF4-FFF2-40B4-BE49-F238E27FC236}">
-                <a16:creationId xmlns:a16="http://schemas.microsoft.com/office/drawing/2014/main" xmlns="" id="{63BF0684-ED98-4B91-B63C-63FF7799B27B}"/>
+                <a16:creationId xmlns:a16="http://schemas.microsoft.com/office/drawing/2014/main" id="{63BF0684-ED98-4B91-B63C-63FF7799B27B}"/>
               </a:ext>
             </a:extLst>
           </p:cNvPr>
@@ -7262,7 +7258,7 @@
           <p:cNvPr id="8" name="ZoneTexte 7">
             <a:extLst>
               <a:ext uri="{FF2B5EF4-FFF2-40B4-BE49-F238E27FC236}">
-                <a16:creationId xmlns:a16="http://schemas.microsoft.com/office/drawing/2014/main" xmlns="" id="{63BF0684-ED98-4B91-B63C-63FF7799B27B}"/>
+                <a16:creationId xmlns:a16="http://schemas.microsoft.com/office/drawing/2014/main" id="{63BF0684-ED98-4B91-B63C-63FF7799B27B}"/>
               </a:ext>
             </a:extLst>
           </p:cNvPr>
@@ -7297,7 +7293,7 @@
           <p:cNvPr id="3" name="ZoneTexte 2">
             <a:extLst>
               <a:ext uri="{FF2B5EF4-FFF2-40B4-BE49-F238E27FC236}">
-                <a16:creationId xmlns:a16="http://schemas.microsoft.com/office/drawing/2014/main" xmlns="" id="{DD4603D6-C468-452C-B9DC-EBD16100C945}"/>
+                <a16:creationId xmlns:a16="http://schemas.microsoft.com/office/drawing/2014/main" id="{DD4603D6-C468-452C-B9DC-EBD16100C945}"/>
               </a:ext>
             </a:extLst>
           </p:cNvPr>
@@ -7332,7 +7328,7 @@
           <p:cNvPr id="9" name="Image 8">
             <a:extLst>
               <a:ext uri="{FF2B5EF4-FFF2-40B4-BE49-F238E27FC236}">
-                <a16:creationId xmlns:a16="http://schemas.microsoft.com/office/drawing/2014/main" xmlns="" id="{94A9C3F7-B699-4774-9E51-73595653092F}"/>
+                <a16:creationId xmlns:a16="http://schemas.microsoft.com/office/drawing/2014/main" id="{94A9C3F7-B699-4774-9E51-73595653092F}"/>
               </a:ext>
             </a:extLst>
           </p:cNvPr>
@@ -7368,7 +7364,7 @@
           <p:cNvPr id="11" name="Image 10">
             <a:extLst>
               <a:ext uri="{FF2B5EF4-FFF2-40B4-BE49-F238E27FC236}">
-                <a16:creationId xmlns:a16="http://schemas.microsoft.com/office/drawing/2014/main" xmlns="" id="{A9CE6754-1902-4DB3-A4D9-5CA68D5089DA}"/>
+                <a16:creationId xmlns:a16="http://schemas.microsoft.com/office/drawing/2014/main" id="{A9CE6754-1902-4DB3-A4D9-5CA68D5089DA}"/>
               </a:ext>
             </a:extLst>
           </p:cNvPr>
@@ -7434,7 +7430,7 @@
           <p:cNvPr id="2" name="Titre 1">
             <a:extLst>
               <a:ext uri="{FF2B5EF4-FFF2-40B4-BE49-F238E27FC236}">
-                <a16:creationId xmlns:a16="http://schemas.microsoft.com/office/drawing/2014/main" xmlns="" id="{36118B72-5743-4218-9FB1-6752F40399B7}"/>
+                <a16:creationId xmlns:a16="http://schemas.microsoft.com/office/drawing/2014/main" id="{36118B72-5743-4218-9FB1-6752F40399B7}"/>
               </a:ext>
             </a:extLst>
           </p:cNvPr>
@@ -7470,7 +7466,7 @@
           <p:cNvPr id="5" name="Image 4">
             <a:extLst>
               <a:ext uri="{FF2B5EF4-FFF2-40B4-BE49-F238E27FC236}">
-                <a16:creationId xmlns:a16="http://schemas.microsoft.com/office/drawing/2014/main" xmlns="" id="{09FFA0BE-E60F-4517-BA28-F324E6F7C289}"/>
+                <a16:creationId xmlns:a16="http://schemas.microsoft.com/office/drawing/2014/main" id="{09FFA0BE-E60F-4517-BA28-F324E6F7C289}"/>
               </a:ext>
             </a:extLst>
           </p:cNvPr>
@@ -7506,7 +7502,7 @@
           <p:cNvPr id="7" name="Image 6">
             <a:extLst>
               <a:ext uri="{FF2B5EF4-FFF2-40B4-BE49-F238E27FC236}">
-                <a16:creationId xmlns:a16="http://schemas.microsoft.com/office/drawing/2014/main" xmlns="" id="{659660F7-E266-445D-8A56-78B375B75EB4}"/>
+                <a16:creationId xmlns:a16="http://schemas.microsoft.com/office/drawing/2014/main" id="{659660F7-E266-445D-8A56-78B375B75EB4}"/>
               </a:ext>
             </a:extLst>
           </p:cNvPr>
@@ -7542,7 +7538,7 @@
           <p:cNvPr id="9" name="Image 8">
             <a:extLst>
               <a:ext uri="{FF2B5EF4-FFF2-40B4-BE49-F238E27FC236}">
-                <a16:creationId xmlns:a16="http://schemas.microsoft.com/office/drawing/2014/main" xmlns="" id="{4BDC918D-EBAF-4502-A024-EF60AF311F93}"/>
+                <a16:creationId xmlns:a16="http://schemas.microsoft.com/office/drawing/2014/main" id="{4BDC918D-EBAF-4502-A024-EF60AF311F93}"/>
               </a:ext>
             </a:extLst>
           </p:cNvPr>
@@ -7578,7 +7574,7 @@
           <p:cNvPr id="11" name="Image 10">
             <a:extLst>
               <a:ext uri="{FF2B5EF4-FFF2-40B4-BE49-F238E27FC236}">
-                <a16:creationId xmlns:a16="http://schemas.microsoft.com/office/drawing/2014/main" xmlns="" id="{9F3F3A87-A4D2-4CB5-B19B-26E171E303AF}"/>
+                <a16:creationId xmlns:a16="http://schemas.microsoft.com/office/drawing/2014/main" id="{9F3F3A87-A4D2-4CB5-B19B-26E171E303AF}"/>
               </a:ext>
             </a:extLst>
           </p:cNvPr>
@@ -7614,7 +7610,7 @@
           <p:cNvPr id="13" name="Image 12">
             <a:extLst>
               <a:ext uri="{FF2B5EF4-FFF2-40B4-BE49-F238E27FC236}">
-                <a16:creationId xmlns:a16="http://schemas.microsoft.com/office/drawing/2014/main" xmlns="" id="{BC1F8E69-EB26-4060-AB61-E8A97A89BE47}"/>
+                <a16:creationId xmlns:a16="http://schemas.microsoft.com/office/drawing/2014/main" id="{BC1F8E69-EB26-4060-AB61-E8A97A89BE47}"/>
               </a:ext>
             </a:extLst>
           </p:cNvPr>
@@ -7650,7 +7646,7 @@
           <p:cNvPr id="15" name="Image 14">
             <a:extLst>
               <a:ext uri="{FF2B5EF4-FFF2-40B4-BE49-F238E27FC236}">
-                <a16:creationId xmlns:a16="http://schemas.microsoft.com/office/drawing/2014/main" xmlns="" id="{1D5F6ED3-EED6-4A15-A989-F0B9BE13D008}"/>
+                <a16:creationId xmlns:a16="http://schemas.microsoft.com/office/drawing/2014/main" id="{1D5F6ED3-EED6-4A15-A989-F0B9BE13D008}"/>
               </a:ext>
             </a:extLst>
           </p:cNvPr>
@@ -7686,7 +7682,7 @@
           <p:cNvPr id="16" name="ZoneTexte 15">
             <a:extLst>
               <a:ext uri="{FF2B5EF4-FFF2-40B4-BE49-F238E27FC236}">
-                <a16:creationId xmlns:a16="http://schemas.microsoft.com/office/drawing/2014/main" xmlns="" id="{A9F08D7D-0960-4664-9205-C6370B9660AA}"/>
+                <a16:creationId xmlns:a16="http://schemas.microsoft.com/office/drawing/2014/main" id="{A9F08D7D-0960-4664-9205-C6370B9660AA}"/>
               </a:ext>
             </a:extLst>
           </p:cNvPr>
@@ -7721,7 +7717,7 @@
           <p:cNvPr id="17" name="ZoneTexte 16">
             <a:extLst>
               <a:ext uri="{FF2B5EF4-FFF2-40B4-BE49-F238E27FC236}">
-                <a16:creationId xmlns:a16="http://schemas.microsoft.com/office/drawing/2014/main" xmlns="" id="{63BF0684-ED98-4B91-B63C-63FF7799B27B}"/>
+                <a16:creationId xmlns:a16="http://schemas.microsoft.com/office/drawing/2014/main" id="{63BF0684-ED98-4B91-B63C-63FF7799B27B}"/>
               </a:ext>
             </a:extLst>
           </p:cNvPr>
@@ -7786,7 +7782,7 @@
           <p:cNvPr id="16" name="Image 15">
             <a:extLst>
               <a:ext uri="{FF2B5EF4-FFF2-40B4-BE49-F238E27FC236}">
-                <a16:creationId xmlns:a16="http://schemas.microsoft.com/office/drawing/2014/main" xmlns="" id="{61404B37-9BEE-4B62-A3E2-2AEABD33AC04}"/>
+                <a16:creationId xmlns:a16="http://schemas.microsoft.com/office/drawing/2014/main" id="{61404B37-9BEE-4B62-A3E2-2AEABD33AC04}"/>
               </a:ext>
             </a:extLst>
           </p:cNvPr>
@@ -7822,7 +7818,7 @@
           <p:cNvPr id="2" name="Titre 1">
             <a:extLst>
               <a:ext uri="{FF2B5EF4-FFF2-40B4-BE49-F238E27FC236}">
-                <a16:creationId xmlns:a16="http://schemas.microsoft.com/office/drawing/2014/main" xmlns="" id="{CAF8591C-6E7C-48EC-83F6-33DCE6C1FC82}"/>
+                <a16:creationId xmlns:a16="http://schemas.microsoft.com/office/drawing/2014/main" id="{CAF8591C-6E7C-48EC-83F6-33DCE6C1FC82}"/>
               </a:ext>
             </a:extLst>
           </p:cNvPr>
@@ -7847,7 +7843,15 @@
           <a:p>
             <a:r>
               <a:rPr lang="fr-FR" sz="2800" dirty="0"/>
-              <a:t>Le marquage de MuSK est-il spécifique ?</a:t>
+              <a:t>Le marquage de MuSK est-il spécifique ? Immunomarquage de </a:t>
+            </a:r>
+            <a:r>
+              <a:rPr lang="fr-FR" sz="2800" dirty="0" err="1"/>
+              <a:t>MuSK</a:t>
+            </a:r>
+            <a:r>
+              <a:rPr lang="fr-FR" sz="2800" dirty="0"/>
+              <a:t> et GFAP.</a:t>
             </a:r>
           </a:p>
         </p:txBody>
@@ -7857,7 +7861,7 @@
           <p:cNvPr id="10" name="ZoneTexte 9">
             <a:extLst>
               <a:ext uri="{FF2B5EF4-FFF2-40B4-BE49-F238E27FC236}">
-                <a16:creationId xmlns:a16="http://schemas.microsoft.com/office/drawing/2014/main" xmlns="" id="{382FB9F1-470A-46C1-B26B-EA63482F9969}"/>
+                <a16:creationId xmlns:a16="http://schemas.microsoft.com/office/drawing/2014/main" id="{382FB9F1-470A-46C1-B26B-EA63482F9969}"/>
               </a:ext>
             </a:extLst>
           </p:cNvPr>
@@ -7944,8 +7948,8 @@
         </p:nvSpPr>
         <p:spPr>
           <a:xfrm>
-            <a:off x="395536" y="1196752"/>
-            <a:ext cx="1043608" cy="646331"/>
+            <a:off x="179512" y="1196752"/>
+            <a:ext cx="1800200" cy="923330"/>
           </a:xfrm>
           <a:prstGeom prst="rect">
             <a:avLst/>
@@ -7958,9 +7962,21 @@
           </a:bodyPr>
           <a:lstStyle/>
           <a:p>
+            <a:pPr algn="ctr"/>
             <a:r>
               <a:rPr lang="fr-FR" dirty="0"/>
-              <a:t>Embryon MuSK KO</a:t>
+              <a:t>Embryon de souris </a:t>
+            </a:r>
+          </a:p>
+          <a:p>
+            <a:pPr algn="ctr"/>
+            <a:r>
+              <a:rPr lang="fr-FR" dirty="0" err="1"/>
+              <a:t>MuSK</a:t>
+            </a:r>
+            <a:r>
+              <a:rPr lang="fr-FR" dirty="0"/>
+              <a:t> KO</a:t>
             </a:r>
           </a:p>
         </p:txBody>
@@ -7973,8 +7989,8 @@
         </p:nvSpPr>
         <p:spPr>
           <a:xfrm>
-            <a:off x="395536" y="4725144"/>
-            <a:ext cx="1115616" cy="646331"/>
+            <a:off x="179512" y="4725144"/>
+            <a:ext cx="1656184" cy="923330"/>
           </a:xfrm>
           <a:prstGeom prst="rect">
             <a:avLst/>
@@ -7987,9 +8003,17 @@
           </a:bodyPr>
           <a:lstStyle/>
           <a:p>
+            <a:pPr algn="ctr"/>
             <a:r>
               <a:rPr lang="fr-FR" dirty="0"/>
-              <a:t>Embryon MuSK WT</a:t>
+              <a:t>Embryon de souris </a:t>
+            </a:r>
+          </a:p>
+          <a:p>
+            <a:pPr algn="ctr"/>
+            <a:r>
+              <a:rPr lang="fr-FR" dirty="0"/>
+              <a:t> MuSK WT</a:t>
             </a:r>
           </a:p>
         </p:txBody>
@@ -7999,7 +8023,7 @@
           <p:cNvPr id="8" name="Image 7">
             <a:extLst>
               <a:ext uri="{FF2B5EF4-FFF2-40B4-BE49-F238E27FC236}">
-                <a16:creationId xmlns:a16="http://schemas.microsoft.com/office/drawing/2014/main" xmlns="" id="{D73EC4F2-B469-42F0-BA8E-31B813743E19}"/>
+                <a16:creationId xmlns:a16="http://schemas.microsoft.com/office/drawing/2014/main" id="{D73EC4F2-B469-42F0-BA8E-31B813743E19}"/>
               </a:ext>
             </a:extLst>
           </p:cNvPr>
@@ -8035,7 +8059,7 @@
           <p:cNvPr id="21" name="Image 20">
             <a:extLst>
               <a:ext uri="{FF2B5EF4-FFF2-40B4-BE49-F238E27FC236}">
-                <a16:creationId xmlns:a16="http://schemas.microsoft.com/office/drawing/2014/main" xmlns="" id="{74CFA5B1-5009-4B9E-9D3D-DCAAAA0509D5}"/>
+                <a16:creationId xmlns:a16="http://schemas.microsoft.com/office/drawing/2014/main" id="{74CFA5B1-5009-4B9E-9D3D-DCAAAA0509D5}"/>
               </a:ext>
             </a:extLst>
           </p:cNvPr>
@@ -8071,7 +8095,7 @@
           <p:cNvPr id="11" name="ZoneTexte 10">
             <a:extLst>
               <a:ext uri="{FF2B5EF4-FFF2-40B4-BE49-F238E27FC236}">
-                <a16:creationId xmlns:a16="http://schemas.microsoft.com/office/drawing/2014/main" xmlns="" id="{1941768D-54A5-4B45-998E-80A0C5BD8950}"/>
+                <a16:creationId xmlns:a16="http://schemas.microsoft.com/office/drawing/2014/main" id="{1941768D-54A5-4B45-998E-80A0C5BD8950}"/>
               </a:ext>
             </a:extLst>
           </p:cNvPr>
@@ -8239,7 +8263,7 @@
           <p:cNvPr id="14" name="ZoneTexte 13">
             <a:extLst>
               <a:ext uri="{FF2B5EF4-FFF2-40B4-BE49-F238E27FC236}">
-                <a16:creationId xmlns:a16="http://schemas.microsoft.com/office/drawing/2014/main" xmlns="" id="{1941768D-54A5-4B45-998E-80A0C5BD8950}"/>
+                <a16:creationId xmlns:a16="http://schemas.microsoft.com/office/drawing/2014/main" id="{1941768D-54A5-4B45-998E-80A0C5BD8950}"/>
               </a:ext>
             </a:extLst>
           </p:cNvPr>
@@ -8305,7 +8329,7 @@
           <p:cNvPr id="2" name="Titre 1">
             <a:extLst>
               <a:ext uri="{FF2B5EF4-FFF2-40B4-BE49-F238E27FC236}">
-                <a16:creationId xmlns:a16="http://schemas.microsoft.com/office/drawing/2014/main" xmlns="" id="{77C362DF-B701-4CBF-A0C6-E5D3B52006E9}"/>
+                <a16:creationId xmlns:a16="http://schemas.microsoft.com/office/drawing/2014/main" id="{77C362DF-B701-4CBF-A0C6-E5D3B52006E9}"/>
               </a:ext>
             </a:extLst>
           </p:cNvPr>
@@ -8330,15 +8354,7 @@
           <a:p>
             <a:r>
               <a:rPr lang="fr-FR" sz="2800" dirty="0"/>
-              <a:t>La présence de MuSK est-elle confirmée par </a:t>
-            </a:r>
-            <a:r>
-              <a:rPr lang="fr-FR" sz="2800" dirty="0" err="1"/>
-              <a:t>immunoprécipitation</a:t>
-            </a:r>
-            <a:r>
-              <a:rPr lang="fr-FR" sz="2800" dirty="0"/>
-              <a:t> ?</a:t>
+              <a:t>La présence de MuSK est-elle confirmée par immunoprécipitation et Western Blot ?</a:t>
             </a:r>
           </a:p>
         </p:txBody>
@@ -8348,7 +8364,7 @@
           <p:cNvPr id="5" name="Espace réservé du contenu 4">
             <a:extLst>
               <a:ext uri="{FF2B5EF4-FFF2-40B4-BE49-F238E27FC236}">
-                <a16:creationId xmlns:a16="http://schemas.microsoft.com/office/drawing/2014/main" xmlns="" id="{CE862815-B4E8-4ED5-9230-A132D1B22C55}"/>
+                <a16:creationId xmlns:a16="http://schemas.microsoft.com/office/drawing/2014/main" id="{CE862815-B4E8-4ED5-9230-A132D1B22C55}"/>
               </a:ext>
             </a:extLst>
           </p:cNvPr>
@@ -8383,7 +8399,7 @@
           <p:cNvPr id="7" name="Image 6">
             <a:extLst>
               <a:ext uri="{FF2B5EF4-FFF2-40B4-BE49-F238E27FC236}">
-                <a16:creationId xmlns:a16="http://schemas.microsoft.com/office/drawing/2014/main" xmlns="" id="{CB30C5DC-6CF5-4D42-BE09-10AD5822A80C}"/>
+                <a16:creationId xmlns:a16="http://schemas.microsoft.com/office/drawing/2014/main" id="{CB30C5DC-6CF5-4D42-BE09-10AD5822A80C}"/>
               </a:ext>
             </a:extLst>
           </p:cNvPr>
@@ -8419,7 +8435,7 @@
           <p:cNvPr id="3" name="ZoneTexte 2">
             <a:extLst>
               <a:ext uri="{FF2B5EF4-FFF2-40B4-BE49-F238E27FC236}">
-                <a16:creationId xmlns:a16="http://schemas.microsoft.com/office/drawing/2014/main" xmlns="" id="{A49F7AF6-BFCF-41F3-B172-BC6D0010D137}"/>
+                <a16:creationId xmlns:a16="http://schemas.microsoft.com/office/drawing/2014/main" id="{A49F7AF6-BFCF-41F3-B172-BC6D0010D137}"/>
               </a:ext>
             </a:extLst>
           </p:cNvPr>
@@ -8515,15 +8531,7 @@
           <a:p>
             <a:r>
               <a:rPr lang="fr-FR" sz="1200" dirty="0"/>
-              <a:t>n = 3 souris WT</a:t>
-            </a:r>
-            <a:r>
-              <a:rPr lang="fr-FR" sz="1200" dirty="0" smtClean="0"/>
-              <a:t>, 3 </a:t>
-            </a:r>
-            <a:r>
-              <a:rPr lang="fr-FR" sz="1200" dirty="0"/>
-              <a:t>souris mutantes (</a:t>
+              <a:t>n = 3 souris WT, 3 souris mutantes (</a:t>
             </a:r>
             <a:r>
               <a:rPr lang="fr-FR" sz="1200" dirty="0" err="1"/>
@@ -8637,7 +8645,7 @@
           <p:cNvPr id="2" name="Titre 1">
             <a:extLst>
               <a:ext uri="{FF2B5EF4-FFF2-40B4-BE49-F238E27FC236}">
-                <a16:creationId xmlns:a16="http://schemas.microsoft.com/office/drawing/2014/main" xmlns="" id="{FB3EB441-C491-4A8F-AFC6-67B32294F0E5}"/>
+                <a16:creationId xmlns:a16="http://schemas.microsoft.com/office/drawing/2014/main" id="{FB3EB441-C491-4A8F-AFC6-67B32294F0E5}"/>
               </a:ext>
             </a:extLst>
           </p:cNvPr>
@@ -8662,7 +8670,15 @@
           <a:p>
             <a:r>
               <a:rPr lang="fr-FR" sz="2800" dirty="0"/>
-              <a:t>Quel est le niveau d’expression de MuSK dans diverses structures du cerveau ?</a:t>
+              <a:t>Quel est le niveau d’expression de MuSK dans diverses structures du cerveau ? Quantification par </a:t>
+            </a:r>
+            <a:r>
+              <a:rPr lang="fr-FR" sz="2800" dirty="0" err="1"/>
+              <a:t>qPCR</a:t>
+            </a:r>
+            <a:r>
+              <a:rPr lang="fr-FR" sz="2800" dirty="0"/>
+              <a:t>.</a:t>
             </a:r>
           </a:p>
         </p:txBody>
@@ -8672,7 +8688,7 @@
           <p:cNvPr id="5" name="Image 4">
             <a:extLst>
               <a:ext uri="{FF2B5EF4-FFF2-40B4-BE49-F238E27FC236}">
-                <a16:creationId xmlns:a16="http://schemas.microsoft.com/office/drawing/2014/main" xmlns="" id="{719937EE-8EA5-44D6-BA84-E4A9F94EFDB5}"/>
+                <a16:creationId xmlns:a16="http://schemas.microsoft.com/office/drawing/2014/main" id="{719937EE-8EA5-44D6-BA84-E4A9F94EFDB5}"/>
               </a:ext>
             </a:extLst>
           </p:cNvPr>
@@ -8737,7 +8753,7 @@
           <p:cNvPr id="4" name="ZoneTexte 3">
             <a:extLst>
               <a:ext uri="{FF2B5EF4-FFF2-40B4-BE49-F238E27FC236}">
-                <a16:creationId xmlns:a16="http://schemas.microsoft.com/office/drawing/2014/main" xmlns="" id="{A14657EF-3B0A-43D7-814A-407A0E6D665F}"/>
+                <a16:creationId xmlns:a16="http://schemas.microsoft.com/office/drawing/2014/main" id="{A14657EF-3B0A-43D7-814A-407A0E6D665F}"/>
               </a:ext>
             </a:extLst>
           </p:cNvPr>
@@ -8791,10 +8807,9 @@
           <a:p>
             <a:pPr algn="r"/>
             <a:r>
-              <a:rPr lang="fr-FR" sz="1200" dirty="0" smtClean="0"/>
+              <a:rPr lang="fr-FR" sz="1200" dirty="0"/>
               <a:t>* : p&lt;0.05</a:t>
             </a:r>
-            <a:endParaRPr lang="fr-FR" sz="1200" dirty="0"/>
           </a:p>
         </p:txBody>
       </p:sp>
@@ -8869,11 +8884,7 @@
           <a:p>
             <a:r>
               <a:rPr lang="fr-FR" dirty="0"/>
-              <a:t>MuSK participe à l’organisation des couches neuronales de l’hippocampe au travers de son domaine CRD </a:t>
-            </a:r>
-            <a:r>
-              <a:rPr lang="fr-FR" dirty="0" smtClean="0"/>
-              <a:t>;</a:t>
+              <a:t>MuSK participe à l’organisation des couches neuronales de l’hippocampe au travers de son domaine CRD ;</a:t>
             </a:r>
           </a:p>
           <a:p>
@@ -8882,11 +8893,7 @@
           <a:p>
             <a:r>
               <a:rPr lang="fr-FR" dirty="0"/>
-              <a:t>MuSK est situé dans des structures discrètes du cerveau </a:t>
-            </a:r>
-            <a:r>
-              <a:rPr lang="fr-FR" dirty="0" smtClean="0"/>
-              <a:t>;</a:t>
+              <a:t>MuSK est situé dans des structures discrètes du cerveau ;</a:t>
             </a:r>
           </a:p>
           <a:p>
@@ -8903,11 +8910,7 @@
             </a:r>
             <a:r>
               <a:rPr lang="fr-FR" dirty="0"/>
-              <a:t> avec GFAP (marqueur astrocytaire, coupes et cultures) et avec MAP2 (marqueur dendritique, cultures) </a:t>
-            </a:r>
-            <a:r>
-              <a:rPr lang="fr-FR" dirty="0" smtClean="0"/>
-              <a:t>;</a:t>
+              <a:t> avec GFAP (marqueur astrocytaire, coupes et cultures) et avec MAP2 (marqueur dendritique, cultures) ;</a:t>
             </a:r>
           </a:p>
           <a:p>
@@ -8916,11 +8919,7 @@
           <a:p>
             <a:r>
               <a:rPr lang="fr-FR" dirty="0"/>
-              <a:t>MuSK est plus exprimé dans l’hippocampe Gauche que dans le Droit ou dans le cervelet </a:t>
-            </a:r>
-            <a:r>
-              <a:rPr lang="fr-FR" dirty="0" smtClean="0"/>
-              <a:t>;</a:t>
+              <a:t>MuSK est plus exprimé dans l’hippocampe Gauche que dans le Droit ou dans le cervelet ;</a:t>
             </a:r>
           </a:p>
           <a:p>
@@ -9001,90 +9000,113 @@
         <p:spPr/>
         <p:txBody>
           <a:bodyPr>
-            <a:normAutofit fontScale="62500" lnSpcReduction="20000"/>
+            <a:normAutofit fontScale="92500"/>
           </a:bodyPr>
           <a:lstStyle/>
           <a:p>
             <a:r>
-              <a:rPr lang="fr-FR" dirty="0"/>
+              <a:rPr lang="fr-FR" sz="1600" dirty="0"/>
               <a:t>Confirmer la spécificité du marquage MuSK (autre anticorps, lignée de souris KO conditionnel dans le cerveau) ;</a:t>
             </a:r>
           </a:p>
           <a:p>
-            <a:endParaRPr lang="fr-FR" dirty="0"/>
-          </a:p>
-          <a:p>
-            <a:r>
-              <a:rPr lang="fr-FR" dirty="0"/>
+            <a:endParaRPr lang="fr-FR" sz="1600" dirty="0"/>
+          </a:p>
+          <a:p>
+            <a:r>
+              <a:rPr lang="fr-FR" sz="1600" dirty="0"/>
+              <a:t>Vérifier si </a:t>
+            </a:r>
+            <a:r>
+              <a:rPr lang="fr-FR" sz="1600" dirty="0" err="1"/>
+              <a:t>MuSK</a:t>
+            </a:r>
+            <a:r>
+              <a:rPr lang="fr-FR" sz="1600" dirty="0"/>
+              <a:t> est localisé à la membrane (</a:t>
+            </a:r>
+            <a:r>
+              <a:rPr lang="fr-FR" sz="1600" dirty="0" err="1"/>
+              <a:t>co</a:t>
+            </a:r>
+            <a:r>
+              <a:rPr lang="fr-FR" sz="1600" dirty="0"/>
+              <a:t>-marquage avec protéines membranaire, TIRF) ;</a:t>
+            </a:r>
+          </a:p>
+          <a:p>
+            <a:endParaRPr lang="fr-FR" sz="1600" dirty="0"/>
+          </a:p>
+          <a:p>
+            <a:r>
+              <a:rPr lang="fr-FR" sz="1600" dirty="0"/>
+              <a:t>Voir si </a:t>
+            </a:r>
+            <a:r>
+              <a:rPr lang="fr-FR" sz="1600" dirty="0" err="1"/>
+              <a:t>MuSK</a:t>
+            </a:r>
+            <a:r>
+              <a:rPr lang="fr-FR" sz="1600" dirty="0"/>
+              <a:t> et LRP4 sont exprimés par les mêmes cellules astrocytaires, si la signalisation de </a:t>
+            </a:r>
+            <a:r>
+              <a:rPr lang="fr-FR" sz="1600" dirty="0" err="1"/>
+              <a:t>MuSK</a:t>
+            </a:r>
+            <a:r>
+              <a:rPr lang="fr-FR" sz="1600" dirty="0"/>
+              <a:t> passe aussi par LRP4 et l’</a:t>
+            </a:r>
+            <a:r>
+              <a:rPr lang="fr-FR" sz="1600" dirty="0" err="1"/>
+              <a:t>agrine</a:t>
+            </a:r>
+            <a:r>
+              <a:rPr lang="fr-FR" sz="1600" dirty="0"/>
+              <a:t> ;</a:t>
+            </a:r>
+          </a:p>
+          <a:p>
+            <a:pPr marL="0" indent="0">
+              <a:buNone/>
+            </a:pPr>
+            <a:endParaRPr lang="fr-FR" sz="1600" dirty="0"/>
+          </a:p>
+          <a:p>
+            <a:r>
+              <a:rPr lang="fr-FR" sz="1600" dirty="0"/>
               <a:t>Mesurer la densité neuronale de l’hippocampe, et augmenter le nombre d’individus pour la mesure de l’épaisseur des couches neuronales ;</a:t>
             </a:r>
           </a:p>
           <a:p>
-            <a:endParaRPr lang="fr-FR" dirty="0"/>
-          </a:p>
-          <a:p>
-            <a:r>
-              <a:rPr lang="fr-FR" dirty="0"/>
-              <a:t>Voir si MuSK et LRP4 sont exprimés par les mêmes cellules astrocytaires, si la signalisation de MuSK passe aussi par LRP4 et </a:t>
-            </a:r>
-            <a:r>
-              <a:rPr lang="fr-FR" dirty="0" smtClean="0"/>
-              <a:t>l’</a:t>
-            </a:r>
-            <a:r>
-              <a:rPr lang="fr-FR" dirty="0" err="1" smtClean="0"/>
-              <a:t>agrine</a:t>
-            </a:r>
-            <a:r>
-              <a:rPr lang="fr-FR" dirty="0" smtClean="0"/>
-              <a:t> ;</a:t>
-            </a:r>
-            <a:endParaRPr lang="fr-FR" dirty="0"/>
-          </a:p>
-          <a:p>
-            <a:endParaRPr lang="fr-FR" dirty="0"/>
-          </a:p>
-          <a:p>
-            <a:r>
-              <a:rPr lang="fr-FR" dirty="0"/>
-              <a:t>Etudier l’évolution de l’expression de </a:t>
-            </a:r>
-            <a:r>
-              <a:rPr lang="fr-FR" dirty="0" smtClean="0"/>
-              <a:t>MuSK et de </a:t>
-            </a:r>
-            <a:r>
-              <a:rPr lang="en-US" dirty="0" err="1"/>
+            <a:pPr marL="0" indent="0">
+              <a:buNone/>
+            </a:pPr>
+            <a:endParaRPr lang="fr-FR" sz="1600" dirty="0"/>
+          </a:p>
+          <a:p>
+            <a:r>
+              <a:rPr lang="fr-FR" sz="1600" dirty="0"/>
+              <a:t>Etudier l’évolution de l’expression de MuSK et de </a:t>
+            </a:r>
+            <a:r>
+              <a:rPr lang="en-US" sz="1600" dirty="0" err="1"/>
               <a:t>MuSKΔCRD</a:t>
             </a:r>
             <a:r>
-              <a:rPr lang="fr-FR" dirty="0" smtClean="0"/>
-              <a:t> </a:t>
-            </a:r>
-            <a:r>
-              <a:rPr lang="fr-FR" dirty="0"/>
-              <a:t>dans les différentes structures au cours du développement ;</a:t>
-            </a:r>
-          </a:p>
-          <a:p>
-            <a:endParaRPr lang="fr-FR" dirty="0"/>
-          </a:p>
-          <a:p>
-            <a:r>
-              <a:rPr lang="fr-FR" dirty="0"/>
-              <a:t>Réaliser des tests comportementaux sur la souris </a:t>
-            </a:r>
-            <a:r>
-              <a:rPr lang="fr-FR" dirty="0" smtClean="0"/>
-              <a:t>mutante, </a:t>
-            </a:r>
-            <a:r>
-              <a:rPr lang="fr-FR" dirty="0"/>
-              <a:t>en collaboration avec une plateforme spécialisée de l’ICM, pour observer la mémoire spatiale, l’anxiété, et le stress des animaux mutants.</a:t>
-            </a:r>
-          </a:p>
-          <a:p>
-            <a:endParaRPr lang="fr-FR" dirty="0"/>
+              <a:rPr lang="fr-FR" sz="1600" dirty="0"/>
+              <a:t> dans les différentes structures au cours du développement ;</a:t>
+            </a:r>
+          </a:p>
+          <a:p>
+            <a:endParaRPr lang="fr-FR" sz="1600" dirty="0"/>
+          </a:p>
+          <a:p>
+            <a:r>
+              <a:rPr lang="fr-FR" sz="1600" dirty="0"/>
+              <a:t>Réaliser des tests comportementaux sur la souris mutante, en collaboration avec une plateforme spécialisée de l’ICM, pour observer la mémoire spatiale, l’anxiété, et le stress des animaux mutants.</a:t>
+            </a:r>
           </a:p>
         </p:txBody>
       </p:sp>
@@ -9412,7 +9434,7 @@
               </a:lnSpc>
             </a:pPr>
             <a:r>
-              <a:rPr lang="en-US" sz="1400" b="1" dirty="0" smtClean="0"/>
+              <a:rPr lang="en-US" sz="1400" b="1" dirty="0"/>
               <a:t>Mutants </a:t>
             </a:r>
             <a:r>
@@ -9456,15 +9478,7 @@
             </a:pPr>
             <a:r>
               <a:rPr lang="en-US" sz="1400" b="1" dirty="0"/>
-              <a:t>Pas de variation de la </a:t>
-            </a:r>
-            <a:r>
-              <a:rPr lang="en-US" sz="1400" b="1" dirty="0" smtClean="0"/>
-              <a:t>distance </a:t>
-            </a:r>
-            <a:r>
-              <a:rPr lang="en-US" sz="1400" b="1" dirty="0"/>
-              <a:t>(pas </a:t>
+              <a:t>Pas de variation de la distance (pas </a:t>
             </a:r>
             <a:r>
               <a:rPr lang="en-US" sz="1400" b="1" dirty="0" err="1"/>
@@ -9541,10 +9555,9 @@
           <a:p>
             <a:pPr algn="r"/>
             <a:r>
-              <a:rPr lang="fr-FR" sz="1200" dirty="0" smtClean="0"/>
+              <a:rPr lang="fr-FR" sz="1200" dirty="0"/>
               <a:t>n = 7 (par groupes)</a:t>
             </a:r>
-            <a:endParaRPr lang="fr-FR" sz="1200" dirty="0"/>
           </a:p>
         </p:txBody>
       </p:sp>
@@ -9624,11 +9637,7 @@
           <a:p>
             <a:r>
               <a:rPr lang="fr-FR" dirty="0"/>
-              <a:t>Maître organisateur de la Jonction Neuromusculaire (JNM) </a:t>
-            </a:r>
-            <a:r>
-              <a:rPr lang="fr-FR" dirty="0" smtClean="0"/>
-              <a:t>;</a:t>
+              <a:t>Maître organisateur de la Jonction Neuromusculaire (JNM) ;</a:t>
             </a:r>
           </a:p>
           <a:p>
@@ -9641,19 +9650,11 @@
             </a:r>
             <a:r>
               <a:rPr lang="fr-FR" dirty="0" err="1"/>
-              <a:t>Ig</a:t>
-            </a:r>
-            <a:r>
-              <a:rPr lang="fr-FR" dirty="0" err="1" smtClean="0"/>
-              <a:t>-like</a:t>
+              <a:t>Ig-like</a:t>
             </a:r>
             <a:r>
               <a:rPr lang="fr-FR" dirty="0"/>
-              <a:t>, 1 domaine CRD, 1 domaine kinase </a:t>
-            </a:r>
-            <a:r>
-              <a:rPr lang="fr-FR" dirty="0" smtClean="0"/>
-              <a:t>;</a:t>
+              <a:t>, 1 domaine CRD, 1 domaine kinase ;</a:t>
             </a:r>
           </a:p>
           <a:p>
@@ -9662,11 +9663,7 @@
           <a:p>
             <a:r>
               <a:rPr lang="fr-FR" dirty="0"/>
-              <a:t>3 Ligands </a:t>
-            </a:r>
-            <a:r>
-              <a:rPr lang="fr-FR" dirty="0" smtClean="0"/>
-              <a:t>: </a:t>
+              <a:t>3 Ligands : </a:t>
             </a:r>
             <a:r>
               <a:rPr lang="fr-FR" dirty="0" err="1"/>
@@ -9690,11 +9687,7 @@
             </a:r>
             <a:r>
               <a:rPr lang="fr-FR" dirty="0"/>
-              <a:t> </a:t>
-            </a:r>
-            <a:r>
-              <a:rPr lang="fr-FR" dirty="0" smtClean="0"/>
-              <a:t>;</a:t>
+              <a:t> ;</a:t>
             </a:r>
           </a:p>
           <a:p>
@@ -9702,18 +9695,9 @@
           </a:p>
           <a:p>
             <a:r>
-              <a:rPr lang="fr-FR" dirty="0" smtClean="0"/>
-              <a:t>Présent </a:t>
-            </a:r>
-            <a:r>
               <a:rPr lang="fr-FR" dirty="0"/>
-              <a:t>dans le SNC, mais </a:t>
-            </a:r>
-            <a:r>
-              <a:rPr lang="fr-FR" dirty="0" smtClean="0"/>
-              <a:t>fonctions toujours obscurs.</a:t>
-            </a:r>
-            <a:endParaRPr lang="fr-FR" dirty="0"/>
+              <a:t>Présent dans le SNC, mais fonctions toujours obscurs.</a:t>
+            </a:r>
           </a:p>
         </p:txBody>
       </p:sp>
@@ -9831,32 +9815,16 @@
           <a:p>
             <a:r>
               <a:rPr lang="fr-FR" dirty="0"/>
-              <a:t>Glycoprotéines sécrétées de 40kDa, impliquées dans </a:t>
-            </a:r>
-            <a:r>
-              <a:rPr lang="fr-FR" dirty="0" smtClean="0"/>
-              <a:t>de nombreux processus </a:t>
-            </a:r>
+              <a:t>Glycoprotéines sécrétées de 40kDa, impliquées dans de nombreux processus développementaux médiés par plusieurs voies de signalisation ;</a:t>
+            </a:r>
+          </a:p>
+          <a:p>
+            <a:endParaRPr lang="fr-FR" dirty="0"/>
+          </a:p>
+          <a:p>
             <a:r>
               <a:rPr lang="fr-FR" dirty="0"/>
-              <a:t>développementaux au travers de plusieurs voies de </a:t>
-            </a:r>
-            <a:r>
-              <a:rPr lang="fr-FR" dirty="0" smtClean="0"/>
-              <a:t>signalisation ;</a:t>
-            </a:r>
-          </a:p>
-          <a:p>
-            <a:endParaRPr lang="fr-FR" dirty="0"/>
-          </a:p>
-          <a:p>
-            <a:r>
-              <a:rPr lang="fr-FR" dirty="0"/>
-              <a:t>19 membres connus chez l’humain et la souris </a:t>
-            </a:r>
-            <a:r>
-              <a:rPr lang="fr-FR" dirty="0" smtClean="0"/>
-              <a:t>;</a:t>
+              <a:t>19 membres connus chez l’humain et la souris ;</a:t>
             </a:r>
           </a:p>
           <a:p>
@@ -9873,11 +9841,7 @@
             </a:r>
             <a:r>
               <a:rPr lang="fr-FR" dirty="0"/>
-              <a:t>, mais aussi de RYK, ROR et MuSK </a:t>
-            </a:r>
-            <a:r>
-              <a:rPr lang="fr-FR" dirty="0" smtClean="0"/>
-              <a:t>;</a:t>
+              <a:t>, mais aussi de RYK, ROR et MuSK ;</a:t>
             </a:r>
           </a:p>
           <a:p>
@@ -9898,15 +9862,7 @@
             </a:r>
             <a:r>
               <a:rPr lang="fr-FR" dirty="0"/>
-              <a:t> (2, 3a, </a:t>
-            </a:r>
-            <a:r>
-              <a:rPr lang="fr-FR" dirty="0" smtClean="0"/>
-              <a:t>4, 6</a:t>
-            </a:r>
-            <a:r>
-              <a:rPr lang="fr-FR" dirty="0"/>
-              <a:t>, 7b, 9a, 11) lient MuSK. Wnt4, 9a et 11 vont l’activer.</a:t>
+              <a:t> (2, 3a, 4, 6, 7b, 9a, 11) lient MuSK. Wnt4, 9a et 11 vont l’activer.</a:t>
             </a:r>
           </a:p>
           <a:p>
@@ -9952,7 +9908,7 @@
           <p:cNvPr id="5" name="ZoneTexte 4">
             <a:extLst>
               <a:ext uri="{FF2B5EF4-FFF2-40B4-BE49-F238E27FC236}">
-                <a16:creationId xmlns:a16="http://schemas.microsoft.com/office/drawing/2014/main" xmlns="" id="{56F1A455-3B2D-4E56-8217-42C97271B6A0}"/>
+                <a16:creationId xmlns:a16="http://schemas.microsoft.com/office/drawing/2014/main" id="{56F1A455-3B2D-4E56-8217-42C97271B6A0}"/>
               </a:ext>
             </a:extLst>
           </p:cNvPr>
@@ -10078,11 +10034,7 @@
             </a:r>
             <a:r>
               <a:rPr lang="fr-FR" dirty="0"/>
-              <a:t>, qui présentent une altération de la jonction neuromusculaire et des symptômes de </a:t>
-            </a:r>
-            <a:r>
-              <a:rPr lang="fr-FR" dirty="0" smtClean="0"/>
-              <a:t>myasthénie congénitale ;</a:t>
+              <a:t>, qui présentent une altération de la jonction neuromusculaire et des symptômes de myasthénie congénitale ;</a:t>
             </a:r>
           </a:p>
           <a:p>
@@ -10091,11 +10043,7 @@
           <a:p>
             <a:r>
               <a:rPr lang="fr-FR" dirty="0"/>
-              <a:t>Les souris mutantes ont également des défauts de la mémoire intermédiaire </a:t>
-            </a:r>
-            <a:r>
-              <a:rPr lang="fr-FR" dirty="0" smtClean="0"/>
-              <a:t>;</a:t>
+              <a:t>Les souris mutantes ont également des défauts de la mémoire intermédiaire ;</a:t>
             </a:r>
           </a:p>
           <a:p>
@@ -10104,11 +10052,7 @@
           <a:p>
             <a:r>
               <a:rPr lang="fr-FR" dirty="0"/>
-              <a:t>Certains mâles mutants exhibaient des mutilations sur leur dos </a:t>
-            </a:r>
-            <a:r>
-              <a:rPr lang="fr-FR" dirty="0" smtClean="0"/>
-              <a:t>;</a:t>
+              <a:t>Certains mâles mutants exhibaient des mutilations sur leur dos ;</a:t>
             </a:r>
           </a:p>
           <a:p>
@@ -10117,11 +10061,7 @@
           <a:p>
             <a:r>
               <a:rPr lang="fr-FR" dirty="0"/>
-              <a:t>MuSK est présent dans l’hippocampe, lieu de formation de la </a:t>
-            </a:r>
-            <a:r>
-              <a:rPr lang="fr-FR" dirty="0" smtClean="0"/>
-              <a:t>mémoire ;</a:t>
+              <a:t>MuSK est présent dans l’hippocampe (HIS), lieu de formation de la mémoire ;</a:t>
             </a:r>
           </a:p>
           <a:p>
@@ -10167,7 +10107,7 @@
           <p:cNvPr id="5" name="Image 4" descr="Musk hippocampus brain.jpg">
             <a:extLst>
               <a:ext uri="{FF2B5EF4-FFF2-40B4-BE49-F238E27FC236}">
-                <a16:creationId xmlns:a16="http://schemas.microsoft.com/office/drawing/2014/main" xmlns="" id="{A29FA86E-09E7-4358-9807-37EF6C2CBD1D}"/>
+                <a16:creationId xmlns:a16="http://schemas.microsoft.com/office/drawing/2014/main" id="{A29FA86E-09E7-4358-9807-37EF6C2CBD1D}"/>
               </a:ext>
             </a:extLst>
           </p:cNvPr>
@@ -10493,7 +10433,7 @@
           <p:cNvPr id="2" name="Titre 1">
             <a:extLst>
               <a:ext uri="{FF2B5EF4-FFF2-40B4-BE49-F238E27FC236}">
-                <a16:creationId xmlns:a16="http://schemas.microsoft.com/office/drawing/2014/main" xmlns="" id="{FBE57705-2B49-4416-9E04-C2F0DE057863}"/>
+                <a16:creationId xmlns:a16="http://schemas.microsoft.com/office/drawing/2014/main" id="{FBE57705-2B49-4416-9E04-C2F0DE057863}"/>
               </a:ext>
             </a:extLst>
           </p:cNvPr>
@@ -10528,7 +10468,7 @@
           <p:cNvPr id="6" name="ZoneTexte 5">
             <a:extLst>
               <a:ext uri="{FF2B5EF4-FFF2-40B4-BE49-F238E27FC236}">
-                <a16:creationId xmlns:a16="http://schemas.microsoft.com/office/drawing/2014/main" xmlns="" id="{2E5495EE-CD33-48CE-AD2F-A53384757289}"/>
+                <a16:creationId xmlns:a16="http://schemas.microsoft.com/office/drawing/2014/main" id="{2E5495EE-CD33-48CE-AD2F-A53384757289}"/>
               </a:ext>
             </a:extLst>
           </p:cNvPr>
@@ -10564,7 +10504,7 @@
           <p:cNvPr id="7" name="ZoneTexte 6">
             <a:extLst>
               <a:ext uri="{FF2B5EF4-FFF2-40B4-BE49-F238E27FC236}">
-                <a16:creationId xmlns:a16="http://schemas.microsoft.com/office/drawing/2014/main" xmlns="" id="{E2D18DE9-0686-4AD9-959C-73D0B5F9A438}"/>
+                <a16:creationId xmlns:a16="http://schemas.microsoft.com/office/drawing/2014/main" id="{E2D18DE9-0686-4AD9-959C-73D0B5F9A438}"/>
               </a:ext>
             </a:extLst>
           </p:cNvPr>
@@ -10600,7 +10540,7 @@
           <p:cNvPr id="8" name="ZoneTexte 7">
             <a:extLst>
               <a:ext uri="{FF2B5EF4-FFF2-40B4-BE49-F238E27FC236}">
-                <a16:creationId xmlns:a16="http://schemas.microsoft.com/office/drawing/2014/main" xmlns="" id="{4E43770E-09C2-470B-898F-3DB6A89B9533}"/>
+                <a16:creationId xmlns:a16="http://schemas.microsoft.com/office/drawing/2014/main" id="{4E43770E-09C2-470B-898F-3DB6A89B9533}"/>
               </a:ext>
             </a:extLst>
           </p:cNvPr>
@@ -10635,7 +10575,7 @@
           <p:cNvPr id="9" name="ZoneTexte 8">
             <a:extLst>
               <a:ext uri="{FF2B5EF4-FFF2-40B4-BE49-F238E27FC236}">
-                <a16:creationId xmlns:a16="http://schemas.microsoft.com/office/drawing/2014/main" xmlns="" id="{EBED4ED7-9FF5-4C66-850B-090E98A985D2}"/>
+                <a16:creationId xmlns:a16="http://schemas.microsoft.com/office/drawing/2014/main" id="{EBED4ED7-9FF5-4C66-850B-090E98A985D2}"/>
               </a:ext>
             </a:extLst>
           </p:cNvPr>
@@ -10700,7 +10640,7 @@
           <p:cNvPr id="20" name="Espace réservé du contenu 19">
             <a:extLst>
               <a:ext uri="{FF2B5EF4-FFF2-40B4-BE49-F238E27FC236}">
-                <a16:creationId xmlns:a16="http://schemas.microsoft.com/office/drawing/2014/main" xmlns="" id="{15CE8566-8527-4A0E-8614-51A0ED8FB14E}"/>
+                <a16:creationId xmlns:a16="http://schemas.microsoft.com/office/drawing/2014/main" id="{15CE8566-8527-4A0E-8614-51A0ED8FB14E}"/>
               </a:ext>
             </a:extLst>
           </p:cNvPr>
@@ -10735,7 +10675,7 @@
           <p:cNvPr id="22" name="Image 21">
             <a:extLst>
               <a:ext uri="{FF2B5EF4-FFF2-40B4-BE49-F238E27FC236}">
-                <a16:creationId xmlns:a16="http://schemas.microsoft.com/office/drawing/2014/main" xmlns="" id="{3DEFDE98-492B-4F23-B698-028F185D1EB6}"/>
+                <a16:creationId xmlns:a16="http://schemas.microsoft.com/office/drawing/2014/main" id="{3DEFDE98-492B-4F23-B698-028F185D1EB6}"/>
               </a:ext>
             </a:extLst>
           </p:cNvPr>
@@ -10771,7 +10711,7 @@
           <p:cNvPr id="24" name="Image 23">
             <a:extLst>
               <a:ext uri="{FF2B5EF4-FFF2-40B4-BE49-F238E27FC236}">
-                <a16:creationId xmlns:a16="http://schemas.microsoft.com/office/drawing/2014/main" xmlns="" id="{BF6A760E-7A28-4047-B813-6351E0912B26}"/>
+                <a16:creationId xmlns:a16="http://schemas.microsoft.com/office/drawing/2014/main" id="{BF6A760E-7A28-4047-B813-6351E0912B26}"/>
               </a:ext>
             </a:extLst>
           </p:cNvPr>
@@ -10807,7 +10747,7 @@
           <p:cNvPr id="26" name="Image 25">
             <a:extLst>
               <a:ext uri="{FF2B5EF4-FFF2-40B4-BE49-F238E27FC236}">
-                <a16:creationId xmlns:a16="http://schemas.microsoft.com/office/drawing/2014/main" xmlns="" id="{EA74F93E-8629-471D-9E71-A20CFD5718A5}"/>
+                <a16:creationId xmlns:a16="http://schemas.microsoft.com/office/drawing/2014/main" id="{EA74F93E-8629-471D-9E71-A20CFD5718A5}"/>
               </a:ext>
             </a:extLst>
           </p:cNvPr>
@@ -10843,7 +10783,7 @@
           <p:cNvPr id="27" name="ZoneTexte 26">
             <a:extLst>
               <a:ext uri="{FF2B5EF4-FFF2-40B4-BE49-F238E27FC236}">
-                <a16:creationId xmlns:a16="http://schemas.microsoft.com/office/drawing/2014/main" xmlns="" id="{94E0E426-BB4D-4969-A35A-DA2F70A1635A}"/>
+                <a16:creationId xmlns:a16="http://schemas.microsoft.com/office/drawing/2014/main" id="{94E0E426-BB4D-4969-A35A-DA2F70A1635A}"/>
               </a:ext>
             </a:extLst>
           </p:cNvPr>
@@ -10908,7 +10848,7 @@
           <p:cNvPr id="2" name="Titre 1">
             <a:extLst>
               <a:ext uri="{FF2B5EF4-FFF2-40B4-BE49-F238E27FC236}">
-                <a16:creationId xmlns:a16="http://schemas.microsoft.com/office/drawing/2014/main" xmlns="" id="{C87BDB23-2D3E-4568-8216-8E5A6F8296EC}"/>
+                <a16:creationId xmlns:a16="http://schemas.microsoft.com/office/drawing/2014/main" id="{C87BDB23-2D3E-4568-8216-8E5A6F8296EC}"/>
               </a:ext>
             </a:extLst>
           </p:cNvPr>
@@ -10927,13 +10867,13 @@
         </p:spPr>
         <p:txBody>
           <a:bodyPr>
-            <a:normAutofit/>
+            <a:normAutofit fontScale="90000"/>
           </a:bodyPr>
           <a:lstStyle/>
           <a:p>
             <a:r>
               <a:rPr lang="fr-FR" sz="2800" dirty="0"/>
-              <a:t>L’organisation neuronale de l’hippocampe est-elle perturbée ? Marquage de </a:t>
+              <a:t>L’organisation neuronale de l’hippocampe est-elle perturbée ? Immunomarquage de </a:t>
             </a:r>
             <a:r>
               <a:rPr lang="fr-FR" sz="2800" dirty="0" err="1"/>
@@ -10941,15 +10881,7 @@
             </a:r>
             <a:r>
               <a:rPr lang="fr-FR" sz="2800" dirty="0"/>
-              <a:t> </a:t>
-            </a:r>
-            <a:r>
-              <a:rPr lang="fr-FR" sz="2800" dirty="0" smtClean="0"/>
-              <a:t>(noyau des </a:t>
-            </a:r>
-            <a:r>
-              <a:rPr lang="fr-FR" sz="2800" dirty="0"/>
-              <a:t>neurones).</a:t>
+              <a:t> (noyau des neurones).</a:t>
             </a:r>
           </a:p>
         </p:txBody>
@@ -10959,7 +10891,7 @@
           <p:cNvPr id="13" name="Espace réservé du contenu 12">
             <a:extLst>
               <a:ext uri="{FF2B5EF4-FFF2-40B4-BE49-F238E27FC236}">
-                <a16:creationId xmlns:a16="http://schemas.microsoft.com/office/drawing/2014/main" xmlns="" id="{25A3142E-F1FC-4D42-9908-CD48F0A5822E}"/>
+                <a16:creationId xmlns:a16="http://schemas.microsoft.com/office/drawing/2014/main" id="{25A3142E-F1FC-4D42-9908-CD48F0A5822E}"/>
               </a:ext>
             </a:extLst>
           </p:cNvPr>
@@ -10994,7 +10926,7 @@
           <p:cNvPr id="15" name="Image 14">
             <a:extLst>
               <a:ext uri="{FF2B5EF4-FFF2-40B4-BE49-F238E27FC236}">
-                <a16:creationId xmlns:a16="http://schemas.microsoft.com/office/drawing/2014/main" xmlns="" id="{D73A1D37-B218-4A25-BB26-CAF411AA0294}"/>
+                <a16:creationId xmlns:a16="http://schemas.microsoft.com/office/drawing/2014/main" id="{D73A1D37-B218-4A25-BB26-CAF411AA0294}"/>
               </a:ext>
             </a:extLst>
           </p:cNvPr>
@@ -11030,7 +10962,7 @@
           <p:cNvPr id="17" name="Image 16">
             <a:extLst>
               <a:ext uri="{FF2B5EF4-FFF2-40B4-BE49-F238E27FC236}">
-                <a16:creationId xmlns:a16="http://schemas.microsoft.com/office/drawing/2014/main" xmlns="" id="{DB61AFFC-BEB4-428E-8886-3DEC547D41A9}"/>
+                <a16:creationId xmlns:a16="http://schemas.microsoft.com/office/drawing/2014/main" id="{DB61AFFC-BEB4-428E-8886-3DEC547D41A9}"/>
               </a:ext>
             </a:extLst>
           </p:cNvPr>
@@ -11066,7 +10998,7 @@
           <p:cNvPr id="9" name="ZoneTexte 8">
             <a:extLst>
               <a:ext uri="{FF2B5EF4-FFF2-40B4-BE49-F238E27FC236}">
-                <a16:creationId xmlns:a16="http://schemas.microsoft.com/office/drawing/2014/main" xmlns="" id="{69291CAD-E8B8-44F9-AFB4-ADA7F3D6E078}"/>
+                <a16:creationId xmlns:a16="http://schemas.microsoft.com/office/drawing/2014/main" id="{69291CAD-E8B8-44F9-AFB4-ADA7F3D6E078}"/>
               </a:ext>
             </a:extLst>
           </p:cNvPr>
@@ -11112,7 +11044,7 @@
           <p:cNvPr id="19" name="ZoneTexte 18">
             <a:extLst>
               <a:ext uri="{FF2B5EF4-FFF2-40B4-BE49-F238E27FC236}">
-                <a16:creationId xmlns:a16="http://schemas.microsoft.com/office/drawing/2014/main" xmlns="" id="{A8EA65A0-AF8E-4AB1-8D93-AD8555AEE1F1}"/>
+                <a16:creationId xmlns:a16="http://schemas.microsoft.com/office/drawing/2014/main" id="{A8EA65A0-AF8E-4AB1-8D93-AD8555AEE1F1}"/>
               </a:ext>
             </a:extLst>
           </p:cNvPr>
@@ -11147,7 +11079,7 @@
           <p:cNvPr id="4" name="Image 3">
             <a:extLst>
               <a:ext uri="{FF2B5EF4-FFF2-40B4-BE49-F238E27FC236}">
-                <a16:creationId xmlns:a16="http://schemas.microsoft.com/office/drawing/2014/main" xmlns="" id="{752905A0-411C-4BAB-9C92-53E750F97227}"/>
+                <a16:creationId xmlns:a16="http://schemas.microsoft.com/office/drawing/2014/main" id="{752905A0-411C-4BAB-9C92-53E750F97227}"/>
               </a:ext>
             </a:extLst>
           </p:cNvPr>
@@ -11183,7 +11115,7 @@
           <p:cNvPr id="6" name="Image 5">
             <a:extLst>
               <a:ext uri="{FF2B5EF4-FFF2-40B4-BE49-F238E27FC236}">
-                <a16:creationId xmlns:a16="http://schemas.microsoft.com/office/drawing/2014/main" xmlns="" id="{4007BC50-1B5F-4EC4-96BE-F244DCDEF1AA}"/>
+                <a16:creationId xmlns:a16="http://schemas.microsoft.com/office/drawing/2014/main" id="{4007BC50-1B5F-4EC4-96BE-F244DCDEF1AA}"/>
               </a:ext>
             </a:extLst>
           </p:cNvPr>
@@ -11219,7 +11151,7 @@
           <p:cNvPr id="10" name="Image 9">
             <a:extLst>
               <a:ext uri="{FF2B5EF4-FFF2-40B4-BE49-F238E27FC236}">
-                <a16:creationId xmlns:a16="http://schemas.microsoft.com/office/drawing/2014/main" xmlns="" id="{C070E257-7578-457F-BDAB-2C635FAD9327}"/>
+                <a16:creationId xmlns:a16="http://schemas.microsoft.com/office/drawing/2014/main" id="{C070E257-7578-457F-BDAB-2C635FAD9327}"/>
               </a:ext>
             </a:extLst>
           </p:cNvPr>
@@ -11300,7 +11232,7 @@
           <p:cNvPr id="3" name="ZoneTexte 2">
             <a:extLst>
               <a:ext uri="{FF2B5EF4-FFF2-40B4-BE49-F238E27FC236}">
-                <a16:creationId xmlns:a16="http://schemas.microsoft.com/office/drawing/2014/main" xmlns="" id="{326C436B-382F-4B44-92C1-39F3FDE1E4A3}"/>
+                <a16:creationId xmlns:a16="http://schemas.microsoft.com/office/drawing/2014/main" id="{326C436B-382F-4B44-92C1-39F3FDE1E4A3}"/>
               </a:ext>
             </a:extLst>
           </p:cNvPr>
@@ -11336,7 +11268,7 @@
           <p:cNvPr id="14" name="ZoneTexte 13">
             <a:extLst>
               <a:ext uri="{FF2B5EF4-FFF2-40B4-BE49-F238E27FC236}">
-                <a16:creationId xmlns:a16="http://schemas.microsoft.com/office/drawing/2014/main" xmlns="" id="{D2A7689E-8795-413F-8188-CF8268149CDE}"/>
+                <a16:creationId xmlns:a16="http://schemas.microsoft.com/office/drawing/2014/main" id="{D2A7689E-8795-413F-8188-CF8268149CDE}"/>
               </a:ext>
             </a:extLst>
           </p:cNvPr>
@@ -11372,7 +11304,7 @@
           <p:cNvPr id="16" name="ZoneTexte 15">
             <a:extLst>
               <a:ext uri="{FF2B5EF4-FFF2-40B4-BE49-F238E27FC236}">
-                <a16:creationId xmlns:a16="http://schemas.microsoft.com/office/drawing/2014/main" xmlns="" id="{5B6F63B2-BF66-41DD-BA6E-528346EFE5F5}"/>
+                <a16:creationId xmlns:a16="http://schemas.microsoft.com/office/drawing/2014/main" id="{5B6F63B2-BF66-41DD-BA6E-528346EFE5F5}"/>
               </a:ext>
             </a:extLst>
           </p:cNvPr>
@@ -11427,10 +11359,9 @@
           <a:p>
             <a:pPr algn="r"/>
             <a:r>
-              <a:rPr lang="fr-FR" sz="1200" dirty="0" smtClean="0"/>
+              <a:rPr lang="fr-FR" sz="1200" dirty="0"/>
               <a:t>* : p&lt;0.05</a:t>
             </a:r>
-            <a:endParaRPr lang="fr-FR" sz="1200" dirty="0"/>
           </a:p>
         </p:txBody>
       </p:sp>
@@ -11469,7 +11400,7 @@
           <p:cNvPr id="2" name="Titre 1">
             <a:extLst>
               <a:ext uri="{FF2B5EF4-FFF2-40B4-BE49-F238E27FC236}">
-                <a16:creationId xmlns:a16="http://schemas.microsoft.com/office/drawing/2014/main" xmlns="" id="{F3A05091-89BC-4DF0-A01A-65B4C0F70C0C}"/>
+                <a16:creationId xmlns:a16="http://schemas.microsoft.com/office/drawing/2014/main" id="{F3A05091-89BC-4DF0-A01A-65B4C0F70C0C}"/>
               </a:ext>
             </a:extLst>
           </p:cNvPr>
@@ -11494,7 +11425,15 @@
           <a:p>
             <a:r>
               <a:rPr lang="fr-FR" sz="2800" dirty="0"/>
-              <a:t>Quelles sont les régions où MuSK est exprimé ?</a:t>
+              <a:t>Quelles sont les régions où MuSK est exprimé ? Immunomarquage de </a:t>
+            </a:r>
+            <a:r>
+              <a:rPr lang="fr-FR" sz="2800" dirty="0" err="1"/>
+              <a:t>MuSK</a:t>
+            </a:r>
+            <a:r>
+              <a:rPr lang="fr-FR" sz="2800" dirty="0"/>
+              <a:t>.</a:t>
             </a:r>
           </a:p>
         </p:txBody>
@@ -11504,7 +11443,7 @@
           <p:cNvPr id="5" name="Espace réservé du contenu 4">
             <a:extLst>
               <a:ext uri="{FF2B5EF4-FFF2-40B4-BE49-F238E27FC236}">
-                <a16:creationId xmlns:a16="http://schemas.microsoft.com/office/drawing/2014/main" xmlns="" id="{1DF164E9-54E7-422E-B29F-3B44AE77EE82}"/>
+                <a16:creationId xmlns:a16="http://schemas.microsoft.com/office/drawing/2014/main" id="{1DF164E9-54E7-422E-B29F-3B44AE77EE82}"/>
               </a:ext>
             </a:extLst>
           </p:cNvPr>
@@ -11539,7 +11478,7 @@
           <p:cNvPr id="7" name="Image 6">
             <a:extLst>
               <a:ext uri="{FF2B5EF4-FFF2-40B4-BE49-F238E27FC236}">
-                <a16:creationId xmlns:a16="http://schemas.microsoft.com/office/drawing/2014/main" xmlns="" id="{84ED406A-6FF9-4525-AB98-7E0E0A848FBB}"/>
+                <a16:creationId xmlns:a16="http://schemas.microsoft.com/office/drawing/2014/main" id="{84ED406A-6FF9-4525-AB98-7E0E0A848FBB}"/>
               </a:ext>
             </a:extLst>
           </p:cNvPr>
@@ -11575,7 +11514,7 @@
           <p:cNvPr id="6" name="ZoneTexte 5">
             <a:extLst>
               <a:ext uri="{FF2B5EF4-FFF2-40B4-BE49-F238E27FC236}">
-                <a16:creationId xmlns:a16="http://schemas.microsoft.com/office/drawing/2014/main" xmlns="" id="{63BF0684-ED98-4B91-B63C-63FF7799B27B}"/>
+                <a16:creationId xmlns:a16="http://schemas.microsoft.com/office/drawing/2014/main" id="{63BF0684-ED98-4B91-B63C-63FF7799B27B}"/>
               </a:ext>
             </a:extLst>
           </p:cNvPr>
@@ -11796,7 +11735,7 @@
           <p:cNvPr id="2" name="Titre 1">
             <a:extLst>
               <a:ext uri="{FF2B5EF4-FFF2-40B4-BE49-F238E27FC236}">
-                <a16:creationId xmlns:a16="http://schemas.microsoft.com/office/drawing/2014/main" xmlns="" id="{F3A05091-89BC-4DF0-A01A-65B4C0F70C0C}"/>
+                <a16:creationId xmlns:a16="http://schemas.microsoft.com/office/drawing/2014/main" id="{F3A05091-89BC-4DF0-A01A-65B4C0F70C0C}"/>
               </a:ext>
             </a:extLst>
           </p:cNvPr>
@@ -11821,7 +11760,15 @@
           <a:p>
             <a:r>
               <a:rPr lang="fr-FR" sz="2800" dirty="0"/>
-              <a:t>Quelles sont les régions où MuSK est exprimé ?</a:t>
+              <a:t>Quelles sont les régions où MuSK est exprimé ? Immunomarquage de </a:t>
+            </a:r>
+            <a:r>
+              <a:rPr lang="fr-FR" sz="2800" dirty="0" err="1"/>
+              <a:t>MuSK</a:t>
+            </a:r>
+            <a:r>
+              <a:rPr lang="fr-FR" sz="2800" dirty="0"/>
+              <a:t>.</a:t>
             </a:r>
           </a:p>
         </p:txBody>
@@ -11831,7 +11778,7 @@
           <p:cNvPr id="8" name="Image 7">
             <a:extLst>
               <a:ext uri="{FF2B5EF4-FFF2-40B4-BE49-F238E27FC236}">
-                <a16:creationId xmlns:a16="http://schemas.microsoft.com/office/drawing/2014/main" xmlns="" id="{C57132B0-959C-4B55-81CD-3EB39FD6A9A3}"/>
+                <a16:creationId xmlns:a16="http://schemas.microsoft.com/office/drawing/2014/main" id="{C57132B0-959C-4B55-81CD-3EB39FD6A9A3}"/>
               </a:ext>
             </a:extLst>
           </p:cNvPr>
@@ -11867,7 +11814,7 @@
           <p:cNvPr id="12" name="Image 11">
             <a:extLst>
               <a:ext uri="{FF2B5EF4-FFF2-40B4-BE49-F238E27FC236}">
-                <a16:creationId xmlns:a16="http://schemas.microsoft.com/office/drawing/2014/main" xmlns="" id="{40DB69A2-F1F9-4AF5-B263-56FA31C45926}"/>
+                <a16:creationId xmlns:a16="http://schemas.microsoft.com/office/drawing/2014/main" id="{40DB69A2-F1F9-4AF5-B263-56FA31C45926}"/>
               </a:ext>
             </a:extLst>
           </p:cNvPr>
@@ -11903,7 +11850,7 @@
           <p:cNvPr id="14" name="Image 13">
             <a:extLst>
               <a:ext uri="{FF2B5EF4-FFF2-40B4-BE49-F238E27FC236}">
-                <a16:creationId xmlns:a16="http://schemas.microsoft.com/office/drawing/2014/main" xmlns="" id="{E7A4230C-2550-426A-A956-13036563F62A}"/>
+                <a16:creationId xmlns:a16="http://schemas.microsoft.com/office/drawing/2014/main" id="{E7A4230C-2550-426A-A956-13036563F62A}"/>
               </a:ext>
             </a:extLst>
           </p:cNvPr>
@@ -11939,7 +11886,7 @@
           <p:cNvPr id="16" name="Image 15">
             <a:extLst>
               <a:ext uri="{FF2B5EF4-FFF2-40B4-BE49-F238E27FC236}">
-                <a16:creationId xmlns:a16="http://schemas.microsoft.com/office/drawing/2014/main" xmlns="" id="{D0559E8D-BABF-426C-89B6-18E21208EC86}"/>
+                <a16:creationId xmlns:a16="http://schemas.microsoft.com/office/drawing/2014/main" id="{D0559E8D-BABF-426C-89B6-18E21208EC86}"/>
               </a:ext>
             </a:extLst>
           </p:cNvPr>
@@ -11975,7 +11922,7 @@
           <p:cNvPr id="9" name="ZoneTexte 8">
             <a:extLst>
               <a:ext uri="{FF2B5EF4-FFF2-40B4-BE49-F238E27FC236}">
-                <a16:creationId xmlns:a16="http://schemas.microsoft.com/office/drawing/2014/main" xmlns="" id="{63BF0684-ED98-4B91-B63C-63FF7799B27B}"/>
+                <a16:creationId xmlns:a16="http://schemas.microsoft.com/office/drawing/2014/main" id="{63BF0684-ED98-4B91-B63C-63FF7799B27B}"/>
               </a:ext>
             </a:extLst>
           </p:cNvPr>
@@ -12177,7 +12124,7 @@
           <p:nvPr/>
         </p:nvPicPr>
         <p:blipFill>
-          <a:blip r:embed="rId7">
+          <a:blip r:embed="rId7" cstate="print">
             <a:extLst>
               <a:ext uri="{28A0092B-C50C-407E-A947-70E740481C1C}">
                 <a14:useLocalDpi xmlns:a14="http://schemas.microsoft.com/office/drawing/2010/main" val="0"/>

--- a/Présentation Oral.pptx
+++ b/Présentation Oral.pptx
@@ -5,7 +5,7 @@
     <p:sldMasterId id="2147483684" r:id="rId1"/>
   </p:sldMasterIdLst>
   <p:notesMasterIdLst>
-    <p:notesMasterId r:id="rId20"/>
+    <p:notesMasterId r:id="rId21"/>
   </p:notesMasterIdLst>
   <p:sldIdLst>
     <p:sldId id="256" r:id="rId2"/>
@@ -25,7 +25,8 @@
     <p:sldId id="316" r:id="rId16"/>
     <p:sldId id="310" r:id="rId17"/>
     <p:sldId id="266" r:id="rId18"/>
-    <p:sldId id="315" r:id="rId19"/>
+    <p:sldId id="317" r:id="rId19"/>
+    <p:sldId id="315" r:id="rId20"/>
   </p:sldIdLst>
   <p:sldSz cx="9144000" cy="6858000" type="screen4x3"/>
   <p:notesSz cx="6858000" cy="9144000"/>
@@ -9179,6 +9180,314 @@
 </file>
 
 <file path=ppt/slides/slide18.xml><?xml version="1.0" encoding="utf-8"?>
+<p:sld xmlns:a="http://schemas.openxmlformats.org/drawingml/2006/main" xmlns:r="http://schemas.openxmlformats.org/officeDocument/2006/relationships" xmlns:p="http://schemas.openxmlformats.org/presentationml/2006/main">
+  <p:cSld>
+    <p:spTree>
+      <p:nvGrpSpPr>
+        <p:cNvPr id="1" name=""/>
+        <p:cNvGrpSpPr/>
+        <p:nvPr/>
+      </p:nvGrpSpPr>
+      <p:grpSpPr>
+        <a:xfrm>
+          <a:off x="0" y="0"/>
+          <a:ext cx="0" cy="0"/>
+          <a:chOff x="0" y="0"/>
+          <a:chExt cx="0" cy="0"/>
+        </a:xfrm>
+      </p:grpSpPr>
+      <p:pic>
+        <p:nvPicPr>
+          <p:cNvPr id="15" name="Image 14">
+            <a:extLst>
+              <a:ext uri="{FF2B5EF4-FFF2-40B4-BE49-F238E27FC236}">
+                <a16:creationId xmlns:a16="http://schemas.microsoft.com/office/drawing/2014/main" id="{2621A428-5FE6-4E06-960B-AB753103ABC1}"/>
+              </a:ext>
+            </a:extLst>
+          </p:cNvPr>
+          <p:cNvPicPr>
+            <a:picLocks noChangeAspect="1"/>
+          </p:cNvPicPr>
+          <p:nvPr/>
+        </p:nvPicPr>
+        <p:blipFill>
+          <a:blip r:embed="rId2">
+            <a:extLst>
+              <a:ext uri="{28A0092B-C50C-407E-A947-70E740481C1C}">
+                <a14:useLocalDpi xmlns:a14="http://schemas.microsoft.com/office/drawing/2010/main" val="0"/>
+              </a:ext>
+            </a:extLst>
+          </a:blip>
+          <a:stretch>
+            <a:fillRect/>
+          </a:stretch>
+        </p:blipFill>
+        <p:spPr>
+          <a:xfrm>
+            <a:off x="2104673" y="1412776"/>
+            <a:ext cx="4934653" cy="3317413"/>
+          </a:xfrm>
+          <a:prstGeom prst="rect">
+            <a:avLst/>
+          </a:prstGeom>
+        </p:spPr>
+      </p:pic>
+      <p:sp>
+        <p:nvSpPr>
+          <p:cNvPr id="4" name="ZoneTexte 3">
+            <a:extLst>
+              <a:ext uri="{FF2B5EF4-FFF2-40B4-BE49-F238E27FC236}">
+                <a16:creationId xmlns:a16="http://schemas.microsoft.com/office/drawing/2014/main" id="{3950C7D6-3B24-4DBE-B13D-02E0AD7386C7}"/>
+              </a:ext>
+            </a:extLst>
+          </p:cNvPr>
+          <p:cNvSpPr txBox="1"/>
+          <p:nvPr/>
+        </p:nvSpPr>
+        <p:spPr>
+          <a:xfrm>
+            <a:off x="413791" y="260648"/>
+            <a:ext cx="8316416" cy="954107"/>
+          </a:xfrm>
+          <a:prstGeom prst="rect">
+            <a:avLst/>
+          </a:prstGeom>
+          <a:noFill/>
+        </p:spPr>
+        <p:txBody>
+          <a:bodyPr wrap="square" rtlCol="0">
+            <a:spAutoFit/>
+          </a:bodyPr>
+          <a:lstStyle/>
+          <a:p>
+            <a:pPr algn="ctr"/>
+            <a:r>
+              <a:rPr lang="fr-FR" sz="2800" dirty="0"/>
+              <a:t>Schéma des mesures de l’hippocampe après immunomarquage de </a:t>
+            </a:r>
+            <a:r>
+              <a:rPr lang="fr-FR" sz="2800" dirty="0" err="1"/>
+              <a:t>NeuN</a:t>
+            </a:r>
+            <a:r>
+              <a:rPr lang="fr-FR" sz="2800" dirty="0"/>
+              <a:t>.</a:t>
+            </a:r>
+          </a:p>
+        </p:txBody>
+      </p:sp>
+      <p:cxnSp>
+        <p:nvCxnSpPr>
+          <p:cNvPr id="8" name="Connecteur droit 7">
+            <a:extLst>
+              <a:ext uri="{FF2B5EF4-FFF2-40B4-BE49-F238E27FC236}">
+                <a16:creationId xmlns:a16="http://schemas.microsoft.com/office/drawing/2014/main" id="{A2E911ED-65AC-408E-8106-181A30BC9BFA}"/>
+              </a:ext>
+            </a:extLst>
+          </p:cNvPr>
+          <p:cNvCxnSpPr/>
+          <p:nvPr/>
+        </p:nvCxnSpPr>
+        <p:spPr>
+          <a:xfrm>
+            <a:off x="3419873" y="2495419"/>
+            <a:ext cx="144016" cy="144016"/>
+          </a:xfrm>
+          <a:prstGeom prst="line">
+            <a:avLst/>
+          </a:prstGeom>
+          <a:ln w="28575"/>
+        </p:spPr>
+        <p:style>
+          <a:lnRef idx="1">
+            <a:schemeClr val="dk1"/>
+          </a:lnRef>
+          <a:fillRef idx="0">
+            <a:schemeClr val="dk1"/>
+          </a:fillRef>
+          <a:effectRef idx="0">
+            <a:schemeClr val="dk1"/>
+          </a:effectRef>
+          <a:fontRef idx="minor">
+            <a:schemeClr val="tx1"/>
+          </a:fontRef>
+        </p:style>
+      </p:cxnSp>
+      <p:cxnSp>
+        <p:nvCxnSpPr>
+          <p:cNvPr id="9" name="Connecteur droit 8">
+            <a:extLst>
+              <a:ext uri="{FF2B5EF4-FFF2-40B4-BE49-F238E27FC236}">
+                <a16:creationId xmlns:a16="http://schemas.microsoft.com/office/drawing/2014/main" id="{65B3B959-B897-4F24-9553-D8A956599783}"/>
+              </a:ext>
+            </a:extLst>
+          </p:cNvPr>
+          <p:cNvCxnSpPr>
+            <a:cxnSpLocks/>
+          </p:cNvCxnSpPr>
+          <p:nvPr/>
+        </p:nvCxnSpPr>
+        <p:spPr>
+          <a:xfrm>
+            <a:off x="2987825" y="3359515"/>
+            <a:ext cx="216024" cy="0"/>
+          </a:xfrm>
+          <a:prstGeom prst="line">
+            <a:avLst/>
+          </a:prstGeom>
+          <a:ln w="28575"/>
+        </p:spPr>
+        <p:style>
+          <a:lnRef idx="1">
+            <a:schemeClr val="dk1"/>
+          </a:lnRef>
+          <a:fillRef idx="0">
+            <a:schemeClr val="dk1"/>
+          </a:fillRef>
+          <a:effectRef idx="0">
+            <a:schemeClr val="dk1"/>
+          </a:effectRef>
+          <a:fontRef idx="minor">
+            <a:schemeClr val="tx1"/>
+          </a:fontRef>
+        </p:style>
+      </p:cxnSp>
+      <p:sp>
+        <p:nvSpPr>
+          <p:cNvPr id="16" name="ZoneTexte 15">
+            <a:extLst>
+              <a:ext uri="{FF2B5EF4-FFF2-40B4-BE49-F238E27FC236}">
+                <a16:creationId xmlns:a16="http://schemas.microsoft.com/office/drawing/2014/main" id="{2CFAA978-9E9C-45BF-960A-F4C5EBD23069}"/>
+              </a:ext>
+            </a:extLst>
+          </p:cNvPr>
+          <p:cNvSpPr txBox="1"/>
+          <p:nvPr/>
+        </p:nvSpPr>
+        <p:spPr>
+          <a:xfrm>
+            <a:off x="-36512" y="6425262"/>
+            <a:ext cx="3384376" cy="430887"/>
+          </a:xfrm>
+          <a:prstGeom prst="rect">
+            <a:avLst/>
+          </a:prstGeom>
+          <a:noFill/>
+        </p:spPr>
+        <p:txBody>
+          <a:bodyPr wrap="square" rtlCol="0">
+            <a:spAutoFit/>
+          </a:bodyPr>
+          <a:lstStyle/>
+          <a:p>
+            <a:r>
+              <a:rPr lang="fr-FR" sz="1100" dirty="0"/>
+              <a:t>DG1 : Couche granulaire </a:t>
+            </a:r>
+            <a:r>
+              <a:rPr lang="fr-FR" sz="1100" dirty="0" err="1"/>
+              <a:t>infrapyramidale</a:t>
+            </a:r>
+            <a:endParaRPr lang="fr-FR" sz="1100" dirty="0"/>
+          </a:p>
+          <a:p>
+            <a:r>
+              <a:rPr lang="fr-FR" sz="1100" dirty="0"/>
+              <a:t>DG2 : Couche granulaire </a:t>
+            </a:r>
+            <a:r>
+              <a:rPr lang="fr-FR" sz="1100" dirty="0" err="1"/>
+              <a:t>suprapyramidale</a:t>
+            </a:r>
+            <a:endParaRPr lang="fr-FR" sz="1100" dirty="0"/>
+          </a:p>
+        </p:txBody>
+      </p:sp>
+      <p:sp>
+        <p:nvSpPr>
+          <p:cNvPr id="17" name="ZoneTexte 16">
+            <a:extLst>
+              <a:ext uri="{FF2B5EF4-FFF2-40B4-BE49-F238E27FC236}">
+                <a16:creationId xmlns:a16="http://schemas.microsoft.com/office/drawing/2014/main" id="{4329EE1F-653A-4D8F-AB65-16BDEBF22DD5}"/>
+              </a:ext>
+            </a:extLst>
+          </p:cNvPr>
+          <p:cNvSpPr txBox="1"/>
+          <p:nvPr/>
+        </p:nvSpPr>
+        <p:spPr>
+          <a:xfrm>
+            <a:off x="2104673" y="4753806"/>
+            <a:ext cx="4934653" cy="830997"/>
+          </a:xfrm>
+          <a:prstGeom prst="rect">
+            <a:avLst/>
+          </a:prstGeom>
+          <a:noFill/>
+        </p:spPr>
+        <p:txBody>
+          <a:bodyPr wrap="square" rtlCol="0">
+            <a:spAutoFit/>
+          </a:bodyPr>
+          <a:lstStyle/>
+          <a:p>
+            <a:pPr marL="285750" indent="-285750">
+              <a:buFont typeface="Arial" panose="020B0604020202020204" pitchFamily="34" charset="0"/>
+              <a:buChar char="•"/>
+            </a:pPr>
+            <a:r>
+              <a:rPr lang="fr-FR" sz="1600" dirty="0"/>
+              <a:t>3 mesures par région des deux côtés ;</a:t>
+            </a:r>
+          </a:p>
+          <a:p>
+            <a:pPr marL="285750" indent="-285750">
+              <a:buFont typeface="Arial" panose="020B0604020202020204" pitchFamily="34" charset="0"/>
+              <a:buChar char="•"/>
+            </a:pPr>
+            <a:r>
+              <a:rPr lang="fr-FR" sz="1600" dirty="0"/>
+              <a:t>Rassemblement des mesures droites et gauches ;</a:t>
+            </a:r>
+          </a:p>
+          <a:p>
+            <a:pPr marL="285750" indent="-285750">
+              <a:buFont typeface="Arial" panose="020B0604020202020204" pitchFamily="34" charset="0"/>
+              <a:buChar char="•"/>
+            </a:pPr>
+            <a:r>
+              <a:rPr lang="fr-FR" sz="1600" dirty="0" err="1"/>
+              <a:t>T-test</a:t>
+            </a:r>
+            <a:r>
+              <a:rPr lang="fr-FR" sz="1600" dirty="0"/>
+              <a:t> de </a:t>
+            </a:r>
+            <a:r>
+              <a:rPr lang="fr-FR" sz="1600" dirty="0" err="1"/>
+              <a:t>Student</a:t>
+            </a:r>
+            <a:r>
+              <a:rPr lang="fr-FR" sz="1600" dirty="0"/>
+              <a:t> non apparié WT vs Mutants.</a:t>
+            </a:r>
+          </a:p>
+        </p:txBody>
+      </p:sp>
+    </p:spTree>
+    <p:extLst>
+      <p:ext uri="{BB962C8B-B14F-4D97-AF65-F5344CB8AC3E}">
+        <p14:creationId xmlns:p14="http://schemas.microsoft.com/office/powerpoint/2010/main" val="1902516721"/>
+      </p:ext>
+    </p:extLst>
+  </p:cSld>
+  <p:clrMapOvr>
+    <a:masterClrMapping/>
+  </p:clrMapOvr>
+</p:sld>
+</file>
+
+<file path=ppt/slides/slide19.xml><?xml version="1.0" encoding="utf-8"?>
 <p:sld xmlns:a="http://schemas.openxmlformats.org/drawingml/2006/main" xmlns:r="http://schemas.openxmlformats.org/officeDocument/2006/relationships" xmlns:p="http://schemas.openxmlformats.org/presentationml/2006/main">
   <p:cSld>
     <p:spTree>

--- a/Présentation Oral.pptx
+++ b/Présentation Oral.pptx
@@ -11362,7 +11362,7 @@
         </p:nvSpPr>
         <p:spPr>
           <a:xfrm>
-            <a:off x="7668344" y="6530961"/>
+            <a:off x="7648023" y="6581001"/>
             <a:ext cx="1728192" cy="276999"/>
           </a:xfrm>
           <a:prstGeom prst="rect">
@@ -11499,7 +11499,7 @@
         </p:nvSpPr>
         <p:spPr>
           <a:xfrm>
-            <a:off x="7164288" y="6165304"/>
+            <a:off x="7143967" y="6215344"/>
             <a:ext cx="1983933" cy="461665"/>
           </a:xfrm>
           <a:prstGeom prst="rect">
@@ -11652,7 +11652,7 @@
         </p:nvSpPr>
         <p:spPr>
           <a:xfrm>
-            <a:off x="7847856" y="5949280"/>
+            <a:off x="7827535" y="5999320"/>
             <a:ext cx="1296144" cy="276999"/>
           </a:xfrm>
           <a:prstGeom prst="rect">
@@ -11671,6 +11671,57 @@
               <a:rPr lang="fr-FR" sz="1200" dirty="0"/>
               <a:t>* : p&lt;0.05</a:t>
             </a:r>
+          </a:p>
+        </p:txBody>
+      </p:sp>
+      <p:sp>
+        <p:nvSpPr>
+          <p:cNvPr id="18" name="ZoneTexte 17">
+            <a:extLst>
+              <a:ext uri="{FF2B5EF4-FFF2-40B4-BE49-F238E27FC236}">
+                <a16:creationId xmlns:a16="http://schemas.microsoft.com/office/drawing/2014/main" id="{9DC4E646-B6D1-4B87-AFB5-5AD34E7D7449}"/>
+              </a:ext>
+            </a:extLst>
+          </p:cNvPr>
+          <p:cNvSpPr txBox="1"/>
+          <p:nvPr/>
+        </p:nvSpPr>
+        <p:spPr>
+          <a:xfrm>
+            <a:off x="-36512" y="6425262"/>
+            <a:ext cx="3384376" cy="461665"/>
+          </a:xfrm>
+          <a:prstGeom prst="rect">
+            <a:avLst/>
+          </a:prstGeom>
+          <a:noFill/>
+        </p:spPr>
+        <p:txBody>
+          <a:bodyPr wrap="square" rtlCol="0">
+            <a:spAutoFit/>
+          </a:bodyPr>
+          <a:lstStyle/>
+          <a:p>
+            <a:r>
+              <a:rPr lang="fr-FR" sz="1200" dirty="0"/>
+              <a:t>DG1 : Couche granulaire </a:t>
+            </a:r>
+            <a:r>
+              <a:rPr lang="fr-FR" sz="1200" dirty="0" err="1"/>
+              <a:t>infrapyramidale</a:t>
+            </a:r>
+            <a:endParaRPr lang="fr-FR" sz="1200" dirty="0"/>
+          </a:p>
+          <a:p>
+            <a:r>
+              <a:rPr lang="fr-FR" sz="1200" dirty="0"/>
+              <a:t>DG2 : Couche granulaire </a:t>
+            </a:r>
+            <a:r>
+              <a:rPr lang="fr-FR" sz="1200" dirty="0" err="1"/>
+              <a:t>suprapyramidale</a:t>
+            </a:r>
+            <a:endParaRPr lang="fr-FR" sz="1200" dirty="0"/>
           </a:p>
         </p:txBody>
       </p:sp>

--- a/Présentation Oral.pptx
+++ b/Présentation Oral.pptx
@@ -5,7 +5,7 @@
     <p:sldMasterId id="2147483684" r:id="rId1"/>
   </p:sldMasterIdLst>
   <p:notesMasterIdLst>
-    <p:notesMasterId r:id="rId21"/>
+    <p:notesMasterId r:id="rId22"/>
   </p:notesMasterIdLst>
   <p:sldIdLst>
     <p:sldId id="256" r:id="rId2"/>
@@ -18,15 +18,16 @@
     <p:sldId id="286" r:id="rId9"/>
     <p:sldId id="287" r:id="rId10"/>
     <p:sldId id="288" r:id="rId11"/>
-    <p:sldId id="308" r:id="rId12"/>
-    <p:sldId id="291" r:id="rId13"/>
-    <p:sldId id="306" r:id="rId14"/>
-    <p:sldId id="307" r:id="rId15"/>
-    <p:sldId id="316" r:id="rId16"/>
-    <p:sldId id="310" r:id="rId17"/>
-    <p:sldId id="266" r:id="rId18"/>
-    <p:sldId id="317" r:id="rId19"/>
-    <p:sldId id="315" r:id="rId20"/>
+    <p:sldId id="318" r:id="rId12"/>
+    <p:sldId id="308" r:id="rId13"/>
+    <p:sldId id="291" r:id="rId14"/>
+    <p:sldId id="306" r:id="rId15"/>
+    <p:sldId id="307" r:id="rId16"/>
+    <p:sldId id="316" r:id="rId17"/>
+    <p:sldId id="310" r:id="rId18"/>
+    <p:sldId id="266" r:id="rId19"/>
+    <p:sldId id="317" r:id="rId20"/>
+    <p:sldId id="315" r:id="rId21"/>
   </p:sldIdLst>
   <p:sldSz cx="9144000" cy="6858000" type="screen4x3"/>
   <p:notesSz cx="6858000" cy="9144000"/>
@@ -2980,7 +2981,7 @@
             <a:fld id="{738B108D-3BCE-44D8-8902-08ED4A0D32BF}" type="datetimeFigureOut">
               <a:rPr lang="fr-FR" smtClean="0"/>
               <a:pPr/>
-              <a:t>07/06/2018</a:t>
+              <a:t>08/06/2018</a:t>
             </a:fld>
             <a:endParaRPr lang="fr-FR"/>
           </a:p>
@@ -3693,6 +3694,91 @@
     </p:spTree>
     <p:extLst>
       <p:ext uri="{BB962C8B-B14F-4D97-AF65-F5344CB8AC3E}">
+        <p14:creationId xmlns:p14="http://schemas.microsoft.com/office/powerpoint/2010/main" val="634654027"/>
+      </p:ext>
+    </p:extLst>
+  </p:cSld>
+  <p:clrMapOvr>
+    <a:masterClrMapping/>
+  </p:clrMapOvr>
+</p:notes>
+</file>
+
+<file path=ppt/notesSlides/notesSlide6.xml><?xml version="1.0" encoding="utf-8"?>
+<p:notes xmlns:a="http://schemas.openxmlformats.org/drawingml/2006/main" xmlns:r="http://schemas.openxmlformats.org/officeDocument/2006/relationships" xmlns:p="http://schemas.openxmlformats.org/presentationml/2006/main">
+  <p:cSld>
+    <p:spTree>
+      <p:nvGrpSpPr>
+        <p:cNvPr id="1" name=""/>
+        <p:cNvGrpSpPr/>
+        <p:nvPr/>
+      </p:nvGrpSpPr>
+      <p:grpSpPr>
+        <a:xfrm>
+          <a:off x="0" y="0"/>
+          <a:ext cx="0" cy="0"/>
+          <a:chOff x="0" y="0"/>
+          <a:chExt cx="0" cy="0"/>
+        </a:xfrm>
+      </p:grpSpPr>
+      <p:sp>
+        <p:nvSpPr>
+          <p:cNvPr id="2" name="Espace réservé de l'image des diapositives 1"/>
+          <p:cNvSpPr>
+            <a:spLocks noGrp="1" noRot="1" noChangeAspect="1"/>
+          </p:cNvSpPr>
+          <p:nvPr>
+            <p:ph type="sldImg"/>
+          </p:nvPr>
+        </p:nvSpPr>
+        <p:spPr/>
+      </p:sp>
+      <p:sp>
+        <p:nvSpPr>
+          <p:cNvPr id="3" name="Espace réservé des notes 2"/>
+          <p:cNvSpPr>
+            <a:spLocks noGrp="1"/>
+          </p:cNvSpPr>
+          <p:nvPr>
+            <p:ph type="body" idx="1"/>
+          </p:nvPr>
+        </p:nvSpPr>
+        <p:spPr/>
+        <p:txBody>
+          <a:bodyPr/>
+          <a:lstStyle/>
+          <a:p>
+            <a:endParaRPr lang="fr-FR" dirty="0"/>
+          </a:p>
+        </p:txBody>
+      </p:sp>
+      <p:sp>
+        <p:nvSpPr>
+          <p:cNvPr id="4" name="Espace réservé du numéro de diapositive 3"/>
+          <p:cNvSpPr>
+            <a:spLocks noGrp="1"/>
+          </p:cNvSpPr>
+          <p:nvPr>
+            <p:ph type="sldNum" sz="quarter" idx="10"/>
+          </p:nvPr>
+        </p:nvSpPr>
+        <p:spPr/>
+        <p:txBody>
+          <a:bodyPr/>
+          <a:lstStyle/>
+          <a:p>
+            <a:fld id="{4FBC6D27-8AEE-4C4B-BE1C-1EEAC5CEF8EF}" type="slidenum">
+              <a:rPr lang="fr-FR" smtClean="0"/>
+              <a:pPr/>
+              <a:t>12</a:t>
+            </a:fld>
+            <a:endParaRPr lang="fr-FR"/>
+          </a:p>
+        </p:txBody>
+      </p:sp>
+    </p:spTree>
+    <p:extLst>
+      <p:ext uri="{BB962C8B-B14F-4D97-AF65-F5344CB8AC3E}">
         <p14:creationId xmlns:p14="http://schemas.microsoft.com/office/powerpoint/2010/main" val="3169945750"/>
       </p:ext>
     </p:extLst>
@@ -3883,7 +3969,7 @@
             <a:fld id="{C0E33B7C-B49A-4F59-9D75-C8F9E48FDBF1}" type="datetimeFigureOut">
               <a:rPr lang="fr-FR" smtClean="0"/>
               <a:pPr/>
-              <a:t>07/06/2018</a:t>
+              <a:t>08/06/2018</a:t>
             </a:fld>
             <a:endParaRPr lang="fr-FR"/>
           </a:p>
@@ -4048,7 +4134,7 @@
             <a:fld id="{C0E33B7C-B49A-4F59-9D75-C8F9E48FDBF1}" type="datetimeFigureOut">
               <a:rPr lang="fr-FR" smtClean="0"/>
               <a:pPr/>
-              <a:t>07/06/2018</a:t>
+              <a:t>08/06/2018</a:t>
             </a:fld>
             <a:endParaRPr lang="fr-FR"/>
           </a:p>
@@ -4223,7 +4309,7 @@
             <a:fld id="{C0E33B7C-B49A-4F59-9D75-C8F9E48FDBF1}" type="datetimeFigureOut">
               <a:rPr lang="fr-FR" smtClean="0"/>
               <a:pPr/>
-              <a:t>07/06/2018</a:t>
+              <a:t>08/06/2018</a:t>
             </a:fld>
             <a:endParaRPr lang="fr-FR"/>
           </a:p>
@@ -4388,7 +4474,7 @@
             <a:fld id="{C0E33B7C-B49A-4F59-9D75-C8F9E48FDBF1}" type="datetimeFigureOut">
               <a:rPr lang="fr-FR" smtClean="0"/>
               <a:pPr/>
-              <a:t>07/06/2018</a:t>
+              <a:t>08/06/2018</a:t>
             </a:fld>
             <a:endParaRPr lang="fr-FR"/>
           </a:p>
@@ -4630,7 +4716,7 @@
             <a:fld id="{C0E33B7C-B49A-4F59-9D75-C8F9E48FDBF1}" type="datetimeFigureOut">
               <a:rPr lang="fr-FR" smtClean="0"/>
               <a:pPr/>
-              <a:t>07/06/2018</a:t>
+              <a:t>08/06/2018</a:t>
             </a:fld>
             <a:endParaRPr lang="fr-FR"/>
           </a:p>
@@ -4912,7 +4998,7 @@
             <a:fld id="{C0E33B7C-B49A-4F59-9D75-C8F9E48FDBF1}" type="datetimeFigureOut">
               <a:rPr lang="fr-FR" smtClean="0"/>
               <a:pPr/>
-              <a:t>07/06/2018</a:t>
+              <a:t>08/06/2018</a:t>
             </a:fld>
             <a:endParaRPr lang="fr-FR"/>
           </a:p>
@@ -5328,7 +5414,7 @@
             <a:fld id="{C0E33B7C-B49A-4F59-9D75-C8F9E48FDBF1}" type="datetimeFigureOut">
               <a:rPr lang="fr-FR" smtClean="0"/>
               <a:pPr/>
-              <a:t>07/06/2018</a:t>
+              <a:t>08/06/2018</a:t>
             </a:fld>
             <a:endParaRPr lang="fr-FR"/>
           </a:p>
@@ -5442,7 +5528,7 @@
             <a:fld id="{C0E33B7C-B49A-4F59-9D75-C8F9E48FDBF1}" type="datetimeFigureOut">
               <a:rPr lang="fr-FR" smtClean="0"/>
               <a:pPr/>
-              <a:t>07/06/2018</a:t>
+              <a:t>08/06/2018</a:t>
             </a:fld>
             <a:endParaRPr lang="fr-FR"/>
           </a:p>
@@ -5534,7 +5620,7 @@
             <a:fld id="{C0E33B7C-B49A-4F59-9D75-C8F9E48FDBF1}" type="datetimeFigureOut">
               <a:rPr lang="fr-FR" smtClean="0"/>
               <a:pPr/>
-              <a:t>07/06/2018</a:t>
+              <a:t>08/06/2018</a:t>
             </a:fld>
             <a:endParaRPr lang="fr-FR"/>
           </a:p>
@@ -5806,7 +5892,7 @@
             <a:fld id="{C0E33B7C-B49A-4F59-9D75-C8F9E48FDBF1}" type="datetimeFigureOut">
               <a:rPr lang="fr-FR" smtClean="0"/>
               <a:pPr/>
-              <a:t>07/06/2018</a:t>
+              <a:t>08/06/2018</a:t>
             </a:fld>
             <a:endParaRPr lang="fr-FR"/>
           </a:p>
@@ -6055,7 +6141,7 @@
             <a:fld id="{C0E33B7C-B49A-4F59-9D75-C8F9E48FDBF1}" type="datetimeFigureOut">
               <a:rPr lang="fr-FR" smtClean="0"/>
               <a:pPr/>
-              <a:t>07/06/2018</a:t>
+              <a:t>08/06/2018</a:t>
             </a:fld>
             <a:endParaRPr lang="fr-FR"/>
           </a:p>
@@ -6287,7 +6373,7 @@
             <a:fld id="{C0E33B7C-B49A-4F59-9D75-C8F9E48FDBF1}" type="datetimeFigureOut">
               <a:rPr lang="fr-FR" smtClean="0"/>
               <a:pPr/>
-              <a:t>07/06/2018</a:t>
+              <a:t>08/06/2018</a:t>
             </a:fld>
             <a:endParaRPr lang="fr-FR"/>
           </a:p>
@@ -7142,7 +7228,7 @@
             </a:r>
             <a:r>
               <a:rPr lang="fr-FR" sz="2800" dirty="0"/>
-              <a:t>, GFAP, MAP2.</a:t>
+              <a:t>, GFAP.</a:t>
             </a:r>
           </a:p>
         </p:txBody>
@@ -7303,7 +7389,7 @@
         </p:nvSpPr>
         <p:spPr>
           <a:xfrm>
-            <a:off x="712267" y="1278493"/>
+            <a:off x="115244" y="1334702"/>
             <a:ext cx="2520280" cy="369332"/>
           </a:xfrm>
           <a:prstGeom prst="rect">
@@ -7444,7 +7530,283 @@
         </p:nvSpPr>
         <p:spPr>
           <a:xfrm>
-            <a:off x="651075" y="-171400"/>
+            <a:off x="96570" y="1421595"/>
+            <a:ext cx="8229600" cy="1143000"/>
+          </a:xfrm>
+        </p:spPr>
+        <p:txBody>
+          <a:bodyPr>
+            <a:noAutofit/>
+          </a:bodyPr>
+          <a:lstStyle/>
+          <a:p>
+            <a:pPr algn="l"/>
+            <a:r>
+              <a:rPr lang="fr-FR" sz="1800" dirty="0"/>
+              <a:t>-Sur des cultures d’hippocampes</a:t>
+            </a:r>
+          </a:p>
+        </p:txBody>
+      </p:sp>
+      <p:pic>
+        <p:nvPicPr>
+          <p:cNvPr id="7" name="Image 6">
+            <a:extLst>
+              <a:ext uri="{FF2B5EF4-FFF2-40B4-BE49-F238E27FC236}">
+                <a16:creationId xmlns:a16="http://schemas.microsoft.com/office/drawing/2014/main" id="{659660F7-E266-445D-8A56-78B375B75EB4}"/>
+              </a:ext>
+            </a:extLst>
+          </p:cNvPr>
+          <p:cNvPicPr>
+            <a:picLocks noChangeAspect="1"/>
+          </p:cNvPicPr>
+          <p:nvPr/>
+        </p:nvPicPr>
+        <p:blipFill>
+          <a:blip r:embed="rId3" cstate="print">
+            <a:extLst>
+              <a:ext uri="{28A0092B-C50C-407E-A947-70E740481C1C}">
+                <a14:useLocalDpi xmlns:a14="http://schemas.microsoft.com/office/drawing/2010/main" val="0"/>
+              </a:ext>
+            </a:extLst>
+          </a:blip>
+          <a:stretch>
+            <a:fillRect/>
+          </a:stretch>
+        </p:blipFill>
+        <p:spPr>
+          <a:xfrm>
+            <a:off x="3164832" y="2206251"/>
+            <a:ext cx="2836358" cy="2836358"/>
+          </a:xfrm>
+          <a:prstGeom prst="rect">
+            <a:avLst/>
+          </a:prstGeom>
+        </p:spPr>
+      </p:pic>
+      <p:pic>
+        <p:nvPicPr>
+          <p:cNvPr id="9" name="Image 8">
+            <a:extLst>
+              <a:ext uri="{FF2B5EF4-FFF2-40B4-BE49-F238E27FC236}">
+                <a16:creationId xmlns:a16="http://schemas.microsoft.com/office/drawing/2014/main" id="{4BDC918D-EBAF-4502-A024-EF60AF311F93}"/>
+              </a:ext>
+            </a:extLst>
+          </p:cNvPr>
+          <p:cNvPicPr>
+            <a:picLocks noChangeAspect="1"/>
+          </p:cNvPicPr>
+          <p:nvPr/>
+        </p:nvPicPr>
+        <p:blipFill>
+          <a:blip r:embed="rId4" cstate="print">
+            <a:extLst>
+              <a:ext uri="{28A0092B-C50C-407E-A947-70E740481C1C}">
+                <a14:useLocalDpi xmlns:a14="http://schemas.microsoft.com/office/drawing/2010/main" val="0"/>
+              </a:ext>
+            </a:extLst>
+          </a:blip>
+          <a:stretch>
+            <a:fillRect/>
+          </a:stretch>
+        </p:blipFill>
+        <p:spPr>
+          <a:xfrm>
+            <a:off x="6228184" y="2206251"/>
+            <a:ext cx="2836358" cy="2836358"/>
+          </a:xfrm>
+          <a:prstGeom prst="rect">
+            <a:avLst/>
+          </a:prstGeom>
+        </p:spPr>
+      </p:pic>
+      <p:pic>
+        <p:nvPicPr>
+          <p:cNvPr id="15" name="Image 14">
+            <a:extLst>
+              <a:ext uri="{FF2B5EF4-FFF2-40B4-BE49-F238E27FC236}">
+                <a16:creationId xmlns:a16="http://schemas.microsoft.com/office/drawing/2014/main" id="{1D5F6ED3-EED6-4A15-A989-F0B9BE13D008}"/>
+              </a:ext>
+            </a:extLst>
+          </p:cNvPr>
+          <p:cNvPicPr>
+            <a:picLocks noChangeAspect="1"/>
+          </p:cNvPicPr>
+          <p:nvPr/>
+        </p:nvPicPr>
+        <p:blipFill>
+          <a:blip r:embed="rId5" cstate="print">
+            <a:extLst>
+              <a:ext uri="{28A0092B-C50C-407E-A947-70E740481C1C}">
+                <a14:useLocalDpi xmlns:a14="http://schemas.microsoft.com/office/drawing/2010/main" val="0"/>
+              </a:ext>
+            </a:extLst>
+          </a:blip>
+          <a:stretch>
+            <a:fillRect/>
+          </a:stretch>
+        </p:blipFill>
+        <p:spPr>
+          <a:xfrm>
+            <a:off x="95029" y="2206251"/>
+            <a:ext cx="2836358" cy="2836358"/>
+          </a:xfrm>
+          <a:prstGeom prst="rect">
+            <a:avLst/>
+          </a:prstGeom>
+        </p:spPr>
+      </p:pic>
+      <p:sp>
+        <p:nvSpPr>
+          <p:cNvPr id="16" name="ZoneTexte 15">
+            <a:extLst>
+              <a:ext uri="{FF2B5EF4-FFF2-40B4-BE49-F238E27FC236}">
+                <a16:creationId xmlns:a16="http://schemas.microsoft.com/office/drawing/2014/main" id="{A9F08D7D-0960-4664-9205-C6370B9660AA}"/>
+              </a:ext>
+            </a:extLst>
+          </p:cNvPr>
+          <p:cNvSpPr txBox="1"/>
+          <p:nvPr/>
+        </p:nvSpPr>
+        <p:spPr>
+          <a:xfrm>
+            <a:off x="7818811" y="5009544"/>
+            <a:ext cx="2123728" cy="246221"/>
+          </a:xfrm>
+          <a:prstGeom prst="rect">
+            <a:avLst/>
+          </a:prstGeom>
+          <a:noFill/>
+        </p:spPr>
+        <p:txBody>
+          <a:bodyPr wrap="square" rtlCol="0">
+            <a:spAutoFit/>
+          </a:bodyPr>
+          <a:lstStyle/>
+          <a:p>
+            <a:r>
+              <a:rPr lang="fr-FR" sz="1000" dirty="0"/>
+              <a:t>Barre d’échelle : 50µm</a:t>
+            </a:r>
+          </a:p>
+        </p:txBody>
+      </p:sp>
+      <p:sp>
+        <p:nvSpPr>
+          <p:cNvPr id="12" name="Titre 1">
+            <a:extLst>
+              <a:ext uri="{FF2B5EF4-FFF2-40B4-BE49-F238E27FC236}">
+                <a16:creationId xmlns:a16="http://schemas.microsoft.com/office/drawing/2014/main" id="{31627DF4-314B-4C3C-A672-1420910C67B1}"/>
+              </a:ext>
+            </a:extLst>
+          </p:cNvPr>
+          <p:cNvSpPr txBox="1">
+            <a:spLocks/>
+          </p:cNvSpPr>
+          <p:nvPr/>
+        </p:nvSpPr>
+        <p:spPr>
+          <a:xfrm>
+            <a:off x="467544" y="116632"/>
+            <a:ext cx="8229600" cy="1143000"/>
+          </a:xfrm>
+          <a:prstGeom prst="rect">
+            <a:avLst/>
+          </a:prstGeom>
+        </p:spPr>
+        <p:txBody>
+          <a:bodyPr vert="horz" lIns="91440" tIns="45720" rIns="91440" bIns="45720" rtlCol="0" anchor="ctr">
+            <a:normAutofit/>
+          </a:bodyPr>
+          <a:lstStyle>
+            <a:lvl1pPr algn="ctr" defTabSz="914400" rtl="0" eaLnBrk="1" latinLnBrk="0" hangingPunct="1">
+              <a:spcBef>
+                <a:spcPct val="0"/>
+              </a:spcBef>
+              <a:buNone/>
+              <a:defRPr sz="4400" kern="1200">
+                <a:solidFill>
+                  <a:schemeClr val="tx1"/>
+                </a:solidFill>
+                <a:latin typeface="+mj-lt"/>
+                <a:ea typeface="+mj-ea"/>
+                <a:cs typeface="+mj-cs"/>
+              </a:defRPr>
+            </a:lvl1pPr>
+          </a:lstStyle>
+          <a:p>
+            <a:r>
+              <a:rPr lang="fr-FR" sz="2800" dirty="0"/>
+              <a:t>Quelles sont les cellules exprimant </a:t>
+            </a:r>
+            <a:r>
+              <a:rPr lang="fr-FR" sz="2800" dirty="0" err="1"/>
+              <a:t>MuSK</a:t>
+            </a:r>
+            <a:r>
+              <a:rPr lang="fr-FR" sz="2800" dirty="0"/>
+              <a:t>? Immunomarquage de </a:t>
+            </a:r>
+            <a:r>
+              <a:rPr lang="fr-FR" sz="2800" dirty="0" err="1"/>
+              <a:t>MuSK</a:t>
+            </a:r>
+            <a:r>
+              <a:rPr lang="fr-FR" sz="2800" dirty="0"/>
+              <a:t>, GFAP.</a:t>
+            </a:r>
+          </a:p>
+        </p:txBody>
+      </p:sp>
+    </p:spTree>
+    <p:extLst>
+      <p:ext uri="{BB962C8B-B14F-4D97-AF65-F5344CB8AC3E}">
+        <p14:creationId xmlns:p14="http://schemas.microsoft.com/office/powerpoint/2010/main" val="3140482823"/>
+      </p:ext>
+    </p:extLst>
+  </p:cSld>
+  <p:clrMapOvr>
+    <a:masterClrMapping/>
+  </p:clrMapOvr>
+</p:sld>
+</file>
+
+<file path=ppt/slides/slide12.xml><?xml version="1.0" encoding="utf-8"?>
+<p:sld xmlns:a="http://schemas.openxmlformats.org/drawingml/2006/main" xmlns:r="http://schemas.openxmlformats.org/officeDocument/2006/relationships" xmlns:p="http://schemas.openxmlformats.org/presentationml/2006/main">
+  <p:cSld>
+    <p:spTree>
+      <p:nvGrpSpPr>
+        <p:cNvPr id="1" name=""/>
+        <p:cNvGrpSpPr/>
+        <p:nvPr/>
+      </p:nvGrpSpPr>
+      <p:grpSpPr>
+        <a:xfrm>
+          <a:off x="0" y="0"/>
+          <a:ext cx="0" cy="0"/>
+          <a:chOff x="0" y="0"/>
+          <a:chExt cx="0" cy="0"/>
+        </a:xfrm>
+      </p:grpSpPr>
+      <p:sp>
+        <p:nvSpPr>
+          <p:cNvPr id="2" name="Titre 1">
+            <a:extLst>
+              <a:ext uri="{FF2B5EF4-FFF2-40B4-BE49-F238E27FC236}">
+                <a16:creationId xmlns:a16="http://schemas.microsoft.com/office/drawing/2014/main" id="{36118B72-5743-4218-9FB1-6752F40399B7}"/>
+              </a:ext>
+            </a:extLst>
+          </p:cNvPr>
+          <p:cNvSpPr>
+            <a:spLocks noGrp="1"/>
+          </p:cNvSpPr>
+          <p:nvPr>
+            <p:ph type="title"/>
+          </p:nvPr>
+        </p:nvSpPr>
+        <p:spPr>
+          <a:xfrm>
+            <a:off x="101480" y="1414646"/>
             <a:ext cx="8229600" cy="1143000"/>
           </a:xfrm>
         </p:spPr>
@@ -7490,7 +7852,7 @@
         </p:blipFill>
         <p:spPr>
           <a:xfrm>
-            <a:off x="6228184" y="3831261"/>
+            <a:off x="6228184" y="2204864"/>
             <a:ext cx="2836358" cy="2836358"/>
           </a:xfrm>
           <a:prstGeom prst="rect">
@@ -7500,10 +7862,10 @@
       </p:pic>
       <p:pic>
         <p:nvPicPr>
-          <p:cNvPr id="7" name="Image 6">
+          <p:cNvPr id="11" name="Image 10">
             <a:extLst>
               <a:ext uri="{FF2B5EF4-FFF2-40B4-BE49-F238E27FC236}">
-                <a16:creationId xmlns:a16="http://schemas.microsoft.com/office/drawing/2014/main" id="{659660F7-E266-445D-8A56-78B375B75EB4}"/>
+                <a16:creationId xmlns:a16="http://schemas.microsoft.com/office/drawing/2014/main" id="{9F3F3A87-A4D2-4CB5-B19B-26E171E303AF}"/>
               </a:ext>
             </a:extLst>
           </p:cNvPr>
@@ -7526,7 +7888,7 @@
         </p:blipFill>
         <p:spPr>
           <a:xfrm>
-            <a:off x="3164832" y="766984"/>
+            <a:off x="3164832" y="2184539"/>
             <a:ext cx="2836358" cy="2836358"/>
           </a:xfrm>
           <a:prstGeom prst="rect">
@@ -7536,10 +7898,10 @@
       </p:pic>
       <p:pic>
         <p:nvPicPr>
-          <p:cNvPr id="9" name="Image 8">
+          <p:cNvPr id="13" name="Image 12">
             <a:extLst>
               <a:ext uri="{FF2B5EF4-FFF2-40B4-BE49-F238E27FC236}">
-                <a16:creationId xmlns:a16="http://schemas.microsoft.com/office/drawing/2014/main" id="{4BDC918D-EBAF-4502-A024-EF60AF311F93}"/>
+                <a16:creationId xmlns:a16="http://schemas.microsoft.com/office/drawing/2014/main" id="{BC1F8E69-EB26-4060-AB61-E8A97A89BE47}"/>
               </a:ext>
             </a:extLst>
           </p:cNvPr>
@@ -7562,7 +7924,7 @@
         </p:blipFill>
         <p:spPr>
           <a:xfrm>
-            <a:off x="6228184" y="766984"/>
+            <a:off x="101480" y="2184539"/>
             <a:ext cx="2836358" cy="2836358"/>
           </a:xfrm>
           <a:prstGeom prst="rect">
@@ -7570,149 +7932,6 @@
           </a:prstGeom>
         </p:spPr>
       </p:pic>
-      <p:pic>
-        <p:nvPicPr>
-          <p:cNvPr id="11" name="Image 10">
-            <a:extLst>
-              <a:ext uri="{FF2B5EF4-FFF2-40B4-BE49-F238E27FC236}">
-                <a16:creationId xmlns:a16="http://schemas.microsoft.com/office/drawing/2014/main" id="{9F3F3A87-A4D2-4CB5-B19B-26E171E303AF}"/>
-              </a:ext>
-            </a:extLst>
-          </p:cNvPr>
-          <p:cNvPicPr>
-            <a:picLocks noChangeAspect="1"/>
-          </p:cNvPicPr>
-          <p:nvPr/>
-        </p:nvPicPr>
-        <p:blipFill>
-          <a:blip r:embed="rId6" cstate="print">
-            <a:extLst>
-              <a:ext uri="{28A0092B-C50C-407E-A947-70E740481C1C}">
-                <a14:useLocalDpi xmlns:a14="http://schemas.microsoft.com/office/drawing/2010/main" val="0"/>
-              </a:ext>
-            </a:extLst>
-          </a:blip>
-          <a:stretch>
-            <a:fillRect/>
-          </a:stretch>
-        </p:blipFill>
-        <p:spPr>
-          <a:xfrm>
-            <a:off x="3164832" y="3810936"/>
-            <a:ext cx="2836358" cy="2836358"/>
-          </a:xfrm>
-          <a:prstGeom prst="rect">
-            <a:avLst/>
-          </a:prstGeom>
-        </p:spPr>
-      </p:pic>
-      <p:pic>
-        <p:nvPicPr>
-          <p:cNvPr id="13" name="Image 12">
-            <a:extLst>
-              <a:ext uri="{FF2B5EF4-FFF2-40B4-BE49-F238E27FC236}">
-                <a16:creationId xmlns:a16="http://schemas.microsoft.com/office/drawing/2014/main" id="{BC1F8E69-EB26-4060-AB61-E8A97A89BE47}"/>
-              </a:ext>
-            </a:extLst>
-          </p:cNvPr>
-          <p:cNvPicPr>
-            <a:picLocks noChangeAspect="1"/>
-          </p:cNvPicPr>
-          <p:nvPr/>
-        </p:nvPicPr>
-        <p:blipFill>
-          <a:blip r:embed="rId7" cstate="print">
-            <a:extLst>
-              <a:ext uri="{28A0092B-C50C-407E-A947-70E740481C1C}">
-                <a14:useLocalDpi xmlns:a14="http://schemas.microsoft.com/office/drawing/2010/main" val="0"/>
-              </a:ext>
-            </a:extLst>
-          </a:blip>
-          <a:stretch>
-            <a:fillRect/>
-          </a:stretch>
-        </p:blipFill>
-        <p:spPr>
-          <a:xfrm>
-            <a:off x="101480" y="3810936"/>
-            <a:ext cx="2836358" cy="2836358"/>
-          </a:xfrm>
-          <a:prstGeom prst="rect">
-            <a:avLst/>
-          </a:prstGeom>
-        </p:spPr>
-      </p:pic>
-      <p:pic>
-        <p:nvPicPr>
-          <p:cNvPr id="15" name="Image 14">
-            <a:extLst>
-              <a:ext uri="{FF2B5EF4-FFF2-40B4-BE49-F238E27FC236}">
-                <a16:creationId xmlns:a16="http://schemas.microsoft.com/office/drawing/2014/main" id="{1D5F6ED3-EED6-4A15-A989-F0B9BE13D008}"/>
-              </a:ext>
-            </a:extLst>
-          </p:cNvPr>
-          <p:cNvPicPr>
-            <a:picLocks noChangeAspect="1"/>
-          </p:cNvPicPr>
-          <p:nvPr/>
-        </p:nvPicPr>
-        <p:blipFill>
-          <a:blip r:embed="rId8" cstate="print">
-            <a:extLst>
-              <a:ext uri="{28A0092B-C50C-407E-A947-70E740481C1C}">
-                <a14:useLocalDpi xmlns:a14="http://schemas.microsoft.com/office/drawing/2010/main" val="0"/>
-              </a:ext>
-            </a:extLst>
-          </a:blip>
-          <a:stretch>
-            <a:fillRect/>
-          </a:stretch>
-        </p:blipFill>
-        <p:spPr>
-          <a:xfrm>
-            <a:off x="95029" y="766984"/>
-            <a:ext cx="2836358" cy="2836358"/>
-          </a:xfrm>
-          <a:prstGeom prst="rect">
-            <a:avLst/>
-          </a:prstGeom>
-        </p:spPr>
-      </p:pic>
-      <p:sp>
-        <p:nvSpPr>
-          <p:cNvPr id="16" name="ZoneTexte 15">
-            <a:extLst>
-              <a:ext uri="{FF2B5EF4-FFF2-40B4-BE49-F238E27FC236}">
-                <a16:creationId xmlns:a16="http://schemas.microsoft.com/office/drawing/2014/main" id="{A9F08D7D-0960-4664-9205-C6370B9660AA}"/>
-              </a:ext>
-            </a:extLst>
-          </p:cNvPr>
-          <p:cNvSpPr txBox="1"/>
-          <p:nvPr/>
-        </p:nvSpPr>
-        <p:spPr>
-          <a:xfrm>
-            <a:off x="7818811" y="3570277"/>
-            <a:ext cx="2123728" cy="246221"/>
-          </a:xfrm>
-          <a:prstGeom prst="rect">
-            <a:avLst/>
-          </a:prstGeom>
-          <a:noFill/>
-        </p:spPr>
-        <p:txBody>
-          <a:bodyPr wrap="square" rtlCol="0">
-            <a:spAutoFit/>
-          </a:bodyPr>
-          <a:lstStyle/>
-          <a:p>
-            <a:r>
-              <a:rPr lang="fr-FR" sz="1000" dirty="0"/>
-              <a:t>Barre d’échelle : 50µm</a:t>
-            </a:r>
-          </a:p>
-        </p:txBody>
-      </p:sp>
       <p:sp>
         <p:nvSpPr>
           <p:cNvPr id="17" name="ZoneTexte 16">
@@ -7727,7 +7946,7 @@
         </p:nvSpPr>
         <p:spPr>
           <a:xfrm>
-            <a:off x="7818811" y="6619791"/>
+            <a:off x="7818811" y="4993394"/>
             <a:ext cx="2123728" cy="246221"/>
           </a:xfrm>
           <a:prstGeom prst="rect">
@@ -7744,6 +7963,73 @@
             <a:r>
               <a:rPr lang="fr-FR" sz="1000" dirty="0"/>
               <a:t>Barre d’échelle : 20µm</a:t>
+            </a:r>
+          </a:p>
+        </p:txBody>
+      </p:sp>
+      <p:sp>
+        <p:nvSpPr>
+          <p:cNvPr id="12" name="Titre 1">
+            <a:extLst>
+              <a:ext uri="{FF2B5EF4-FFF2-40B4-BE49-F238E27FC236}">
+                <a16:creationId xmlns:a16="http://schemas.microsoft.com/office/drawing/2014/main" id="{E70ED7CA-E827-4574-8CD9-CD328A17C363}"/>
+              </a:ext>
+            </a:extLst>
+          </p:cNvPr>
+          <p:cNvSpPr txBox="1">
+            <a:spLocks/>
+          </p:cNvSpPr>
+          <p:nvPr/>
+        </p:nvSpPr>
+        <p:spPr>
+          <a:xfrm>
+            <a:off x="467544" y="116632"/>
+            <a:ext cx="8229600" cy="1143000"/>
+          </a:xfrm>
+          <a:prstGeom prst="rect">
+            <a:avLst/>
+          </a:prstGeom>
+        </p:spPr>
+        <p:txBody>
+          <a:bodyPr vert="horz" lIns="91440" tIns="45720" rIns="91440" bIns="45720" rtlCol="0" anchor="ctr">
+            <a:normAutofit/>
+          </a:bodyPr>
+          <a:lstStyle>
+            <a:lvl1pPr algn="ctr" defTabSz="914400" rtl="0" eaLnBrk="1" latinLnBrk="0" hangingPunct="1">
+              <a:spcBef>
+                <a:spcPct val="0"/>
+              </a:spcBef>
+              <a:buNone/>
+              <a:defRPr sz="4400" kern="1200">
+                <a:solidFill>
+                  <a:schemeClr val="tx1"/>
+                </a:solidFill>
+                <a:latin typeface="+mj-lt"/>
+                <a:ea typeface="+mj-ea"/>
+                <a:cs typeface="+mj-cs"/>
+              </a:defRPr>
+            </a:lvl1pPr>
+          </a:lstStyle>
+          <a:p>
+            <a:r>
+              <a:rPr lang="fr-FR" sz="2800" dirty="0"/>
+              <a:t>Quelles sont les cellules exprimant </a:t>
+            </a:r>
+            <a:r>
+              <a:rPr lang="fr-FR" sz="2800" dirty="0" err="1"/>
+              <a:t>MuSK</a:t>
+            </a:r>
+            <a:r>
+              <a:rPr lang="fr-FR" sz="2800" dirty="0"/>
+              <a:t>? Immunomarquage de </a:t>
+            </a:r>
+            <a:r>
+              <a:rPr lang="fr-FR" sz="2800"/>
+              <a:t>MuSK, </a:t>
+            </a:r>
+            <a:r>
+              <a:rPr lang="fr-FR" sz="2800" dirty="0"/>
+              <a:t>MAP2.</a:t>
             </a:r>
           </a:p>
         </p:txBody>
@@ -7761,7 +8047,7 @@
 </p:sld>
 </file>
 
-<file path=ppt/slides/slide12.xml><?xml version="1.0" encoding="utf-8"?>
+<file path=ppt/slides/slide13.xml><?xml version="1.0" encoding="utf-8"?>
 <p:sld xmlns:a="http://schemas.openxmlformats.org/drawingml/2006/main" xmlns:r="http://schemas.openxmlformats.org/officeDocument/2006/relationships" xmlns:p="http://schemas.openxmlformats.org/presentationml/2006/main">
   <p:cSld>
     <p:spTree>
@@ -8308,7 +8594,7 @@
 </p:sld>
 </file>
 
-<file path=ppt/slides/slide13.xml><?xml version="1.0" encoding="utf-8"?>
+<file path=ppt/slides/slide14.xml><?xml version="1.0" encoding="utf-8"?>
 <p:sld xmlns:a="http://schemas.openxmlformats.org/drawingml/2006/main" xmlns:r="http://schemas.openxmlformats.org/officeDocument/2006/relationships" xmlns:p="http://schemas.openxmlformats.org/presentationml/2006/main">
   <p:cSld>
     <p:spTree>
@@ -8624,7 +8910,7 @@
 </p:sld>
 </file>
 
-<file path=ppt/slides/slide14.xml><?xml version="1.0" encoding="utf-8"?>
+<file path=ppt/slides/slide15.xml><?xml version="1.0" encoding="utf-8"?>
 <p:sld xmlns:a="http://schemas.openxmlformats.org/drawingml/2006/main" xmlns:r="http://schemas.openxmlformats.org/officeDocument/2006/relationships" xmlns:p="http://schemas.openxmlformats.org/presentationml/2006/main">
   <p:cSld>
     <p:spTree>
@@ -8827,126 +9113,6 @@
 </p:sld>
 </file>
 
-<file path=ppt/slides/slide15.xml><?xml version="1.0" encoding="utf-8"?>
-<p:sld xmlns:a="http://schemas.openxmlformats.org/drawingml/2006/main" xmlns:r="http://schemas.openxmlformats.org/officeDocument/2006/relationships" xmlns:p="http://schemas.openxmlformats.org/presentationml/2006/main">
-  <p:cSld>
-    <p:spTree>
-      <p:nvGrpSpPr>
-        <p:cNvPr id="1" name=""/>
-        <p:cNvGrpSpPr/>
-        <p:nvPr/>
-      </p:nvGrpSpPr>
-      <p:grpSpPr>
-        <a:xfrm>
-          <a:off x="0" y="0"/>
-          <a:ext cx="0" cy="0"/>
-          <a:chOff x="0" y="0"/>
-          <a:chExt cx="0" cy="0"/>
-        </a:xfrm>
-      </p:grpSpPr>
-      <p:sp>
-        <p:nvSpPr>
-          <p:cNvPr id="2" name="Titre 1"/>
-          <p:cNvSpPr>
-            <a:spLocks noGrp="1"/>
-          </p:cNvSpPr>
-          <p:nvPr>
-            <p:ph type="title"/>
-          </p:nvPr>
-        </p:nvSpPr>
-        <p:spPr/>
-        <p:txBody>
-          <a:bodyPr/>
-          <a:lstStyle/>
-          <a:p>
-            <a:r>
-              <a:rPr lang="fr-FR" dirty="0"/>
-              <a:t>Conclusion</a:t>
-            </a:r>
-          </a:p>
-        </p:txBody>
-      </p:sp>
-      <p:sp>
-        <p:nvSpPr>
-          <p:cNvPr id="3" name="Espace réservé du contenu 2"/>
-          <p:cNvSpPr>
-            <a:spLocks noGrp="1"/>
-          </p:cNvSpPr>
-          <p:nvPr>
-            <p:ph idx="1"/>
-          </p:nvPr>
-        </p:nvSpPr>
-        <p:spPr/>
-        <p:txBody>
-          <a:bodyPr>
-            <a:normAutofit fontScale="70000" lnSpcReduction="20000"/>
-          </a:bodyPr>
-          <a:lstStyle/>
-          <a:p>
-            <a:r>
-              <a:rPr lang="fr-FR" dirty="0"/>
-              <a:t>MuSK participe à l’organisation des couches neuronales de l’hippocampe au travers de son domaine CRD ;</a:t>
-            </a:r>
-          </a:p>
-          <a:p>
-            <a:endParaRPr lang="fr-FR" dirty="0"/>
-          </a:p>
-          <a:p>
-            <a:r>
-              <a:rPr lang="fr-FR" dirty="0"/>
-              <a:t>MuSK est situé dans des structures discrètes du cerveau ;</a:t>
-            </a:r>
-          </a:p>
-          <a:p>
-            <a:endParaRPr lang="fr-FR" dirty="0"/>
-          </a:p>
-          <a:p>
-            <a:r>
-              <a:rPr lang="fr-FR" dirty="0"/>
-              <a:t>MuSK </a:t>
-            </a:r>
-            <a:r>
-              <a:rPr lang="fr-FR" dirty="0" err="1"/>
-              <a:t>colocalise</a:t>
-            </a:r>
-            <a:r>
-              <a:rPr lang="fr-FR" dirty="0"/>
-              <a:t> avec GFAP (marqueur astrocytaire, coupes et cultures) et avec MAP2 (marqueur dendritique, cultures) ;</a:t>
-            </a:r>
-          </a:p>
-          <a:p>
-            <a:endParaRPr lang="fr-FR" dirty="0"/>
-          </a:p>
-          <a:p>
-            <a:r>
-              <a:rPr lang="fr-FR" dirty="0"/>
-              <a:t>MuSK est plus exprimé dans l’hippocampe Gauche que dans le Droit ou dans le cervelet ;</a:t>
-            </a:r>
-          </a:p>
-          <a:p>
-            <a:endParaRPr lang="fr-FR" dirty="0"/>
-          </a:p>
-          <a:p>
-            <a:r>
-              <a:rPr lang="fr-FR" dirty="0"/>
-              <a:t>Pas d’observations de mutilation chez les mutants durant mon stage.</a:t>
-            </a:r>
-          </a:p>
-        </p:txBody>
-      </p:sp>
-    </p:spTree>
-    <p:extLst>
-      <p:ext uri="{BB962C8B-B14F-4D97-AF65-F5344CB8AC3E}">
-        <p14:creationId xmlns:p14="http://schemas.microsoft.com/office/powerpoint/2010/main" val="3985722439"/>
-      </p:ext>
-    </p:extLst>
-  </p:cSld>
-  <p:clrMapOvr>
-    <a:masterClrMapping/>
-  </p:clrMapOvr>
-</p:sld>
-</file>
-
 <file path=ppt/slides/slide16.xml><?xml version="1.0" encoding="utf-8"?>
 <p:sld xmlns:a="http://schemas.openxmlformats.org/drawingml/2006/main" xmlns:r="http://schemas.openxmlformats.org/officeDocument/2006/relationships" xmlns:p="http://schemas.openxmlformats.org/presentationml/2006/main">
   <p:cSld>
@@ -8976,14 +9142,12 @@
         </p:nvSpPr>
         <p:spPr/>
         <p:txBody>
-          <a:bodyPr>
-            <a:normAutofit/>
-          </a:bodyPr>
+          <a:bodyPr/>
           <a:lstStyle/>
           <a:p>
             <a:r>
               <a:rPr lang="fr-FR" dirty="0"/>
-              <a:t>Perspective</a:t>
+              <a:t>Conclusion</a:t>
             </a:r>
           </a:p>
         </p:txBody>
@@ -9001,112 +9165,57 @@
         <p:spPr/>
         <p:txBody>
           <a:bodyPr>
-            <a:normAutofit fontScale="92500"/>
+            <a:normAutofit fontScale="70000" lnSpcReduction="20000"/>
           </a:bodyPr>
           <a:lstStyle/>
           <a:p>
             <a:r>
-              <a:rPr lang="fr-FR" sz="1600" dirty="0"/>
-              <a:t>Confirmer la spécificité du marquage MuSK (autre anticorps, lignée de souris KO conditionnel dans le cerveau) ;</a:t>
-            </a:r>
-          </a:p>
-          <a:p>
-            <a:endParaRPr lang="fr-FR" sz="1600" dirty="0"/>
-          </a:p>
-          <a:p>
-            <a:r>
-              <a:rPr lang="fr-FR" sz="1600" dirty="0"/>
-              <a:t>Vérifier si </a:t>
-            </a:r>
-            <a:r>
-              <a:rPr lang="fr-FR" sz="1600" dirty="0" err="1"/>
-              <a:t>MuSK</a:t>
-            </a:r>
-            <a:r>
-              <a:rPr lang="fr-FR" sz="1600" dirty="0"/>
-              <a:t> est localisé à la membrane (</a:t>
-            </a:r>
-            <a:r>
-              <a:rPr lang="fr-FR" sz="1600" dirty="0" err="1"/>
-              <a:t>co</a:t>
-            </a:r>
-            <a:r>
-              <a:rPr lang="fr-FR" sz="1600" dirty="0"/>
-              <a:t>-marquage avec protéines membranaire, TIRF) ;</a:t>
-            </a:r>
-          </a:p>
-          <a:p>
-            <a:endParaRPr lang="fr-FR" sz="1600" dirty="0"/>
-          </a:p>
-          <a:p>
-            <a:r>
-              <a:rPr lang="fr-FR" sz="1600" dirty="0"/>
-              <a:t>Voir si </a:t>
-            </a:r>
-            <a:r>
-              <a:rPr lang="fr-FR" sz="1600" dirty="0" err="1"/>
-              <a:t>MuSK</a:t>
-            </a:r>
-            <a:r>
-              <a:rPr lang="fr-FR" sz="1600" dirty="0"/>
-              <a:t> et LRP4 sont exprimés par les mêmes cellules astrocytaires, si la signalisation de </a:t>
-            </a:r>
-            <a:r>
-              <a:rPr lang="fr-FR" sz="1600" dirty="0" err="1"/>
-              <a:t>MuSK</a:t>
-            </a:r>
-            <a:r>
-              <a:rPr lang="fr-FR" sz="1600" dirty="0"/>
-              <a:t> passe aussi par LRP4 et l’</a:t>
-            </a:r>
-            <a:r>
-              <a:rPr lang="fr-FR" sz="1600" dirty="0" err="1"/>
-              <a:t>agrine</a:t>
-            </a:r>
-            <a:r>
-              <a:rPr lang="fr-FR" sz="1600" dirty="0"/>
-              <a:t> ;</a:t>
-            </a:r>
-          </a:p>
-          <a:p>
-            <a:pPr marL="0" indent="0">
-              <a:buNone/>
-            </a:pPr>
-            <a:endParaRPr lang="fr-FR" sz="1600" dirty="0"/>
-          </a:p>
-          <a:p>
-            <a:r>
-              <a:rPr lang="fr-FR" sz="1600" dirty="0"/>
-              <a:t>Mesurer la densité neuronale de l’hippocampe, et augmenter le nombre d’individus pour la mesure de l’épaisseur des couches neuronales ;</a:t>
-            </a:r>
-          </a:p>
-          <a:p>
-            <a:pPr marL="0" indent="0">
-              <a:buNone/>
-            </a:pPr>
-            <a:endParaRPr lang="fr-FR" sz="1600" dirty="0"/>
-          </a:p>
-          <a:p>
-            <a:r>
-              <a:rPr lang="fr-FR" sz="1600" dirty="0"/>
-              <a:t>Etudier l’évolution de l’expression de MuSK et de </a:t>
-            </a:r>
-            <a:r>
-              <a:rPr lang="en-US" sz="1600" dirty="0" err="1"/>
-              <a:t>MuSKΔCRD</a:t>
-            </a:r>
-            <a:r>
-              <a:rPr lang="fr-FR" sz="1600" dirty="0"/>
-              <a:t> dans les différentes structures au cours du développement ;</a:t>
-            </a:r>
-          </a:p>
-          <a:p>
-            <a:endParaRPr lang="fr-FR" sz="1600" dirty="0"/>
-          </a:p>
-          <a:p>
-            <a:r>
-              <a:rPr lang="fr-FR" sz="1600" dirty="0"/>
-              <a:t>Réaliser des tests comportementaux sur la souris mutante, en collaboration avec une plateforme spécialisée de l’ICM, pour observer la mémoire spatiale, l’anxiété, et le stress des animaux mutants.</a:t>
+              <a:rPr lang="fr-FR" dirty="0"/>
+              <a:t>MuSK participe à l’organisation des couches neuronales de l’hippocampe au travers de son domaine CRD ;</a:t>
+            </a:r>
+          </a:p>
+          <a:p>
+            <a:endParaRPr lang="fr-FR" dirty="0"/>
+          </a:p>
+          <a:p>
+            <a:r>
+              <a:rPr lang="fr-FR" dirty="0"/>
+              <a:t>MuSK est situé dans des structures discrètes du cerveau ;</a:t>
+            </a:r>
+          </a:p>
+          <a:p>
+            <a:endParaRPr lang="fr-FR" dirty="0"/>
+          </a:p>
+          <a:p>
+            <a:r>
+              <a:rPr lang="fr-FR" dirty="0"/>
+              <a:t>MuSK </a:t>
+            </a:r>
+            <a:r>
+              <a:rPr lang="fr-FR" dirty="0" err="1"/>
+              <a:t>colocalise</a:t>
+            </a:r>
+            <a:r>
+              <a:rPr lang="fr-FR" dirty="0"/>
+              <a:t> avec GFAP (marqueur astrocytaire, coupes et cultures) et avec MAP2 (marqueur dendritique, cultures) ;</a:t>
+            </a:r>
+          </a:p>
+          <a:p>
+            <a:endParaRPr lang="fr-FR" dirty="0"/>
+          </a:p>
+          <a:p>
+            <a:r>
+              <a:rPr lang="fr-FR" dirty="0"/>
+              <a:t>MuSK est plus exprimé dans l’hippocampe Gauche que dans le Droit ou dans le cervelet ;</a:t>
+            </a:r>
+          </a:p>
+          <a:p>
+            <a:endParaRPr lang="fr-FR" dirty="0"/>
+          </a:p>
+          <a:p>
+            <a:r>
+              <a:rPr lang="fr-FR" dirty="0"/>
+              <a:t>Pas d’observations de mutilation chez les mutants durant mon stage.</a:t>
             </a:r>
           </a:p>
         </p:txBody>
@@ -9114,7 +9223,7 @@
     </p:spTree>
     <p:extLst>
       <p:ext uri="{BB962C8B-B14F-4D97-AF65-F5344CB8AC3E}">
-        <p14:creationId xmlns:p14="http://schemas.microsoft.com/office/powerpoint/2010/main" val="289720024"/>
+        <p14:creationId xmlns:p14="http://schemas.microsoft.com/office/powerpoint/2010/main" val="3985722439"/>
       </p:ext>
     </p:extLst>
   </p:cSld>
@@ -9143,6 +9252,183 @@
       </p:grpSpPr>
       <p:sp>
         <p:nvSpPr>
+          <p:cNvPr id="2" name="Titre 1"/>
+          <p:cNvSpPr>
+            <a:spLocks noGrp="1"/>
+          </p:cNvSpPr>
+          <p:nvPr>
+            <p:ph type="title"/>
+          </p:nvPr>
+        </p:nvSpPr>
+        <p:spPr/>
+        <p:txBody>
+          <a:bodyPr>
+            <a:normAutofit/>
+          </a:bodyPr>
+          <a:lstStyle/>
+          <a:p>
+            <a:r>
+              <a:rPr lang="fr-FR" dirty="0"/>
+              <a:t>Perspective</a:t>
+            </a:r>
+          </a:p>
+        </p:txBody>
+      </p:sp>
+      <p:sp>
+        <p:nvSpPr>
+          <p:cNvPr id="3" name="Espace réservé du contenu 2"/>
+          <p:cNvSpPr>
+            <a:spLocks noGrp="1"/>
+          </p:cNvSpPr>
+          <p:nvPr>
+            <p:ph idx="1"/>
+          </p:nvPr>
+        </p:nvSpPr>
+        <p:spPr/>
+        <p:txBody>
+          <a:bodyPr>
+            <a:normAutofit fontScale="92500"/>
+          </a:bodyPr>
+          <a:lstStyle/>
+          <a:p>
+            <a:r>
+              <a:rPr lang="fr-FR" sz="1600" dirty="0"/>
+              <a:t>Confirmer la spécificité du marquage MuSK (autre anticorps, lignée de souris KO conditionnel dans le cerveau) ;</a:t>
+            </a:r>
+          </a:p>
+          <a:p>
+            <a:endParaRPr lang="fr-FR" sz="1600" dirty="0"/>
+          </a:p>
+          <a:p>
+            <a:r>
+              <a:rPr lang="fr-FR" sz="1600" dirty="0"/>
+              <a:t>Vérifier si </a:t>
+            </a:r>
+            <a:r>
+              <a:rPr lang="fr-FR" sz="1600" dirty="0" err="1"/>
+              <a:t>MuSK</a:t>
+            </a:r>
+            <a:r>
+              <a:rPr lang="fr-FR" sz="1600" dirty="0"/>
+              <a:t> est localisé à la membrane (</a:t>
+            </a:r>
+            <a:r>
+              <a:rPr lang="fr-FR" sz="1600" dirty="0" err="1"/>
+              <a:t>co</a:t>
+            </a:r>
+            <a:r>
+              <a:rPr lang="fr-FR" sz="1600" dirty="0"/>
+              <a:t>-marquage avec protéines membranaire, TIRF) ;</a:t>
+            </a:r>
+          </a:p>
+          <a:p>
+            <a:endParaRPr lang="fr-FR" sz="1600" dirty="0"/>
+          </a:p>
+          <a:p>
+            <a:r>
+              <a:rPr lang="fr-FR" sz="1600" dirty="0"/>
+              <a:t>Voir si </a:t>
+            </a:r>
+            <a:r>
+              <a:rPr lang="fr-FR" sz="1600" dirty="0" err="1"/>
+              <a:t>MuSK</a:t>
+            </a:r>
+            <a:r>
+              <a:rPr lang="fr-FR" sz="1600" dirty="0"/>
+              <a:t> et LRP4 sont exprimés par les mêmes cellules astrocytaires, si la signalisation de </a:t>
+            </a:r>
+            <a:r>
+              <a:rPr lang="fr-FR" sz="1600" dirty="0" err="1"/>
+              <a:t>MuSK</a:t>
+            </a:r>
+            <a:r>
+              <a:rPr lang="fr-FR" sz="1600" dirty="0"/>
+              <a:t> passe aussi par LRP4 et l’</a:t>
+            </a:r>
+            <a:r>
+              <a:rPr lang="fr-FR" sz="1600" dirty="0" err="1"/>
+              <a:t>agrine</a:t>
+            </a:r>
+            <a:r>
+              <a:rPr lang="fr-FR" sz="1600" dirty="0"/>
+              <a:t> ;</a:t>
+            </a:r>
+          </a:p>
+          <a:p>
+            <a:pPr marL="0" indent="0">
+              <a:buNone/>
+            </a:pPr>
+            <a:endParaRPr lang="fr-FR" sz="1600" dirty="0"/>
+          </a:p>
+          <a:p>
+            <a:r>
+              <a:rPr lang="fr-FR" sz="1600" dirty="0"/>
+              <a:t>Mesurer la densité neuronale de l’hippocampe, et augmenter le nombre d’individus pour la mesure de l’épaisseur des couches neuronales ;</a:t>
+            </a:r>
+          </a:p>
+          <a:p>
+            <a:pPr marL="0" indent="0">
+              <a:buNone/>
+            </a:pPr>
+            <a:endParaRPr lang="fr-FR" sz="1600" dirty="0"/>
+          </a:p>
+          <a:p>
+            <a:r>
+              <a:rPr lang="fr-FR" sz="1600" dirty="0"/>
+              <a:t>Etudier l’évolution de l’expression de MuSK et de </a:t>
+            </a:r>
+            <a:r>
+              <a:rPr lang="en-US" sz="1600" dirty="0" err="1"/>
+              <a:t>MuSKΔCRD</a:t>
+            </a:r>
+            <a:r>
+              <a:rPr lang="fr-FR" sz="1600" dirty="0"/>
+              <a:t> dans les différentes structures au cours du développement ;</a:t>
+            </a:r>
+          </a:p>
+          <a:p>
+            <a:endParaRPr lang="fr-FR" sz="1600" dirty="0"/>
+          </a:p>
+          <a:p>
+            <a:r>
+              <a:rPr lang="fr-FR" sz="1600" dirty="0"/>
+              <a:t>Réaliser des tests comportementaux sur la souris mutante, en collaboration avec une plateforme spécialisée de l’ICM, pour observer la mémoire spatiale, l’anxiété, et le stress des animaux mutants.</a:t>
+            </a:r>
+          </a:p>
+        </p:txBody>
+      </p:sp>
+    </p:spTree>
+    <p:extLst>
+      <p:ext uri="{BB962C8B-B14F-4D97-AF65-F5344CB8AC3E}">
+        <p14:creationId xmlns:p14="http://schemas.microsoft.com/office/powerpoint/2010/main" val="289720024"/>
+      </p:ext>
+    </p:extLst>
+  </p:cSld>
+  <p:clrMapOvr>
+    <a:masterClrMapping/>
+  </p:clrMapOvr>
+</p:sld>
+</file>
+
+<file path=ppt/slides/slide18.xml><?xml version="1.0" encoding="utf-8"?>
+<p:sld xmlns:a="http://schemas.openxmlformats.org/drawingml/2006/main" xmlns:r="http://schemas.openxmlformats.org/officeDocument/2006/relationships" xmlns:p="http://schemas.openxmlformats.org/presentationml/2006/main">
+  <p:cSld>
+    <p:spTree>
+      <p:nvGrpSpPr>
+        <p:cNvPr id="1" name=""/>
+        <p:cNvGrpSpPr/>
+        <p:nvPr/>
+      </p:nvGrpSpPr>
+      <p:grpSpPr>
+        <a:xfrm>
+          <a:off x="0" y="0"/>
+          <a:ext cx="0" cy="0"/>
+          <a:chOff x="0" y="0"/>
+          <a:chExt cx="0" cy="0"/>
+        </a:xfrm>
+      </p:grpSpPr>
+      <p:sp>
+        <p:nvSpPr>
           <p:cNvPr id="4" name="ZoneTexte 3"/>
           <p:cNvSpPr txBox="1"/>
           <p:nvPr/>
@@ -9179,7 +9465,7 @@
 </p:sld>
 </file>
 
-<file path=ppt/slides/slide18.xml><?xml version="1.0" encoding="utf-8"?>
+<file path=ppt/slides/slide19.xml><?xml version="1.0" encoding="utf-8"?>
 <p:sld xmlns:a="http://schemas.openxmlformats.org/drawingml/2006/main" xmlns:r="http://schemas.openxmlformats.org/officeDocument/2006/relationships" xmlns:p="http://schemas.openxmlformats.org/presentationml/2006/main">
   <p:cSld>
     <p:spTree>
@@ -9487,7 +9773,177 @@
 </p:sld>
 </file>
 
-<file path=ppt/slides/slide19.xml><?xml version="1.0" encoding="utf-8"?>
+<file path=ppt/slides/slide2.xml><?xml version="1.0" encoding="utf-8"?>
+<p:sld xmlns:a="http://schemas.openxmlformats.org/drawingml/2006/main" xmlns:r="http://schemas.openxmlformats.org/officeDocument/2006/relationships" xmlns:p="http://schemas.openxmlformats.org/presentationml/2006/main">
+  <p:cSld>
+    <p:spTree>
+      <p:nvGrpSpPr>
+        <p:cNvPr id="1" name=""/>
+        <p:cNvGrpSpPr/>
+        <p:nvPr/>
+      </p:nvGrpSpPr>
+      <p:grpSpPr>
+        <a:xfrm>
+          <a:off x="0" y="0"/>
+          <a:ext cx="0" cy="0"/>
+          <a:chOff x="0" y="0"/>
+          <a:chExt cx="0" cy="0"/>
+        </a:xfrm>
+      </p:grpSpPr>
+      <p:sp>
+        <p:nvSpPr>
+          <p:cNvPr id="2" name="Titre 1"/>
+          <p:cNvSpPr>
+            <a:spLocks noGrp="1"/>
+          </p:cNvSpPr>
+          <p:nvPr>
+            <p:ph type="title"/>
+          </p:nvPr>
+        </p:nvSpPr>
+        <p:spPr/>
+        <p:txBody>
+          <a:bodyPr/>
+          <a:lstStyle/>
+          <a:p>
+            <a:r>
+              <a:rPr lang="fr-FR" dirty="0"/>
+              <a:t> Le récepteur MuSK</a:t>
+            </a:r>
+          </a:p>
+        </p:txBody>
+      </p:sp>
+      <p:sp>
+        <p:nvSpPr>
+          <p:cNvPr id="3" name="Espace réservé du contenu 2"/>
+          <p:cNvSpPr>
+            <a:spLocks noGrp="1"/>
+          </p:cNvSpPr>
+          <p:nvPr>
+            <p:ph idx="1"/>
+          </p:nvPr>
+        </p:nvSpPr>
+        <p:spPr>
+          <a:xfrm>
+            <a:off x="457200" y="1600200"/>
+            <a:ext cx="7571184" cy="4525963"/>
+          </a:xfrm>
+        </p:spPr>
+        <p:txBody>
+          <a:bodyPr>
+            <a:normAutofit fontScale="85000" lnSpcReduction="10000"/>
+          </a:bodyPr>
+          <a:lstStyle/>
+          <a:p>
+            <a:r>
+              <a:rPr lang="fr-FR" dirty="0"/>
+              <a:t>Maître organisateur de la Jonction Neuromusculaire (JNM) ;</a:t>
+            </a:r>
+          </a:p>
+          <a:p>
+            <a:endParaRPr lang="fr-FR" dirty="0"/>
+          </a:p>
+          <a:p>
+            <a:r>
+              <a:rPr lang="fr-FR" dirty="0"/>
+              <a:t>5 domaines conservés : 3 domaines </a:t>
+            </a:r>
+            <a:r>
+              <a:rPr lang="fr-FR" dirty="0" err="1"/>
+              <a:t>Ig-like</a:t>
+            </a:r>
+            <a:r>
+              <a:rPr lang="fr-FR" dirty="0"/>
+              <a:t>, 1 domaine CRD, 1 domaine kinase ;</a:t>
+            </a:r>
+          </a:p>
+          <a:p>
+            <a:endParaRPr lang="fr-FR" dirty="0"/>
+          </a:p>
+          <a:p>
+            <a:r>
+              <a:rPr lang="fr-FR" dirty="0"/>
+              <a:t>3 Ligands : </a:t>
+            </a:r>
+            <a:r>
+              <a:rPr lang="fr-FR" dirty="0" err="1"/>
+              <a:t>Agrine</a:t>
+            </a:r>
+            <a:r>
+              <a:rPr lang="fr-FR" dirty="0"/>
+              <a:t> (via LRP4), </a:t>
+            </a:r>
+            <a:r>
+              <a:rPr lang="fr-FR" dirty="0" err="1"/>
+              <a:t>ColQ</a:t>
+            </a:r>
+            <a:r>
+              <a:rPr lang="fr-FR" dirty="0"/>
+              <a:t> et les </a:t>
+            </a:r>
+            <a:r>
+              <a:rPr lang="fr-FR" dirty="0" err="1"/>
+              <a:t>Wnts</a:t>
+            </a:r>
+            <a:r>
+              <a:rPr lang="fr-FR" dirty="0"/>
+              <a:t> ;</a:t>
+            </a:r>
+          </a:p>
+          <a:p>
+            <a:endParaRPr lang="fr-FR" dirty="0"/>
+          </a:p>
+          <a:p>
+            <a:r>
+              <a:rPr lang="fr-FR" dirty="0"/>
+              <a:t>Présent dans le SNC, mais fonctions toujours obscurs.</a:t>
+            </a:r>
+          </a:p>
+        </p:txBody>
+      </p:sp>
+      <p:pic>
+        <p:nvPicPr>
+          <p:cNvPr id="5" name="Image 4" descr="MuSKReceptor.png"/>
+          <p:cNvPicPr>
+            <a:picLocks noChangeAspect="1"/>
+          </p:cNvPicPr>
+          <p:nvPr/>
+        </p:nvPicPr>
+        <p:blipFill>
+          <a:blip r:embed="rId2">
+            <a:extLst>
+              <a:ext uri="{28A0092B-C50C-407E-A947-70E740481C1C}">
+                <a14:useLocalDpi xmlns:a14="http://schemas.microsoft.com/office/drawing/2010/main" val="0"/>
+              </a:ext>
+            </a:extLst>
+          </a:blip>
+          <a:stretch>
+            <a:fillRect/>
+          </a:stretch>
+        </p:blipFill>
+        <p:spPr>
+          <a:xfrm>
+            <a:off x="8058912" y="1609486"/>
+            <a:ext cx="1085088" cy="4870704"/>
+          </a:xfrm>
+          <a:prstGeom prst="rect">
+            <a:avLst/>
+          </a:prstGeom>
+        </p:spPr>
+      </p:pic>
+    </p:spTree>
+    <p:extLst>
+      <p:ext uri="{BB962C8B-B14F-4D97-AF65-F5344CB8AC3E}">
+        <p14:creationId xmlns:p14="http://schemas.microsoft.com/office/powerpoint/2010/main" val="4241685133"/>
+      </p:ext>
+    </p:extLst>
+  </p:cSld>
+  <p:clrMapOvr>
+    <a:masterClrMapping/>
+  </p:clrMapOvr>
+</p:sld>
+</file>
+
+<file path=ppt/slides/slide20.xml><?xml version="1.0" encoding="utf-8"?>
 <p:sld xmlns:a="http://schemas.openxmlformats.org/drawingml/2006/main" xmlns:r="http://schemas.openxmlformats.org/officeDocument/2006/relationships" xmlns:p="http://schemas.openxmlformats.org/presentationml/2006/main">
   <p:cSld>
     <p:spTree>
@@ -9874,176 +10330,6 @@
     <p:extLst>
       <p:ext uri="{BB962C8B-B14F-4D97-AF65-F5344CB8AC3E}">
         <p14:creationId xmlns:p14="http://schemas.microsoft.com/office/powerpoint/2010/main" val="4025911809"/>
-      </p:ext>
-    </p:extLst>
-  </p:cSld>
-  <p:clrMapOvr>
-    <a:masterClrMapping/>
-  </p:clrMapOvr>
-</p:sld>
-</file>
-
-<file path=ppt/slides/slide2.xml><?xml version="1.0" encoding="utf-8"?>
-<p:sld xmlns:a="http://schemas.openxmlformats.org/drawingml/2006/main" xmlns:r="http://schemas.openxmlformats.org/officeDocument/2006/relationships" xmlns:p="http://schemas.openxmlformats.org/presentationml/2006/main">
-  <p:cSld>
-    <p:spTree>
-      <p:nvGrpSpPr>
-        <p:cNvPr id="1" name=""/>
-        <p:cNvGrpSpPr/>
-        <p:nvPr/>
-      </p:nvGrpSpPr>
-      <p:grpSpPr>
-        <a:xfrm>
-          <a:off x="0" y="0"/>
-          <a:ext cx="0" cy="0"/>
-          <a:chOff x="0" y="0"/>
-          <a:chExt cx="0" cy="0"/>
-        </a:xfrm>
-      </p:grpSpPr>
-      <p:sp>
-        <p:nvSpPr>
-          <p:cNvPr id="2" name="Titre 1"/>
-          <p:cNvSpPr>
-            <a:spLocks noGrp="1"/>
-          </p:cNvSpPr>
-          <p:nvPr>
-            <p:ph type="title"/>
-          </p:nvPr>
-        </p:nvSpPr>
-        <p:spPr/>
-        <p:txBody>
-          <a:bodyPr/>
-          <a:lstStyle/>
-          <a:p>
-            <a:r>
-              <a:rPr lang="fr-FR" dirty="0"/>
-              <a:t> Le récepteur MuSK</a:t>
-            </a:r>
-          </a:p>
-        </p:txBody>
-      </p:sp>
-      <p:sp>
-        <p:nvSpPr>
-          <p:cNvPr id="3" name="Espace réservé du contenu 2"/>
-          <p:cNvSpPr>
-            <a:spLocks noGrp="1"/>
-          </p:cNvSpPr>
-          <p:nvPr>
-            <p:ph idx="1"/>
-          </p:nvPr>
-        </p:nvSpPr>
-        <p:spPr>
-          <a:xfrm>
-            <a:off x="457200" y="1600200"/>
-            <a:ext cx="7571184" cy="4525963"/>
-          </a:xfrm>
-        </p:spPr>
-        <p:txBody>
-          <a:bodyPr>
-            <a:normAutofit fontScale="85000" lnSpcReduction="10000"/>
-          </a:bodyPr>
-          <a:lstStyle/>
-          <a:p>
-            <a:r>
-              <a:rPr lang="fr-FR" dirty="0"/>
-              <a:t>Maître organisateur de la Jonction Neuromusculaire (JNM) ;</a:t>
-            </a:r>
-          </a:p>
-          <a:p>
-            <a:endParaRPr lang="fr-FR" dirty="0"/>
-          </a:p>
-          <a:p>
-            <a:r>
-              <a:rPr lang="fr-FR" dirty="0"/>
-              <a:t>5 domaines conservés : 3 domaines </a:t>
-            </a:r>
-            <a:r>
-              <a:rPr lang="fr-FR" dirty="0" err="1"/>
-              <a:t>Ig-like</a:t>
-            </a:r>
-            <a:r>
-              <a:rPr lang="fr-FR" dirty="0"/>
-              <a:t>, 1 domaine CRD, 1 domaine kinase ;</a:t>
-            </a:r>
-          </a:p>
-          <a:p>
-            <a:endParaRPr lang="fr-FR" dirty="0"/>
-          </a:p>
-          <a:p>
-            <a:r>
-              <a:rPr lang="fr-FR" dirty="0"/>
-              <a:t>3 Ligands : </a:t>
-            </a:r>
-            <a:r>
-              <a:rPr lang="fr-FR" dirty="0" err="1"/>
-              <a:t>Agrine</a:t>
-            </a:r>
-            <a:r>
-              <a:rPr lang="fr-FR" dirty="0"/>
-              <a:t> (via LRP4), </a:t>
-            </a:r>
-            <a:r>
-              <a:rPr lang="fr-FR" dirty="0" err="1"/>
-              <a:t>ColQ</a:t>
-            </a:r>
-            <a:r>
-              <a:rPr lang="fr-FR" dirty="0"/>
-              <a:t> et les </a:t>
-            </a:r>
-            <a:r>
-              <a:rPr lang="fr-FR" dirty="0" err="1"/>
-              <a:t>Wnts</a:t>
-            </a:r>
-            <a:r>
-              <a:rPr lang="fr-FR" dirty="0"/>
-              <a:t> ;</a:t>
-            </a:r>
-          </a:p>
-          <a:p>
-            <a:endParaRPr lang="fr-FR" dirty="0"/>
-          </a:p>
-          <a:p>
-            <a:r>
-              <a:rPr lang="fr-FR" dirty="0"/>
-              <a:t>Présent dans le SNC, mais fonctions toujours obscurs.</a:t>
-            </a:r>
-          </a:p>
-        </p:txBody>
-      </p:sp>
-      <p:pic>
-        <p:nvPicPr>
-          <p:cNvPr id="5" name="Image 4" descr="MuSKReceptor.png"/>
-          <p:cNvPicPr>
-            <a:picLocks noChangeAspect="1"/>
-          </p:cNvPicPr>
-          <p:nvPr/>
-        </p:nvPicPr>
-        <p:blipFill>
-          <a:blip r:embed="rId2">
-            <a:extLst>
-              <a:ext uri="{28A0092B-C50C-407E-A947-70E740481C1C}">
-                <a14:useLocalDpi xmlns:a14="http://schemas.microsoft.com/office/drawing/2010/main" val="0"/>
-              </a:ext>
-            </a:extLst>
-          </a:blip>
-          <a:stretch>
-            <a:fillRect/>
-          </a:stretch>
-        </p:blipFill>
-        <p:spPr>
-          <a:xfrm>
-            <a:off x="8058912" y="1609486"/>
-            <a:ext cx="1085088" cy="4870704"/>
-          </a:xfrm>
-          <a:prstGeom prst="rect">
-            <a:avLst/>
-          </a:prstGeom>
-        </p:spPr>
-      </p:pic>
-    </p:spTree>
-    <p:extLst>
-      <p:ext uri="{BB962C8B-B14F-4D97-AF65-F5344CB8AC3E}">
-        <p14:creationId xmlns:p14="http://schemas.microsoft.com/office/powerpoint/2010/main" val="4241685133"/>
       </p:ext>
     </p:extLst>
   </p:cSld>

--- a/Présentation Oral.pptx
+++ b/Présentation Oral.pptx
@@ -8024,12 +8024,12 @@
               <a:t>? Immunomarquage de </a:t>
             </a:r>
             <a:r>
-              <a:rPr lang="fr-FR" sz="2800"/>
-              <a:t>MuSK, </a:t>
+              <a:rPr lang="fr-FR" sz="2800" dirty="0" err="1"/>
+              <a:t>MuSK</a:t>
             </a:r>
             <a:r>
               <a:rPr lang="fr-FR" sz="2800" dirty="0"/>
-              <a:t>MAP2.</a:t>
+              <a:t>, MAP2.</a:t>
             </a:r>
           </a:p>
         </p:txBody>
